--- a/Дипломная работа/Преддипломная Шуршев/Презентация преддипломная.pptx
+++ b/Дипломная работа/Преддипломная Шуршев/Презентация преддипломная.pptx
@@ -21052,10 +21052,10 @@
       </p:sp>
       <p:pic>
         <p:nvPicPr>
-          <p:cNvPr id="3" name="Рисунок 2">
+          <p:cNvPr id="6" name="Рисунок 5">
             <a:extLst>
               <a:ext uri="{FF2B5EF4-FFF2-40B4-BE49-F238E27FC236}">
-                <a16:creationId xmlns:a16="http://schemas.microsoft.com/office/drawing/2014/main" id="{03921933-52A3-0F96-9FB0-AE9928E969F7}"/>
+                <a16:creationId xmlns:a16="http://schemas.microsoft.com/office/drawing/2014/main" id="{EF39CDAC-48A7-0FBE-14E9-8BE96595EE5A}"/>
               </a:ext>
             </a:extLst>
           </p:cNvPr>
@@ -21072,8 +21072,8 @@
         </p:blipFill>
         <p:spPr>
           <a:xfrm>
-            <a:off x="3494886" y="740664"/>
-            <a:ext cx="5202227" cy="6099048"/>
+            <a:off x="3441290" y="749808"/>
+            <a:ext cx="5260258" cy="6108192"/>
           </a:xfrm>
           <a:prstGeom prst="rect">
             <a:avLst/>

--- a/Дипломная работа/Преддипломная Шуршев/Презентация преддипломная.pptx
+++ b/Дипломная работа/Преддипломная Шуршев/Презентация преддипломная.pptx
@@ -215,7 +215,7 @@
           <a:p>
             <a:fld id="{0752C715-6935-41AD-9984-2334D42D2383}" type="datetimeFigureOut">
               <a:rPr lang="ru-RU" smtClean="0"/>
-              <a:t>20.05.2025</a:t>
+              <a:t>21.05.2025</a:t>
             </a:fld>
             <a:endParaRPr lang="ru-RU"/>
           </a:p>
@@ -526,73 +526,6 @@
           <a:bodyPr/>
           <a:lstStyle/>
           <a:p>
-            <a:r>
-              <a:rPr lang="ru-RU" sz="1200" kern="1200" dirty="0">
-                <a:solidFill>
-                  <a:schemeClr val="tx1"/>
-                </a:solidFill>
-                <a:effectLst/>
-                <a:latin typeface="+mn-lt"/>
-                <a:ea typeface="+mn-ea"/>
-                <a:cs typeface="+mn-cs"/>
-              </a:rPr>
-              <a:t>Данная работа была выполнена по запросу «Регионального школьного технопарка». Региональный школьный технопарк (РШТ) — это образовательная организация, подчиняющаяся Министерству образования Астраханской области. В состав «РШТ» входят следующие отделы:</a:t>
-            </a:r>
-          </a:p>
-          <a:p>
-            <a:pPr lvl="0"/>
-            <a:r>
-              <a:rPr lang="ru-RU" sz="1200" kern="1200" dirty="0">
-                <a:solidFill>
-                  <a:schemeClr val="tx1"/>
-                </a:solidFill>
-                <a:effectLst/>
-                <a:latin typeface="+mn-lt"/>
-                <a:ea typeface="+mn-ea"/>
-                <a:cs typeface="+mn-cs"/>
-              </a:rPr>
-              <a:t>Технопарк, </a:t>
-            </a:r>
-            <a:r>
-              <a:rPr lang="ru-RU" sz="1200" kern="1200" dirty="0" err="1">
-                <a:solidFill>
-                  <a:schemeClr val="tx1"/>
-                </a:solidFill>
-                <a:effectLst/>
-                <a:latin typeface="+mn-lt"/>
-                <a:ea typeface="+mn-ea"/>
-                <a:cs typeface="+mn-cs"/>
-              </a:rPr>
-              <a:t>Кванториум</a:t>
-            </a:r>
-            <a:r>
-              <a:rPr lang="ru-RU" sz="1200" kern="1200" dirty="0">
-                <a:solidFill>
-                  <a:schemeClr val="tx1"/>
-                </a:solidFill>
-                <a:effectLst/>
-                <a:latin typeface="+mn-lt"/>
-                <a:ea typeface="+mn-ea"/>
-                <a:cs typeface="+mn-cs"/>
-              </a:rPr>
-              <a:t>, Центр одарённых детей (ЦОД), Центр детского научно-технического творчества. </a:t>
-            </a:r>
-          </a:p>
-          <a:p>
-            <a:r>
-              <a:rPr lang="ru-RU" sz="1200" kern="1200" dirty="0">
-                <a:solidFill>
-                  <a:schemeClr val="tx1"/>
-                </a:solidFill>
-                <a:effectLst/>
-                <a:latin typeface="+mn-lt"/>
-                <a:ea typeface="+mn-ea"/>
-                <a:cs typeface="+mn-cs"/>
-              </a:rPr>
-              <a:t>Миссия РШТ заключается в создании условий для погружения детей в мир инженерных профессий и развития их творческого потенциала.</a:t>
-            </a:r>
-          </a:p>
-          <a:p>
             <a:endParaRPr lang="ru-RU" dirty="0"/>
           </a:p>
         </p:txBody>
@@ -614,7 +547,7 @@
           <a:p>
             <a:fld id="{52F07621-6DF5-40C9-BD08-EFBFABC0EBA5}" type="slidenum">
               <a:rPr lang="ru-RU" smtClean="0"/>
-              <a:t>2</a:t>
+              <a:t>1</a:t>
             </a:fld>
             <a:endParaRPr lang="ru-RU"/>
           </a:p>
@@ -623,7 +556,7 @@
     </p:spTree>
     <p:extLst>
       <p:ext uri="{BB962C8B-B14F-4D97-AF65-F5344CB8AC3E}">
-        <p14:creationId xmlns:p14="http://schemas.microsoft.com/office/powerpoint/2010/main" val="2765727629"/>
+        <p14:creationId xmlns:p14="http://schemas.microsoft.com/office/powerpoint/2010/main" val="2358729324"/>
       </p:ext>
     </p:extLst>
   </p:cSld>
@@ -678,30 +611,9 @@
           <a:lstStyle/>
           <a:p>
             <a:r>
-              <a:rPr lang="ru-RU" sz="1200" kern="1200" dirty="0">
-                <a:solidFill>
-                  <a:schemeClr val="tx1"/>
-                </a:solidFill>
-                <a:effectLst/>
-                <a:latin typeface="+mn-lt"/>
-                <a:ea typeface="+mn-ea"/>
-                <a:cs typeface="+mn-cs"/>
-              </a:rPr>
-              <a:t>На данном слайде изображена инфологическая модель основных классов системы.</a:t>
-            </a:r>
-            <a:r>
-              <a:rPr lang="ru-RU" sz="1200" b="1" kern="1200" dirty="0">
-                <a:solidFill>
-                  <a:schemeClr val="tx1"/>
-                </a:solidFill>
-                <a:effectLst/>
-                <a:latin typeface="+mn-lt"/>
-                <a:ea typeface="+mn-ea"/>
-                <a:cs typeface="+mn-cs"/>
-              </a:rPr>
-              <a:t> </a:t>
-            </a:r>
-            <a:endParaRPr lang="ru-RU" dirty="0"/>
+              <a:rPr lang="ru-RU" dirty="0"/>
+              <a:t>На данном слайде отображена диаграмма вариантов использования пользователей с ролями «Администратор» и «Педагог»</a:t>
+            </a:r>
           </a:p>
         </p:txBody>
       </p:sp>
@@ -722,7 +634,7 @@
           <a:p>
             <a:fld id="{52F07621-6DF5-40C9-BD08-EFBFABC0EBA5}" type="slidenum">
               <a:rPr lang="ru-RU" smtClean="0"/>
-              <a:t>11</a:t>
+              <a:t>10</a:t>
             </a:fld>
             <a:endParaRPr lang="ru-RU"/>
           </a:p>
@@ -731,7 +643,7 @@
     </p:spTree>
     <p:extLst>
       <p:ext uri="{BB962C8B-B14F-4D97-AF65-F5344CB8AC3E}">
-        <p14:creationId xmlns:p14="http://schemas.microsoft.com/office/powerpoint/2010/main" val="395808428"/>
+        <p14:creationId xmlns:p14="http://schemas.microsoft.com/office/powerpoint/2010/main" val="2373327861"/>
       </p:ext>
     </p:extLst>
   </p:cSld>
@@ -785,23 +697,6 @@
           <a:bodyPr/>
           <a:lstStyle/>
           <a:p>
-            <a:pPr marL="0" marR="0" lvl="0" indent="0" algn="l" defTabSz="914400" rtl="0" eaLnBrk="1" fontAlgn="auto" latinLnBrk="0" hangingPunct="1">
-              <a:lnSpc>
-                <a:spcPct val="100000"/>
-              </a:lnSpc>
-              <a:spcBef>
-                <a:spcPts val="0"/>
-              </a:spcBef>
-              <a:spcAft>
-                <a:spcPts val="0"/>
-              </a:spcAft>
-              <a:buClrTx/>
-              <a:buSzTx/>
-              <a:buFontTx/>
-              <a:buNone/>
-              <a:tabLst/>
-              <a:defRPr/>
-            </a:pPr>
             <a:r>
               <a:rPr lang="ru-RU" sz="1200" kern="1200" dirty="0">
                 <a:solidFill>
@@ -812,10 +707,20 @@
                 <a:ea typeface="+mn-ea"/>
                 <a:cs typeface="+mn-cs"/>
               </a:rPr>
-              <a:t>на данном слайде отображены основные шаблоны генерируемых документов.</a:t>
-            </a:r>
-          </a:p>
-          <a:p>
+              <a:t>На данном слайде изображена инфологическая модель основных классов системы.</a:t>
+            </a:r>
+            <a:r>
+              <a:rPr lang="ru-RU" sz="1200" b="1" kern="1200" dirty="0">
+                <a:solidFill>
+                  <a:schemeClr val="tx1"/>
+                </a:solidFill>
+                <a:effectLst/>
+                <a:latin typeface="+mn-lt"/>
+                <a:ea typeface="+mn-ea"/>
+                <a:cs typeface="+mn-cs"/>
+              </a:rPr>
+              <a:t> </a:t>
+            </a:r>
             <a:endParaRPr lang="ru-RU" dirty="0"/>
           </a:p>
         </p:txBody>
@@ -837,7 +742,7 @@
           <a:p>
             <a:fld id="{52F07621-6DF5-40C9-BD08-EFBFABC0EBA5}" type="slidenum">
               <a:rPr lang="ru-RU" smtClean="0"/>
-              <a:t>12</a:t>
+              <a:t>11</a:t>
             </a:fld>
             <a:endParaRPr lang="ru-RU"/>
           </a:p>
@@ -846,7 +751,7 @@
     </p:spTree>
     <p:extLst>
       <p:ext uri="{BB962C8B-B14F-4D97-AF65-F5344CB8AC3E}">
-        <p14:creationId xmlns:p14="http://schemas.microsoft.com/office/powerpoint/2010/main" val="4049961270"/>
+        <p14:creationId xmlns:p14="http://schemas.microsoft.com/office/powerpoint/2010/main" val="395808428"/>
       </p:ext>
     </p:extLst>
   </p:cSld>
@@ -927,7 +832,7 @@
                 <a:ea typeface="+mn-ea"/>
                 <a:cs typeface="+mn-cs"/>
               </a:rPr>
-              <a:t>на данном слайде отображены основные разработанные интерфейсы системы.</a:t>
+              <a:t>на данном слайде отображены основные шаблоны генерируемых документов.</a:t>
             </a:r>
           </a:p>
           <a:p>
@@ -952,7 +857,7 @@
           <a:p>
             <a:fld id="{52F07621-6DF5-40C9-BD08-EFBFABC0EBA5}" type="slidenum">
               <a:rPr lang="ru-RU" smtClean="0"/>
-              <a:t>13</a:t>
+              <a:t>12</a:t>
             </a:fld>
             <a:endParaRPr lang="ru-RU"/>
           </a:p>
@@ -961,7 +866,7 @@
     </p:spTree>
     <p:extLst>
       <p:ext uri="{BB962C8B-B14F-4D97-AF65-F5344CB8AC3E}">
-        <p14:creationId xmlns:p14="http://schemas.microsoft.com/office/powerpoint/2010/main" val="2145265479"/>
+        <p14:creationId xmlns:p14="http://schemas.microsoft.com/office/powerpoint/2010/main" val="4049961270"/>
       </p:ext>
     </p:extLst>
   </p:cSld>
@@ -1042,101 +947,8 @@
                 <a:ea typeface="+mn-ea"/>
                 <a:cs typeface="+mn-cs"/>
               </a:rPr>
-              <a:t>на данном слайде отображена архитектура разрабатываемого приложения. Обмен между клиентом и сервером происходит по протоколу </a:t>
-            </a:r>
-            <a:r>
-              <a:rPr lang="en-US" sz="1200" kern="1200" dirty="0">
-                <a:solidFill>
-                  <a:schemeClr val="tx1"/>
-                </a:solidFill>
-                <a:effectLst/>
-                <a:latin typeface="+mn-lt"/>
-                <a:ea typeface="+mn-ea"/>
-                <a:cs typeface="+mn-cs"/>
-              </a:rPr>
-              <a:t>HTTPs</a:t>
-            </a:r>
-            <a:r>
-              <a:rPr lang="ru-RU" sz="1200" kern="1200" dirty="0">
-                <a:solidFill>
-                  <a:schemeClr val="tx1"/>
-                </a:solidFill>
-                <a:effectLst/>
-                <a:latin typeface="+mn-lt"/>
-                <a:ea typeface="+mn-ea"/>
-                <a:cs typeface="+mn-cs"/>
-              </a:rPr>
-              <a:t>. Доступ к архивным файлам, находящимся на Яндекс Диске проходит через </a:t>
-            </a:r>
-            <a:r>
-              <a:rPr lang="en-US" sz="1200" kern="1200" dirty="0">
-                <a:solidFill>
-                  <a:schemeClr val="tx1"/>
-                </a:solidFill>
-                <a:effectLst/>
-                <a:latin typeface="+mn-lt"/>
-                <a:ea typeface="+mn-ea"/>
-                <a:cs typeface="+mn-cs"/>
-              </a:rPr>
-              <a:t>API</a:t>
-            </a:r>
-            <a:r>
-              <a:rPr lang="ru-RU" sz="1200" kern="1200" dirty="0">
-                <a:solidFill>
-                  <a:schemeClr val="tx1"/>
-                </a:solidFill>
-                <a:effectLst/>
-                <a:latin typeface="+mn-lt"/>
-                <a:ea typeface="+mn-ea"/>
-                <a:cs typeface="+mn-cs"/>
-              </a:rPr>
-              <a:t> и брокер сообщений </a:t>
-            </a:r>
-            <a:r>
-              <a:rPr lang="en-US" sz="1200" kern="1200" dirty="0">
-                <a:solidFill>
-                  <a:schemeClr val="tx1"/>
-                </a:solidFill>
-                <a:effectLst/>
-                <a:latin typeface="+mn-lt"/>
-                <a:ea typeface="+mn-ea"/>
-                <a:cs typeface="+mn-cs"/>
-              </a:rPr>
-              <a:t>RabbitMQ</a:t>
-            </a:r>
-            <a:r>
-              <a:rPr lang="ru-RU" sz="1200" kern="1200" dirty="0">
-                <a:solidFill>
-                  <a:schemeClr val="tx1"/>
-                </a:solidFill>
-                <a:effectLst/>
-                <a:latin typeface="+mn-lt"/>
-                <a:ea typeface="+mn-ea"/>
-                <a:cs typeface="+mn-cs"/>
-              </a:rPr>
-              <a:t>. Актуальные файлы хранятся непосредственно на сервере для быстрого доступа к ним.</a:t>
-            </a:r>
-            <a:r>
-              <a:rPr lang="ru-RU" sz="1200" b="1" kern="1200" dirty="0">
-                <a:solidFill>
-                  <a:schemeClr val="tx1"/>
-                </a:solidFill>
-                <a:effectLst/>
-                <a:latin typeface="+mn-lt"/>
-                <a:ea typeface="+mn-ea"/>
-                <a:cs typeface="+mn-cs"/>
-              </a:rPr>
-              <a:t>  </a:t>
-            </a:r>
-            <a:endParaRPr lang="ru-RU" sz="1200" kern="1200" dirty="0">
-              <a:solidFill>
-                <a:schemeClr val="tx1"/>
-              </a:solidFill>
-              <a:effectLst/>
-              <a:latin typeface="+mn-lt"/>
-              <a:ea typeface="+mn-ea"/>
-              <a:cs typeface="+mn-cs"/>
-            </a:endParaRPr>
+              <a:t>на данном слайде отображены основные разработанные интерфейсы системы.</a:t>
+            </a:r>
           </a:p>
           <a:p>
             <a:endParaRPr lang="ru-RU" dirty="0"/>
@@ -1160,7 +972,7 @@
           <a:p>
             <a:fld id="{52F07621-6DF5-40C9-BD08-EFBFABC0EBA5}" type="slidenum">
               <a:rPr lang="ru-RU" smtClean="0"/>
-              <a:t>14</a:t>
+              <a:t>13</a:t>
             </a:fld>
             <a:endParaRPr lang="ru-RU"/>
           </a:p>
@@ -1169,7 +981,7 @@
     </p:spTree>
     <p:extLst>
       <p:ext uri="{BB962C8B-B14F-4D97-AF65-F5344CB8AC3E}">
-        <p14:creationId xmlns:p14="http://schemas.microsoft.com/office/powerpoint/2010/main" val="2106793825"/>
+        <p14:creationId xmlns:p14="http://schemas.microsoft.com/office/powerpoint/2010/main" val="2145265479"/>
       </p:ext>
     </p:extLst>
   </p:cSld>
@@ -1250,8 +1062,101 @@
                 <a:ea typeface="+mn-ea"/>
                 <a:cs typeface="+mn-cs"/>
               </a:rPr>
-              <a:t>На данном слайде отображены основные сведения о разработанном программном продукте и средствах разработки. </a:t>
-            </a:r>
+              <a:t>на данном слайде отображена архитектура разрабатываемого приложения. Обмен между клиентом и сервером происходит по протоколу </a:t>
+            </a:r>
+            <a:r>
+              <a:rPr lang="en-US" sz="1200" kern="1200" dirty="0">
+                <a:solidFill>
+                  <a:schemeClr val="tx1"/>
+                </a:solidFill>
+                <a:effectLst/>
+                <a:latin typeface="+mn-lt"/>
+                <a:ea typeface="+mn-ea"/>
+                <a:cs typeface="+mn-cs"/>
+              </a:rPr>
+              <a:t>HTTPs</a:t>
+            </a:r>
+            <a:r>
+              <a:rPr lang="ru-RU" sz="1200" kern="1200" dirty="0">
+                <a:solidFill>
+                  <a:schemeClr val="tx1"/>
+                </a:solidFill>
+                <a:effectLst/>
+                <a:latin typeface="+mn-lt"/>
+                <a:ea typeface="+mn-ea"/>
+                <a:cs typeface="+mn-cs"/>
+              </a:rPr>
+              <a:t>. Доступ к архивным файлам, находящимся на Яндекс Диске проходит через </a:t>
+            </a:r>
+            <a:r>
+              <a:rPr lang="en-US" sz="1200" kern="1200" dirty="0">
+                <a:solidFill>
+                  <a:schemeClr val="tx1"/>
+                </a:solidFill>
+                <a:effectLst/>
+                <a:latin typeface="+mn-lt"/>
+                <a:ea typeface="+mn-ea"/>
+                <a:cs typeface="+mn-cs"/>
+              </a:rPr>
+              <a:t>API</a:t>
+            </a:r>
+            <a:r>
+              <a:rPr lang="ru-RU" sz="1200" kern="1200" dirty="0">
+                <a:solidFill>
+                  <a:schemeClr val="tx1"/>
+                </a:solidFill>
+                <a:effectLst/>
+                <a:latin typeface="+mn-lt"/>
+                <a:ea typeface="+mn-ea"/>
+                <a:cs typeface="+mn-cs"/>
+              </a:rPr>
+              <a:t> и брокер сообщений </a:t>
+            </a:r>
+            <a:r>
+              <a:rPr lang="en-US" sz="1200" kern="1200" dirty="0">
+                <a:solidFill>
+                  <a:schemeClr val="tx1"/>
+                </a:solidFill>
+                <a:effectLst/>
+                <a:latin typeface="+mn-lt"/>
+                <a:ea typeface="+mn-ea"/>
+                <a:cs typeface="+mn-cs"/>
+              </a:rPr>
+              <a:t>RabbitMQ</a:t>
+            </a:r>
+            <a:r>
+              <a:rPr lang="ru-RU" sz="1200" kern="1200" dirty="0">
+                <a:solidFill>
+                  <a:schemeClr val="tx1"/>
+                </a:solidFill>
+                <a:effectLst/>
+                <a:latin typeface="+mn-lt"/>
+                <a:ea typeface="+mn-ea"/>
+                <a:cs typeface="+mn-cs"/>
+              </a:rPr>
+              <a:t>. Актуальные файлы хранятся непосредственно на сервере для быстрого доступа к ним.</a:t>
+            </a:r>
+            <a:r>
+              <a:rPr lang="ru-RU" sz="1200" b="1" kern="1200" dirty="0">
+                <a:solidFill>
+                  <a:schemeClr val="tx1"/>
+                </a:solidFill>
+                <a:effectLst/>
+                <a:latin typeface="+mn-lt"/>
+                <a:ea typeface="+mn-ea"/>
+                <a:cs typeface="+mn-cs"/>
+              </a:rPr>
+              <a:t>  </a:t>
+            </a:r>
+            <a:endParaRPr lang="ru-RU" sz="1200" kern="1200" dirty="0">
+              <a:solidFill>
+                <a:schemeClr val="tx1"/>
+              </a:solidFill>
+              <a:effectLst/>
+              <a:latin typeface="+mn-lt"/>
+              <a:ea typeface="+mn-ea"/>
+              <a:cs typeface="+mn-cs"/>
+            </a:endParaRPr>
           </a:p>
           <a:p>
             <a:endParaRPr lang="ru-RU" dirty="0"/>
@@ -1275,7 +1180,7 @@
           <a:p>
             <a:fld id="{52F07621-6DF5-40C9-BD08-EFBFABC0EBA5}" type="slidenum">
               <a:rPr lang="ru-RU" smtClean="0"/>
-              <a:t>15</a:t>
+              <a:t>14</a:t>
             </a:fld>
             <a:endParaRPr lang="ru-RU"/>
           </a:p>
@@ -1284,7 +1189,7 @@
     </p:spTree>
     <p:extLst>
       <p:ext uri="{BB962C8B-B14F-4D97-AF65-F5344CB8AC3E}">
-        <p14:creationId xmlns:p14="http://schemas.microsoft.com/office/powerpoint/2010/main" val="2309492035"/>
+        <p14:creationId xmlns:p14="http://schemas.microsoft.com/office/powerpoint/2010/main" val="2106793825"/>
       </p:ext>
     </p:extLst>
   </p:cSld>
@@ -1365,7 +1270,7 @@
                 <a:ea typeface="+mn-ea"/>
                 <a:cs typeface="+mn-cs"/>
               </a:rPr>
-              <a:t>На данном слайде отображены системные требования к серверу и клиенту.</a:t>
+              <a:t>На данном слайде отображены основные сведения о разработанном программном продукте и средствах разработки. </a:t>
             </a:r>
           </a:p>
           <a:p>
@@ -1390,7 +1295,7 @@
           <a:p>
             <a:fld id="{52F07621-6DF5-40C9-BD08-EFBFABC0EBA5}" type="slidenum">
               <a:rPr lang="ru-RU" smtClean="0"/>
-              <a:t>16</a:t>
+              <a:t>15</a:t>
             </a:fld>
             <a:endParaRPr lang="ru-RU"/>
           </a:p>
@@ -1399,7 +1304,7 @@
     </p:spTree>
     <p:extLst>
       <p:ext uri="{BB962C8B-B14F-4D97-AF65-F5344CB8AC3E}">
-        <p14:creationId xmlns:p14="http://schemas.microsoft.com/office/powerpoint/2010/main" val="263670119"/>
+        <p14:creationId xmlns:p14="http://schemas.microsoft.com/office/powerpoint/2010/main" val="2309492035"/>
       </p:ext>
     </p:extLst>
   </p:cSld>
@@ -1453,143 +1358,34 @@
           <a:bodyPr/>
           <a:lstStyle/>
           <a:p>
-            <a:pPr marL="0" indent="0" algn="l">
+            <a:pPr marL="0" marR="0" lvl="0" indent="0" algn="l" defTabSz="914400" rtl="0" eaLnBrk="1" fontAlgn="auto" latinLnBrk="0" hangingPunct="1">
               <a:lnSpc>
-                <a:spcPct val="150000"/>
+                <a:spcPct val="100000"/>
               </a:lnSpc>
+              <a:spcBef>
+                <a:spcPts val="0"/>
+              </a:spcBef>
+              <a:spcAft>
+                <a:spcPts val="0"/>
+              </a:spcAft>
+              <a:buClrTx/>
+              <a:buSzTx/>
+              <a:buFontTx/>
               <a:buNone/>
+              <a:tabLst/>
+              <a:defRPr/>
             </a:pPr>
             <a:r>
-              <a:rPr lang="ru-RU" sz="2200" dirty="0">
-                <a:latin typeface="Times New Roman" panose="02020603050405020304" pitchFamily="18" charset="0"/>
-                <a:cs typeface="Times New Roman" panose="02020603050405020304" pitchFamily="18" charset="0"/>
+              <a:rPr lang="ru-RU" sz="1200" kern="1200" dirty="0">
+                <a:solidFill>
+                  <a:schemeClr val="tx1"/>
+                </a:solidFill>
+                <a:effectLst/>
+                <a:latin typeface="+mn-lt"/>
+                <a:ea typeface="+mn-ea"/>
+                <a:cs typeface="+mn-cs"/>
               </a:rPr>
-              <a:t>В результате выполнения ВКР была спроектирована и разработана система, которая обеспечивает формирование необходимых для сопровождения образовательного процесса документов.</a:t>
-            </a:r>
-          </a:p>
-          <a:p>
-            <a:pPr marL="0" indent="0" algn="l">
-              <a:lnSpc>
-                <a:spcPct val="150000"/>
-              </a:lnSpc>
-              <a:buNone/>
-            </a:pPr>
-            <a:r>
-              <a:rPr lang="ru-RU" sz="2200" dirty="0">
-                <a:latin typeface="Times New Roman" panose="02020603050405020304" pitchFamily="18" charset="0"/>
-                <a:ea typeface="Tahoma" panose="020B0604030504040204" pitchFamily="34" charset="0"/>
-                <a:cs typeface="Times New Roman" panose="02020603050405020304" pitchFamily="18" charset="0"/>
-              </a:rPr>
-              <a:t>В результате </a:t>
-            </a:r>
-            <a:r>
-              <a:rPr lang="ru-RU" sz="2200" dirty="0">
-                <a:solidFill>
-                  <a:srgbClr val="FFFF00"/>
-                </a:solidFill>
-                <a:latin typeface="Tahoma" panose="020B0604030504040204" pitchFamily="34" charset="0"/>
-                <a:ea typeface="Tahoma" panose="020B0604030504040204" pitchFamily="34" charset="0"/>
-                <a:cs typeface="Tahoma" panose="020B0604030504040204" pitchFamily="34" charset="0"/>
-              </a:rPr>
-              <a:t>внедрения системы в эксплуатацию </a:t>
-            </a:r>
-            <a:r>
-              <a:rPr lang="ru-RU" sz="2200" dirty="0">
-                <a:latin typeface="Times New Roman" panose="02020603050405020304" pitchFamily="18" charset="0"/>
-                <a:ea typeface="Tahoma" panose="020B0604030504040204" pitchFamily="34" charset="0"/>
-                <a:cs typeface="Times New Roman" panose="02020603050405020304" pitchFamily="18" charset="0"/>
-              </a:rPr>
-              <a:t>удалось </a:t>
-            </a:r>
-            <a:r>
-              <a:rPr lang="ru-RU" sz="2200" dirty="0">
-                <a:solidFill>
-                  <a:srgbClr val="FFFF00"/>
-                </a:solidFill>
-                <a:latin typeface="Tahoma" panose="020B0604030504040204" pitchFamily="34" charset="0"/>
-                <a:ea typeface="Tahoma" panose="020B0604030504040204" pitchFamily="34" charset="0"/>
-                <a:cs typeface="Tahoma" panose="020B0604030504040204" pitchFamily="34" charset="0"/>
-              </a:rPr>
-              <a:t>повысить</a:t>
-            </a:r>
-            <a:r>
-              <a:rPr lang="ru-RU" sz="2200" dirty="0">
-                <a:latin typeface="Tahoma" panose="020B0604030504040204" pitchFamily="34" charset="0"/>
-                <a:ea typeface="Tahoma" panose="020B0604030504040204" pitchFamily="34" charset="0"/>
-                <a:cs typeface="Tahoma" panose="020B0604030504040204" pitchFamily="34" charset="0"/>
-              </a:rPr>
-              <a:t> </a:t>
-            </a:r>
-            <a:r>
-              <a:rPr lang="ru-RU" sz="2200" dirty="0">
-                <a:latin typeface="Times New Roman" panose="02020603050405020304" pitchFamily="18" charset="0"/>
-                <a:ea typeface="Tahoma" panose="020B0604030504040204" pitchFamily="34" charset="0"/>
-                <a:cs typeface="Times New Roman" panose="02020603050405020304" pitchFamily="18" charset="0"/>
-              </a:rPr>
-              <a:t>эффективность сопровождения образовательного процесса более чем </a:t>
-            </a:r>
-            <a:r>
-              <a:rPr lang="ru-RU" sz="2200" dirty="0">
-                <a:solidFill>
-                  <a:srgbClr val="FFFF00"/>
-                </a:solidFill>
-                <a:latin typeface="Tahoma" panose="020B0604030504040204" pitchFamily="34" charset="0"/>
-                <a:ea typeface="Tahoma" panose="020B0604030504040204" pitchFamily="34" charset="0"/>
-                <a:cs typeface="Tahoma" panose="020B0604030504040204" pitchFamily="34" charset="0"/>
-              </a:rPr>
-              <a:t>на </a:t>
-            </a:r>
-            <a:r>
-              <a:rPr lang="en-US" sz="2200" dirty="0">
-                <a:solidFill>
-                  <a:srgbClr val="FFFF00"/>
-                </a:solidFill>
-                <a:latin typeface="Tahoma" panose="020B0604030504040204" pitchFamily="34" charset="0"/>
-                <a:ea typeface="Tahoma" panose="020B0604030504040204" pitchFamily="34" charset="0"/>
-                <a:cs typeface="Tahoma" panose="020B0604030504040204" pitchFamily="34" charset="0"/>
-              </a:rPr>
-              <a:t>180</a:t>
-            </a:r>
-            <a:r>
-              <a:rPr lang="ru-RU" sz="2200" dirty="0">
-                <a:solidFill>
-                  <a:srgbClr val="FFFF00"/>
-                </a:solidFill>
-                <a:latin typeface="Tahoma" panose="020B0604030504040204" pitchFamily="34" charset="0"/>
-                <a:ea typeface="Tahoma" panose="020B0604030504040204" pitchFamily="34" charset="0"/>
-                <a:cs typeface="Tahoma" panose="020B0604030504040204" pitchFamily="34" charset="0"/>
-              </a:rPr>
-              <a:t>0</a:t>
-            </a:r>
-            <a:r>
-              <a:rPr lang="en-US" sz="2200" dirty="0">
-                <a:solidFill>
-                  <a:srgbClr val="FFFF00"/>
-                </a:solidFill>
-                <a:latin typeface="Tahoma" panose="020B0604030504040204" pitchFamily="34" charset="0"/>
-                <a:ea typeface="Tahoma" panose="020B0604030504040204" pitchFamily="34" charset="0"/>
-                <a:cs typeface="Tahoma" panose="020B0604030504040204" pitchFamily="34" charset="0"/>
-              </a:rPr>
-              <a:t> </a:t>
-            </a:r>
-            <a:r>
-              <a:rPr lang="ru-RU" sz="2200" dirty="0">
-                <a:solidFill>
-                  <a:srgbClr val="FFFF00"/>
-                </a:solidFill>
-                <a:latin typeface="Tahoma" panose="020B0604030504040204" pitchFamily="34" charset="0"/>
-                <a:ea typeface="Tahoma" panose="020B0604030504040204" pitchFamily="34" charset="0"/>
-                <a:cs typeface="Tahoma" panose="020B0604030504040204" pitchFamily="34" charset="0"/>
-              </a:rPr>
-              <a:t>человеко-часов в год</a:t>
-            </a:r>
-            <a:r>
-              <a:rPr lang="ru-RU" sz="2200" dirty="0">
-                <a:latin typeface="Times New Roman" panose="02020603050405020304" pitchFamily="18" charset="0"/>
-                <a:ea typeface="Tahoma" panose="020B0604030504040204" pitchFamily="34" charset="0"/>
-                <a:cs typeface="Times New Roman" panose="02020603050405020304" pitchFamily="18" charset="0"/>
-              </a:rPr>
-              <a:t>.</a:t>
+              <a:t>На данном слайде отображены системные требования к серверу и клиенту.</a:t>
             </a:r>
           </a:p>
           <a:p>
@@ -1614,7 +1410,7 @@
           <a:p>
             <a:fld id="{52F07621-6DF5-40C9-BD08-EFBFABC0EBA5}" type="slidenum">
               <a:rPr lang="ru-RU" smtClean="0"/>
-              <a:t>17</a:t>
+              <a:t>16</a:t>
             </a:fld>
             <a:endParaRPr lang="ru-RU"/>
           </a:p>
@@ -1623,7 +1419,7 @@
     </p:spTree>
     <p:extLst>
       <p:ext uri="{BB962C8B-B14F-4D97-AF65-F5344CB8AC3E}">
-        <p14:creationId xmlns:p14="http://schemas.microsoft.com/office/powerpoint/2010/main" val="3261577908"/>
+        <p14:creationId xmlns:p14="http://schemas.microsoft.com/office/powerpoint/2010/main" val="263670119"/>
       </p:ext>
     </p:extLst>
   </p:cSld>
@@ -1677,6 +1473,230 @@
           <a:bodyPr/>
           <a:lstStyle/>
           <a:p>
+            <a:pPr marL="0" indent="0" algn="l">
+              <a:lnSpc>
+                <a:spcPct val="150000"/>
+              </a:lnSpc>
+              <a:buNone/>
+            </a:pPr>
+            <a:r>
+              <a:rPr lang="ru-RU" sz="2200" dirty="0">
+                <a:latin typeface="Times New Roman" panose="02020603050405020304" pitchFamily="18" charset="0"/>
+                <a:cs typeface="Times New Roman" panose="02020603050405020304" pitchFamily="18" charset="0"/>
+              </a:rPr>
+              <a:t>В результате выполнения ВКР была спроектирована и разработана система, которая обеспечивает формирование необходимых для сопровождения образовательного процесса документов.</a:t>
+            </a:r>
+          </a:p>
+          <a:p>
+            <a:pPr marL="0" indent="0" algn="l">
+              <a:lnSpc>
+                <a:spcPct val="150000"/>
+              </a:lnSpc>
+              <a:buNone/>
+            </a:pPr>
+            <a:r>
+              <a:rPr lang="ru-RU" sz="2200" dirty="0">
+                <a:latin typeface="Times New Roman" panose="02020603050405020304" pitchFamily="18" charset="0"/>
+                <a:ea typeface="Tahoma" panose="020B0604030504040204" pitchFamily="34" charset="0"/>
+                <a:cs typeface="Times New Roman" panose="02020603050405020304" pitchFamily="18" charset="0"/>
+              </a:rPr>
+              <a:t>В результате </a:t>
+            </a:r>
+            <a:r>
+              <a:rPr lang="ru-RU" sz="2200" dirty="0">
+                <a:solidFill>
+                  <a:srgbClr val="FFFF00"/>
+                </a:solidFill>
+                <a:latin typeface="Tahoma" panose="020B0604030504040204" pitchFamily="34" charset="0"/>
+                <a:ea typeface="Tahoma" panose="020B0604030504040204" pitchFamily="34" charset="0"/>
+                <a:cs typeface="Tahoma" panose="020B0604030504040204" pitchFamily="34" charset="0"/>
+              </a:rPr>
+              <a:t>внедрения системы в эксплуатацию </a:t>
+            </a:r>
+            <a:r>
+              <a:rPr lang="ru-RU" sz="2200" dirty="0">
+                <a:latin typeface="Times New Roman" panose="02020603050405020304" pitchFamily="18" charset="0"/>
+                <a:ea typeface="Tahoma" panose="020B0604030504040204" pitchFamily="34" charset="0"/>
+                <a:cs typeface="Times New Roman" panose="02020603050405020304" pitchFamily="18" charset="0"/>
+              </a:rPr>
+              <a:t>удалось </a:t>
+            </a:r>
+            <a:r>
+              <a:rPr lang="ru-RU" sz="2200" dirty="0">
+                <a:solidFill>
+                  <a:srgbClr val="FFFF00"/>
+                </a:solidFill>
+                <a:latin typeface="Tahoma" panose="020B0604030504040204" pitchFamily="34" charset="0"/>
+                <a:ea typeface="Tahoma" panose="020B0604030504040204" pitchFamily="34" charset="0"/>
+                <a:cs typeface="Tahoma" panose="020B0604030504040204" pitchFamily="34" charset="0"/>
+              </a:rPr>
+              <a:t>повысить</a:t>
+            </a:r>
+            <a:r>
+              <a:rPr lang="ru-RU" sz="2200" dirty="0">
+                <a:latin typeface="Tahoma" panose="020B0604030504040204" pitchFamily="34" charset="0"/>
+                <a:ea typeface="Tahoma" panose="020B0604030504040204" pitchFamily="34" charset="0"/>
+                <a:cs typeface="Tahoma" panose="020B0604030504040204" pitchFamily="34" charset="0"/>
+              </a:rPr>
+              <a:t> </a:t>
+            </a:r>
+            <a:r>
+              <a:rPr lang="ru-RU" sz="2200" dirty="0">
+                <a:latin typeface="Times New Roman" panose="02020603050405020304" pitchFamily="18" charset="0"/>
+                <a:ea typeface="Tahoma" panose="020B0604030504040204" pitchFamily="34" charset="0"/>
+                <a:cs typeface="Times New Roman" panose="02020603050405020304" pitchFamily="18" charset="0"/>
+              </a:rPr>
+              <a:t>эффективность сопровождения образовательного процесса более чем </a:t>
+            </a:r>
+            <a:r>
+              <a:rPr lang="ru-RU" sz="2200" dirty="0">
+                <a:solidFill>
+                  <a:srgbClr val="FFFF00"/>
+                </a:solidFill>
+                <a:latin typeface="Tahoma" panose="020B0604030504040204" pitchFamily="34" charset="0"/>
+                <a:ea typeface="Tahoma" panose="020B0604030504040204" pitchFamily="34" charset="0"/>
+                <a:cs typeface="Tahoma" panose="020B0604030504040204" pitchFamily="34" charset="0"/>
+              </a:rPr>
+              <a:t>на </a:t>
+            </a:r>
+            <a:r>
+              <a:rPr lang="en-US" sz="2200" dirty="0">
+                <a:solidFill>
+                  <a:srgbClr val="FFFF00"/>
+                </a:solidFill>
+                <a:latin typeface="Tahoma" panose="020B0604030504040204" pitchFamily="34" charset="0"/>
+                <a:ea typeface="Tahoma" panose="020B0604030504040204" pitchFamily="34" charset="0"/>
+                <a:cs typeface="Tahoma" panose="020B0604030504040204" pitchFamily="34" charset="0"/>
+              </a:rPr>
+              <a:t>180</a:t>
+            </a:r>
+            <a:r>
+              <a:rPr lang="ru-RU" sz="2200" dirty="0">
+                <a:solidFill>
+                  <a:srgbClr val="FFFF00"/>
+                </a:solidFill>
+                <a:latin typeface="Tahoma" panose="020B0604030504040204" pitchFamily="34" charset="0"/>
+                <a:ea typeface="Tahoma" panose="020B0604030504040204" pitchFamily="34" charset="0"/>
+                <a:cs typeface="Tahoma" panose="020B0604030504040204" pitchFamily="34" charset="0"/>
+              </a:rPr>
+              <a:t>0</a:t>
+            </a:r>
+            <a:r>
+              <a:rPr lang="en-US" sz="2200" dirty="0">
+                <a:solidFill>
+                  <a:srgbClr val="FFFF00"/>
+                </a:solidFill>
+                <a:latin typeface="Tahoma" panose="020B0604030504040204" pitchFamily="34" charset="0"/>
+                <a:ea typeface="Tahoma" panose="020B0604030504040204" pitchFamily="34" charset="0"/>
+                <a:cs typeface="Tahoma" panose="020B0604030504040204" pitchFamily="34" charset="0"/>
+              </a:rPr>
+              <a:t> </a:t>
+            </a:r>
+            <a:r>
+              <a:rPr lang="ru-RU" sz="2200" dirty="0">
+                <a:solidFill>
+                  <a:srgbClr val="FFFF00"/>
+                </a:solidFill>
+                <a:latin typeface="Tahoma" panose="020B0604030504040204" pitchFamily="34" charset="0"/>
+                <a:ea typeface="Tahoma" panose="020B0604030504040204" pitchFamily="34" charset="0"/>
+                <a:cs typeface="Tahoma" panose="020B0604030504040204" pitchFamily="34" charset="0"/>
+              </a:rPr>
+              <a:t>человеко-часов в год</a:t>
+            </a:r>
+            <a:r>
+              <a:rPr lang="ru-RU" sz="2200" dirty="0">
+                <a:latin typeface="Times New Roman" panose="02020603050405020304" pitchFamily="18" charset="0"/>
+                <a:ea typeface="Tahoma" panose="020B0604030504040204" pitchFamily="34" charset="0"/>
+                <a:cs typeface="Times New Roman" panose="02020603050405020304" pitchFamily="18" charset="0"/>
+              </a:rPr>
+              <a:t>.</a:t>
+            </a:r>
+          </a:p>
+          <a:p>
+            <a:endParaRPr lang="ru-RU" dirty="0"/>
+          </a:p>
+        </p:txBody>
+      </p:sp>
+      <p:sp>
+        <p:nvSpPr>
+          <p:cNvPr id="4" name="Номер слайда 3"/>
+          <p:cNvSpPr>
+            <a:spLocks noGrp="1"/>
+          </p:cNvSpPr>
+          <p:nvPr>
+            <p:ph type="sldNum" sz="quarter" idx="5"/>
+          </p:nvPr>
+        </p:nvSpPr>
+        <p:spPr/>
+        <p:txBody>
+          <a:bodyPr/>
+          <a:lstStyle/>
+          <a:p>
+            <a:fld id="{52F07621-6DF5-40C9-BD08-EFBFABC0EBA5}" type="slidenum">
+              <a:rPr lang="ru-RU" smtClean="0"/>
+              <a:t>17</a:t>
+            </a:fld>
+            <a:endParaRPr lang="ru-RU"/>
+          </a:p>
+        </p:txBody>
+      </p:sp>
+    </p:spTree>
+    <p:extLst>
+      <p:ext uri="{BB962C8B-B14F-4D97-AF65-F5344CB8AC3E}">
+        <p14:creationId xmlns:p14="http://schemas.microsoft.com/office/powerpoint/2010/main" val="3261577908"/>
+      </p:ext>
+    </p:extLst>
+  </p:cSld>
+  <p:clrMapOvr>
+    <a:masterClrMapping/>
+  </p:clrMapOvr>
+</p:notes>
+</file>
+
+<file path=ppt/notesSlides/notesSlide18.xml><?xml version="1.0" encoding="utf-8"?>
+<p:notes xmlns:a="http://schemas.openxmlformats.org/drawingml/2006/main" xmlns:r="http://schemas.openxmlformats.org/officeDocument/2006/relationships" xmlns:p="http://schemas.openxmlformats.org/presentationml/2006/main">
+  <p:cSld>
+    <p:spTree>
+      <p:nvGrpSpPr>
+        <p:cNvPr id="1" name=""/>
+        <p:cNvGrpSpPr/>
+        <p:nvPr/>
+      </p:nvGrpSpPr>
+      <p:grpSpPr>
+        <a:xfrm>
+          <a:off x="0" y="0"/>
+          <a:ext cx="0" cy="0"/>
+          <a:chOff x="0" y="0"/>
+          <a:chExt cx="0" cy="0"/>
+        </a:xfrm>
+      </p:grpSpPr>
+      <p:sp>
+        <p:nvSpPr>
+          <p:cNvPr id="2" name="Образ слайда 1"/>
+          <p:cNvSpPr>
+            <a:spLocks noGrp="1" noRot="1" noChangeAspect="1"/>
+          </p:cNvSpPr>
+          <p:nvPr>
+            <p:ph type="sldImg"/>
+          </p:nvPr>
+        </p:nvSpPr>
+        <p:spPr/>
+      </p:sp>
+      <p:sp>
+        <p:nvSpPr>
+          <p:cNvPr id="3" name="Заметки 2"/>
+          <p:cNvSpPr>
+            <a:spLocks noGrp="1"/>
+          </p:cNvSpPr>
+          <p:nvPr>
+            <p:ph type="body" idx="1"/>
+          </p:nvPr>
+        </p:nvSpPr>
+        <p:spPr/>
+        <p:txBody>
+          <a:bodyPr/>
+          <a:lstStyle/>
+          <a:p>
             <a:pPr marL="0" marR="0" lvl="0" indent="0" algn="l" defTabSz="914400" rtl="0" eaLnBrk="1" fontAlgn="auto" latinLnBrk="0" hangingPunct="1">
               <a:lnSpc>
                 <a:spcPct val="100000"/>
@@ -1748,7 +1768,7 @@
 </p:notes>
 </file>
 
-<file path=ppt/notesSlides/notesSlide18.xml><?xml version="1.0" encoding="utf-8"?>
+<file path=ppt/notesSlides/notesSlide19.xml><?xml version="1.0" encoding="utf-8"?>
 <p:notes xmlns:a="http://schemas.openxmlformats.org/drawingml/2006/main" xmlns:r="http://schemas.openxmlformats.org/officeDocument/2006/relationships" xmlns:p="http://schemas.openxmlformats.org/presentationml/2006/main">
   <p:cSld>
     <p:spTree>
@@ -1889,33 +1909,69 @@
           <a:lstStyle/>
           <a:p>
             <a:r>
-              <a:rPr lang="ru-RU" dirty="0"/>
-              <a:t>На данный</a:t>
-            </a:r>
-            <a:r>
-              <a:rPr lang="ru-RU" baseline="0" dirty="0"/>
-              <a:t> момент образовательный процесс заказчика состоит из обучения учеников в учебных группах и участия их в различных мероприятиях.</a:t>
-            </a:r>
-            <a:br>
-              <a:rPr lang="ru-RU" baseline="0" dirty="0"/>
-            </a:br>
-            <a:r>
-              <a:rPr lang="ru-RU" baseline="0" dirty="0"/>
-              <a:t>Для каждой учебной группы ведётся журнал, в котором педагог отмечает посещаемость и успеваемость, создаётся календарно-учебный план занятий, издаются приказы, которые регламентируют как обучение в учебных группах, так и участие в мероприятиях. По окончанию обучения обучающиеся получают сертификаты</a:t>
-            </a:r>
-          </a:p>
-          <a:p>
-            <a:pPr algn="l"/>
-            <a:r>
-              <a:rPr lang="ru-RU" baseline="0" dirty="0"/>
-              <a:t>Для каждой учебной группы, мероприятия и ученика, администратор отдела вынужден вручную формировать советующие задачам документы. </a:t>
-            </a:r>
-          </a:p>
-          <a:p>
-            <a:pPr algn="l"/>
-            <a:r>
-              <a:rPr lang="ru-RU" baseline="0" dirty="0"/>
-              <a:t>И так каждый раз как формируется учебная группа, меняется её состав, проводится мероприятие или ученик завершает обучение в РШТ. </a:t>
+              <a:rPr lang="ru-RU" sz="1200" kern="1200" dirty="0">
+                <a:solidFill>
+                  <a:schemeClr val="tx1"/>
+                </a:solidFill>
+                <a:effectLst/>
+                <a:latin typeface="+mn-lt"/>
+                <a:ea typeface="+mn-ea"/>
+                <a:cs typeface="+mn-cs"/>
+              </a:rPr>
+              <a:t>Данная работа была выполнена по запросу «Регионального школьного технопарка». Региональный школьный технопарк (РШТ) — это образовательная организация, подчиняющаяся Министерству образования Астраханской области. В состав «РШТ» входят следующие отделы:</a:t>
+            </a:r>
+          </a:p>
+          <a:p>
+            <a:pPr lvl="0"/>
+            <a:r>
+              <a:rPr lang="ru-RU" sz="1200" kern="1200" dirty="0">
+                <a:solidFill>
+                  <a:schemeClr val="tx1"/>
+                </a:solidFill>
+                <a:effectLst/>
+                <a:latin typeface="+mn-lt"/>
+                <a:ea typeface="+mn-ea"/>
+                <a:cs typeface="+mn-cs"/>
+              </a:rPr>
+              <a:t>Технопарк, </a:t>
+            </a:r>
+            <a:r>
+              <a:rPr lang="ru-RU" sz="1200" kern="1200" dirty="0" err="1">
+                <a:solidFill>
+                  <a:schemeClr val="tx1"/>
+                </a:solidFill>
+                <a:effectLst/>
+                <a:latin typeface="+mn-lt"/>
+                <a:ea typeface="+mn-ea"/>
+                <a:cs typeface="+mn-cs"/>
+              </a:rPr>
+              <a:t>Кванториум</a:t>
+            </a:r>
+            <a:r>
+              <a:rPr lang="ru-RU" sz="1200" kern="1200" dirty="0">
+                <a:solidFill>
+                  <a:schemeClr val="tx1"/>
+                </a:solidFill>
+                <a:effectLst/>
+                <a:latin typeface="+mn-lt"/>
+                <a:ea typeface="+mn-ea"/>
+                <a:cs typeface="+mn-cs"/>
+              </a:rPr>
+              <a:t>, Центр одарённых детей (ЦОД), Центр детского научно-технического творчества. </a:t>
+            </a:r>
+          </a:p>
+          <a:p>
+            <a:r>
+              <a:rPr lang="ru-RU" sz="1200" kern="1200" dirty="0">
+                <a:solidFill>
+                  <a:schemeClr val="tx1"/>
+                </a:solidFill>
+                <a:effectLst/>
+                <a:latin typeface="+mn-lt"/>
+                <a:ea typeface="+mn-ea"/>
+                <a:cs typeface="+mn-cs"/>
+              </a:rPr>
+              <a:t>Миссия РШТ заключается в создании условий для погружения детей в мир инженерных профессий и развития их творческого потенциала.</a:t>
             </a:r>
           </a:p>
           <a:p>
@@ -1940,7 +1996,7 @@
           <a:p>
             <a:fld id="{52F07621-6DF5-40C9-BD08-EFBFABC0EBA5}" type="slidenum">
               <a:rPr lang="ru-RU" smtClean="0"/>
-              <a:t>3</a:t>
+              <a:t>2</a:t>
             </a:fld>
             <a:endParaRPr lang="ru-RU"/>
           </a:p>
@@ -1949,7 +2005,7 @@
     </p:spTree>
     <p:extLst>
       <p:ext uri="{BB962C8B-B14F-4D97-AF65-F5344CB8AC3E}">
-        <p14:creationId xmlns:p14="http://schemas.microsoft.com/office/powerpoint/2010/main" val="1886265276"/>
+        <p14:creationId xmlns:p14="http://schemas.microsoft.com/office/powerpoint/2010/main" val="2765727629"/>
       </p:ext>
     </p:extLst>
   </p:cSld>
@@ -2004,18 +2060,34 @@
           <a:lstStyle/>
           <a:p>
             <a:r>
+              <a:rPr lang="ru-RU" dirty="0"/>
+              <a:t>На данный</a:t>
+            </a:r>
+            <a:r>
               <a:rPr lang="ru-RU" baseline="0" dirty="0"/>
-              <a:t>Сам процесс создания документа представляет из себя следующее</a:t>
-            </a:r>
-            <a:r>
-              <a:rPr lang="en-US" baseline="0" dirty="0"/>
-              <a:t>:</a:t>
-            </a:r>
-            <a:r>
+              <a:t> момент образовательный процесс заказчика состоит из обучения учеников в учебных группах и участия их в различных мероприятиях.</a:t>
+            </a:r>
+            <a:br>
               <a:rPr lang="ru-RU" baseline="0" dirty="0"/>
-              <a:t> Выбирается тип документа, затем в зависимости от типа происходит создание документа: вручную присваивается номер, вносится информация, рассылаются и подписываются документы, если это необходимо. Подобная деятельность приводит к большим трудозатратам. </a:t>
-            </a:r>
-            <a:endParaRPr lang="ru-RU" dirty="0"/>
+            </a:br>
+            <a:r>
+              <a:rPr lang="ru-RU" baseline="0" dirty="0"/>
+              <a:t>Для каждой учебной группы ведётся журнал, в котором педагог отмечает посещаемость и успеваемость, создаётся календарно-учебный план занятий, издаются приказы, которые регламентируют как обучение в учебных группах, так и участие в мероприятиях. По окончанию обучения обучающиеся получают сертификаты</a:t>
+            </a:r>
+          </a:p>
+          <a:p>
+            <a:pPr algn="l"/>
+            <a:r>
+              <a:rPr lang="ru-RU" baseline="0" dirty="0"/>
+              <a:t>Для каждой учебной группы, мероприятия и ученика, администратор отдела вынужден вручную формировать советующие задачам документы. </a:t>
+            </a:r>
+          </a:p>
+          <a:p>
+            <a:pPr algn="l"/>
+            <a:r>
+              <a:rPr lang="ru-RU" baseline="0" dirty="0"/>
+              <a:t>И так каждый раз как формируется учебная группа, меняется её состав, проводится мероприятие или ученик завершает обучение в РШТ. </a:t>
+            </a:r>
           </a:p>
           <a:p>
             <a:endParaRPr lang="ru-RU" dirty="0"/>
@@ -2039,7 +2111,7 @@
           <a:p>
             <a:fld id="{52F07621-6DF5-40C9-BD08-EFBFABC0EBA5}" type="slidenum">
               <a:rPr lang="ru-RU" smtClean="0"/>
-              <a:t>4</a:t>
+              <a:t>3</a:t>
             </a:fld>
             <a:endParaRPr lang="ru-RU"/>
           </a:p>
@@ -2048,7 +2120,7 @@
     </p:spTree>
     <p:extLst>
       <p:ext uri="{BB962C8B-B14F-4D97-AF65-F5344CB8AC3E}">
-        <p14:creationId xmlns:p14="http://schemas.microsoft.com/office/powerpoint/2010/main" val="847398083"/>
+        <p14:creationId xmlns:p14="http://schemas.microsoft.com/office/powerpoint/2010/main" val="1886265276"/>
       </p:ext>
     </p:extLst>
   </p:cSld>
@@ -2103,13 +2175,20 @@
           <a:lstStyle/>
           <a:p>
             <a:r>
-              <a:rPr lang="ru-RU" dirty="0"/>
-              <a:t>В качестве решения данной проблемы предлагается создать систему </a:t>
-            </a:r>
-            <a:r>
               <a:rPr lang="ru-RU" baseline="0" dirty="0"/>
-              <a:t>которая получала бы всё необходимое, а именно данные для его заполнения, а в результате выдавала бы готовые сертификаты, приказы, журналы и календарно-учебные графики.</a:t>
-            </a:r>
+              <a:t>Сам процесс создания документа представляет из себя следующее</a:t>
+            </a:r>
+            <a:r>
+              <a:rPr lang="en-US" baseline="0" dirty="0"/>
+              <a:t>:</a:t>
+            </a:r>
+            <a:r>
+              <a:rPr lang="ru-RU" baseline="0" dirty="0"/>
+              <a:t> Выбирается тип документа, затем в зависимости от типа происходит создание документа: вручную присваивается номер, вносится информация, рассылаются и подписываются документы, если это необходимо. Подобная деятельность приводит к большим трудозатратам. </a:t>
+            </a:r>
+            <a:endParaRPr lang="ru-RU" dirty="0"/>
+          </a:p>
+          <a:p>
             <a:endParaRPr lang="ru-RU" dirty="0"/>
           </a:p>
         </p:txBody>
@@ -2131,7 +2210,7 @@
           <a:p>
             <a:fld id="{52F07621-6DF5-40C9-BD08-EFBFABC0EBA5}" type="slidenum">
               <a:rPr lang="ru-RU" smtClean="0"/>
-              <a:t>5</a:t>
+              <a:t>4</a:t>
             </a:fld>
             <a:endParaRPr lang="ru-RU"/>
           </a:p>
@@ -2140,7 +2219,7 @@
     </p:spTree>
     <p:extLst>
       <p:ext uri="{BB962C8B-B14F-4D97-AF65-F5344CB8AC3E}">
-        <p14:creationId xmlns:p14="http://schemas.microsoft.com/office/powerpoint/2010/main" val="1845595209"/>
+        <p14:creationId xmlns:p14="http://schemas.microsoft.com/office/powerpoint/2010/main" val="847398083"/>
       </p:ext>
     </p:extLst>
   </p:cSld>
@@ -2196,12 +2275,13 @@
           <a:p>
             <a:r>
               <a:rPr lang="ru-RU" dirty="0"/>
-              <a:t>В</a:t>
+              <a:t>В качестве решения данной проблемы предлагается создать систему </a:t>
             </a:r>
             <a:r>
               <a:rPr lang="ru-RU" baseline="0" dirty="0"/>
-              <a:t> связи с чем задача сводится к упрощению текущего процесса организации до генерации документа на основе данных из единого хранилища</a:t>
-            </a:r>
+              <a:t>которая получала бы всё необходимое, а именно данные для его заполнения, а в результате выдавала бы готовые сертификаты, приказы, журналы и календарно-учебные графики.</a:t>
+            </a:r>
+            <a:endParaRPr lang="ru-RU" dirty="0"/>
           </a:p>
         </p:txBody>
       </p:sp>
@@ -2222,7 +2302,7 @@
           <a:p>
             <a:fld id="{52F07621-6DF5-40C9-BD08-EFBFABC0EBA5}" type="slidenum">
               <a:rPr lang="ru-RU" smtClean="0"/>
-              <a:t>6</a:t>
+              <a:t>5</a:t>
             </a:fld>
             <a:endParaRPr lang="ru-RU"/>
           </a:p>
@@ -2231,7 +2311,7 @@
     </p:spTree>
     <p:extLst>
       <p:ext uri="{BB962C8B-B14F-4D97-AF65-F5344CB8AC3E}">
-        <p14:creationId xmlns:p14="http://schemas.microsoft.com/office/powerpoint/2010/main" val="3251717709"/>
+        <p14:creationId xmlns:p14="http://schemas.microsoft.com/office/powerpoint/2010/main" val="1845595209"/>
       </p:ext>
     </p:extLst>
   </p:cSld>
@@ -2285,38 +2365,14 @@
           <a:bodyPr/>
           <a:lstStyle/>
           <a:p>
-            <a:pPr marL="0" marR="0" lvl="0" indent="0" algn="l" defTabSz="914400" rtl="0" eaLnBrk="1" fontAlgn="auto" latinLnBrk="0" hangingPunct="1">
-              <a:lnSpc>
-                <a:spcPct val="100000"/>
-              </a:lnSpc>
-              <a:spcBef>
-                <a:spcPts val="0"/>
-              </a:spcBef>
-              <a:spcAft>
-                <a:spcPts val="0"/>
-              </a:spcAft>
-              <a:buClrTx/>
-              <a:buSzTx/>
-              <a:buFontTx/>
-              <a:buNone/>
-              <a:tabLst/>
-              <a:defRPr/>
-            </a:pPr>
-            <a:r>
-              <a:rPr lang="ru-RU" sz="1200" kern="1200" dirty="0">
-                <a:solidFill>
-                  <a:schemeClr val="tx1"/>
-                </a:solidFill>
-                <a:effectLst/>
-                <a:latin typeface="+mn-lt"/>
-                <a:ea typeface="+mn-ea"/>
-                <a:cs typeface="+mn-cs"/>
-              </a:rPr>
-              <a:t>в ходе анализа предметной области были определены основные программные продукты, которые потенциально могли бы автоматизировать обр. процесс в РШТ. Исходя из демонстрируемой таблицы становится очевидным, что ни одна из рассмотренных систем не может полностью подойти под нужды организации.</a:t>
-            </a:r>
-          </a:p>
-          <a:p>
-            <a:endParaRPr lang="ru-RU" dirty="0"/>
+            <a:r>
+              <a:rPr lang="ru-RU" dirty="0"/>
+              <a:t>В</a:t>
+            </a:r>
+            <a:r>
+              <a:rPr lang="ru-RU" baseline="0" dirty="0"/>
+              <a:t> связи с чем задача сводится к упрощению текущего процесса организации до генерации документа на основе данных из единого хранилища</a:t>
+            </a:r>
           </a:p>
         </p:txBody>
       </p:sp>
@@ -2337,7 +2393,7 @@
           <a:p>
             <a:fld id="{52F07621-6DF5-40C9-BD08-EFBFABC0EBA5}" type="slidenum">
               <a:rPr lang="ru-RU" smtClean="0"/>
-              <a:t>7</a:t>
+              <a:t>6</a:t>
             </a:fld>
             <a:endParaRPr lang="ru-RU"/>
           </a:p>
@@ -2346,7 +2402,7 @@
     </p:spTree>
     <p:extLst>
       <p:ext uri="{BB962C8B-B14F-4D97-AF65-F5344CB8AC3E}">
-        <p14:creationId xmlns:p14="http://schemas.microsoft.com/office/powerpoint/2010/main" val="2523203587"/>
+        <p14:creationId xmlns:p14="http://schemas.microsoft.com/office/powerpoint/2010/main" val="3251717709"/>
       </p:ext>
     </p:extLst>
   </p:cSld>
@@ -2400,6 +2456,23 @@
           <a:bodyPr/>
           <a:lstStyle/>
           <a:p>
+            <a:pPr marL="0" marR="0" lvl="0" indent="0" algn="l" defTabSz="914400" rtl="0" eaLnBrk="1" fontAlgn="auto" latinLnBrk="0" hangingPunct="1">
+              <a:lnSpc>
+                <a:spcPct val="100000"/>
+              </a:lnSpc>
+              <a:spcBef>
+                <a:spcPts val="0"/>
+              </a:spcBef>
+              <a:spcAft>
+                <a:spcPts val="0"/>
+              </a:spcAft>
+              <a:buClrTx/>
+              <a:buSzTx/>
+              <a:buFontTx/>
+              <a:buNone/>
+              <a:tabLst/>
+              <a:defRPr/>
+            </a:pPr>
             <a:r>
               <a:rPr lang="ru-RU" sz="1200" kern="1200" dirty="0">
                 <a:solidFill>
@@ -2410,96 +2483,7 @@
                 <a:ea typeface="+mn-ea"/>
                 <a:cs typeface="+mn-cs"/>
               </a:rPr>
-              <a:t>в ходе анализа предметной области были определены цели и задачи. Цель выпускной квалификационной работы - повысить эффективность деятельности документооборота, обеспечивающего сопровождение образовательного процесса в организации «Региональный школьный технопарк».</a:t>
-            </a:r>
-          </a:p>
-          <a:p>
-            <a:r>
-              <a:rPr lang="ru-RU" sz="1200" kern="1200" dirty="0">
-                <a:solidFill>
-                  <a:schemeClr val="tx1"/>
-                </a:solidFill>
-                <a:effectLst/>
-                <a:latin typeface="+mn-lt"/>
-                <a:ea typeface="+mn-ea"/>
-                <a:cs typeface="+mn-cs"/>
-              </a:rPr>
-              <a:t>Достижение данной цели сопровождается следующими задачами:</a:t>
-            </a:r>
-          </a:p>
-          <a:p>
-            <a:pPr lvl="0"/>
-            <a:r>
-              <a:rPr lang="ru-RU" sz="1200" kern="1200" dirty="0">
-                <a:solidFill>
-                  <a:schemeClr val="tx1"/>
-                </a:solidFill>
-                <a:effectLst/>
-                <a:latin typeface="+mn-lt"/>
-                <a:ea typeface="+mn-ea"/>
-                <a:cs typeface="+mn-cs"/>
-              </a:rPr>
-              <a:t>анализ предметной области;</a:t>
-            </a:r>
-          </a:p>
-          <a:p>
-            <a:pPr lvl="0"/>
-            <a:r>
-              <a:rPr lang="ru-RU" sz="1200" kern="1200" dirty="0">
-                <a:solidFill>
-                  <a:schemeClr val="tx1"/>
-                </a:solidFill>
-                <a:effectLst/>
-                <a:latin typeface="+mn-lt"/>
-                <a:ea typeface="+mn-ea"/>
-                <a:cs typeface="+mn-cs"/>
-              </a:rPr>
-              <a:t>проектирование базы данных;</a:t>
-            </a:r>
-          </a:p>
-          <a:p>
-            <a:pPr lvl="0"/>
-            <a:r>
-              <a:rPr lang="ru-RU" sz="1200" kern="1200" dirty="0">
-                <a:solidFill>
-                  <a:schemeClr val="tx1"/>
-                </a:solidFill>
-                <a:effectLst/>
-                <a:latin typeface="+mn-lt"/>
-                <a:ea typeface="+mn-ea"/>
-                <a:cs typeface="+mn-cs"/>
-              </a:rPr>
-              <a:t>разработка программного продукта;</a:t>
-            </a:r>
-          </a:p>
-          <a:p>
-            <a:pPr lvl="0"/>
-            <a:r>
-              <a:rPr lang="ru-RU" sz="1200" kern="1200" dirty="0">
-                <a:solidFill>
-                  <a:schemeClr val="tx1"/>
-                </a:solidFill>
-                <a:effectLst/>
-                <a:latin typeface="+mn-lt"/>
-                <a:ea typeface="+mn-ea"/>
-                <a:cs typeface="+mn-cs"/>
-              </a:rPr>
-              <a:t>тестирование полученной системы;</a:t>
-            </a:r>
-          </a:p>
-          <a:p>
-            <a:pPr lvl="0"/>
-            <a:r>
-              <a:rPr lang="ru-RU" sz="1200" kern="1200" dirty="0">
-                <a:solidFill>
-                  <a:schemeClr val="tx1"/>
-                </a:solidFill>
-                <a:effectLst/>
-                <a:latin typeface="+mn-lt"/>
-                <a:ea typeface="+mn-ea"/>
-                <a:cs typeface="+mn-cs"/>
-              </a:rPr>
-              <a:t>внедрение информационной системы в организации.</a:t>
+              <a:t>в ходе анализа предметной области были определены основные программные продукты, которые потенциально могли бы автоматизировать обр. процесс в РШТ. Исходя из демонстрируемой таблицы становится очевидным, что ни одна из рассмотренных систем не может полностью подойти под нужды организации.</a:t>
             </a:r>
           </a:p>
           <a:p>
@@ -2524,7 +2508,7 @@
           <a:p>
             <a:fld id="{52F07621-6DF5-40C9-BD08-EFBFABC0EBA5}" type="slidenum">
               <a:rPr lang="ru-RU" smtClean="0"/>
-              <a:t>8</a:t>
+              <a:t>7</a:t>
             </a:fld>
             <a:endParaRPr lang="ru-RU"/>
           </a:p>
@@ -2533,7 +2517,7 @@
     </p:spTree>
     <p:extLst>
       <p:ext uri="{BB962C8B-B14F-4D97-AF65-F5344CB8AC3E}">
-        <p14:creationId xmlns:p14="http://schemas.microsoft.com/office/powerpoint/2010/main" val="3579791398"/>
+        <p14:creationId xmlns:p14="http://schemas.microsoft.com/office/powerpoint/2010/main" val="2523203587"/>
       </p:ext>
     </p:extLst>
   </p:cSld>
@@ -2587,23 +2571,6 @@
           <a:bodyPr/>
           <a:lstStyle/>
           <a:p>
-            <a:pPr marL="0" marR="0" lvl="0" indent="0" algn="l" defTabSz="914400" rtl="0" eaLnBrk="1" fontAlgn="auto" latinLnBrk="0" hangingPunct="1">
-              <a:lnSpc>
-                <a:spcPct val="100000"/>
-              </a:lnSpc>
-              <a:spcBef>
-                <a:spcPts val="0"/>
-              </a:spcBef>
-              <a:spcAft>
-                <a:spcPts val="0"/>
-              </a:spcAft>
-              <a:buClrTx/>
-              <a:buSzTx/>
-              <a:buFontTx/>
-              <a:buNone/>
-              <a:tabLst/>
-              <a:defRPr/>
-            </a:pPr>
             <a:r>
               <a:rPr lang="ru-RU" sz="1200" kern="1200" dirty="0">
                 <a:solidFill>
@@ -2614,7 +2581,96 @@
                 <a:ea typeface="+mn-ea"/>
                 <a:cs typeface="+mn-cs"/>
               </a:rPr>
-              <a:t>На слайде изображена контекстная диаграмма разрабатываемой системы с входными и выходными данными. Система должна работать в рамках Федеральных законов №152 и №273 о персональных данных и образовании, а также нормативных документах РШТ. </a:t>
+              <a:t>в ходе анализа предметной области были определены цели и задачи. Цель выпускной квалификационной работы - повысить эффективность деятельности документооборота, обеспечивающего сопровождение образовательного процесса в организации «Региональный школьный технопарк».</a:t>
+            </a:r>
+          </a:p>
+          <a:p>
+            <a:r>
+              <a:rPr lang="ru-RU" sz="1200" kern="1200" dirty="0">
+                <a:solidFill>
+                  <a:schemeClr val="tx1"/>
+                </a:solidFill>
+                <a:effectLst/>
+                <a:latin typeface="+mn-lt"/>
+                <a:ea typeface="+mn-ea"/>
+                <a:cs typeface="+mn-cs"/>
+              </a:rPr>
+              <a:t>Достижение данной цели сопровождается следующими задачами:</a:t>
+            </a:r>
+          </a:p>
+          <a:p>
+            <a:pPr lvl="0"/>
+            <a:r>
+              <a:rPr lang="ru-RU" sz="1200" kern="1200" dirty="0">
+                <a:solidFill>
+                  <a:schemeClr val="tx1"/>
+                </a:solidFill>
+                <a:effectLst/>
+                <a:latin typeface="+mn-lt"/>
+                <a:ea typeface="+mn-ea"/>
+                <a:cs typeface="+mn-cs"/>
+              </a:rPr>
+              <a:t>анализ предметной области;</a:t>
+            </a:r>
+          </a:p>
+          <a:p>
+            <a:pPr lvl="0"/>
+            <a:r>
+              <a:rPr lang="ru-RU" sz="1200" kern="1200" dirty="0">
+                <a:solidFill>
+                  <a:schemeClr val="tx1"/>
+                </a:solidFill>
+                <a:effectLst/>
+                <a:latin typeface="+mn-lt"/>
+                <a:ea typeface="+mn-ea"/>
+                <a:cs typeface="+mn-cs"/>
+              </a:rPr>
+              <a:t>проектирование базы данных;</a:t>
+            </a:r>
+          </a:p>
+          <a:p>
+            <a:pPr lvl="0"/>
+            <a:r>
+              <a:rPr lang="ru-RU" sz="1200" kern="1200" dirty="0">
+                <a:solidFill>
+                  <a:schemeClr val="tx1"/>
+                </a:solidFill>
+                <a:effectLst/>
+                <a:latin typeface="+mn-lt"/>
+                <a:ea typeface="+mn-ea"/>
+                <a:cs typeface="+mn-cs"/>
+              </a:rPr>
+              <a:t>разработка программного продукта;</a:t>
+            </a:r>
+          </a:p>
+          <a:p>
+            <a:pPr lvl="0"/>
+            <a:r>
+              <a:rPr lang="ru-RU" sz="1200" kern="1200" dirty="0">
+                <a:solidFill>
+                  <a:schemeClr val="tx1"/>
+                </a:solidFill>
+                <a:effectLst/>
+                <a:latin typeface="+mn-lt"/>
+                <a:ea typeface="+mn-ea"/>
+                <a:cs typeface="+mn-cs"/>
+              </a:rPr>
+              <a:t>тестирование полученной системы;</a:t>
+            </a:r>
+          </a:p>
+          <a:p>
+            <a:pPr lvl="0"/>
+            <a:r>
+              <a:rPr lang="ru-RU" sz="1200" kern="1200" dirty="0">
+                <a:solidFill>
+                  <a:schemeClr val="tx1"/>
+                </a:solidFill>
+                <a:effectLst/>
+                <a:latin typeface="+mn-lt"/>
+                <a:ea typeface="+mn-ea"/>
+                <a:cs typeface="+mn-cs"/>
+              </a:rPr>
+              <a:t>внедрение информационной системы в организации.</a:t>
             </a:r>
           </a:p>
           <a:p>
@@ -2639,7 +2695,7 @@
           <a:p>
             <a:fld id="{52F07621-6DF5-40C9-BD08-EFBFABC0EBA5}" type="slidenum">
               <a:rPr lang="ru-RU" smtClean="0"/>
-              <a:t>9</a:t>
+              <a:t>8</a:t>
             </a:fld>
             <a:endParaRPr lang="ru-RU"/>
           </a:p>
@@ -2648,7 +2704,7 @@
     </p:spTree>
     <p:extLst>
       <p:ext uri="{BB962C8B-B14F-4D97-AF65-F5344CB8AC3E}">
-        <p14:creationId xmlns:p14="http://schemas.microsoft.com/office/powerpoint/2010/main" val="1511547348"/>
+        <p14:creationId xmlns:p14="http://schemas.microsoft.com/office/powerpoint/2010/main" val="3579791398"/>
       </p:ext>
     </p:extLst>
   </p:cSld>
@@ -2702,10 +2758,38 @@
           <a:bodyPr/>
           <a:lstStyle/>
           <a:p>
-            <a:r>
-              <a:rPr lang="ru-RU" dirty="0"/>
-              <a:t>На данном слайде отображена диаграмма вариантов использования пользователей с ролями «Администратор» и «Педагог»</a:t>
-            </a:r>
+            <a:pPr marL="0" marR="0" lvl="0" indent="0" algn="l" defTabSz="914400" rtl="0" eaLnBrk="1" fontAlgn="auto" latinLnBrk="0" hangingPunct="1">
+              <a:lnSpc>
+                <a:spcPct val="100000"/>
+              </a:lnSpc>
+              <a:spcBef>
+                <a:spcPts val="0"/>
+              </a:spcBef>
+              <a:spcAft>
+                <a:spcPts val="0"/>
+              </a:spcAft>
+              <a:buClrTx/>
+              <a:buSzTx/>
+              <a:buFontTx/>
+              <a:buNone/>
+              <a:tabLst/>
+              <a:defRPr/>
+            </a:pPr>
+            <a:r>
+              <a:rPr lang="ru-RU" sz="1200" kern="1200" dirty="0">
+                <a:solidFill>
+                  <a:schemeClr val="tx1"/>
+                </a:solidFill>
+                <a:effectLst/>
+                <a:latin typeface="+mn-lt"/>
+                <a:ea typeface="+mn-ea"/>
+                <a:cs typeface="+mn-cs"/>
+              </a:rPr>
+              <a:t>На слайде изображена контекстная диаграмма разрабатываемой системы с входными и выходными данными. Система должна работать в рамках Федеральных законов №152 и №273 о персональных данных и образовании, а также нормативных документах РШТ. </a:t>
+            </a:r>
+          </a:p>
+          <a:p>
+            <a:endParaRPr lang="ru-RU" dirty="0"/>
           </a:p>
         </p:txBody>
       </p:sp>
@@ -2726,7 +2810,7 @@
           <a:p>
             <a:fld id="{52F07621-6DF5-40C9-BD08-EFBFABC0EBA5}" type="slidenum">
               <a:rPr lang="ru-RU" smtClean="0"/>
-              <a:t>10</a:t>
+              <a:t>9</a:t>
             </a:fld>
             <a:endParaRPr lang="ru-RU"/>
           </a:p>
@@ -2735,7 +2819,7 @@
     </p:spTree>
     <p:extLst>
       <p:ext uri="{BB962C8B-B14F-4D97-AF65-F5344CB8AC3E}">
-        <p14:creationId xmlns:p14="http://schemas.microsoft.com/office/powerpoint/2010/main" val="2373327861"/>
+        <p14:creationId xmlns:p14="http://schemas.microsoft.com/office/powerpoint/2010/main" val="1511547348"/>
       </p:ext>
     </p:extLst>
   </p:cSld>
@@ -2974,7 +3058,7 @@
           <a:p>
             <a:fld id="{A592AB9E-B3E0-40A8-9D13-59617F3F8A64}" type="datetime1">
               <a:rPr lang="ru-RU" smtClean="0"/>
-              <a:t>20.05.2025</a:t>
+              <a:t>21.05.2025</a:t>
             </a:fld>
             <a:endParaRPr lang="ru-RU"/>
           </a:p>
@@ -3320,7 +3404,7 @@
           <a:p>
             <a:fld id="{5417B1CA-4C4F-4F8D-803D-8A6A8A906241}" type="datetime1">
               <a:rPr lang="ru-RU" smtClean="0"/>
-              <a:t>20.05.2025</a:t>
+              <a:t>21.05.2025</a:t>
             </a:fld>
             <a:endParaRPr lang="ru-RU"/>
           </a:p>
@@ -3598,7 +3682,7 @@
           <a:p>
             <a:fld id="{82CFFC90-8D51-4E14-AFBA-129AE5402BF2}" type="datetime1">
               <a:rPr lang="ru-RU" smtClean="0"/>
-              <a:t>20.05.2025</a:t>
+              <a:t>21.05.2025</a:t>
             </a:fld>
             <a:endParaRPr lang="ru-RU"/>
           </a:p>
@@ -4166,7 +4250,7 @@
           <a:p>
             <a:fld id="{EA467253-3793-4A20-98DF-36EA880F85F5}" type="datetime1">
               <a:rPr lang="ru-RU" smtClean="0"/>
-              <a:t>20.05.2025</a:t>
+              <a:t>21.05.2025</a:t>
             </a:fld>
             <a:endParaRPr lang="ru-RU"/>
           </a:p>
@@ -4444,7 +4528,7 @@
           <a:p>
             <a:fld id="{D83AF644-49BB-4732-B227-064E7E8E9B75}" type="datetime1">
               <a:rPr lang="ru-RU" smtClean="0"/>
-              <a:t>20.05.2025</a:t>
+              <a:t>21.05.2025</a:t>
             </a:fld>
             <a:endParaRPr lang="ru-RU"/>
           </a:p>
@@ -5006,7 +5090,7 @@
           <a:p>
             <a:fld id="{93741DF7-081A-43E1-AEC0-7A6A5EFC3E04}" type="datetime1">
               <a:rPr lang="ru-RU" smtClean="0"/>
-              <a:t>20.05.2025</a:t>
+              <a:t>21.05.2025</a:t>
             </a:fld>
             <a:endParaRPr lang="ru-RU"/>
           </a:p>
@@ -5333,7 +5417,7 @@
           <a:p>
             <a:fld id="{60804587-5AD3-4566-AED6-7C5642B16C64}" type="datetime1">
               <a:rPr lang="ru-RU" smtClean="0"/>
-              <a:t>20.05.2025</a:t>
+              <a:t>21.05.2025</a:t>
             </a:fld>
             <a:endParaRPr lang="ru-RU"/>
           </a:p>
@@ -5510,7 +5594,7 @@
           <a:p>
             <a:fld id="{AF148D8C-8A56-4364-A29B-FC848D70BD3E}" type="datetime1">
               <a:rPr lang="ru-RU" smtClean="0"/>
-              <a:t>20.05.2025</a:t>
+              <a:t>21.05.2025</a:t>
             </a:fld>
             <a:endParaRPr lang="ru-RU"/>
           </a:p>
@@ -5760,7 +5844,7 @@
           <a:p>
             <a:fld id="{1F560C62-4747-4C40-80B5-9506A6478873}" type="datetime1">
               <a:rPr lang="ru-RU" smtClean="0"/>
-              <a:t>20.05.2025</a:t>
+              <a:t>21.05.2025</a:t>
             </a:fld>
             <a:endParaRPr lang="ru-RU"/>
           </a:p>
@@ -5972,7 +6056,7 @@
           <a:p>
             <a:fld id="{655C5391-6D11-49BE-9D35-F1852430608C}" type="datetime1">
               <a:rPr lang="ru-RU" smtClean="0"/>
-              <a:t>20.05.2025</a:t>
+              <a:t>21.05.2025</a:t>
             </a:fld>
             <a:endParaRPr lang="ru-RU"/>
           </a:p>
@@ -6260,7 +6344,7 @@
           <a:p>
             <a:fld id="{D1B7E046-787A-42F0-988E-D94C46E094ED}" type="datetime1">
               <a:rPr lang="ru-RU" smtClean="0"/>
-              <a:t>20.05.2025</a:t>
+              <a:t>21.05.2025</a:t>
             </a:fld>
             <a:endParaRPr lang="ru-RU"/>
           </a:p>
@@ -6538,7 +6622,7 @@
           <a:p>
             <a:fld id="{1DEF2D25-E9E1-4E54-81F0-1D2FE8854B0E}" type="datetime1">
               <a:rPr lang="ru-RU" smtClean="0"/>
-              <a:t>20.05.2025</a:t>
+              <a:t>21.05.2025</a:t>
             </a:fld>
             <a:endParaRPr lang="ru-RU"/>
           </a:p>
@@ -6924,7 +7008,7 @@
           <a:p>
             <a:fld id="{2D559C09-903E-4473-BBE2-D44EED2E9BB9}" type="datetime1">
               <a:rPr lang="ru-RU" smtClean="0"/>
-              <a:t>20.05.2025</a:t>
+              <a:t>21.05.2025</a:t>
             </a:fld>
             <a:endParaRPr lang="ru-RU"/>
           </a:p>
@@ -7084,7 +7168,7 @@
           <a:p>
             <a:fld id="{5DEFB42A-193B-4E6D-9002-E4C3450AA4B1}" type="datetime1">
               <a:rPr lang="ru-RU" smtClean="0"/>
-              <a:t>20.05.2025</a:t>
+              <a:t>21.05.2025</a:t>
             </a:fld>
             <a:endParaRPr lang="ru-RU"/>
           </a:p>
@@ -7221,7 +7305,7 @@
           <a:p>
             <a:fld id="{B780A1C7-BCFA-4491-ABEA-F198E9E80238}" type="datetime1">
               <a:rPr lang="ru-RU" smtClean="0"/>
-              <a:t>20.05.2025</a:t>
+              <a:t>21.05.2025</a:t>
             </a:fld>
             <a:endParaRPr lang="ru-RU"/>
           </a:p>
@@ -7518,7 +7602,7 @@
           <a:p>
             <a:fld id="{6B7D87D1-A00E-4856-B035-ABE302A2367C}" type="datetime1">
               <a:rPr lang="ru-RU" smtClean="0"/>
-              <a:t>20.05.2025</a:t>
+              <a:t>21.05.2025</a:t>
             </a:fld>
             <a:endParaRPr lang="ru-RU"/>
           </a:p>
@@ -7854,7 +7938,7 @@
           <a:p>
             <a:fld id="{95982220-A412-481B-B026-9F63F21200E0}" type="datetime1">
               <a:rPr lang="ru-RU" smtClean="0"/>
-              <a:t>20.05.2025</a:t>
+              <a:t>21.05.2025</a:t>
             </a:fld>
             <a:endParaRPr lang="ru-RU"/>
           </a:p>
@@ -8080,7 +8164,7 @@
           <a:p>
             <a:fld id="{CBF3DBF7-CC75-4132-A774-E3960ACCECD6}" type="datetime1">
               <a:rPr lang="ru-RU" smtClean="0"/>
-              <a:t>20.05.2025</a:t>
+              <a:t>21.05.2025</a:t>
             </a:fld>
             <a:endParaRPr lang="ru-RU"/>
           </a:p>
@@ -24249,7 +24333,7 @@
         </p:nvSpPr>
         <p:spPr>
           <a:xfrm>
-            <a:off x="1" y="823283"/>
+            <a:off x="-1" y="834237"/>
             <a:ext cx="12191999" cy="6037179"/>
           </a:xfrm>
           <a:prstGeom prst="rect">

--- a/Дипломная работа/Преддипломная Шуршев/Презентация преддипломная.pptx
+++ b/Дипломная работа/Преддипломная Шуршев/Презентация преддипломная.pptx
@@ -5,7 +5,7 @@
     <p:sldMasterId id="2147484049" r:id="rId1"/>
   </p:sldMasterIdLst>
   <p:notesMasterIdLst>
-    <p:notesMasterId r:id="rId21"/>
+    <p:notesMasterId r:id="rId22"/>
   </p:notesMasterIdLst>
   <p:sldIdLst>
     <p:sldId id="321" r:id="rId2"/>
@@ -21,12 +21,13 @@
     <p:sldId id="302" r:id="rId12"/>
     <p:sldId id="311" r:id="rId13"/>
     <p:sldId id="309" r:id="rId14"/>
-    <p:sldId id="286" r:id="rId15"/>
-    <p:sldId id="289" r:id="rId16"/>
-    <p:sldId id="313" r:id="rId17"/>
-    <p:sldId id="274" r:id="rId18"/>
-    <p:sldId id="287" r:id="rId19"/>
-    <p:sldId id="288" r:id="rId20"/>
+    <p:sldId id="322" r:id="rId15"/>
+    <p:sldId id="286" r:id="rId16"/>
+    <p:sldId id="289" r:id="rId17"/>
+    <p:sldId id="313" r:id="rId18"/>
+    <p:sldId id="274" r:id="rId19"/>
+    <p:sldId id="287" r:id="rId20"/>
+    <p:sldId id="288" r:id="rId21"/>
   </p:sldIdLst>
   <p:sldSz cx="12192000" cy="6858000"/>
   <p:notesSz cx="6858000" cy="9144000"/>
@@ -215,7 +216,7 @@
           <a:p>
             <a:fld id="{0752C715-6935-41AD-9984-2334D42D2383}" type="datetimeFigureOut">
               <a:rPr lang="ru-RU" smtClean="0"/>
-              <a:t>21.05.2025</a:t>
+              <a:t>22.05.2025</a:t>
             </a:fld>
             <a:endParaRPr lang="ru-RU"/>
           </a:p>
@@ -1062,101 +1063,8 @@
                 <a:ea typeface="+mn-ea"/>
                 <a:cs typeface="+mn-cs"/>
               </a:rPr>
-              <a:t>на данном слайде отображена архитектура разрабатываемого приложения. Обмен между клиентом и сервером происходит по протоколу </a:t>
-            </a:r>
-            <a:r>
-              <a:rPr lang="en-US" sz="1200" kern="1200" dirty="0">
-                <a:solidFill>
-                  <a:schemeClr val="tx1"/>
-                </a:solidFill>
-                <a:effectLst/>
-                <a:latin typeface="+mn-lt"/>
-                <a:ea typeface="+mn-ea"/>
-                <a:cs typeface="+mn-cs"/>
-              </a:rPr>
-              <a:t>HTTPs</a:t>
-            </a:r>
-            <a:r>
-              <a:rPr lang="ru-RU" sz="1200" kern="1200" dirty="0">
-                <a:solidFill>
-                  <a:schemeClr val="tx1"/>
-                </a:solidFill>
-                <a:effectLst/>
-                <a:latin typeface="+mn-lt"/>
-                <a:ea typeface="+mn-ea"/>
-                <a:cs typeface="+mn-cs"/>
-              </a:rPr>
-              <a:t>. Доступ к архивным файлам, находящимся на Яндекс Диске проходит через </a:t>
-            </a:r>
-            <a:r>
-              <a:rPr lang="en-US" sz="1200" kern="1200" dirty="0">
-                <a:solidFill>
-                  <a:schemeClr val="tx1"/>
-                </a:solidFill>
-                <a:effectLst/>
-                <a:latin typeface="+mn-lt"/>
-                <a:ea typeface="+mn-ea"/>
-                <a:cs typeface="+mn-cs"/>
-              </a:rPr>
-              <a:t>API</a:t>
-            </a:r>
-            <a:r>
-              <a:rPr lang="ru-RU" sz="1200" kern="1200" dirty="0">
-                <a:solidFill>
-                  <a:schemeClr val="tx1"/>
-                </a:solidFill>
-                <a:effectLst/>
-                <a:latin typeface="+mn-lt"/>
-                <a:ea typeface="+mn-ea"/>
-                <a:cs typeface="+mn-cs"/>
-              </a:rPr>
-              <a:t> и брокер сообщений </a:t>
-            </a:r>
-            <a:r>
-              <a:rPr lang="en-US" sz="1200" kern="1200" dirty="0">
-                <a:solidFill>
-                  <a:schemeClr val="tx1"/>
-                </a:solidFill>
-                <a:effectLst/>
-                <a:latin typeface="+mn-lt"/>
-                <a:ea typeface="+mn-ea"/>
-                <a:cs typeface="+mn-cs"/>
-              </a:rPr>
-              <a:t>RabbitMQ</a:t>
-            </a:r>
-            <a:r>
-              <a:rPr lang="ru-RU" sz="1200" kern="1200" dirty="0">
-                <a:solidFill>
-                  <a:schemeClr val="tx1"/>
-                </a:solidFill>
-                <a:effectLst/>
-                <a:latin typeface="+mn-lt"/>
-                <a:ea typeface="+mn-ea"/>
-                <a:cs typeface="+mn-cs"/>
-              </a:rPr>
-              <a:t>. Актуальные файлы хранятся непосредственно на сервере для быстрого доступа к ним.</a:t>
-            </a:r>
-            <a:r>
-              <a:rPr lang="ru-RU" sz="1200" b="1" kern="1200" dirty="0">
-                <a:solidFill>
-                  <a:schemeClr val="tx1"/>
-                </a:solidFill>
-                <a:effectLst/>
-                <a:latin typeface="+mn-lt"/>
-                <a:ea typeface="+mn-ea"/>
-                <a:cs typeface="+mn-cs"/>
-              </a:rPr>
-              <a:t>  </a:t>
-            </a:r>
-            <a:endParaRPr lang="ru-RU" sz="1200" kern="1200" dirty="0">
-              <a:solidFill>
-                <a:schemeClr val="tx1"/>
-              </a:solidFill>
-              <a:effectLst/>
-              <a:latin typeface="+mn-lt"/>
-              <a:ea typeface="+mn-ea"/>
-              <a:cs typeface="+mn-cs"/>
-            </a:endParaRPr>
+              <a:t>На данном слайде отображены системные требования к серверу и клиенту.</a:t>
+            </a:r>
           </a:p>
           <a:p>
             <a:endParaRPr lang="ru-RU" dirty="0"/>
@@ -1189,7 +1097,7 @@
     </p:spTree>
     <p:extLst>
       <p:ext uri="{BB962C8B-B14F-4D97-AF65-F5344CB8AC3E}">
-        <p14:creationId xmlns:p14="http://schemas.microsoft.com/office/powerpoint/2010/main" val="2106793825"/>
+        <p14:creationId xmlns:p14="http://schemas.microsoft.com/office/powerpoint/2010/main" val="2143697963"/>
       </p:ext>
     </p:extLst>
   </p:cSld>
@@ -1270,8 +1178,101 @@
                 <a:ea typeface="+mn-ea"/>
                 <a:cs typeface="+mn-cs"/>
               </a:rPr>
-              <a:t>На данном слайде отображены основные сведения о разработанном программном продукте и средствах разработки. </a:t>
-            </a:r>
+              <a:t>на данном слайде отображена архитектура разрабатываемого приложения. Обмен между клиентом и сервером происходит по протоколу </a:t>
+            </a:r>
+            <a:r>
+              <a:rPr lang="en-US" sz="1200" kern="1200" dirty="0">
+                <a:solidFill>
+                  <a:schemeClr val="tx1"/>
+                </a:solidFill>
+                <a:effectLst/>
+                <a:latin typeface="+mn-lt"/>
+                <a:ea typeface="+mn-ea"/>
+                <a:cs typeface="+mn-cs"/>
+              </a:rPr>
+              <a:t>HTTPs</a:t>
+            </a:r>
+            <a:r>
+              <a:rPr lang="ru-RU" sz="1200" kern="1200" dirty="0">
+                <a:solidFill>
+                  <a:schemeClr val="tx1"/>
+                </a:solidFill>
+                <a:effectLst/>
+                <a:latin typeface="+mn-lt"/>
+                <a:ea typeface="+mn-ea"/>
+                <a:cs typeface="+mn-cs"/>
+              </a:rPr>
+              <a:t>. Доступ к архивным файлам, находящимся на Яндекс Диске проходит через </a:t>
+            </a:r>
+            <a:r>
+              <a:rPr lang="en-US" sz="1200" kern="1200" dirty="0">
+                <a:solidFill>
+                  <a:schemeClr val="tx1"/>
+                </a:solidFill>
+                <a:effectLst/>
+                <a:latin typeface="+mn-lt"/>
+                <a:ea typeface="+mn-ea"/>
+                <a:cs typeface="+mn-cs"/>
+              </a:rPr>
+              <a:t>API</a:t>
+            </a:r>
+            <a:r>
+              <a:rPr lang="ru-RU" sz="1200" kern="1200" dirty="0">
+                <a:solidFill>
+                  <a:schemeClr val="tx1"/>
+                </a:solidFill>
+                <a:effectLst/>
+                <a:latin typeface="+mn-lt"/>
+                <a:ea typeface="+mn-ea"/>
+                <a:cs typeface="+mn-cs"/>
+              </a:rPr>
+              <a:t> и брокер сообщений </a:t>
+            </a:r>
+            <a:r>
+              <a:rPr lang="en-US" sz="1200" kern="1200" dirty="0">
+                <a:solidFill>
+                  <a:schemeClr val="tx1"/>
+                </a:solidFill>
+                <a:effectLst/>
+                <a:latin typeface="+mn-lt"/>
+                <a:ea typeface="+mn-ea"/>
+                <a:cs typeface="+mn-cs"/>
+              </a:rPr>
+              <a:t>RabbitMQ</a:t>
+            </a:r>
+            <a:r>
+              <a:rPr lang="ru-RU" sz="1200" kern="1200" dirty="0">
+                <a:solidFill>
+                  <a:schemeClr val="tx1"/>
+                </a:solidFill>
+                <a:effectLst/>
+                <a:latin typeface="+mn-lt"/>
+                <a:ea typeface="+mn-ea"/>
+                <a:cs typeface="+mn-cs"/>
+              </a:rPr>
+              <a:t>. Актуальные файлы хранятся непосредственно на сервере для быстрого доступа к ним.</a:t>
+            </a:r>
+            <a:r>
+              <a:rPr lang="ru-RU" sz="1200" b="1" kern="1200" dirty="0">
+                <a:solidFill>
+                  <a:schemeClr val="tx1"/>
+                </a:solidFill>
+                <a:effectLst/>
+                <a:latin typeface="+mn-lt"/>
+                <a:ea typeface="+mn-ea"/>
+                <a:cs typeface="+mn-cs"/>
+              </a:rPr>
+              <a:t>  </a:t>
+            </a:r>
+            <a:endParaRPr lang="ru-RU" sz="1200" kern="1200" dirty="0">
+              <a:solidFill>
+                <a:schemeClr val="tx1"/>
+              </a:solidFill>
+              <a:effectLst/>
+              <a:latin typeface="+mn-lt"/>
+              <a:ea typeface="+mn-ea"/>
+              <a:cs typeface="+mn-cs"/>
+            </a:endParaRPr>
           </a:p>
           <a:p>
             <a:endParaRPr lang="ru-RU" dirty="0"/>
@@ -1304,7 +1305,7 @@
     </p:spTree>
     <p:extLst>
       <p:ext uri="{BB962C8B-B14F-4D97-AF65-F5344CB8AC3E}">
-        <p14:creationId xmlns:p14="http://schemas.microsoft.com/office/powerpoint/2010/main" val="2309492035"/>
+        <p14:creationId xmlns:p14="http://schemas.microsoft.com/office/powerpoint/2010/main" val="2106793825"/>
       </p:ext>
     </p:extLst>
   </p:cSld>
@@ -1385,7 +1386,7 @@
                 <a:ea typeface="+mn-ea"/>
                 <a:cs typeface="+mn-cs"/>
               </a:rPr>
-              <a:t>На данном слайде отображены системные требования к серверу и клиенту.</a:t>
+              <a:t>На данном слайде отображены основные сведения о разработанном программном продукте и средствах разработки. </a:t>
             </a:r>
           </a:p>
           <a:p>
@@ -1419,7 +1420,7 @@
     </p:spTree>
     <p:extLst>
       <p:ext uri="{BB962C8B-B14F-4D97-AF65-F5344CB8AC3E}">
-        <p14:creationId xmlns:p14="http://schemas.microsoft.com/office/powerpoint/2010/main" val="263670119"/>
+        <p14:creationId xmlns:p14="http://schemas.microsoft.com/office/powerpoint/2010/main" val="2309492035"/>
       </p:ext>
     </p:extLst>
   </p:cSld>
@@ -1473,143 +1474,34 @@
           <a:bodyPr/>
           <a:lstStyle/>
           <a:p>
-            <a:pPr marL="0" indent="0" algn="l">
+            <a:pPr marL="0" marR="0" lvl="0" indent="0" algn="l" defTabSz="914400" rtl="0" eaLnBrk="1" fontAlgn="auto" latinLnBrk="0" hangingPunct="1">
               <a:lnSpc>
-                <a:spcPct val="150000"/>
+                <a:spcPct val="100000"/>
               </a:lnSpc>
+              <a:spcBef>
+                <a:spcPts val="0"/>
+              </a:spcBef>
+              <a:spcAft>
+                <a:spcPts val="0"/>
+              </a:spcAft>
+              <a:buClrTx/>
+              <a:buSzTx/>
+              <a:buFontTx/>
               <a:buNone/>
+              <a:tabLst/>
+              <a:defRPr/>
             </a:pPr>
             <a:r>
-              <a:rPr lang="ru-RU" sz="2200" dirty="0">
-                <a:latin typeface="Times New Roman" panose="02020603050405020304" pitchFamily="18" charset="0"/>
-                <a:cs typeface="Times New Roman" panose="02020603050405020304" pitchFamily="18" charset="0"/>
+              <a:rPr lang="ru-RU" sz="1200" kern="1200" dirty="0">
+                <a:solidFill>
+                  <a:schemeClr val="tx1"/>
+                </a:solidFill>
+                <a:effectLst/>
+                <a:latin typeface="+mn-lt"/>
+                <a:ea typeface="+mn-ea"/>
+                <a:cs typeface="+mn-cs"/>
               </a:rPr>
-              <a:t>В результате выполнения ВКР была спроектирована и разработана система, которая обеспечивает формирование необходимых для сопровождения образовательного процесса документов.</a:t>
-            </a:r>
-          </a:p>
-          <a:p>
-            <a:pPr marL="0" indent="0" algn="l">
-              <a:lnSpc>
-                <a:spcPct val="150000"/>
-              </a:lnSpc>
-              <a:buNone/>
-            </a:pPr>
-            <a:r>
-              <a:rPr lang="ru-RU" sz="2200" dirty="0">
-                <a:latin typeface="Times New Roman" panose="02020603050405020304" pitchFamily="18" charset="0"/>
-                <a:ea typeface="Tahoma" panose="020B0604030504040204" pitchFamily="34" charset="0"/>
-                <a:cs typeface="Times New Roman" panose="02020603050405020304" pitchFamily="18" charset="0"/>
-              </a:rPr>
-              <a:t>В результате </a:t>
-            </a:r>
-            <a:r>
-              <a:rPr lang="ru-RU" sz="2200" dirty="0">
-                <a:solidFill>
-                  <a:srgbClr val="FFFF00"/>
-                </a:solidFill>
-                <a:latin typeface="Tahoma" panose="020B0604030504040204" pitchFamily="34" charset="0"/>
-                <a:ea typeface="Tahoma" panose="020B0604030504040204" pitchFamily="34" charset="0"/>
-                <a:cs typeface="Tahoma" panose="020B0604030504040204" pitchFamily="34" charset="0"/>
-              </a:rPr>
-              <a:t>внедрения системы в эксплуатацию </a:t>
-            </a:r>
-            <a:r>
-              <a:rPr lang="ru-RU" sz="2200" dirty="0">
-                <a:latin typeface="Times New Roman" panose="02020603050405020304" pitchFamily="18" charset="0"/>
-                <a:ea typeface="Tahoma" panose="020B0604030504040204" pitchFamily="34" charset="0"/>
-                <a:cs typeface="Times New Roman" panose="02020603050405020304" pitchFamily="18" charset="0"/>
-              </a:rPr>
-              <a:t>удалось </a:t>
-            </a:r>
-            <a:r>
-              <a:rPr lang="ru-RU" sz="2200" dirty="0">
-                <a:solidFill>
-                  <a:srgbClr val="FFFF00"/>
-                </a:solidFill>
-                <a:latin typeface="Tahoma" panose="020B0604030504040204" pitchFamily="34" charset="0"/>
-                <a:ea typeface="Tahoma" panose="020B0604030504040204" pitchFamily="34" charset="0"/>
-                <a:cs typeface="Tahoma" panose="020B0604030504040204" pitchFamily="34" charset="0"/>
-              </a:rPr>
-              <a:t>повысить</a:t>
-            </a:r>
-            <a:r>
-              <a:rPr lang="ru-RU" sz="2200" dirty="0">
-                <a:latin typeface="Tahoma" panose="020B0604030504040204" pitchFamily="34" charset="0"/>
-                <a:ea typeface="Tahoma" panose="020B0604030504040204" pitchFamily="34" charset="0"/>
-                <a:cs typeface="Tahoma" panose="020B0604030504040204" pitchFamily="34" charset="0"/>
-              </a:rPr>
-              <a:t> </a:t>
-            </a:r>
-            <a:r>
-              <a:rPr lang="ru-RU" sz="2200" dirty="0">
-                <a:latin typeface="Times New Roman" panose="02020603050405020304" pitchFamily="18" charset="0"/>
-                <a:ea typeface="Tahoma" panose="020B0604030504040204" pitchFamily="34" charset="0"/>
-                <a:cs typeface="Times New Roman" panose="02020603050405020304" pitchFamily="18" charset="0"/>
-              </a:rPr>
-              <a:t>эффективность сопровождения образовательного процесса более чем </a:t>
-            </a:r>
-            <a:r>
-              <a:rPr lang="ru-RU" sz="2200" dirty="0">
-                <a:solidFill>
-                  <a:srgbClr val="FFFF00"/>
-                </a:solidFill>
-                <a:latin typeface="Tahoma" panose="020B0604030504040204" pitchFamily="34" charset="0"/>
-                <a:ea typeface="Tahoma" panose="020B0604030504040204" pitchFamily="34" charset="0"/>
-                <a:cs typeface="Tahoma" panose="020B0604030504040204" pitchFamily="34" charset="0"/>
-              </a:rPr>
-              <a:t>на </a:t>
-            </a:r>
-            <a:r>
-              <a:rPr lang="en-US" sz="2200" dirty="0">
-                <a:solidFill>
-                  <a:srgbClr val="FFFF00"/>
-                </a:solidFill>
-                <a:latin typeface="Tahoma" panose="020B0604030504040204" pitchFamily="34" charset="0"/>
-                <a:ea typeface="Tahoma" panose="020B0604030504040204" pitchFamily="34" charset="0"/>
-                <a:cs typeface="Tahoma" panose="020B0604030504040204" pitchFamily="34" charset="0"/>
-              </a:rPr>
-              <a:t>180</a:t>
-            </a:r>
-            <a:r>
-              <a:rPr lang="ru-RU" sz="2200" dirty="0">
-                <a:solidFill>
-                  <a:srgbClr val="FFFF00"/>
-                </a:solidFill>
-                <a:latin typeface="Tahoma" panose="020B0604030504040204" pitchFamily="34" charset="0"/>
-                <a:ea typeface="Tahoma" panose="020B0604030504040204" pitchFamily="34" charset="0"/>
-                <a:cs typeface="Tahoma" panose="020B0604030504040204" pitchFamily="34" charset="0"/>
-              </a:rPr>
-              <a:t>0</a:t>
-            </a:r>
-            <a:r>
-              <a:rPr lang="en-US" sz="2200" dirty="0">
-                <a:solidFill>
-                  <a:srgbClr val="FFFF00"/>
-                </a:solidFill>
-                <a:latin typeface="Tahoma" panose="020B0604030504040204" pitchFamily="34" charset="0"/>
-                <a:ea typeface="Tahoma" panose="020B0604030504040204" pitchFamily="34" charset="0"/>
-                <a:cs typeface="Tahoma" panose="020B0604030504040204" pitchFamily="34" charset="0"/>
-              </a:rPr>
-              <a:t> </a:t>
-            </a:r>
-            <a:r>
-              <a:rPr lang="ru-RU" sz="2200" dirty="0">
-                <a:solidFill>
-                  <a:srgbClr val="FFFF00"/>
-                </a:solidFill>
-                <a:latin typeface="Tahoma" panose="020B0604030504040204" pitchFamily="34" charset="0"/>
-                <a:ea typeface="Tahoma" panose="020B0604030504040204" pitchFamily="34" charset="0"/>
-                <a:cs typeface="Tahoma" panose="020B0604030504040204" pitchFamily="34" charset="0"/>
-              </a:rPr>
-              <a:t>человеко-часов в год</a:t>
-            </a:r>
-            <a:r>
-              <a:rPr lang="ru-RU" sz="2200" dirty="0">
-                <a:latin typeface="Times New Roman" panose="02020603050405020304" pitchFamily="18" charset="0"/>
-                <a:ea typeface="Tahoma" panose="020B0604030504040204" pitchFamily="34" charset="0"/>
-                <a:cs typeface="Times New Roman" panose="02020603050405020304" pitchFamily="18" charset="0"/>
-              </a:rPr>
-              <a:t>.</a:t>
+              <a:t>На данном слайде отображены системные требования к серверу и клиенту.</a:t>
             </a:r>
           </a:p>
           <a:p>
@@ -1643,7 +1535,7 @@
     </p:spTree>
     <p:extLst>
       <p:ext uri="{BB962C8B-B14F-4D97-AF65-F5344CB8AC3E}">
-        <p14:creationId xmlns:p14="http://schemas.microsoft.com/office/powerpoint/2010/main" val="3261577908"/>
+        <p14:creationId xmlns:p14="http://schemas.microsoft.com/office/powerpoint/2010/main" val="263670119"/>
       </p:ext>
     </p:extLst>
   </p:cSld>
@@ -1697,34 +1589,121 @@
           <a:bodyPr/>
           <a:lstStyle/>
           <a:p>
-            <a:pPr marL="0" marR="0" lvl="0" indent="0" algn="l" defTabSz="914400" rtl="0" eaLnBrk="1" fontAlgn="auto" latinLnBrk="0" hangingPunct="1">
+            <a:pPr marL="0" indent="0" algn="l">
               <a:lnSpc>
-                <a:spcPct val="100000"/>
+                <a:spcPct val="150000"/>
               </a:lnSpc>
-              <a:spcBef>
-                <a:spcPts val="0"/>
-              </a:spcBef>
-              <a:spcAft>
-                <a:spcPts val="0"/>
-              </a:spcAft>
-              <a:buClrTx/>
-              <a:buSzTx/>
-              <a:buFontTx/>
               <a:buNone/>
-              <a:tabLst/>
-              <a:defRPr/>
             </a:pPr>
             <a:r>
-              <a:rPr lang="ru-RU" sz="1200" kern="1200" dirty="0">
-                <a:solidFill>
-                  <a:schemeClr val="tx1"/>
-                </a:solidFill>
-                <a:effectLst/>
-                <a:latin typeface="+mn-lt"/>
-                <a:ea typeface="+mn-ea"/>
-                <a:cs typeface="+mn-cs"/>
+              <a:rPr lang="ru-RU" sz="2200" dirty="0">
+                <a:latin typeface="Times New Roman" panose="02020603050405020304" pitchFamily="18" charset="0"/>
+                <a:cs typeface="Times New Roman" panose="02020603050405020304" pitchFamily="18" charset="0"/>
               </a:rPr>
-              <a:t>Система была внедрена в «Региональный школьный технопарк» 14 апреля 2025 года. Соответствующий акт о внедрении представлен на слайде.</a:t>
+              <a:t>В результате выполнения ВКР была спроектирована и разработана система, которая обеспечивает формирование необходимых для сопровождения образовательного процесса документов.</a:t>
+            </a:r>
+          </a:p>
+          <a:p>
+            <a:pPr marL="0" indent="0" algn="l">
+              <a:lnSpc>
+                <a:spcPct val="150000"/>
+              </a:lnSpc>
+              <a:buNone/>
+            </a:pPr>
+            <a:r>
+              <a:rPr lang="ru-RU" sz="2200" dirty="0">
+                <a:latin typeface="Times New Roman" panose="02020603050405020304" pitchFamily="18" charset="0"/>
+                <a:ea typeface="Tahoma" panose="020B0604030504040204" pitchFamily="34" charset="0"/>
+                <a:cs typeface="Times New Roman" panose="02020603050405020304" pitchFamily="18" charset="0"/>
+              </a:rPr>
+              <a:t>В результате </a:t>
+            </a:r>
+            <a:r>
+              <a:rPr lang="ru-RU" sz="2200" dirty="0">
+                <a:solidFill>
+                  <a:srgbClr val="FFFF00"/>
+                </a:solidFill>
+                <a:latin typeface="Tahoma" panose="020B0604030504040204" pitchFamily="34" charset="0"/>
+                <a:ea typeface="Tahoma" panose="020B0604030504040204" pitchFamily="34" charset="0"/>
+                <a:cs typeface="Tahoma" panose="020B0604030504040204" pitchFamily="34" charset="0"/>
+              </a:rPr>
+              <a:t>внедрения системы в эксплуатацию </a:t>
+            </a:r>
+            <a:r>
+              <a:rPr lang="ru-RU" sz="2200" dirty="0">
+                <a:latin typeface="Times New Roman" panose="02020603050405020304" pitchFamily="18" charset="0"/>
+                <a:ea typeface="Tahoma" panose="020B0604030504040204" pitchFamily="34" charset="0"/>
+                <a:cs typeface="Times New Roman" panose="02020603050405020304" pitchFamily="18" charset="0"/>
+              </a:rPr>
+              <a:t>удалось </a:t>
+            </a:r>
+            <a:r>
+              <a:rPr lang="ru-RU" sz="2200" dirty="0">
+                <a:solidFill>
+                  <a:srgbClr val="FFFF00"/>
+                </a:solidFill>
+                <a:latin typeface="Tahoma" panose="020B0604030504040204" pitchFamily="34" charset="0"/>
+                <a:ea typeface="Tahoma" panose="020B0604030504040204" pitchFamily="34" charset="0"/>
+                <a:cs typeface="Tahoma" panose="020B0604030504040204" pitchFamily="34" charset="0"/>
+              </a:rPr>
+              <a:t>повысить</a:t>
+            </a:r>
+            <a:r>
+              <a:rPr lang="ru-RU" sz="2200" dirty="0">
+                <a:latin typeface="Tahoma" panose="020B0604030504040204" pitchFamily="34" charset="0"/>
+                <a:ea typeface="Tahoma" panose="020B0604030504040204" pitchFamily="34" charset="0"/>
+                <a:cs typeface="Tahoma" panose="020B0604030504040204" pitchFamily="34" charset="0"/>
+              </a:rPr>
+              <a:t> </a:t>
+            </a:r>
+            <a:r>
+              <a:rPr lang="ru-RU" sz="2200" dirty="0">
+                <a:latin typeface="Times New Roman" panose="02020603050405020304" pitchFamily="18" charset="0"/>
+                <a:ea typeface="Tahoma" panose="020B0604030504040204" pitchFamily="34" charset="0"/>
+                <a:cs typeface="Times New Roman" panose="02020603050405020304" pitchFamily="18" charset="0"/>
+              </a:rPr>
+              <a:t>эффективность сопровождения образовательного процесса более чем </a:t>
+            </a:r>
+            <a:r>
+              <a:rPr lang="ru-RU" sz="2200" dirty="0">
+                <a:solidFill>
+                  <a:srgbClr val="FFFF00"/>
+                </a:solidFill>
+                <a:latin typeface="Tahoma" panose="020B0604030504040204" pitchFamily="34" charset="0"/>
+                <a:ea typeface="Tahoma" panose="020B0604030504040204" pitchFamily="34" charset="0"/>
+                <a:cs typeface="Tahoma" panose="020B0604030504040204" pitchFamily="34" charset="0"/>
+              </a:rPr>
+              <a:t>на </a:t>
+            </a:r>
+            <a:r>
+              <a:rPr lang="en-US" sz="2200" dirty="0">
+                <a:solidFill>
+                  <a:srgbClr val="FFFF00"/>
+                </a:solidFill>
+                <a:latin typeface="Tahoma" panose="020B0604030504040204" pitchFamily="34" charset="0"/>
+                <a:ea typeface="Tahoma" panose="020B0604030504040204" pitchFamily="34" charset="0"/>
+                <a:cs typeface="Tahoma" panose="020B0604030504040204" pitchFamily="34" charset="0"/>
+              </a:rPr>
+              <a:t>2150 </a:t>
+            </a:r>
+            <a:r>
+              <a:rPr lang="ru-RU" sz="2200" dirty="0">
+                <a:solidFill>
+                  <a:srgbClr val="FFFF00"/>
+                </a:solidFill>
+                <a:latin typeface="Tahoma" panose="020B0604030504040204" pitchFamily="34" charset="0"/>
+                <a:ea typeface="Tahoma" panose="020B0604030504040204" pitchFamily="34" charset="0"/>
+                <a:cs typeface="Tahoma" panose="020B0604030504040204" pitchFamily="34" charset="0"/>
+              </a:rPr>
+              <a:t>человеко-часов в год</a:t>
+            </a:r>
+            <a:r>
+              <a:rPr lang="ru-RU" sz="2200" dirty="0">
+                <a:latin typeface="Times New Roman" panose="02020603050405020304" pitchFamily="18" charset="0"/>
+                <a:ea typeface="Tahoma" panose="020B0604030504040204" pitchFamily="34" charset="0"/>
+                <a:cs typeface="Times New Roman" panose="02020603050405020304" pitchFamily="18" charset="0"/>
+              </a:rPr>
+              <a:t>.</a:t>
             </a:r>
           </a:p>
           <a:p>
@@ -1758,7 +1737,7 @@
     </p:spTree>
     <p:extLst>
       <p:ext uri="{BB962C8B-B14F-4D97-AF65-F5344CB8AC3E}">
-        <p14:creationId xmlns:p14="http://schemas.microsoft.com/office/powerpoint/2010/main" val="2033317011"/>
+        <p14:creationId xmlns:p14="http://schemas.microsoft.com/office/powerpoint/2010/main" val="3261577908"/>
       </p:ext>
     </p:extLst>
   </p:cSld>
@@ -1812,6 +1791,23 @@
           <a:bodyPr/>
           <a:lstStyle/>
           <a:p>
+            <a:pPr marL="0" marR="0" lvl="0" indent="0" algn="l" defTabSz="914400" rtl="0" eaLnBrk="1" fontAlgn="auto" latinLnBrk="0" hangingPunct="1">
+              <a:lnSpc>
+                <a:spcPct val="100000"/>
+              </a:lnSpc>
+              <a:spcBef>
+                <a:spcPts val="0"/>
+              </a:spcBef>
+              <a:spcAft>
+                <a:spcPts val="0"/>
+              </a:spcAft>
+              <a:buClrTx/>
+              <a:buSzTx/>
+              <a:buFontTx/>
+              <a:buNone/>
+              <a:tabLst/>
+              <a:defRPr/>
+            </a:pPr>
             <a:r>
               <a:rPr lang="ru-RU" sz="1200" kern="1200" dirty="0">
                 <a:solidFill>
@@ -1822,8 +1818,10 @@
                 <a:ea typeface="+mn-ea"/>
                 <a:cs typeface="+mn-cs"/>
               </a:rPr>
-              <a:t>Спасибо за внимание! Доклад окончен!</a:t>
-            </a:r>
+              <a:t>Система была внедрена в «Региональный школьный технопарк» 14 апреля 2025 года. Соответствующий акт о внедрении представлен на слайде.</a:t>
+            </a:r>
+          </a:p>
+          <a:p>
             <a:endParaRPr lang="ru-RU" dirty="0"/>
           </a:p>
         </p:txBody>
@@ -1854,7 +1852,7 @@
     </p:spTree>
     <p:extLst>
       <p:ext uri="{BB962C8B-B14F-4D97-AF65-F5344CB8AC3E}">
-        <p14:creationId xmlns:p14="http://schemas.microsoft.com/office/powerpoint/2010/main" val="3187073237"/>
+        <p14:creationId xmlns:p14="http://schemas.microsoft.com/office/powerpoint/2010/main" val="2033317011"/>
       </p:ext>
     </p:extLst>
   </p:cSld>
@@ -2006,6 +2004,102 @@
     <p:extLst>
       <p:ext uri="{BB962C8B-B14F-4D97-AF65-F5344CB8AC3E}">
         <p14:creationId xmlns:p14="http://schemas.microsoft.com/office/powerpoint/2010/main" val="2765727629"/>
+      </p:ext>
+    </p:extLst>
+  </p:cSld>
+  <p:clrMapOvr>
+    <a:masterClrMapping/>
+  </p:clrMapOvr>
+</p:notes>
+</file>
+
+<file path=ppt/notesSlides/notesSlide20.xml><?xml version="1.0" encoding="utf-8"?>
+<p:notes xmlns:a="http://schemas.openxmlformats.org/drawingml/2006/main" xmlns:r="http://schemas.openxmlformats.org/officeDocument/2006/relationships" xmlns:p="http://schemas.openxmlformats.org/presentationml/2006/main">
+  <p:cSld>
+    <p:spTree>
+      <p:nvGrpSpPr>
+        <p:cNvPr id="1" name=""/>
+        <p:cNvGrpSpPr/>
+        <p:nvPr/>
+      </p:nvGrpSpPr>
+      <p:grpSpPr>
+        <a:xfrm>
+          <a:off x="0" y="0"/>
+          <a:ext cx="0" cy="0"/>
+          <a:chOff x="0" y="0"/>
+          <a:chExt cx="0" cy="0"/>
+        </a:xfrm>
+      </p:grpSpPr>
+      <p:sp>
+        <p:nvSpPr>
+          <p:cNvPr id="2" name="Образ слайда 1"/>
+          <p:cNvSpPr>
+            <a:spLocks noGrp="1" noRot="1" noChangeAspect="1"/>
+          </p:cNvSpPr>
+          <p:nvPr>
+            <p:ph type="sldImg"/>
+          </p:nvPr>
+        </p:nvSpPr>
+        <p:spPr/>
+      </p:sp>
+      <p:sp>
+        <p:nvSpPr>
+          <p:cNvPr id="3" name="Заметки 2"/>
+          <p:cNvSpPr>
+            <a:spLocks noGrp="1"/>
+          </p:cNvSpPr>
+          <p:nvPr>
+            <p:ph type="body" idx="1"/>
+          </p:nvPr>
+        </p:nvSpPr>
+        <p:spPr/>
+        <p:txBody>
+          <a:bodyPr/>
+          <a:lstStyle/>
+          <a:p>
+            <a:r>
+              <a:rPr lang="ru-RU" sz="1200" kern="1200" dirty="0">
+                <a:solidFill>
+                  <a:schemeClr val="tx1"/>
+                </a:solidFill>
+                <a:effectLst/>
+                <a:latin typeface="+mn-lt"/>
+                <a:ea typeface="+mn-ea"/>
+                <a:cs typeface="+mn-cs"/>
+              </a:rPr>
+              <a:t>Спасибо за внимание! Доклад окончен!</a:t>
+            </a:r>
+            <a:endParaRPr lang="ru-RU" dirty="0"/>
+          </a:p>
+        </p:txBody>
+      </p:sp>
+      <p:sp>
+        <p:nvSpPr>
+          <p:cNvPr id="4" name="Номер слайда 3"/>
+          <p:cNvSpPr>
+            <a:spLocks noGrp="1"/>
+          </p:cNvSpPr>
+          <p:nvPr>
+            <p:ph type="sldNum" sz="quarter" idx="5"/>
+          </p:nvPr>
+        </p:nvSpPr>
+        <p:spPr/>
+        <p:txBody>
+          <a:bodyPr/>
+          <a:lstStyle/>
+          <a:p>
+            <a:fld id="{52F07621-6DF5-40C9-BD08-EFBFABC0EBA5}" type="slidenum">
+              <a:rPr lang="ru-RU" smtClean="0"/>
+              <a:t>20</a:t>
+            </a:fld>
+            <a:endParaRPr lang="ru-RU"/>
+          </a:p>
+        </p:txBody>
+      </p:sp>
+    </p:spTree>
+    <p:extLst>
+      <p:ext uri="{BB962C8B-B14F-4D97-AF65-F5344CB8AC3E}">
+        <p14:creationId xmlns:p14="http://schemas.microsoft.com/office/powerpoint/2010/main" val="3187073237"/>
       </p:ext>
     </p:extLst>
   </p:cSld>
@@ -3058,7 +3152,7 @@
           <a:p>
             <a:fld id="{A592AB9E-B3E0-40A8-9D13-59617F3F8A64}" type="datetime1">
               <a:rPr lang="ru-RU" smtClean="0"/>
-              <a:t>21.05.2025</a:t>
+              <a:t>22.05.2025</a:t>
             </a:fld>
             <a:endParaRPr lang="ru-RU"/>
           </a:p>
@@ -3404,7 +3498,7 @@
           <a:p>
             <a:fld id="{5417B1CA-4C4F-4F8D-803D-8A6A8A906241}" type="datetime1">
               <a:rPr lang="ru-RU" smtClean="0"/>
-              <a:t>21.05.2025</a:t>
+              <a:t>22.05.2025</a:t>
             </a:fld>
             <a:endParaRPr lang="ru-RU"/>
           </a:p>
@@ -3682,7 +3776,7 @@
           <a:p>
             <a:fld id="{82CFFC90-8D51-4E14-AFBA-129AE5402BF2}" type="datetime1">
               <a:rPr lang="ru-RU" smtClean="0"/>
-              <a:t>21.05.2025</a:t>
+              <a:t>22.05.2025</a:t>
             </a:fld>
             <a:endParaRPr lang="ru-RU"/>
           </a:p>
@@ -4250,7 +4344,7 @@
           <a:p>
             <a:fld id="{EA467253-3793-4A20-98DF-36EA880F85F5}" type="datetime1">
               <a:rPr lang="ru-RU" smtClean="0"/>
-              <a:t>21.05.2025</a:t>
+              <a:t>22.05.2025</a:t>
             </a:fld>
             <a:endParaRPr lang="ru-RU"/>
           </a:p>
@@ -4528,7 +4622,7 @@
           <a:p>
             <a:fld id="{D83AF644-49BB-4732-B227-064E7E8E9B75}" type="datetime1">
               <a:rPr lang="ru-RU" smtClean="0"/>
-              <a:t>21.05.2025</a:t>
+              <a:t>22.05.2025</a:t>
             </a:fld>
             <a:endParaRPr lang="ru-RU"/>
           </a:p>
@@ -5090,7 +5184,7 @@
           <a:p>
             <a:fld id="{93741DF7-081A-43E1-AEC0-7A6A5EFC3E04}" type="datetime1">
               <a:rPr lang="ru-RU" smtClean="0"/>
-              <a:t>21.05.2025</a:t>
+              <a:t>22.05.2025</a:t>
             </a:fld>
             <a:endParaRPr lang="ru-RU"/>
           </a:p>
@@ -5417,7 +5511,7 @@
           <a:p>
             <a:fld id="{60804587-5AD3-4566-AED6-7C5642B16C64}" type="datetime1">
               <a:rPr lang="ru-RU" smtClean="0"/>
-              <a:t>21.05.2025</a:t>
+              <a:t>22.05.2025</a:t>
             </a:fld>
             <a:endParaRPr lang="ru-RU"/>
           </a:p>
@@ -5594,7 +5688,7 @@
           <a:p>
             <a:fld id="{AF148D8C-8A56-4364-A29B-FC848D70BD3E}" type="datetime1">
               <a:rPr lang="ru-RU" smtClean="0"/>
-              <a:t>21.05.2025</a:t>
+              <a:t>22.05.2025</a:t>
             </a:fld>
             <a:endParaRPr lang="ru-RU"/>
           </a:p>
@@ -5844,7 +5938,7 @@
           <a:p>
             <a:fld id="{1F560C62-4747-4C40-80B5-9506A6478873}" type="datetime1">
               <a:rPr lang="ru-RU" smtClean="0"/>
-              <a:t>21.05.2025</a:t>
+              <a:t>22.05.2025</a:t>
             </a:fld>
             <a:endParaRPr lang="ru-RU"/>
           </a:p>
@@ -6056,7 +6150,7 @@
           <a:p>
             <a:fld id="{655C5391-6D11-49BE-9D35-F1852430608C}" type="datetime1">
               <a:rPr lang="ru-RU" smtClean="0"/>
-              <a:t>21.05.2025</a:t>
+              <a:t>22.05.2025</a:t>
             </a:fld>
             <a:endParaRPr lang="ru-RU"/>
           </a:p>
@@ -6344,7 +6438,7 @@
           <a:p>
             <a:fld id="{D1B7E046-787A-42F0-988E-D94C46E094ED}" type="datetime1">
               <a:rPr lang="ru-RU" smtClean="0"/>
-              <a:t>21.05.2025</a:t>
+              <a:t>22.05.2025</a:t>
             </a:fld>
             <a:endParaRPr lang="ru-RU"/>
           </a:p>
@@ -6622,7 +6716,7 @@
           <a:p>
             <a:fld id="{1DEF2D25-E9E1-4E54-81F0-1D2FE8854B0E}" type="datetime1">
               <a:rPr lang="ru-RU" smtClean="0"/>
-              <a:t>21.05.2025</a:t>
+              <a:t>22.05.2025</a:t>
             </a:fld>
             <a:endParaRPr lang="ru-RU"/>
           </a:p>
@@ -7008,7 +7102,7 @@
           <a:p>
             <a:fld id="{2D559C09-903E-4473-BBE2-D44EED2E9BB9}" type="datetime1">
               <a:rPr lang="ru-RU" smtClean="0"/>
-              <a:t>21.05.2025</a:t>
+              <a:t>22.05.2025</a:t>
             </a:fld>
             <a:endParaRPr lang="ru-RU"/>
           </a:p>
@@ -7168,7 +7262,7 @@
           <a:p>
             <a:fld id="{5DEFB42A-193B-4E6D-9002-E4C3450AA4B1}" type="datetime1">
               <a:rPr lang="ru-RU" smtClean="0"/>
-              <a:t>21.05.2025</a:t>
+              <a:t>22.05.2025</a:t>
             </a:fld>
             <a:endParaRPr lang="ru-RU"/>
           </a:p>
@@ -7305,7 +7399,7 @@
           <a:p>
             <a:fld id="{B780A1C7-BCFA-4491-ABEA-F198E9E80238}" type="datetime1">
               <a:rPr lang="ru-RU" smtClean="0"/>
-              <a:t>21.05.2025</a:t>
+              <a:t>22.05.2025</a:t>
             </a:fld>
             <a:endParaRPr lang="ru-RU"/>
           </a:p>
@@ -7602,7 +7696,7 @@
           <a:p>
             <a:fld id="{6B7D87D1-A00E-4856-B035-ABE302A2367C}" type="datetime1">
               <a:rPr lang="ru-RU" smtClean="0"/>
-              <a:t>21.05.2025</a:t>
+              <a:t>22.05.2025</a:t>
             </a:fld>
             <a:endParaRPr lang="ru-RU"/>
           </a:p>
@@ -7938,7 +8032,7 @@
           <a:p>
             <a:fld id="{95982220-A412-481B-B026-9F63F21200E0}" type="datetime1">
               <a:rPr lang="ru-RU" smtClean="0"/>
-              <a:t>21.05.2025</a:t>
+              <a:t>22.05.2025</a:t>
             </a:fld>
             <a:endParaRPr lang="ru-RU"/>
           </a:p>
@@ -8164,7 +8258,7 @@
           <a:p>
             <a:fld id="{CBF3DBF7-CC75-4132-A774-E3960ACCECD6}" type="datetime1">
               <a:rPr lang="ru-RU" smtClean="0"/>
-              <a:t>21.05.2025</a:t>
+              <a:t>22.05.2025</a:t>
             </a:fld>
             <a:endParaRPr lang="ru-RU"/>
           </a:p>
@@ -16015,6 +16109,162 @@
           </a:extLst>
         </p:spPr>
       </p:pic>
+      <p:sp>
+        <p:nvSpPr>
+          <p:cNvPr id="2" name="Прямоугольник 1">
+            <a:extLst>
+              <a:ext uri="{FF2B5EF4-FFF2-40B4-BE49-F238E27FC236}">
+                <a16:creationId xmlns:a16="http://schemas.microsoft.com/office/drawing/2014/main" id="{6CB57D30-8EC2-EDDB-FC46-0BB45EE52E5F}"/>
+              </a:ext>
+            </a:extLst>
+          </p:cNvPr>
+          <p:cNvSpPr/>
+          <p:nvPr/>
+        </p:nvSpPr>
+        <p:spPr>
+          <a:xfrm>
+            <a:off x="5794408" y="3762861"/>
+            <a:ext cx="3243713" cy="1271151"/>
+          </a:xfrm>
+          <a:prstGeom prst="rect">
+            <a:avLst/>
+          </a:prstGeom>
+          <a:noFill/>
+          <a:ln w="34925">
+            <a:solidFill>
+              <a:schemeClr val="accent6"/>
+            </a:solidFill>
+          </a:ln>
+        </p:spPr>
+        <p:style>
+          <a:lnRef idx="2">
+            <a:schemeClr val="accent6">
+              <a:shade val="15000"/>
+            </a:schemeClr>
+          </a:lnRef>
+          <a:fillRef idx="1">
+            <a:schemeClr val="accent6"/>
+          </a:fillRef>
+          <a:effectRef idx="0">
+            <a:schemeClr val="accent6"/>
+          </a:effectRef>
+          <a:fontRef idx="minor">
+            <a:schemeClr val="lt1"/>
+          </a:fontRef>
+        </p:style>
+        <p:txBody>
+          <a:bodyPr rtlCol="0" anchor="ctr"/>
+          <a:lstStyle/>
+          <a:p>
+            <a:pPr algn="ctr"/>
+            <a:endParaRPr lang="ru-RU"/>
+          </a:p>
+        </p:txBody>
+      </p:sp>
+      <p:sp>
+        <p:nvSpPr>
+          <p:cNvPr id="3" name="Прямоугольник 2">
+            <a:extLst>
+              <a:ext uri="{FF2B5EF4-FFF2-40B4-BE49-F238E27FC236}">
+                <a16:creationId xmlns:a16="http://schemas.microsoft.com/office/drawing/2014/main" id="{35B66339-652A-45FD-2978-480CAF17A894}"/>
+              </a:ext>
+            </a:extLst>
+          </p:cNvPr>
+          <p:cNvSpPr/>
+          <p:nvPr/>
+        </p:nvSpPr>
+        <p:spPr>
+          <a:xfrm>
+            <a:off x="693917" y="3751998"/>
+            <a:ext cx="2155374" cy="1377030"/>
+          </a:xfrm>
+          <a:prstGeom prst="rect">
+            <a:avLst/>
+          </a:prstGeom>
+          <a:noFill/>
+          <a:ln w="34925">
+            <a:solidFill>
+              <a:schemeClr val="accent6"/>
+            </a:solidFill>
+          </a:ln>
+        </p:spPr>
+        <p:style>
+          <a:lnRef idx="2">
+            <a:schemeClr val="accent6">
+              <a:shade val="15000"/>
+            </a:schemeClr>
+          </a:lnRef>
+          <a:fillRef idx="1">
+            <a:schemeClr val="accent6"/>
+          </a:fillRef>
+          <a:effectRef idx="0">
+            <a:schemeClr val="accent6"/>
+          </a:effectRef>
+          <a:fontRef idx="minor">
+            <a:schemeClr val="lt1"/>
+          </a:fontRef>
+        </p:style>
+        <p:txBody>
+          <a:bodyPr rtlCol="0" anchor="ctr"/>
+          <a:lstStyle/>
+          <a:p>
+            <a:pPr algn="ctr"/>
+            <a:endParaRPr lang="ru-RU"/>
+          </a:p>
+        </p:txBody>
+      </p:sp>
+      <p:sp>
+        <p:nvSpPr>
+          <p:cNvPr id="15" name="Прямоугольник 14">
+            <a:extLst>
+              <a:ext uri="{FF2B5EF4-FFF2-40B4-BE49-F238E27FC236}">
+                <a16:creationId xmlns:a16="http://schemas.microsoft.com/office/drawing/2014/main" id="{5D3B0BC8-F53B-DAD9-8AC6-1C6DCA954D27}"/>
+              </a:ext>
+            </a:extLst>
+          </p:cNvPr>
+          <p:cNvSpPr/>
+          <p:nvPr/>
+        </p:nvSpPr>
+        <p:spPr>
+          <a:xfrm>
+            <a:off x="9221002" y="3722550"/>
+            <a:ext cx="2858702" cy="1377030"/>
+          </a:xfrm>
+          <a:prstGeom prst="rect">
+            <a:avLst/>
+          </a:prstGeom>
+          <a:noFill/>
+          <a:ln w="34925">
+            <a:solidFill>
+              <a:schemeClr val="accent6"/>
+            </a:solidFill>
+          </a:ln>
+        </p:spPr>
+        <p:style>
+          <a:lnRef idx="2">
+            <a:schemeClr val="accent6">
+              <a:shade val="15000"/>
+            </a:schemeClr>
+          </a:lnRef>
+          <a:fillRef idx="1">
+            <a:schemeClr val="accent6"/>
+          </a:fillRef>
+          <a:effectRef idx="0">
+            <a:schemeClr val="accent6"/>
+          </a:effectRef>
+          <a:fontRef idx="minor">
+            <a:schemeClr val="lt1"/>
+          </a:fontRef>
+        </p:style>
+        <p:txBody>
+          <a:bodyPr rtlCol="0" anchor="ctr"/>
+          <a:lstStyle/>
+          <a:p>
+            <a:pPr algn="ctr"/>
+            <a:endParaRPr lang="ru-RU"/>
+          </a:p>
+        </p:txBody>
+      </p:sp>
     </p:spTree>
     <p:extLst>
       <p:ext uri="{BB962C8B-B14F-4D97-AF65-F5344CB8AC3E}">
@@ -16037,6 +16287,278 @@
       </p:transition>
     </mc:Fallback>
   </mc:AlternateContent>
+  <p:timing>
+    <p:tnLst>
+      <p:par>
+        <p:cTn id="1" dur="indefinite" restart="never" nodeType="tmRoot">
+          <p:childTnLst>
+            <p:seq concurrent="1" nextAc="seek">
+              <p:cTn id="2" dur="indefinite" nodeType="mainSeq">
+                <p:childTnLst>
+                  <p:par>
+                    <p:cTn id="3" fill="hold">
+                      <p:stCondLst>
+                        <p:cond delay="indefinite"/>
+                      </p:stCondLst>
+                      <p:childTnLst>
+                        <p:par>
+                          <p:cTn id="4" fill="hold">
+                            <p:stCondLst>
+                              <p:cond delay="0"/>
+                            </p:stCondLst>
+                            <p:childTnLst>
+                              <p:par>
+                                <p:cTn id="5" presetID="2" presetClass="entr" presetSubtype="4" fill="hold" grpId="0" nodeType="clickEffect">
+                                  <p:stCondLst>
+                                    <p:cond delay="0"/>
+                                  </p:stCondLst>
+                                  <p:childTnLst>
+                                    <p:set>
+                                      <p:cBhvr>
+                                        <p:cTn id="6" dur="1" fill="hold">
+                                          <p:stCondLst>
+                                            <p:cond delay="0"/>
+                                          </p:stCondLst>
+                                        </p:cTn>
+                                        <p:tgtEl>
+                                          <p:spTgt spid="3"/>
+                                        </p:tgtEl>
+                                        <p:attrNameLst>
+                                          <p:attrName>style.visibility</p:attrName>
+                                        </p:attrNameLst>
+                                      </p:cBhvr>
+                                      <p:to>
+                                        <p:strVal val="visible"/>
+                                      </p:to>
+                                    </p:set>
+                                    <p:anim calcmode="lin" valueType="num">
+                                      <p:cBhvr additive="base">
+                                        <p:cTn id="7" dur="500" fill="hold"/>
+                                        <p:tgtEl>
+                                          <p:spTgt spid="3"/>
+                                        </p:tgtEl>
+                                        <p:attrNameLst>
+                                          <p:attrName>ppt_x</p:attrName>
+                                        </p:attrNameLst>
+                                      </p:cBhvr>
+                                      <p:tavLst>
+                                        <p:tav tm="0">
+                                          <p:val>
+                                            <p:strVal val="#ppt_x"/>
+                                          </p:val>
+                                        </p:tav>
+                                        <p:tav tm="100000">
+                                          <p:val>
+                                            <p:strVal val="#ppt_x"/>
+                                          </p:val>
+                                        </p:tav>
+                                      </p:tavLst>
+                                    </p:anim>
+                                    <p:anim calcmode="lin" valueType="num">
+                                      <p:cBhvr additive="base">
+                                        <p:cTn id="8" dur="500" fill="hold"/>
+                                        <p:tgtEl>
+                                          <p:spTgt spid="3"/>
+                                        </p:tgtEl>
+                                        <p:attrNameLst>
+                                          <p:attrName>ppt_y</p:attrName>
+                                        </p:attrNameLst>
+                                      </p:cBhvr>
+                                      <p:tavLst>
+                                        <p:tav tm="0">
+                                          <p:val>
+                                            <p:strVal val="1+#ppt_h/2"/>
+                                          </p:val>
+                                        </p:tav>
+                                        <p:tav tm="100000">
+                                          <p:val>
+                                            <p:strVal val="#ppt_y"/>
+                                          </p:val>
+                                        </p:tav>
+                                      </p:tavLst>
+                                    </p:anim>
+                                  </p:childTnLst>
+                                </p:cTn>
+                              </p:par>
+                              <p:par>
+                                <p:cTn id="9" presetID="2" presetClass="entr" presetSubtype="4" fill="hold" grpId="0" nodeType="withEffect">
+                                  <p:stCondLst>
+                                    <p:cond delay="0"/>
+                                  </p:stCondLst>
+                                  <p:childTnLst>
+                                    <p:set>
+                                      <p:cBhvr>
+                                        <p:cTn id="10" dur="1" fill="hold">
+                                          <p:stCondLst>
+                                            <p:cond delay="0"/>
+                                          </p:stCondLst>
+                                        </p:cTn>
+                                        <p:tgtEl>
+                                          <p:spTgt spid="2"/>
+                                        </p:tgtEl>
+                                        <p:attrNameLst>
+                                          <p:attrName>style.visibility</p:attrName>
+                                        </p:attrNameLst>
+                                      </p:cBhvr>
+                                      <p:to>
+                                        <p:strVal val="visible"/>
+                                      </p:to>
+                                    </p:set>
+                                    <p:anim calcmode="lin" valueType="num">
+                                      <p:cBhvr additive="base">
+                                        <p:cTn id="11" dur="500" fill="hold"/>
+                                        <p:tgtEl>
+                                          <p:spTgt spid="2"/>
+                                        </p:tgtEl>
+                                        <p:attrNameLst>
+                                          <p:attrName>ppt_x</p:attrName>
+                                        </p:attrNameLst>
+                                      </p:cBhvr>
+                                      <p:tavLst>
+                                        <p:tav tm="0">
+                                          <p:val>
+                                            <p:strVal val="#ppt_x"/>
+                                          </p:val>
+                                        </p:tav>
+                                        <p:tav tm="100000">
+                                          <p:val>
+                                            <p:strVal val="#ppt_x"/>
+                                          </p:val>
+                                        </p:tav>
+                                      </p:tavLst>
+                                    </p:anim>
+                                    <p:anim calcmode="lin" valueType="num">
+                                      <p:cBhvr additive="base">
+                                        <p:cTn id="12" dur="500" fill="hold"/>
+                                        <p:tgtEl>
+                                          <p:spTgt spid="2"/>
+                                        </p:tgtEl>
+                                        <p:attrNameLst>
+                                          <p:attrName>ppt_y</p:attrName>
+                                        </p:attrNameLst>
+                                      </p:cBhvr>
+                                      <p:tavLst>
+                                        <p:tav tm="0">
+                                          <p:val>
+                                            <p:strVal val="1+#ppt_h/2"/>
+                                          </p:val>
+                                        </p:tav>
+                                        <p:tav tm="100000">
+                                          <p:val>
+                                            <p:strVal val="#ppt_y"/>
+                                          </p:val>
+                                        </p:tav>
+                                      </p:tavLst>
+                                    </p:anim>
+                                  </p:childTnLst>
+                                </p:cTn>
+                              </p:par>
+                              <p:par>
+                                <p:cTn id="13" presetID="2" presetClass="entr" presetSubtype="4" fill="hold" grpId="0" nodeType="withEffect">
+                                  <p:stCondLst>
+                                    <p:cond delay="0"/>
+                                  </p:stCondLst>
+                                  <p:childTnLst>
+                                    <p:set>
+                                      <p:cBhvr>
+                                        <p:cTn id="14" dur="1" fill="hold">
+                                          <p:stCondLst>
+                                            <p:cond delay="0"/>
+                                          </p:stCondLst>
+                                        </p:cTn>
+                                        <p:tgtEl>
+                                          <p:spTgt spid="15"/>
+                                        </p:tgtEl>
+                                        <p:attrNameLst>
+                                          <p:attrName>style.visibility</p:attrName>
+                                        </p:attrNameLst>
+                                      </p:cBhvr>
+                                      <p:to>
+                                        <p:strVal val="visible"/>
+                                      </p:to>
+                                    </p:set>
+                                    <p:anim calcmode="lin" valueType="num">
+                                      <p:cBhvr additive="base">
+                                        <p:cTn id="15" dur="500" fill="hold"/>
+                                        <p:tgtEl>
+                                          <p:spTgt spid="15"/>
+                                        </p:tgtEl>
+                                        <p:attrNameLst>
+                                          <p:attrName>ppt_x</p:attrName>
+                                        </p:attrNameLst>
+                                      </p:cBhvr>
+                                      <p:tavLst>
+                                        <p:tav tm="0">
+                                          <p:val>
+                                            <p:strVal val="#ppt_x"/>
+                                          </p:val>
+                                        </p:tav>
+                                        <p:tav tm="100000">
+                                          <p:val>
+                                            <p:strVal val="#ppt_x"/>
+                                          </p:val>
+                                        </p:tav>
+                                      </p:tavLst>
+                                    </p:anim>
+                                    <p:anim calcmode="lin" valueType="num">
+                                      <p:cBhvr additive="base">
+                                        <p:cTn id="16" dur="500" fill="hold"/>
+                                        <p:tgtEl>
+                                          <p:spTgt spid="15"/>
+                                        </p:tgtEl>
+                                        <p:attrNameLst>
+                                          <p:attrName>ppt_y</p:attrName>
+                                        </p:attrNameLst>
+                                      </p:cBhvr>
+                                      <p:tavLst>
+                                        <p:tav tm="0">
+                                          <p:val>
+                                            <p:strVal val="1+#ppt_h/2"/>
+                                          </p:val>
+                                        </p:tav>
+                                        <p:tav tm="100000">
+                                          <p:val>
+                                            <p:strVal val="#ppt_y"/>
+                                          </p:val>
+                                        </p:tav>
+                                      </p:tavLst>
+                                    </p:anim>
+                                  </p:childTnLst>
+                                </p:cTn>
+                              </p:par>
+                            </p:childTnLst>
+                          </p:cTn>
+                        </p:par>
+                      </p:childTnLst>
+                    </p:cTn>
+                  </p:par>
+                </p:childTnLst>
+              </p:cTn>
+              <p:prevCondLst>
+                <p:cond evt="onPrev" delay="0">
+                  <p:tgtEl>
+                    <p:sldTgt/>
+                  </p:tgtEl>
+                </p:cond>
+              </p:prevCondLst>
+              <p:nextCondLst>
+                <p:cond evt="onNext" delay="0">
+                  <p:tgtEl>
+                    <p:sldTgt/>
+                  </p:tgtEl>
+                </p:cond>
+              </p:nextCondLst>
+            </p:seq>
+          </p:childTnLst>
+        </p:cTn>
+      </p:par>
+    </p:tnLst>
+    <p:bldLst>
+      <p:bldP spid="2" grpId="0" animBg="1"/>
+      <p:bldP spid="3" grpId="0" animBg="1"/>
+      <p:bldP spid="15" grpId="0" animBg="1"/>
+    </p:bldLst>
+  </p:timing>
 </p:sld>
 </file>
 
@@ -17207,127 +17729,339 @@
       </p:grpSpPr>
       <p:sp>
         <p:nvSpPr>
-          <p:cNvPr id="5" name="Заголовок 1">
+          <p:cNvPr id="2" name="Заголовок 1">
             <a:extLst>
               <a:ext uri="{FF2B5EF4-FFF2-40B4-BE49-F238E27FC236}">
-                <a16:creationId xmlns:a16="http://schemas.microsoft.com/office/drawing/2014/main" id="{6B12EEDA-A379-46C0-43A5-DD9D8BA00775}"/>
+                <a16:creationId xmlns:a16="http://schemas.microsoft.com/office/drawing/2014/main" id="{6180C8AA-7561-F3BA-FC31-46C06530ED41}"/>
               </a:ext>
             </a:extLst>
           </p:cNvPr>
-          <p:cNvSpPr txBox="1">
-            <a:spLocks/>
+          <p:cNvSpPr>
+            <a:spLocks noGrp="1"/>
           </p:cNvSpPr>
+          <p:nvPr>
+            <p:ph type="title"/>
+          </p:nvPr>
+        </p:nvSpPr>
+        <p:spPr>
+          <a:xfrm>
+            <a:off x="0" y="6096"/>
+            <a:ext cx="12191999" cy="688848"/>
+          </a:xfrm>
+        </p:spPr>
+        <p:txBody>
+          <a:bodyPr/>
+          <a:lstStyle/>
+          <a:p>
+            <a:pPr algn="ctr"/>
+            <a:r>
+              <a:rPr lang="ru-RU" dirty="0">
+                <a:latin typeface="Times New Roman" panose="02020603050405020304" pitchFamily="18" charset="0"/>
+                <a:cs typeface="Times New Roman" panose="02020603050405020304" pitchFamily="18" charset="0"/>
+              </a:rPr>
+              <a:t>ФОРМАТЫ ДАННЫХ</a:t>
+            </a:r>
+            <a:endParaRPr lang="ru-RU" dirty="0"/>
+          </a:p>
+        </p:txBody>
+      </p:sp>
+      <p:sp>
+        <p:nvSpPr>
+          <p:cNvPr id="5" name="TextBox 4">
+            <a:extLst>
+              <a:ext uri="{FF2B5EF4-FFF2-40B4-BE49-F238E27FC236}">
+                <a16:creationId xmlns:a16="http://schemas.microsoft.com/office/drawing/2014/main" id="{7D1D1E67-62A4-5E00-9B5C-F74D0DA5F37E}"/>
+              </a:ext>
+            </a:extLst>
+          </p:cNvPr>
+          <p:cNvSpPr txBox="1"/>
           <p:nvPr/>
         </p:nvSpPr>
         <p:spPr>
           <a:xfrm>
-            <a:off x="0" y="-1"/>
-            <a:ext cx="12191999" cy="649225"/>
+            <a:off x="366226" y="1000125"/>
+            <a:ext cx="11315700" cy="5966079"/>
           </a:xfrm>
           <a:prstGeom prst="rect">
             <a:avLst/>
           </a:prstGeom>
-          <a:effectLst/>
+          <a:noFill/>
         </p:spPr>
         <p:txBody>
-          <a:bodyPr vert="horz" lIns="91440" tIns="45720" rIns="91440" bIns="45720" rtlCol="0" anchor="ctr">
-            <a:normAutofit/>
+          <a:bodyPr wrap="square" rtlCol="0">
+            <a:noAutofit/>
           </a:bodyPr>
-          <a:lstStyle>
-            <a:lvl1pPr algn="l" defTabSz="457200" rtl="0" eaLnBrk="1" latinLnBrk="0" hangingPunct="1">
-              <a:spcBef>
-                <a:spcPct val="0"/>
-              </a:spcBef>
-              <a:buNone/>
-              <a:defRPr sz="3600" kern="1200" cap="all">
-                <a:ln w="3175" cmpd="sng">
-                  <a:noFill/>
-                </a:ln>
-                <a:solidFill>
-                  <a:schemeClr val="tx1"/>
-                </a:solidFill>
-                <a:effectLst/>
-                <a:latin typeface="+mj-lt"/>
-                <a:ea typeface="+mj-ea"/>
-                <a:cs typeface="+mj-cs"/>
-              </a:defRPr>
-            </a:lvl1pPr>
-            <a:lvl2pPr eaLnBrk="1" hangingPunct="1">
-              <a:defRPr>
-                <a:solidFill>
-                  <a:schemeClr val="tx2"/>
-                </a:solidFill>
-              </a:defRPr>
-            </a:lvl2pPr>
-            <a:lvl3pPr eaLnBrk="1" hangingPunct="1">
-              <a:defRPr>
-                <a:solidFill>
-                  <a:schemeClr val="tx2"/>
-                </a:solidFill>
-              </a:defRPr>
-            </a:lvl3pPr>
-            <a:lvl4pPr eaLnBrk="1" hangingPunct="1">
-              <a:defRPr>
-                <a:solidFill>
-                  <a:schemeClr val="tx2"/>
-                </a:solidFill>
-              </a:defRPr>
-            </a:lvl4pPr>
-            <a:lvl5pPr eaLnBrk="1" hangingPunct="1">
-              <a:defRPr>
-                <a:solidFill>
-                  <a:schemeClr val="tx2"/>
-                </a:solidFill>
-              </a:defRPr>
-            </a:lvl5pPr>
-            <a:lvl6pPr eaLnBrk="1" hangingPunct="1">
-              <a:defRPr>
-                <a:solidFill>
-                  <a:schemeClr val="tx2"/>
-                </a:solidFill>
-              </a:defRPr>
-            </a:lvl6pPr>
-            <a:lvl7pPr eaLnBrk="1" hangingPunct="1">
-              <a:defRPr>
-                <a:solidFill>
-                  <a:schemeClr val="tx2"/>
-                </a:solidFill>
-              </a:defRPr>
-            </a:lvl7pPr>
-            <a:lvl8pPr eaLnBrk="1" hangingPunct="1">
-              <a:defRPr>
-                <a:solidFill>
-                  <a:schemeClr val="tx2"/>
-                </a:solidFill>
-              </a:defRPr>
-            </a:lvl8pPr>
-            <a:lvl9pPr eaLnBrk="1" hangingPunct="1">
-              <a:defRPr>
-                <a:solidFill>
-                  <a:schemeClr val="tx2"/>
-                </a:solidFill>
-              </a:defRPr>
-            </a:lvl9pPr>
-          </a:lstStyle>
-          <a:p>
-            <a:pPr algn="ctr"/>
-            <a:r>
-              <a:rPr lang="ru-RU" spc="-1" dirty="0" err="1">
+          <a:lstStyle/>
+          <a:p>
+            <a:pPr>
+              <a:lnSpc>
+                <a:spcPct val="150000"/>
+              </a:lnSpc>
+            </a:pPr>
+            <a:r>
+              <a:rPr lang="ru-RU" sz="2200" dirty="0">
+                <a:solidFill>
+                  <a:srgbClr val="FFFF00"/>
+                </a:solidFill>
+                <a:latin typeface="Tahoma" panose="020B0604030504040204" pitchFamily="34" charset="0"/>
+                <a:ea typeface="Tahoma" panose="020B0604030504040204" pitchFamily="34" charset="0"/>
+                <a:cs typeface="Tahoma" panose="020B0604030504040204" pitchFamily="34" charset="0"/>
+              </a:rPr>
+              <a:t>Входные данные:</a:t>
+            </a:r>
+          </a:p>
+          <a:p>
+            <a:pPr marL="800100" lvl="1" indent="-342900">
+              <a:lnSpc>
+                <a:spcPct val="150000"/>
+              </a:lnSpc>
+              <a:buFont typeface="Arial" panose="020B0604020202020204" pitchFamily="34" charset="0"/>
+              <a:buChar char="•"/>
+            </a:pPr>
+            <a:r>
+              <a:rPr lang="ru-RU" sz="2200" dirty="0">
                 <a:latin typeface="Times New Roman" panose="02020603050405020304" pitchFamily="18" charset="0"/>
-                <a:ea typeface="DejaVu Sans"/>
                 <a:cs typeface="Times New Roman" panose="02020603050405020304" pitchFamily="18" charset="0"/>
               </a:rPr>
-              <a:t>ДиаграММа</a:t>
-            </a:r>
-            <a:r>
-              <a:rPr lang="ru-RU" spc="-1" dirty="0">
+              <a:t>Данные о сотрудниках</a:t>
+            </a:r>
+            <a:r>
+              <a:rPr lang="en-US" sz="2200" dirty="0">
                 <a:latin typeface="Times New Roman" panose="02020603050405020304" pitchFamily="18" charset="0"/>
-                <a:ea typeface="DejaVu Sans"/>
                 <a:cs typeface="Times New Roman" panose="02020603050405020304" pitchFamily="18" charset="0"/>
               </a:rPr>
-              <a:t> РАЗВЁРТЫВАНИЯ</a:t>
-            </a:r>
-            <a:endParaRPr lang="ru-RU" sz="4200" dirty="0">
+              <a:t>.</a:t>
+            </a:r>
+            <a:endParaRPr lang="ru-RU" sz="2200" dirty="0">
+              <a:latin typeface="Times New Roman" panose="02020603050405020304" pitchFamily="18" charset="0"/>
+              <a:cs typeface="Times New Roman" panose="02020603050405020304" pitchFamily="18" charset="0"/>
+            </a:endParaRPr>
+          </a:p>
+          <a:p>
+            <a:pPr marL="800100" lvl="1" indent="-342900">
+              <a:lnSpc>
+                <a:spcPct val="150000"/>
+              </a:lnSpc>
+              <a:buFont typeface="Arial" panose="020B0604020202020204" pitchFamily="34" charset="0"/>
+              <a:buChar char="•"/>
+            </a:pPr>
+            <a:r>
+              <a:rPr lang="ru-RU" sz="2200" dirty="0">
+                <a:latin typeface="Times New Roman" panose="02020603050405020304" pitchFamily="18" charset="0"/>
+                <a:cs typeface="Times New Roman" panose="02020603050405020304" pitchFamily="18" charset="0"/>
+              </a:rPr>
+              <a:t>Данные об участниках деятельности</a:t>
+            </a:r>
+            <a:r>
+              <a:rPr lang="en-US" sz="2200" dirty="0">
+                <a:latin typeface="Times New Roman" panose="02020603050405020304" pitchFamily="18" charset="0"/>
+                <a:cs typeface="Times New Roman" panose="02020603050405020304" pitchFamily="18" charset="0"/>
+              </a:rPr>
+              <a:t>.</a:t>
+            </a:r>
+            <a:endParaRPr lang="ru-RU" sz="2200" dirty="0">
+              <a:latin typeface="Times New Roman" panose="02020603050405020304" pitchFamily="18" charset="0"/>
+              <a:cs typeface="Times New Roman" panose="02020603050405020304" pitchFamily="18" charset="0"/>
+            </a:endParaRPr>
+          </a:p>
+          <a:p>
+            <a:pPr marL="800100" lvl="1" indent="-342900">
+              <a:lnSpc>
+                <a:spcPct val="150000"/>
+              </a:lnSpc>
+              <a:buFont typeface="Arial" panose="020B0604020202020204" pitchFamily="34" charset="0"/>
+              <a:buChar char="•"/>
+            </a:pPr>
+            <a:r>
+              <a:rPr lang="ru-RU" sz="2200" dirty="0">
+                <a:latin typeface="Times New Roman" panose="02020603050405020304" pitchFamily="18" charset="0"/>
+                <a:cs typeface="Times New Roman" panose="02020603050405020304" pitchFamily="18" charset="0"/>
+              </a:rPr>
+              <a:t>Данные об учебных программах</a:t>
+            </a:r>
+            <a:r>
+              <a:rPr lang="en-US" sz="2200" dirty="0">
+                <a:latin typeface="Times New Roman" panose="02020603050405020304" pitchFamily="18" charset="0"/>
+                <a:cs typeface="Times New Roman" panose="02020603050405020304" pitchFamily="18" charset="0"/>
+              </a:rPr>
+              <a:t>.</a:t>
+            </a:r>
+            <a:endParaRPr lang="ru-RU" sz="2200" dirty="0">
+              <a:latin typeface="Times New Roman" panose="02020603050405020304" pitchFamily="18" charset="0"/>
+              <a:cs typeface="Times New Roman" panose="02020603050405020304" pitchFamily="18" charset="0"/>
+            </a:endParaRPr>
+          </a:p>
+          <a:p>
+            <a:pPr marL="800100" lvl="1" indent="-342900">
+              <a:lnSpc>
+                <a:spcPct val="150000"/>
+              </a:lnSpc>
+              <a:buFont typeface="Arial" panose="020B0604020202020204" pitchFamily="34" charset="0"/>
+              <a:buChar char="•"/>
+            </a:pPr>
+            <a:r>
+              <a:rPr lang="ru-RU" sz="2200" dirty="0">
+                <a:latin typeface="Times New Roman" panose="02020603050405020304" pitchFamily="18" charset="0"/>
+                <a:cs typeface="Times New Roman" panose="02020603050405020304" pitchFamily="18" charset="0"/>
+              </a:rPr>
+              <a:t>Данные о мероприятиях</a:t>
+            </a:r>
+            <a:r>
+              <a:rPr lang="en-US" sz="2200" dirty="0">
+                <a:latin typeface="Times New Roman" panose="02020603050405020304" pitchFamily="18" charset="0"/>
+                <a:cs typeface="Times New Roman" panose="02020603050405020304" pitchFamily="18" charset="0"/>
+              </a:rPr>
+              <a:t>.</a:t>
+            </a:r>
+            <a:endParaRPr lang="ru-RU" sz="2200" dirty="0">
+              <a:latin typeface="Times New Roman" panose="02020603050405020304" pitchFamily="18" charset="0"/>
+              <a:cs typeface="Times New Roman" panose="02020603050405020304" pitchFamily="18" charset="0"/>
+            </a:endParaRPr>
+          </a:p>
+          <a:p>
+            <a:pPr>
+              <a:lnSpc>
+                <a:spcPct val="150000"/>
+              </a:lnSpc>
+            </a:pPr>
+            <a:r>
+              <a:rPr lang="ru-RU" sz="2200" dirty="0">
+                <a:solidFill>
+                  <a:srgbClr val="FFFF00"/>
+                </a:solidFill>
+                <a:latin typeface="Tahoma" panose="020B0604030504040204" pitchFamily="34" charset="0"/>
+                <a:ea typeface="Tahoma" panose="020B0604030504040204" pitchFamily="34" charset="0"/>
+                <a:cs typeface="Tahoma" panose="020B0604030504040204" pitchFamily="34" charset="0"/>
+              </a:rPr>
+              <a:t>Выходные данные:</a:t>
+            </a:r>
+          </a:p>
+          <a:p>
+            <a:pPr marL="800100" lvl="1" indent="-342900">
+              <a:lnSpc>
+                <a:spcPct val="125000"/>
+              </a:lnSpc>
+              <a:buFont typeface="Arial" panose="020B0604020202020204" pitchFamily="34" charset="0"/>
+              <a:buChar char="•"/>
+            </a:pPr>
+            <a:r>
+              <a:rPr lang="ru-RU" sz="2200" dirty="0">
+                <a:latin typeface="Times New Roman" panose="02020603050405020304" pitchFamily="18" charset="0"/>
+                <a:cs typeface="Times New Roman" panose="02020603050405020304" pitchFamily="18" charset="0"/>
+              </a:rPr>
+              <a:t>Журналы, календарные графики, отчётные данные (в формате </a:t>
+            </a:r>
+            <a:r>
+              <a:rPr lang="en-US" sz="2200" dirty="0">
+                <a:latin typeface="Times New Roman" panose="02020603050405020304" pitchFamily="18" charset="0"/>
+                <a:cs typeface="Times New Roman" panose="02020603050405020304" pitchFamily="18" charset="0"/>
+              </a:rPr>
+              <a:t>xlsx</a:t>
+            </a:r>
+            <a:r>
+              <a:rPr lang="ru-RU" sz="2200" dirty="0">
+                <a:latin typeface="Times New Roman" panose="02020603050405020304" pitchFamily="18" charset="0"/>
+                <a:cs typeface="Times New Roman" panose="02020603050405020304" pitchFamily="18" charset="0"/>
+              </a:rPr>
+              <a:t>)</a:t>
+            </a:r>
+            <a:r>
+              <a:rPr lang="en-US" sz="2200" dirty="0">
+                <a:latin typeface="Times New Roman" panose="02020603050405020304" pitchFamily="18" charset="0"/>
+                <a:cs typeface="Times New Roman" panose="02020603050405020304" pitchFamily="18" charset="0"/>
+              </a:rPr>
+              <a:t>.</a:t>
+            </a:r>
+          </a:p>
+          <a:p>
+            <a:pPr marL="800100" lvl="1" indent="-342900">
+              <a:lnSpc>
+                <a:spcPct val="125000"/>
+              </a:lnSpc>
+              <a:buFont typeface="Arial" panose="020B0604020202020204" pitchFamily="34" charset="0"/>
+              <a:buChar char="•"/>
+            </a:pPr>
+            <a:r>
+              <a:rPr lang="ru-RU" sz="2200" dirty="0">
+                <a:latin typeface="Times New Roman" panose="02020603050405020304" pitchFamily="18" charset="0"/>
+                <a:cs typeface="Times New Roman" panose="02020603050405020304" pitchFamily="18" charset="0"/>
+              </a:rPr>
+              <a:t>Приказы (в формате </a:t>
+            </a:r>
+            <a:r>
+              <a:rPr lang="en-US" sz="2200" dirty="0">
+                <a:latin typeface="Times New Roman" panose="02020603050405020304" pitchFamily="18" charset="0"/>
+                <a:cs typeface="Times New Roman" panose="02020603050405020304" pitchFamily="18" charset="0"/>
+              </a:rPr>
+              <a:t>docx</a:t>
+            </a:r>
+            <a:r>
+              <a:rPr lang="ru-RU" sz="2200" dirty="0">
+                <a:latin typeface="Times New Roman" panose="02020603050405020304" pitchFamily="18" charset="0"/>
+                <a:cs typeface="Times New Roman" panose="02020603050405020304" pitchFamily="18" charset="0"/>
+              </a:rPr>
+              <a:t>)</a:t>
+            </a:r>
+            <a:r>
+              <a:rPr lang="en-US" sz="2200" dirty="0">
+                <a:latin typeface="Times New Roman" panose="02020603050405020304" pitchFamily="18" charset="0"/>
+                <a:cs typeface="Times New Roman" panose="02020603050405020304" pitchFamily="18" charset="0"/>
+              </a:rPr>
+              <a:t>.</a:t>
+            </a:r>
+            <a:endParaRPr lang="ru-RU" sz="2200" dirty="0">
+              <a:latin typeface="Times New Roman" panose="02020603050405020304" pitchFamily="18" charset="0"/>
+              <a:cs typeface="Times New Roman" panose="02020603050405020304" pitchFamily="18" charset="0"/>
+            </a:endParaRPr>
+          </a:p>
+          <a:p>
+            <a:pPr marL="800100" lvl="1" indent="-342900">
+              <a:lnSpc>
+                <a:spcPct val="125000"/>
+              </a:lnSpc>
+              <a:buFont typeface="Arial" panose="020B0604020202020204" pitchFamily="34" charset="0"/>
+              <a:buChar char="•"/>
+            </a:pPr>
+            <a:r>
+              <a:rPr lang="ru-RU" sz="2200" dirty="0">
+                <a:latin typeface="Times New Roman" panose="02020603050405020304" pitchFamily="18" charset="0"/>
+                <a:cs typeface="Times New Roman" panose="02020603050405020304" pitchFamily="18" charset="0"/>
+              </a:rPr>
+              <a:t>Сертификаты (в формате </a:t>
+            </a:r>
+            <a:r>
+              <a:rPr lang="en-US" sz="2200" dirty="0">
+                <a:latin typeface="Times New Roman" panose="02020603050405020304" pitchFamily="18" charset="0"/>
+                <a:cs typeface="Times New Roman" panose="02020603050405020304" pitchFamily="18" charset="0"/>
+              </a:rPr>
+              <a:t>pdf</a:t>
+            </a:r>
+            <a:r>
+              <a:rPr lang="ru-RU" sz="2200" dirty="0">
+                <a:latin typeface="Times New Roman" panose="02020603050405020304" pitchFamily="18" charset="0"/>
+                <a:cs typeface="Times New Roman" panose="02020603050405020304" pitchFamily="18" charset="0"/>
+              </a:rPr>
+              <a:t>)</a:t>
+            </a:r>
+            <a:r>
+              <a:rPr lang="en-US" sz="2200" dirty="0">
+                <a:latin typeface="Times New Roman" panose="02020603050405020304" pitchFamily="18" charset="0"/>
+                <a:cs typeface="Times New Roman" panose="02020603050405020304" pitchFamily="18" charset="0"/>
+              </a:rPr>
+              <a:t>.</a:t>
+            </a:r>
+            <a:endParaRPr lang="ru-RU" sz="2200" dirty="0">
+              <a:latin typeface="Times New Roman" panose="02020603050405020304" pitchFamily="18" charset="0"/>
+              <a:cs typeface="Times New Roman" panose="02020603050405020304" pitchFamily="18" charset="0"/>
+            </a:endParaRPr>
+          </a:p>
+          <a:p>
+            <a:pPr>
+              <a:lnSpc>
+                <a:spcPct val="125000"/>
+              </a:lnSpc>
+            </a:pPr>
+            <a:endParaRPr lang="en-US" sz="2200" dirty="0">
               <a:latin typeface="Times New Roman" panose="02020603050405020304" pitchFamily="18" charset="0"/>
               <a:cs typeface="Times New Roman" panose="02020603050405020304" pitchFamily="18" charset="0"/>
             </a:endParaRPr>
@@ -17336,10 +18070,10 @@
       </p:sp>
       <p:sp>
         <p:nvSpPr>
-          <p:cNvPr id="2" name="Номер слайда 4">
+          <p:cNvPr id="8" name="Номер слайда 4">
             <a:extLst>
               <a:ext uri="{FF2B5EF4-FFF2-40B4-BE49-F238E27FC236}">
-                <a16:creationId xmlns:a16="http://schemas.microsoft.com/office/drawing/2014/main" id="{B8AF4975-6D2C-6339-E96A-C69EE84DC457}"/>
+                <a16:creationId xmlns:a16="http://schemas.microsoft.com/office/drawing/2014/main" id="{C5B64F97-D6A0-FC0D-8E50-8227B356EE18}"/>
               </a:ext>
             </a:extLst>
           </p:cNvPr>
@@ -17474,1214 +18208,10 @@
           </a:p>
         </p:txBody>
       </p:sp>
-      <p:sp>
-        <p:nvSpPr>
-          <p:cNvPr id="8" name="Куб 7">
-            <a:extLst>
-              <a:ext uri="{FF2B5EF4-FFF2-40B4-BE49-F238E27FC236}">
-                <a16:creationId xmlns:a16="http://schemas.microsoft.com/office/drawing/2014/main" id="{B34DB2EF-69CC-C5E1-51AD-D1CF0E66DAAD}"/>
-              </a:ext>
-            </a:extLst>
-          </p:cNvPr>
-          <p:cNvSpPr/>
-          <p:nvPr/>
-        </p:nvSpPr>
-        <p:spPr>
-          <a:xfrm>
-            <a:off x="432147" y="815970"/>
-            <a:ext cx="4306515" cy="1332357"/>
-          </a:xfrm>
-          <a:prstGeom prst="cube">
-            <a:avLst>
-              <a:gd name="adj" fmla="val 2807"/>
-            </a:avLst>
-          </a:prstGeom>
-          <a:solidFill>
-            <a:srgbClr val="FFC000"/>
-          </a:solidFill>
-          <a:ln>
-            <a:solidFill>
-              <a:schemeClr val="bg1"/>
-            </a:solidFill>
-          </a:ln>
-        </p:spPr>
-        <p:style>
-          <a:lnRef idx="2">
-            <a:schemeClr val="accent1">
-              <a:shade val="15000"/>
-            </a:schemeClr>
-          </a:lnRef>
-          <a:fillRef idx="1">
-            <a:schemeClr val="accent1"/>
-          </a:fillRef>
-          <a:effectRef idx="0">
-            <a:schemeClr val="accent1"/>
-          </a:effectRef>
-          <a:fontRef idx="minor">
-            <a:schemeClr val="lt1"/>
-          </a:fontRef>
-        </p:style>
-        <p:txBody>
-          <a:bodyPr rtlCol="0" anchor="ctr"/>
-          <a:lstStyle/>
-          <a:p>
-            <a:pPr algn="ctr"/>
-            <a:endParaRPr lang="ru-RU"/>
-          </a:p>
-        </p:txBody>
-      </p:sp>
-      <p:sp>
-        <p:nvSpPr>
-          <p:cNvPr id="9" name="Куб 8">
-            <a:extLst>
-              <a:ext uri="{FF2B5EF4-FFF2-40B4-BE49-F238E27FC236}">
-                <a16:creationId xmlns:a16="http://schemas.microsoft.com/office/drawing/2014/main" id="{54CEE607-5FA7-7574-EA5F-273D4F7140CF}"/>
-              </a:ext>
-            </a:extLst>
-          </p:cNvPr>
-          <p:cNvSpPr/>
-          <p:nvPr/>
-        </p:nvSpPr>
-        <p:spPr>
-          <a:xfrm>
-            <a:off x="488852" y="3546647"/>
-            <a:ext cx="4502248" cy="2816054"/>
-          </a:xfrm>
-          <a:prstGeom prst="cube">
-            <a:avLst>
-              <a:gd name="adj" fmla="val 2807"/>
-            </a:avLst>
-          </a:prstGeom>
-          <a:solidFill>
-            <a:srgbClr val="FFC000"/>
-          </a:solidFill>
-          <a:ln>
-            <a:solidFill>
-              <a:schemeClr val="bg1"/>
-            </a:solidFill>
-          </a:ln>
-        </p:spPr>
-        <p:style>
-          <a:lnRef idx="2">
-            <a:schemeClr val="accent1">
-              <a:shade val="15000"/>
-            </a:schemeClr>
-          </a:lnRef>
-          <a:fillRef idx="1">
-            <a:schemeClr val="accent1"/>
-          </a:fillRef>
-          <a:effectRef idx="0">
-            <a:schemeClr val="accent1"/>
-          </a:effectRef>
-          <a:fontRef idx="minor">
-            <a:schemeClr val="lt1"/>
-          </a:fontRef>
-        </p:style>
-        <p:txBody>
-          <a:bodyPr rtlCol="0" anchor="ctr"/>
-          <a:lstStyle/>
-          <a:p>
-            <a:pPr algn="ctr"/>
-            <a:endParaRPr lang="ru-RU" dirty="0"/>
-          </a:p>
-        </p:txBody>
-      </p:sp>
-      <p:sp>
-        <p:nvSpPr>
-          <p:cNvPr id="7" name="TextBox 6">
-            <a:extLst>
-              <a:ext uri="{FF2B5EF4-FFF2-40B4-BE49-F238E27FC236}">
-                <a16:creationId xmlns:a16="http://schemas.microsoft.com/office/drawing/2014/main" id="{14B91432-27EC-1A16-D5C1-113313FCE3F0}"/>
-              </a:ext>
-            </a:extLst>
-          </p:cNvPr>
-          <p:cNvSpPr txBox="1"/>
-          <p:nvPr/>
-        </p:nvSpPr>
-        <p:spPr>
-          <a:xfrm>
-            <a:off x="455017" y="827728"/>
-            <a:ext cx="2241998" cy="369332"/>
-          </a:xfrm>
-          <a:prstGeom prst="rect">
-            <a:avLst/>
-          </a:prstGeom>
-          <a:noFill/>
-        </p:spPr>
-        <p:txBody>
-          <a:bodyPr wrap="square" rtlCol="0">
-            <a:spAutoFit/>
-          </a:bodyPr>
-          <a:lstStyle/>
-          <a:p>
-            <a:pPr algn="ctr"/>
-            <a:r>
-              <a:rPr lang="ru-RU" u="sng" dirty="0">
-                <a:solidFill>
-                  <a:schemeClr val="bg1"/>
-                </a:solidFill>
-              </a:rPr>
-              <a:t>Клиент(веб-браузер)</a:t>
-            </a:r>
-          </a:p>
-        </p:txBody>
-      </p:sp>
-      <p:sp>
-        <p:nvSpPr>
-          <p:cNvPr id="4" name="Прямоугольник 3">
-            <a:extLst>
-              <a:ext uri="{FF2B5EF4-FFF2-40B4-BE49-F238E27FC236}">
-                <a16:creationId xmlns:a16="http://schemas.microsoft.com/office/drawing/2014/main" id="{CB71FCB5-6651-32F9-87B8-F48A50EF83EC}"/>
-              </a:ext>
-            </a:extLst>
-          </p:cNvPr>
-          <p:cNvSpPr/>
-          <p:nvPr/>
-        </p:nvSpPr>
-        <p:spPr>
-          <a:xfrm>
-            <a:off x="862921" y="1317736"/>
-            <a:ext cx="3278279" cy="697280"/>
-          </a:xfrm>
-          <a:prstGeom prst="rect">
-            <a:avLst/>
-          </a:prstGeom>
-        </p:spPr>
-        <p:style>
-          <a:lnRef idx="2">
-            <a:schemeClr val="accent1">
-              <a:shade val="15000"/>
-            </a:schemeClr>
-          </a:lnRef>
-          <a:fillRef idx="1">
-            <a:schemeClr val="accent1"/>
-          </a:fillRef>
-          <a:effectRef idx="0">
-            <a:schemeClr val="accent1"/>
-          </a:effectRef>
-          <a:fontRef idx="minor">
-            <a:schemeClr val="lt1"/>
-          </a:fontRef>
-        </p:style>
-        <p:txBody>
-          <a:bodyPr rtlCol="0" anchor="ctr"/>
-          <a:lstStyle/>
-          <a:p>
-            <a:pPr algn="ctr"/>
-            <a:r>
-              <a:rPr lang="ru-RU" dirty="0"/>
-              <a:t>Веб-клиент</a:t>
-            </a:r>
-          </a:p>
-        </p:txBody>
-      </p:sp>
-      <p:sp>
-        <p:nvSpPr>
-          <p:cNvPr id="10" name="TextBox 9">
-            <a:extLst>
-              <a:ext uri="{FF2B5EF4-FFF2-40B4-BE49-F238E27FC236}">
-                <a16:creationId xmlns:a16="http://schemas.microsoft.com/office/drawing/2014/main" id="{9C984D68-F072-02A4-A997-F69D63FD9E51}"/>
-              </a:ext>
-            </a:extLst>
-          </p:cNvPr>
-          <p:cNvSpPr txBox="1"/>
-          <p:nvPr/>
-        </p:nvSpPr>
-        <p:spPr>
-          <a:xfrm>
-            <a:off x="388682" y="3591514"/>
-            <a:ext cx="1106773" cy="369332"/>
-          </a:xfrm>
-          <a:prstGeom prst="rect">
-            <a:avLst/>
-          </a:prstGeom>
-          <a:noFill/>
-        </p:spPr>
-        <p:txBody>
-          <a:bodyPr wrap="square" rtlCol="0">
-            <a:spAutoFit/>
-          </a:bodyPr>
-          <a:lstStyle/>
-          <a:p>
-            <a:pPr algn="ctr"/>
-            <a:r>
-              <a:rPr lang="ru-RU" u="sng" dirty="0">
-                <a:solidFill>
-                  <a:schemeClr val="bg1"/>
-                </a:solidFill>
-              </a:rPr>
-              <a:t>Сервер</a:t>
-            </a:r>
-          </a:p>
-        </p:txBody>
-      </p:sp>
-      <p:pic>
-        <p:nvPicPr>
-          <p:cNvPr id="1026" name="Picture 2" descr="База данных – Бесплатные иконки: технологии">
-            <a:extLst>
-              <a:ext uri="{FF2B5EF4-FFF2-40B4-BE49-F238E27FC236}">
-                <a16:creationId xmlns:a16="http://schemas.microsoft.com/office/drawing/2014/main" id="{968C74FB-0F65-64FF-D810-5DFD470CDA5E}"/>
-              </a:ext>
-            </a:extLst>
-          </p:cNvPr>
-          <p:cNvPicPr>
-            <a:picLocks noChangeAspect="1" noChangeArrowheads="1"/>
-          </p:cNvPicPr>
-          <p:nvPr/>
-        </p:nvPicPr>
-        <p:blipFill>
-          <a:blip r:embed="rId3">
-            <a:extLst>
-              <a:ext uri="{28A0092B-C50C-407E-A947-70E740481C1C}">
-                <a14:useLocalDpi xmlns:a14="http://schemas.microsoft.com/office/drawing/2010/main" val="0"/>
-              </a:ext>
-            </a:extLst>
-          </a:blip>
-          <a:srcRect/>
-          <a:stretch>
-            <a:fillRect/>
-          </a:stretch>
-        </p:blipFill>
-        <p:spPr bwMode="auto">
-          <a:xfrm>
-            <a:off x="9480501" y="2631501"/>
-            <a:ext cx="1020148" cy="1020148"/>
-          </a:xfrm>
-          <a:prstGeom prst="rect">
-            <a:avLst/>
-          </a:prstGeom>
-          <a:noFill/>
-          <a:extLst>
-            <a:ext uri="{909E8E84-426E-40DD-AFC4-6F175D3DCCD1}">
-              <a14:hiddenFill xmlns:a14="http://schemas.microsoft.com/office/drawing/2010/main">
-                <a:solidFill>
-                  <a:srgbClr val="FFFFFF"/>
-                </a:solidFill>
-              </a14:hiddenFill>
-            </a:ext>
-          </a:extLst>
-        </p:spPr>
-      </p:pic>
-      <p:sp>
-        <p:nvSpPr>
-          <p:cNvPr id="11" name="Прямоугольник 10">
-            <a:extLst>
-              <a:ext uri="{FF2B5EF4-FFF2-40B4-BE49-F238E27FC236}">
-                <a16:creationId xmlns:a16="http://schemas.microsoft.com/office/drawing/2014/main" id="{B25282C0-7DAC-9CFC-3597-A0CA599D722F}"/>
-              </a:ext>
-            </a:extLst>
-          </p:cNvPr>
-          <p:cNvSpPr/>
-          <p:nvPr/>
-        </p:nvSpPr>
-        <p:spPr>
-          <a:xfrm>
-            <a:off x="1731037" y="3819778"/>
-            <a:ext cx="1542043" cy="369333"/>
-          </a:xfrm>
-          <a:prstGeom prst="rect">
-            <a:avLst/>
-          </a:prstGeom>
-        </p:spPr>
-        <p:style>
-          <a:lnRef idx="2">
-            <a:schemeClr val="accent1">
-              <a:shade val="15000"/>
-            </a:schemeClr>
-          </a:lnRef>
-          <a:fillRef idx="1">
-            <a:schemeClr val="accent1"/>
-          </a:fillRef>
-          <a:effectRef idx="0">
-            <a:schemeClr val="accent1"/>
-          </a:effectRef>
-          <a:fontRef idx="minor">
-            <a:schemeClr val="lt1"/>
-          </a:fontRef>
-        </p:style>
-        <p:txBody>
-          <a:bodyPr rtlCol="0" anchor="ctr"/>
-          <a:lstStyle/>
-          <a:p>
-            <a:pPr algn="ctr"/>
-            <a:r>
-              <a:rPr lang="ru-RU" dirty="0"/>
-              <a:t>Контроллеры</a:t>
-            </a:r>
-          </a:p>
-        </p:txBody>
-      </p:sp>
-      <p:sp>
-        <p:nvSpPr>
-          <p:cNvPr id="12" name="Прямоугольник 11">
-            <a:extLst>
-              <a:ext uri="{FF2B5EF4-FFF2-40B4-BE49-F238E27FC236}">
-                <a16:creationId xmlns:a16="http://schemas.microsoft.com/office/drawing/2014/main" id="{E98B94DF-91A5-AB33-DE23-5468293BDB06}"/>
-              </a:ext>
-            </a:extLst>
-          </p:cNvPr>
-          <p:cNvSpPr/>
-          <p:nvPr/>
-        </p:nvSpPr>
-        <p:spPr>
-          <a:xfrm>
-            <a:off x="608098" y="4649689"/>
-            <a:ext cx="2364337" cy="297152"/>
-          </a:xfrm>
-          <a:prstGeom prst="rect">
-            <a:avLst/>
-          </a:prstGeom>
-        </p:spPr>
-        <p:style>
-          <a:lnRef idx="2">
-            <a:schemeClr val="accent1">
-              <a:shade val="15000"/>
-            </a:schemeClr>
-          </a:lnRef>
-          <a:fillRef idx="1">
-            <a:schemeClr val="accent1"/>
-          </a:fillRef>
-          <a:effectRef idx="0">
-            <a:schemeClr val="accent1"/>
-          </a:effectRef>
-          <a:fontRef idx="minor">
-            <a:schemeClr val="lt1"/>
-          </a:fontRef>
-        </p:style>
-        <p:txBody>
-          <a:bodyPr rtlCol="0" anchor="ctr"/>
-          <a:lstStyle/>
-          <a:p>
-            <a:pPr algn="ctr"/>
-            <a:r>
-              <a:rPr lang="ru-RU" dirty="0"/>
-              <a:t>Репозитории данных</a:t>
-            </a:r>
-          </a:p>
-        </p:txBody>
-      </p:sp>
-      <p:sp>
-        <p:nvSpPr>
-          <p:cNvPr id="13" name="Облако 12">
-            <a:extLst>
-              <a:ext uri="{FF2B5EF4-FFF2-40B4-BE49-F238E27FC236}">
-                <a16:creationId xmlns:a16="http://schemas.microsoft.com/office/drawing/2014/main" id="{0F41254F-263F-9590-F416-20934E6E585E}"/>
-              </a:ext>
-            </a:extLst>
-          </p:cNvPr>
-          <p:cNvSpPr/>
-          <p:nvPr/>
-        </p:nvSpPr>
-        <p:spPr>
-          <a:xfrm>
-            <a:off x="8565593" y="4934185"/>
-            <a:ext cx="2772708" cy="1290391"/>
-          </a:xfrm>
-          <a:prstGeom prst="cloud">
-            <a:avLst/>
-          </a:prstGeom>
-        </p:spPr>
-        <p:style>
-          <a:lnRef idx="2">
-            <a:schemeClr val="accent1">
-              <a:shade val="15000"/>
-            </a:schemeClr>
-          </a:lnRef>
-          <a:fillRef idx="1">
-            <a:schemeClr val="accent1"/>
-          </a:fillRef>
-          <a:effectRef idx="0">
-            <a:schemeClr val="accent1"/>
-          </a:effectRef>
-          <a:fontRef idx="minor">
-            <a:schemeClr val="lt1"/>
-          </a:fontRef>
-        </p:style>
-        <p:txBody>
-          <a:bodyPr rtlCol="0" anchor="ctr"/>
-          <a:lstStyle/>
-          <a:p>
-            <a:pPr algn="ctr"/>
-            <a:r>
-              <a:rPr lang="en-US" dirty="0"/>
-              <a:t>API</a:t>
-            </a:r>
-            <a:endParaRPr lang="ru-RU" dirty="0"/>
-          </a:p>
-        </p:txBody>
-      </p:sp>
-      <p:sp>
-        <p:nvSpPr>
-          <p:cNvPr id="14" name="Прямоугольник 13">
-            <a:extLst>
-              <a:ext uri="{FF2B5EF4-FFF2-40B4-BE49-F238E27FC236}">
-                <a16:creationId xmlns:a16="http://schemas.microsoft.com/office/drawing/2014/main" id="{531614EA-99FA-F8B9-4134-581FB0115BC8}"/>
-              </a:ext>
-            </a:extLst>
-          </p:cNvPr>
-          <p:cNvSpPr/>
-          <p:nvPr/>
-        </p:nvSpPr>
-        <p:spPr>
-          <a:xfrm>
-            <a:off x="3224899" y="4654175"/>
-            <a:ext cx="1121774" cy="291626"/>
-          </a:xfrm>
-          <a:prstGeom prst="rect">
-            <a:avLst/>
-          </a:prstGeom>
-        </p:spPr>
-        <p:style>
-          <a:lnRef idx="2">
-            <a:schemeClr val="accent1">
-              <a:shade val="15000"/>
-            </a:schemeClr>
-          </a:lnRef>
-          <a:fillRef idx="1">
-            <a:schemeClr val="accent1"/>
-          </a:fillRef>
-          <a:effectRef idx="0">
-            <a:schemeClr val="accent1"/>
-          </a:effectRef>
-          <a:fontRef idx="minor">
-            <a:schemeClr val="lt1"/>
-          </a:fontRef>
-        </p:style>
-        <p:txBody>
-          <a:bodyPr rtlCol="0" anchor="ctr"/>
-          <a:lstStyle/>
-          <a:p>
-            <a:pPr algn="ctr"/>
-            <a:r>
-              <a:rPr lang="ru-RU" dirty="0"/>
-              <a:t>Сервисы</a:t>
-            </a:r>
-          </a:p>
-        </p:txBody>
-      </p:sp>
-      <p:sp>
-        <p:nvSpPr>
-          <p:cNvPr id="15" name="Прямоугольник 14">
-            <a:extLst>
-              <a:ext uri="{FF2B5EF4-FFF2-40B4-BE49-F238E27FC236}">
-                <a16:creationId xmlns:a16="http://schemas.microsoft.com/office/drawing/2014/main" id="{EDE195C1-B13D-0D16-E22D-E0436602A9BC}"/>
-              </a:ext>
-            </a:extLst>
-          </p:cNvPr>
-          <p:cNvSpPr/>
-          <p:nvPr/>
-        </p:nvSpPr>
-        <p:spPr>
-          <a:xfrm>
-            <a:off x="2836888" y="5592808"/>
-            <a:ext cx="1901774" cy="291626"/>
-          </a:xfrm>
-          <a:prstGeom prst="rect">
-            <a:avLst/>
-          </a:prstGeom>
-        </p:spPr>
-        <p:style>
-          <a:lnRef idx="2">
-            <a:schemeClr val="accent6">
-              <a:shade val="15000"/>
-            </a:schemeClr>
-          </a:lnRef>
-          <a:fillRef idx="1">
-            <a:schemeClr val="accent6"/>
-          </a:fillRef>
-          <a:effectRef idx="0">
-            <a:schemeClr val="accent6"/>
-          </a:effectRef>
-          <a:fontRef idx="minor">
-            <a:schemeClr val="lt1"/>
-          </a:fontRef>
-        </p:style>
-        <p:txBody>
-          <a:bodyPr rtlCol="0" anchor="ctr"/>
-          <a:lstStyle/>
-          <a:p>
-            <a:pPr algn="ctr"/>
-            <a:r>
-              <a:rPr lang="ru-RU" dirty="0"/>
-              <a:t>Сервис файлов</a:t>
-            </a:r>
-          </a:p>
-        </p:txBody>
-      </p:sp>
-      <p:pic>
-        <p:nvPicPr>
-          <p:cNvPr id="1030" name="Picture 6" descr="База данных – Бесплатные иконки: мультимедиа">
-            <a:extLst>
-              <a:ext uri="{FF2B5EF4-FFF2-40B4-BE49-F238E27FC236}">
-                <a16:creationId xmlns:a16="http://schemas.microsoft.com/office/drawing/2014/main" id="{F7CE779F-34A1-2595-9406-6D0F1B7DD744}"/>
-              </a:ext>
-            </a:extLst>
-          </p:cNvPr>
-          <p:cNvPicPr>
-            <a:picLocks noChangeAspect="1" noChangeArrowheads="1"/>
-          </p:cNvPicPr>
-          <p:nvPr/>
-        </p:nvPicPr>
-        <p:blipFill>
-          <a:blip r:embed="rId4">
-            <a:extLst>
-              <a:ext uri="{28A0092B-C50C-407E-A947-70E740481C1C}">
-                <a14:useLocalDpi xmlns:a14="http://schemas.microsoft.com/office/drawing/2010/main" val="0"/>
-              </a:ext>
-            </a:extLst>
-          </a:blip>
-          <a:srcRect/>
-          <a:stretch>
-            <a:fillRect/>
-          </a:stretch>
-        </p:blipFill>
-        <p:spPr bwMode="auto">
-          <a:xfrm>
-            <a:off x="1139561" y="5487857"/>
-            <a:ext cx="514350" cy="514350"/>
-          </a:xfrm>
-          <a:prstGeom prst="rect">
-            <a:avLst/>
-          </a:prstGeom>
-          <a:noFill/>
-          <a:extLst>
-            <a:ext uri="{909E8E84-426E-40DD-AFC4-6F175D3DCCD1}">
-              <a14:hiddenFill xmlns:a14="http://schemas.microsoft.com/office/drawing/2010/main">
-                <a:solidFill>
-                  <a:srgbClr val="FFFFFF"/>
-                </a:solidFill>
-              </a14:hiddenFill>
-            </a:ext>
-          </a:extLst>
-        </p:spPr>
-      </p:pic>
-      <p:sp>
-        <p:nvSpPr>
-          <p:cNvPr id="17" name="TextBox 16">
-            <a:extLst>
-              <a:ext uri="{FF2B5EF4-FFF2-40B4-BE49-F238E27FC236}">
-                <a16:creationId xmlns:a16="http://schemas.microsoft.com/office/drawing/2014/main" id="{3D0D2E1B-81BF-56BA-64FC-595F13436141}"/>
-              </a:ext>
-            </a:extLst>
-          </p:cNvPr>
-          <p:cNvSpPr txBox="1"/>
-          <p:nvPr/>
-        </p:nvSpPr>
-        <p:spPr>
-          <a:xfrm>
-            <a:off x="531852" y="5964671"/>
-            <a:ext cx="1694527" cy="369332"/>
-          </a:xfrm>
-          <a:prstGeom prst="rect">
-            <a:avLst/>
-          </a:prstGeom>
-          <a:noFill/>
-        </p:spPr>
-        <p:txBody>
-          <a:bodyPr wrap="square" rtlCol="0">
-            <a:spAutoFit/>
-          </a:bodyPr>
-          <a:lstStyle/>
-          <a:p>
-            <a:pPr algn="ctr"/>
-            <a:r>
-              <a:rPr lang="ru-RU" u="sng" dirty="0">
-                <a:solidFill>
-                  <a:schemeClr val="bg1"/>
-                </a:solidFill>
-              </a:rPr>
-              <a:t>База данных</a:t>
-            </a:r>
-          </a:p>
-        </p:txBody>
-      </p:sp>
-      <p:cxnSp>
-        <p:nvCxnSpPr>
-          <p:cNvPr id="19" name="Соединитель: уступ 18">
-            <a:extLst>
-              <a:ext uri="{FF2B5EF4-FFF2-40B4-BE49-F238E27FC236}">
-                <a16:creationId xmlns:a16="http://schemas.microsoft.com/office/drawing/2014/main" id="{ACA65C98-BEE9-DBB6-6053-17A2B0E18CF2}"/>
-              </a:ext>
-            </a:extLst>
-          </p:cNvPr>
-          <p:cNvCxnSpPr>
-            <a:stCxn id="4" idx="2"/>
-            <a:endCxn id="11" idx="0"/>
-          </p:cNvCxnSpPr>
-          <p:nvPr/>
-        </p:nvCxnSpPr>
-        <p:spPr>
-          <a:xfrm rot="5400000">
-            <a:off x="1599679" y="2917396"/>
-            <a:ext cx="1804762" cy="2"/>
-          </a:xfrm>
-          <a:prstGeom prst="bentConnector3">
-            <a:avLst/>
-          </a:prstGeom>
-          <a:ln>
-            <a:headEnd type="triangle"/>
-            <a:tailEnd type="triangle"/>
-          </a:ln>
-        </p:spPr>
-        <p:style>
-          <a:lnRef idx="1">
-            <a:schemeClr val="accent6"/>
-          </a:lnRef>
-          <a:fillRef idx="0">
-            <a:schemeClr val="accent6"/>
-          </a:fillRef>
-          <a:effectRef idx="0">
-            <a:schemeClr val="accent6"/>
-          </a:effectRef>
-          <a:fontRef idx="minor">
-            <a:schemeClr val="tx1"/>
-          </a:fontRef>
-        </p:style>
-      </p:cxnSp>
-      <p:cxnSp>
-        <p:nvCxnSpPr>
-          <p:cNvPr id="22" name="Соединитель: уступ 21">
-            <a:extLst>
-              <a:ext uri="{FF2B5EF4-FFF2-40B4-BE49-F238E27FC236}">
-                <a16:creationId xmlns:a16="http://schemas.microsoft.com/office/drawing/2014/main" id="{C6840972-587C-DF23-7861-AD6D87A35405}"/>
-              </a:ext>
-            </a:extLst>
-          </p:cNvPr>
-          <p:cNvCxnSpPr>
-            <a:stCxn id="11" idx="2"/>
-            <a:endCxn id="12" idx="0"/>
-          </p:cNvCxnSpPr>
-          <p:nvPr/>
-        </p:nvCxnSpPr>
-        <p:spPr>
-          <a:xfrm rot="5400000">
-            <a:off x="1915874" y="4063504"/>
-            <a:ext cx="460578" cy="711792"/>
-          </a:xfrm>
-          <a:prstGeom prst="bentConnector3">
-            <a:avLst/>
-          </a:prstGeom>
-          <a:ln>
-            <a:headEnd type="triangle"/>
-            <a:tailEnd type="triangle"/>
-          </a:ln>
-        </p:spPr>
-        <p:style>
-          <a:lnRef idx="1">
-            <a:schemeClr val="accent6"/>
-          </a:lnRef>
-          <a:fillRef idx="0">
-            <a:schemeClr val="accent6"/>
-          </a:fillRef>
-          <a:effectRef idx="0">
-            <a:schemeClr val="accent6"/>
-          </a:effectRef>
-          <a:fontRef idx="minor">
-            <a:schemeClr val="tx1"/>
-          </a:fontRef>
-        </p:style>
-      </p:cxnSp>
-      <p:cxnSp>
-        <p:nvCxnSpPr>
-          <p:cNvPr id="25" name="Соединитель: уступ 24">
-            <a:extLst>
-              <a:ext uri="{FF2B5EF4-FFF2-40B4-BE49-F238E27FC236}">
-                <a16:creationId xmlns:a16="http://schemas.microsoft.com/office/drawing/2014/main" id="{062AA3F2-CD63-FE73-A3F7-E6C6A9BE3169}"/>
-              </a:ext>
-            </a:extLst>
-          </p:cNvPr>
-          <p:cNvCxnSpPr>
-            <a:endCxn id="1030" idx="0"/>
-          </p:cNvCxnSpPr>
-          <p:nvPr/>
-        </p:nvCxnSpPr>
-        <p:spPr>
-          <a:xfrm rot="5400000">
-            <a:off x="1375552" y="4998967"/>
-            <a:ext cx="510074" cy="467706"/>
-          </a:xfrm>
-          <a:prstGeom prst="bentConnector3">
-            <a:avLst/>
-          </a:prstGeom>
-          <a:ln>
-            <a:headEnd type="triangle"/>
-            <a:tailEnd type="triangle"/>
-          </a:ln>
-        </p:spPr>
-        <p:style>
-          <a:lnRef idx="1">
-            <a:schemeClr val="accent6"/>
-          </a:lnRef>
-          <a:fillRef idx="0">
-            <a:schemeClr val="accent6"/>
-          </a:fillRef>
-          <a:effectRef idx="0">
-            <a:schemeClr val="accent6"/>
-          </a:effectRef>
-          <a:fontRef idx="minor">
-            <a:schemeClr val="tx1"/>
-          </a:fontRef>
-        </p:style>
-      </p:cxnSp>
-      <p:cxnSp>
-        <p:nvCxnSpPr>
-          <p:cNvPr id="30" name="Соединитель: уступ 29">
-            <a:extLst>
-              <a:ext uri="{FF2B5EF4-FFF2-40B4-BE49-F238E27FC236}">
-                <a16:creationId xmlns:a16="http://schemas.microsoft.com/office/drawing/2014/main" id="{4953F34F-FB25-3CB8-AAAF-688028BDBAFB}"/>
-              </a:ext>
-            </a:extLst>
-          </p:cNvPr>
-          <p:cNvCxnSpPr>
-            <a:stCxn id="14" idx="2"/>
-            <a:endCxn id="15" idx="0"/>
-          </p:cNvCxnSpPr>
-          <p:nvPr/>
-        </p:nvCxnSpPr>
-        <p:spPr>
-          <a:xfrm rot="16200000" flipH="1">
-            <a:off x="3463277" y="5268309"/>
-            <a:ext cx="647007" cy="1989"/>
-          </a:xfrm>
-          <a:prstGeom prst="bentConnector3">
-            <a:avLst/>
-          </a:prstGeom>
-          <a:ln>
-            <a:headEnd type="triangle"/>
-            <a:tailEnd type="triangle"/>
-          </a:ln>
-        </p:spPr>
-        <p:style>
-          <a:lnRef idx="1">
-            <a:schemeClr val="accent6"/>
-          </a:lnRef>
-          <a:fillRef idx="0">
-            <a:schemeClr val="accent6"/>
-          </a:fillRef>
-          <a:effectRef idx="0">
-            <a:schemeClr val="accent6"/>
-          </a:effectRef>
-          <a:fontRef idx="minor">
-            <a:schemeClr val="tx1"/>
-          </a:fontRef>
-        </p:style>
-      </p:cxnSp>
-      <p:cxnSp>
-        <p:nvCxnSpPr>
-          <p:cNvPr id="32" name="Соединитель: уступ 31">
-            <a:extLst>
-              <a:ext uri="{FF2B5EF4-FFF2-40B4-BE49-F238E27FC236}">
-                <a16:creationId xmlns:a16="http://schemas.microsoft.com/office/drawing/2014/main" id="{84C15DA7-0510-6398-CFFD-06161E3DAFE9}"/>
-              </a:ext>
-            </a:extLst>
-          </p:cNvPr>
-          <p:cNvCxnSpPr>
-            <a:stCxn id="1030" idx="3"/>
-            <a:endCxn id="15" idx="1"/>
-          </p:cNvCxnSpPr>
-          <p:nvPr/>
-        </p:nvCxnSpPr>
-        <p:spPr>
-          <a:xfrm flipV="1">
-            <a:off x="1653911" y="5738621"/>
-            <a:ext cx="1182977" cy="6411"/>
-          </a:xfrm>
-          <a:prstGeom prst="bentConnector3">
-            <a:avLst/>
-          </a:prstGeom>
-          <a:ln>
-            <a:headEnd type="triangle"/>
-            <a:tailEnd type="triangle"/>
-          </a:ln>
-        </p:spPr>
-        <p:style>
-          <a:lnRef idx="1">
-            <a:schemeClr val="accent6"/>
-          </a:lnRef>
-          <a:fillRef idx="0">
-            <a:schemeClr val="accent6"/>
-          </a:fillRef>
-          <a:effectRef idx="0">
-            <a:schemeClr val="accent6"/>
-          </a:effectRef>
-          <a:fontRef idx="minor">
-            <a:schemeClr val="tx1"/>
-          </a:fontRef>
-        </p:style>
-      </p:cxnSp>
-      <p:sp>
-        <p:nvSpPr>
-          <p:cNvPr id="40" name="Куб 39">
-            <a:extLst>
-              <a:ext uri="{FF2B5EF4-FFF2-40B4-BE49-F238E27FC236}">
-                <a16:creationId xmlns:a16="http://schemas.microsoft.com/office/drawing/2014/main" id="{9089BD1E-9EEB-90A1-E6E5-A5225D10B7F1}"/>
-              </a:ext>
-            </a:extLst>
-          </p:cNvPr>
-          <p:cNvSpPr/>
-          <p:nvPr/>
-        </p:nvSpPr>
-        <p:spPr>
-          <a:xfrm>
-            <a:off x="5720287" y="5268195"/>
-            <a:ext cx="1879437" cy="778276"/>
-          </a:xfrm>
-          <a:prstGeom prst="cube">
-            <a:avLst>
-              <a:gd name="adj" fmla="val 21865"/>
-            </a:avLst>
-          </a:prstGeom>
-          <a:solidFill>
-            <a:srgbClr val="FFC000"/>
-          </a:solidFill>
-          <a:ln>
-            <a:solidFill>
-              <a:schemeClr val="bg1"/>
-            </a:solidFill>
-          </a:ln>
-        </p:spPr>
-        <p:style>
-          <a:lnRef idx="2">
-            <a:schemeClr val="accent1">
-              <a:shade val="15000"/>
-            </a:schemeClr>
-          </a:lnRef>
-          <a:fillRef idx="1">
-            <a:schemeClr val="accent1"/>
-          </a:fillRef>
-          <a:effectRef idx="0">
-            <a:schemeClr val="accent1"/>
-          </a:effectRef>
-          <a:fontRef idx="minor">
-            <a:schemeClr val="lt1"/>
-          </a:fontRef>
-        </p:style>
-        <p:txBody>
-          <a:bodyPr rtlCol="0" anchor="ctr"/>
-          <a:lstStyle/>
-          <a:p>
-            <a:pPr algn="ctr"/>
-            <a:endParaRPr lang="ru-RU"/>
-          </a:p>
-        </p:txBody>
-      </p:sp>
-      <p:sp>
-        <p:nvSpPr>
-          <p:cNvPr id="41" name="TextBox 40">
-            <a:extLst>
-              <a:ext uri="{FF2B5EF4-FFF2-40B4-BE49-F238E27FC236}">
-                <a16:creationId xmlns:a16="http://schemas.microsoft.com/office/drawing/2014/main" id="{8E684617-FDF7-CEC1-681F-3EE85396AFE2}"/>
-              </a:ext>
-            </a:extLst>
-          </p:cNvPr>
-          <p:cNvSpPr txBox="1"/>
-          <p:nvPr/>
-        </p:nvSpPr>
-        <p:spPr>
-          <a:xfrm>
-            <a:off x="5950182" y="5526919"/>
-            <a:ext cx="1873488" cy="369332"/>
-          </a:xfrm>
-          <a:prstGeom prst="rect">
-            <a:avLst/>
-          </a:prstGeom>
-          <a:noFill/>
-        </p:spPr>
-        <p:txBody>
-          <a:bodyPr wrap="square" rtlCol="0">
-            <a:spAutoFit/>
-          </a:bodyPr>
-          <a:lstStyle/>
-          <a:p>
-            <a:r>
-              <a:rPr lang="en-US" u="sng" dirty="0">
-                <a:solidFill>
-                  <a:schemeClr val="bg1"/>
-                </a:solidFill>
-              </a:rPr>
-              <a:t>RabbitMQ</a:t>
-            </a:r>
-            <a:endParaRPr lang="ru-RU" u="sng" dirty="0">
-              <a:solidFill>
-                <a:schemeClr val="bg1"/>
-              </a:solidFill>
-            </a:endParaRPr>
-          </a:p>
-        </p:txBody>
-      </p:sp>
-      <p:cxnSp>
-        <p:nvCxnSpPr>
-          <p:cNvPr id="43" name="Соединитель: уступ 42">
-            <a:extLst>
-              <a:ext uri="{FF2B5EF4-FFF2-40B4-BE49-F238E27FC236}">
-                <a16:creationId xmlns:a16="http://schemas.microsoft.com/office/drawing/2014/main" id="{EDE13815-05A5-20EE-8014-DA40C2573A5B}"/>
-              </a:ext>
-            </a:extLst>
-          </p:cNvPr>
-          <p:cNvCxnSpPr>
-            <a:stCxn id="14" idx="0"/>
-            <a:endCxn id="11" idx="2"/>
-          </p:cNvCxnSpPr>
-          <p:nvPr/>
-        </p:nvCxnSpPr>
-        <p:spPr>
-          <a:xfrm rot="16200000" flipV="1">
-            <a:off x="2911391" y="3779779"/>
-            <a:ext cx="465064" cy="1283727"/>
-          </a:xfrm>
-          <a:prstGeom prst="bentConnector3">
-            <a:avLst/>
-          </a:prstGeom>
-          <a:ln>
-            <a:headEnd type="triangle"/>
-            <a:tailEnd type="triangle"/>
-          </a:ln>
-        </p:spPr>
-        <p:style>
-          <a:lnRef idx="1">
-            <a:schemeClr val="accent6"/>
-          </a:lnRef>
-          <a:fillRef idx="0">
-            <a:schemeClr val="accent6"/>
-          </a:fillRef>
-          <a:effectRef idx="0">
-            <a:schemeClr val="accent6"/>
-          </a:effectRef>
-          <a:fontRef idx="minor">
-            <a:schemeClr val="tx1"/>
-          </a:fontRef>
-        </p:style>
-      </p:cxnSp>
-      <p:sp>
-        <p:nvSpPr>
-          <p:cNvPr id="44" name="TextBox 43">
-            <a:extLst>
-              <a:ext uri="{FF2B5EF4-FFF2-40B4-BE49-F238E27FC236}">
-                <a16:creationId xmlns:a16="http://schemas.microsoft.com/office/drawing/2014/main" id="{52F2BCE6-2C18-D42B-DCF8-3F543FAC2586}"/>
-              </a:ext>
-            </a:extLst>
-          </p:cNvPr>
-          <p:cNvSpPr txBox="1"/>
-          <p:nvPr/>
-        </p:nvSpPr>
-        <p:spPr>
-          <a:xfrm>
-            <a:off x="2566744" y="2631267"/>
-            <a:ext cx="811381" cy="369332"/>
-          </a:xfrm>
-          <a:prstGeom prst="rect">
-            <a:avLst/>
-          </a:prstGeom>
-          <a:noFill/>
-        </p:spPr>
-        <p:txBody>
-          <a:bodyPr wrap="square" rtlCol="0">
-            <a:spAutoFit/>
-          </a:bodyPr>
-          <a:lstStyle/>
-          <a:p>
-            <a:r>
-              <a:rPr lang="en-US" dirty="0"/>
-              <a:t>HTTPS</a:t>
-            </a:r>
-            <a:endParaRPr lang="ru-RU" dirty="0"/>
-          </a:p>
-        </p:txBody>
-      </p:sp>
-      <p:sp>
-        <p:nvSpPr>
-          <p:cNvPr id="46" name="Стрелка: влево-вправо 45">
-            <a:extLst>
-              <a:ext uri="{FF2B5EF4-FFF2-40B4-BE49-F238E27FC236}">
-                <a16:creationId xmlns:a16="http://schemas.microsoft.com/office/drawing/2014/main" id="{7BBB8E51-05C9-4F55-9078-BBD81A858E4F}"/>
-              </a:ext>
-            </a:extLst>
-          </p:cNvPr>
-          <p:cNvSpPr/>
-          <p:nvPr/>
-        </p:nvSpPr>
-        <p:spPr>
-          <a:xfrm rot="16200000">
-            <a:off x="9316063" y="4162842"/>
-            <a:ext cx="1349024" cy="356736"/>
-          </a:xfrm>
-          <a:prstGeom prst="leftRightArrow">
-            <a:avLst/>
-          </a:prstGeom>
-          <a:solidFill>
-            <a:srgbClr val="FFC000"/>
-          </a:solidFill>
-          <a:ln>
-            <a:solidFill>
-              <a:schemeClr val="bg1"/>
-            </a:solidFill>
-          </a:ln>
-        </p:spPr>
-        <p:style>
-          <a:lnRef idx="2">
-            <a:schemeClr val="accent1">
-              <a:shade val="15000"/>
-            </a:schemeClr>
-          </a:lnRef>
-          <a:fillRef idx="1">
-            <a:schemeClr val="accent1"/>
-          </a:fillRef>
-          <a:effectRef idx="0">
-            <a:schemeClr val="accent1"/>
-          </a:effectRef>
-          <a:fontRef idx="minor">
-            <a:schemeClr val="lt1"/>
-          </a:fontRef>
-        </p:style>
-        <p:txBody>
-          <a:bodyPr rtlCol="0" anchor="ctr"/>
-          <a:lstStyle/>
-          <a:p>
-            <a:pPr algn="ctr"/>
-            <a:endParaRPr lang="ru-RU"/>
-          </a:p>
-        </p:txBody>
-      </p:sp>
-      <p:cxnSp>
-        <p:nvCxnSpPr>
-          <p:cNvPr id="48" name="Соединитель: уступ 47">
-            <a:extLst>
-              <a:ext uri="{FF2B5EF4-FFF2-40B4-BE49-F238E27FC236}">
-                <a16:creationId xmlns:a16="http://schemas.microsoft.com/office/drawing/2014/main" id="{29CE21C6-D817-1552-3B14-A3A521C939F5}"/>
-              </a:ext>
-            </a:extLst>
-          </p:cNvPr>
-          <p:cNvCxnSpPr>
-            <a:cxnSpLocks/>
-            <a:endCxn id="40" idx="2"/>
-          </p:cNvCxnSpPr>
-          <p:nvPr/>
-        </p:nvCxnSpPr>
-        <p:spPr>
-          <a:xfrm>
-            <a:off x="4732714" y="5742261"/>
-            <a:ext cx="987573" cy="157"/>
-          </a:xfrm>
-          <a:prstGeom prst="bentConnector3">
-            <a:avLst/>
-          </a:prstGeom>
-          <a:ln>
-            <a:solidFill>
-              <a:srgbClr val="FF0000"/>
-            </a:solidFill>
-            <a:headEnd type="triangle"/>
-            <a:tailEnd type="triangle"/>
-          </a:ln>
-        </p:spPr>
-        <p:style>
-          <a:lnRef idx="1">
-            <a:schemeClr val="accent1"/>
-          </a:lnRef>
-          <a:fillRef idx="0">
-            <a:schemeClr val="accent1"/>
-          </a:fillRef>
-          <a:effectRef idx="0">
-            <a:schemeClr val="accent1"/>
-          </a:effectRef>
-          <a:fontRef idx="minor">
-            <a:schemeClr val="tx1"/>
-          </a:fontRef>
-        </p:style>
-      </p:cxnSp>
-      <p:sp>
-        <p:nvSpPr>
-          <p:cNvPr id="53" name="Стрелка: влево-вправо 52">
-            <a:extLst>
-              <a:ext uri="{FF2B5EF4-FFF2-40B4-BE49-F238E27FC236}">
-                <a16:creationId xmlns:a16="http://schemas.microsoft.com/office/drawing/2014/main" id="{671EA1E0-D8DD-6C8F-D0D0-1A5D5C357A86}"/>
-              </a:ext>
-            </a:extLst>
-          </p:cNvPr>
-          <p:cNvSpPr/>
-          <p:nvPr/>
-        </p:nvSpPr>
-        <p:spPr>
-          <a:xfrm>
-            <a:off x="7562616" y="5496226"/>
-            <a:ext cx="1058490" cy="332720"/>
-          </a:xfrm>
-          <a:prstGeom prst="leftRightArrow">
-            <a:avLst/>
-          </a:prstGeom>
-          <a:solidFill>
-            <a:srgbClr val="FFC000"/>
-          </a:solidFill>
-          <a:ln>
-            <a:solidFill>
-              <a:schemeClr val="bg1"/>
-            </a:solidFill>
-          </a:ln>
-        </p:spPr>
-        <p:style>
-          <a:lnRef idx="2">
-            <a:schemeClr val="accent1">
-              <a:shade val="15000"/>
-            </a:schemeClr>
-          </a:lnRef>
-          <a:fillRef idx="1">
-            <a:schemeClr val="accent1"/>
-          </a:fillRef>
-          <a:effectRef idx="0">
-            <a:schemeClr val="accent1"/>
-          </a:effectRef>
-          <a:fontRef idx="minor">
-            <a:schemeClr val="lt1"/>
-          </a:fontRef>
-        </p:style>
-        <p:txBody>
-          <a:bodyPr rtlCol="0" anchor="ctr"/>
-          <a:lstStyle/>
-          <a:p>
-            <a:pPr algn="ctr"/>
-            <a:endParaRPr lang="ru-RU"/>
-          </a:p>
-        </p:txBody>
-      </p:sp>
-      <p:sp>
-        <p:nvSpPr>
-          <p:cNvPr id="54" name="TextBox 53">
-            <a:extLst>
-              <a:ext uri="{FF2B5EF4-FFF2-40B4-BE49-F238E27FC236}">
-                <a16:creationId xmlns:a16="http://schemas.microsoft.com/office/drawing/2014/main" id="{85A24E40-37E6-E854-D6B6-B33CF34BED94}"/>
-              </a:ext>
-            </a:extLst>
-          </p:cNvPr>
-          <p:cNvSpPr txBox="1"/>
-          <p:nvPr/>
-        </p:nvSpPr>
-        <p:spPr>
-          <a:xfrm>
-            <a:off x="8800678" y="2233134"/>
-            <a:ext cx="2379793" cy="369332"/>
-          </a:xfrm>
-          <a:prstGeom prst="rect">
-            <a:avLst/>
-          </a:prstGeom>
-          <a:noFill/>
-        </p:spPr>
-        <p:txBody>
-          <a:bodyPr wrap="square" rtlCol="0">
-            <a:spAutoFit/>
-          </a:bodyPr>
-          <a:lstStyle/>
-          <a:p>
-            <a:pPr algn="ctr"/>
-            <a:r>
-              <a:rPr lang="ru-RU" u="sng" dirty="0"/>
-              <a:t>Яндекс Диск</a:t>
-            </a:r>
-          </a:p>
-        </p:txBody>
-      </p:sp>
     </p:spTree>
     <p:extLst>
       <p:ext uri="{BB962C8B-B14F-4D97-AF65-F5344CB8AC3E}">
-        <p14:creationId xmlns:p14="http://schemas.microsoft.com/office/powerpoint/2010/main" val="2761564169"/>
+        <p14:creationId xmlns:p14="http://schemas.microsoft.com/office/powerpoint/2010/main" val="528627330"/>
       </p:ext>
     </p:extLst>
   </p:cSld>
@@ -18722,450 +18252,139 @@
       </p:grpSpPr>
       <p:sp>
         <p:nvSpPr>
-          <p:cNvPr id="2" name="Заголовок 1">
+          <p:cNvPr id="5" name="Заголовок 1">
             <a:extLst>
               <a:ext uri="{FF2B5EF4-FFF2-40B4-BE49-F238E27FC236}">
-                <a16:creationId xmlns:a16="http://schemas.microsoft.com/office/drawing/2014/main" id="{6180C8AA-7561-F3BA-FC31-46C06530ED41}"/>
+                <a16:creationId xmlns:a16="http://schemas.microsoft.com/office/drawing/2014/main" id="{6B12EEDA-A379-46C0-43A5-DD9D8BA00775}"/>
               </a:ext>
             </a:extLst>
           </p:cNvPr>
-          <p:cNvSpPr>
-            <a:spLocks noGrp="1"/>
+          <p:cNvSpPr txBox="1">
+            <a:spLocks/>
           </p:cNvSpPr>
-          <p:nvPr>
-            <p:ph type="title"/>
-          </p:nvPr>
+          <p:nvPr/>
         </p:nvSpPr>
         <p:spPr>
           <a:xfrm>
-            <a:off x="0" y="6096"/>
-            <a:ext cx="12191999" cy="688848"/>
-          </a:xfrm>
+            <a:off x="0" y="-1"/>
+            <a:ext cx="12191999" cy="649225"/>
+          </a:xfrm>
+          <a:prstGeom prst="rect">
+            <a:avLst/>
+          </a:prstGeom>
+          <a:effectLst/>
         </p:spPr>
         <p:txBody>
-          <a:bodyPr/>
-          <a:lstStyle/>
+          <a:bodyPr vert="horz" lIns="91440" tIns="45720" rIns="91440" bIns="45720" rtlCol="0" anchor="ctr">
+            <a:normAutofit/>
+          </a:bodyPr>
+          <a:lstStyle>
+            <a:lvl1pPr algn="l" defTabSz="457200" rtl="0" eaLnBrk="1" latinLnBrk="0" hangingPunct="1">
+              <a:spcBef>
+                <a:spcPct val="0"/>
+              </a:spcBef>
+              <a:buNone/>
+              <a:defRPr sz="3600" kern="1200" cap="all">
+                <a:ln w="3175" cmpd="sng">
+                  <a:noFill/>
+                </a:ln>
+                <a:solidFill>
+                  <a:schemeClr val="tx1"/>
+                </a:solidFill>
+                <a:effectLst/>
+                <a:latin typeface="+mj-lt"/>
+                <a:ea typeface="+mj-ea"/>
+                <a:cs typeface="+mj-cs"/>
+              </a:defRPr>
+            </a:lvl1pPr>
+            <a:lvl2pPr eaLnBrk="1" hangingPunct="1">
+              <a:defRPr>
+                <a:solidFill>
+                  <a:schemeClr val="tx2"/>
+                </a:solidFill>
+              </a:defRPr>
+            </a:lvl2pPr>
+            <a:lvl3pPr eaLnBrk="1" hangingPunct="1">
+              <a:defRPr>
+                <a:solidFill>
+                  <a:schemeClr val="tx2"/>
+                </a:solidFill>
+              </a:defRPr>
+            </a:lvl3pPr>
+            <a:lvl4pPr eaLnBrk="1" hangingPunct="1">
+              <a:defRPr>
+                <a:solidFill>
+                  <a:schemeClr val="tx2"/>
+                </a:solidFill>
+              </a:defRPr>
+            </a:lvl4pPr>
+            <a:lvl5pPr eaLnBrk="1" hangingPunct="1">
+              <a:defRPr>
+                <a:solidFill>
+                  <a:schemeClr val="tx2"/>
+                </a:solidFill>
+              </a:defRPr>
+            </a:lvl5pPr>
+            <a:lvl6pPr eaLnBrk="1" hangingPunct="1">
+              <a:defRPr>
+                <a:solidFill>
+                  <a:schemeClr val="tx2"/>
+                </a:solidFill>
+              </a:defRPr>
+            </a:lvl6pPr>
+            <a:lvl7pPr eaLnBrk="1" hangingPunct="1">
+              <a:defRPr>
+                <a:solidFill>
+                  <a:schemeClr val="tx2"/>
+                </a:solidFill>
+              </a:defRPr>
+            </a:lvl7pPr>
+            <a:lvl8pPr eaLnBrk="1" hangingPunct="1">
+              <a:defRPr>
+                <a:solidFill>
+                  <a:schemeClr val="tx2"/>
+                </a:solidFill>
+              </a:defRPr>
+            </a:lvl8pPr>
+            <a:lvl9pPr eaLnBrk="1" hangingPunct="1">
+              <a:defRPr>
+                <a:solidFill>
+                  <a:schemeClr val="tx2"/>
+                </a:solidFill>
+              </a:defRPr>
+            </a:lvl9pPr>
+          </a:lstStyle>
           <a:p>
             <a:pPr algn="ctr"/>
             <a:r>
-              <a:rPr lang="ru-RU" dirty="0">
+              <a:rPr lang="ru-RU" spc="-1" dirty="0" err="1">
                 <a:latin typeface="Times New Roman" panose="02020603050405020304" pitchFamily="18" charset="0"/>
+                <a:ea typeface="DejaVu Sans"/>
                 <a:cs typeface="Times New Roman" panose="02020603050405020304" pitchFamily="18" charset="0"/>
               </a:rPr>
-              <a:t>СВЕДЕНИЯ О проекте</a:t>
-            </a:r>
-            <a:endParaRPr lang="ru-RU" dirty="0"/>
+              <a:t>ДиаграММа</a:t>
+            </a:r>
+            <a:r>
+              <a:rPr lang="ru-RU" spc="-1" dirty="0">
+                <a:latin typeface="Times New Roman" panose="02020603050405020304" pitchFamily="18" charset="0"/>
+                <a:ea typeface="DejaVu Sans"/>
+                <a:cs typeface="Times New Roman" panose="02020603050405020304" pitchFamily="18" charset="0"/>
+              </a:rPr>
+              <a:t> РАЗВЁРТЫВАНИЯ</a:t>
+            </a:r>
+            <a:endParaRPr lang="ru-RU" sz="4200" dirty="0">
+              <a:latin typeface="Times New Roman" panose="02020603050405020304" pitchFamily="18" charset="0"/>
+              <a:cs typeface="Times New Roman" panose="02020603050405020304" pitchFamily="18" charset="0"/>
+            </a:endParaRPr>
           </a:p>
         </p:txBody>
       </p:sp>
       <p:sp>
         <p:nvSpPr>
-          <p:cNvPr id="5" name="TextBox 4">
+          <p:cNvPr id="2" name="Номер слайда 4">
             <a:extLst>
               <a:ext uri="{FF2B5EF4-FFF2-40B4-BE49-F238E27FC236}">
-                <a16:creationId xmlns:a16="http://schemas.microsoft.com/office/drawing/2014/main" id="{7D1D1E67-62A4-5E00-9B5C-F74D0DA5F37E}"/>
-              </a:ext>
-            </a:extLst>
-          </p:cNvPr>
-          <p:cNvSpPr txBox="1"/>
-          <p:nvPr/>
-        </p:nvSpPr>
-        <p:spPr>
-          <a:xfrm>
-            <a:off x="562707" y="899690"/>
-            <a:ext cx="5978769" cy="5683486"/>
-          </a:xfrm>
-          <a:prstGeom prst="rect">
-            <a:avLst/>
-          </a:prstGeom>
-          <a:noFill/>
-        </p:spPr>
-        <p:txBody>
-          <a:bodyPr wrap="square" rtlCol="0">
-            <a:noAutofit/>
-          </a:bodyPr>
-          <a:lstStyle/>
-          <a:p>
-            <a:pPr>
-              <a:lnSpc>
-                <a:spcPct val="125000"/>
-              </a:lnSpc>
-            </a:pPr>
-            <a:r>
-              <a:rPr lang="ru-RU" sz="2200" dirty="0">
-                <a:solidFill>
-                  <a:srgbClr val="FFFF00"/>
-                </a:solidFill>
-                <a:latin typeface="Tahoma" panose="020B0604030504040204" pitchFamily="34" charset="0"/>
-                <a:ea typeface="Tahoma" panose="020B0604030504040204" pitchFamily="34" charset="0"/>
-                <a:cs typeface="Tahoma" panose="020B0604030504040204" pitchFamily="34" charset="0"/>
-              </a:rPr>
-              <a:t>Средства разработки серверной части системы:</a:t>
-            </a:r>
-          </a:p>
-          <a:p>
-            <a:pPr marL="285750" indent="-285750">
-              <a:lnSpc>
-                <a:spcPct val="125000"/>
-              </a:lnSpc>
-              <a:buFont typeface="Arial" panose="020B0604020202020204" pitchFamily="34" charset="0"/>
-              <a:buChar char="•"/>
-            </a:pPr>
-            <a:r>
-              <a:rPr lang="ru-RU" sz="2200" dirty="0">
-                <a:latin typeface="Times New Roman" panose="02020603050405020304" pitchFamily="18" charset="0"/>
-                <a:cs typeface="Times New Roman" panose="02020603050405020304" pitchFamily="18" charset="0"/>
-              </a:rPr>
-              <a:t>Язык программирования </a:t>
-            </a:r>
-            <a:r>
-              <a:rPr lang="en-US" sz="2200" dirty="0">
-                <a:latin typeface="Times New Roman" panose="02020603050405020304" pitchFamily="18" charset="0"/>
-                <a:cs typeface="Times New Roman" panose="02020603050405020304" pitchFamily="18" charset="0"/>
-              </a:rPr>
-              <a:t>PHP </a:t>
-            </a:r>
-            <a:r>
-              <a:rPr lang="ru-RU" sz="2200" dirty="0">
-                <a:latin typeface="Times New Roman" panose="02020603050405020304" pitchFamily="18" charset="0"/>
-                <a:cs typeface="Times New Roman" panose="02020603050405020304" pitchFamily="18" charset="0"/>
-              </a:rPr>
-              <a:t>7.4</a:t>
-            </a:r>
-            <a:r>
-              <a:rPr lang="en-US" sz="2200" dirty="0">
-                <a:latin typeface="Times New Roman" panose="02020603050405020304" pitchFamily="18" charset="0"/>
-                <a:cs typeface="Times New Roman" panose="02020603050405020304" pitchFamily="18" charset="0"/>
-              </a:rPr>
-              <a:t>; </a:t>
-            </a:r>
-          </a:p>
-          <a:p>
-            <a:pPr marL="285750" indent="-285750">
-              <a:lnSpc>
-                <a:spcPct val="125000"/>
-              </a:lnSpc>
-              <a:buFont typeface="Arial" panose="020B0604020202020204" pitchFamily="34" charset="0"/>
-              <a:buChar char="•"/>
-            </a:pPr>
-            <a:r>
-              <a:rPr lang="en-US" sz="2200" dirty="0">
-                <a:latin typeface="Times New Roman" panose="02020603050405020304" pitchFamily="18" charset="0"/>
-                <a:cs typeface="Times New Roman" panose="02020603050405020304" pitchFamily="18" charset="0"/>
-              </a:rPr>
-              <a:t>Apache </a:t>
-            </a:r>
-            <a:r>
-              <a:rPr lang="ru-RU" sz="2200" dirty="0">
-                <a:latin typeface="Times New Roman" panose="02020603050405020304" pitchFamily="18" charset="0"/>
-                <a:cs typeface="Times New Roman" panose="02020603050405020304" pitchFamily="18" charset="0"/>
-              </a:rPr>
-              <a:t>2.4;</a:t>
-            </a:r>
-            <a:endParaRPr lang="en-US" sz="2200" dirty="0">
-              <a:latin typeface="Times New Roman" panose="02020603050405020304" pitchFamily="18" charset="0"/>
-              <a:cs typeface="Times New Roman" panose="02020603050405020304" pitchFamily="18" charset="0"/>
-            </a:endParaRPr>
-          </a:p>
-          <a:p>
-            <a:pPr marL="285750" indent="-285750">
-              <a:lnSpc>
-                <a:spcPct val="125000"/>
-              </a:lnSpc>
-              <a:buFont typeface="Arial" panose="020B0604020202020204" pitchFamily="34" charset="0"/>
-              <a:buChar char="•"/>
-            </a:pPr>
-            <a:r>
-              <a:rPr lang="en-US" sz="2200" dirty="0">
-                <a:latin typeface="Times New Roman" panose="02020603050405020304" pitchFamily="18" charset="0"/>
-                <a:cs typeface="Times New Roman" panose="02020603050405020304" pitchFamily="18" charset="0"/>
-              </a:rPr>
-              <a:t>Yii2 Advanced Framework;</a:t>
-            </a:r>
-          </a:p>
-          <a:p>
-            <a:pPr marL="285750" indent="-285750">
-              <a:lnSpc>
-                <a:spcPct val="125000"/>
-              </a:lnSpc>
-              <a:buFont typeface="Arial" panose="020B0604020202020204" pitchFamily="34" charset="0"/>
-              <a:buChar char="•"/>
-            </a:pPr>
-            <a:r>
-              <a:rPr lang="ru-RU" sz="2200" dirty="0">
-                <a:latin typeface="Times New Roman" panose="02020603050405020304" pitchFamily="18" charset="0"/>
-                <a:cs typeface="Times New Roman" panose="02020603050405020304" pitchFamily="18" charset="0"/>
-              </a:rPr>
-              <a:t>База данных </a:t>
-            </a:r>
-            <a:r>
-              <a:rPr lang="en-US" sz="2200" dirty="0">
-                <a:latin typeface="Times New Roman" panose="02020603050405020304" pitchFamily="18" charset="0"/>
-                <a:cs typeface="Times New Roman" panose="02020603050405020304" pitchFamily="18" charset="0"/>
-              </a:rPr>
-              <a:t>MariaDB 10.3;</a:t>
-            </a:r>
-          </a:p>
-          <a:p>
-            <a:pPr marL="285750" indent="-285750">
-              <a:lnSpc>
-                <a:spcPct val="125000"/>
-              </a:lnSpc>
-              <a:buFont typeface="Arial" panose="020B0604020202020204" pitchFamily="34" charset="0"/>
-              <a:buChar char="•"/>
-            </a:pPr>
-            <a:r>
-              <a:rPr lang="en-US" sz="2200" dirty="0">
-                <a:latin typeface="Times New Roman" panose="02020603050405020304" pitchFamily="18" charset="0"/>
-                <a:cs typeface="Times New Roman" panose="02020603050405020304" pitchFamily="18" charset="0"/>
-              </a:rPr>
-              <a:t>Redis 4.0;</a:t>
-            </a:r>
-            <a:endParaRPr lang="ru-RU" sz="2200" dirty="0">
-              <a:latin typeface="Times New Roman" panose="02020603050405020304" pitchFamily="18" charset="0"/>
-              <a:cs typeface="Times New Roman" panose="02020603050405020304" pitchFamily="18" charset="0"/>
-            </a:endParaRPr>
-          </a:p>
-          <a:p>
-            <a:pPr marL="285750" indent="-285750">
-              <a:lnSpc>
-                <a:spcPct val="125000"/>
-              </a:lnSpc>
-              <a:buFont typeface="Arial" panose="020B0604020202020204" pitchFamily="34" charset="0"/>
-              <a:buChar char="•"/>
-            </a:pPr>
-            <a:r>
-              <a:rPr lang="en-US" sz="2200" dirty="0">
-                <a:latin typeface="Times New Roman" panose="02020603050405020304" pitchFamily="18" charset="0"/>
-                <a:cs typeface="Times New Roman" panose="02020603050405020304" pitchFamily="18" charset="0"/>
-              </a:rPr>
-              <a:t>RabbitMQ 4.0.7. </a:t>
-            </a:r>
-            <a:endParaRPr lang="ru-RU" sz="2200" dirty="0">
-              <a:latin typeface="Times New Roman" panose="02020603050405020304" pitchFamily="18" charset="0"/>
-              <a:cs typeface="Times New Roman" panose="02020603050405020304" pitchFamily="18" charset="0"/>
-            </a:endParaRPr>
-          </a:p>
-          <a:p>
-            <a:pPr>
-              <a:lnSpc>
-                <a:spcPct val="125000"/>
-              </a:lnSpc>
-            </a:pPr>
-            <a:r>
-              <a:rPr lang="ru-RU" sz="2200" dirty="0">
-                <a:solidFill>
-                  <a:srgbClr val="FFFF00"/>
-                </a:solidFill>
-                <a:latin typeface="Tahoma" panose="020B0604030504040204" pitchFamily="34" charset="0"/>
-                <a:ea typeface="Tahoma" panose="020B0604030504040204" pitchFamily="34" charset="0"/>
-                <a:cs typeface="Tahoma" panose="020B0604030504040204" pitchFamily="34" charset="0"/>
-              </a:rPr>
-              <a:t>Средства разработки клиентской части системы:</a:t>
-            </a:r>
-          </a:p>
-          <a:p>
-            <a:pPr marL="342900" indent="-342900">
-              <a:lnSpc>
-                <a:spcPct val="125000"/>
-              </a:lnSpc>
-              <a:buFont typeface="Arial" panose="020B0604020202020204" pitchFamily="34" charset="0"/>
-              <a:buChar char="•"/>
-            </a:pPr>
-            <a:r>
-              <a:rPr lang="en-US" sz="2200" dirty="0">
-                <a:latin typeface="Times New Roman" panose="02020603050405020304" pitchFamily="18" charset="0"/>
-                <a:cs typeface="Times New Roman" panose="02020603050405020304" pitchFamily="18" charset="0"/>
-              </a:rPr>
-              <a:t>HTML 5, CSS 3, JavaScript; </a:t>
-            </a:r>
-          </a:p>
-          <a:p>
-            <a:pPr marL="342900" indent="-342900">
-              <a:lnSpc>
-                <a:spcPct val="125000"/>
-              </a:lnSpc>
-              <a:buFont typeface="Arial" panose="020B0604020202020204" pitchFamily="34" charset="0"/>
-              <a:buChar char="•"/>
-            </a:pPr>
-            <a:r>
-              <a:rPr lang="en-US" sz="2200" dirty="0">
-                <a:latin typeface="Times New Roman" panose="02020603050405020304" pitchFamily="18" charset="0"/>
-                <a:ea typeface="Tahoma" panose="020B0604030504040204" pitchFamily="34" charset="0"/>
-                <a:cs typeface="Times New Roman" panose="02020603050405020304" pitchFamily="18" charset="0"/>
-              </a:rPr>
-              <a:t>jQuery;</a:t>
-            </a:r>
-            <a:endParaRPr lang="ru-RU" sz="2200" dirty="0">
-              <a:latin typeface="Tahoma" panose="020B0604030504040204" pitchFamily="34" charset="0"/>
-              <a:ea typeface="Tahoma" panose="020B0604030504040204" pitchFamily="34" charset="0"/>
-              <a:cs typeface="Tahoma" panose="020B0604030504040204" pitchFamily="34" charset="0"/>
-            </a:endParaRPr>
-          </a:p>
-          <a:p>
-            <a:pPr marL="285750" indent="-285750">
-              <a:lnSpc>
-                <a:spcPct val="125000"/>
-              </a:lnSpc>
-              <a:buFont typeface="Arial" panose="020B0604020202020204" pitchFamily="34" charset="0"/>
-              <a:buChar char="•"/>
-            </a:pPr>
-            <a:endParaRPr lang="en-US" sz="2200" dirty="0">
-              <a:latin typeface="Times New Roman" panose="02020603050405020304" pitchFamily="18" charset="0"/>
-              <a:cs typeface="Times New Roman" panose="02020603050405020304" pitchFamily="18" charset="0"/>
-            </a:endParaRPr>
-          </a:p>
-        </p:txBody>
-      </p:sp>
-      <p:sp>
-        <p:nvSpPr>
-          <p:cNvPr id="7" name="TextBox 6">
-            <a:extLst>
-              <a:ext uri="{FF2B5EF4-FFF2-40B4-BE49-F238E27FC236}">
-                <a16:creationId xmlns:a16="http://schemas.microsoft.com/office/drawing/2014/main" id="{F1A3363C-C487-95C8-49A5-35BC64E08D03}"/>
-              </a:ext>
-            </a:extLst>
-          </p:cNvPr>
-          <p:cNvSpPr txBox="1"/>
-          <p:nvPr/>
-        </p:nvSpPr>
-        <p:spPr>
-          <a:xfrm>
-            <a:off x="5829300" y="799106"/>
-            <a:ext cx="6362698" cy="2570704"/>
-          </a:xfrm>
-          <a:prstGeom prst="rect">
-            <a:avLst/>
-          </a:prstGeom>
-          <a:noFill/>
-        </p:spPr>
-        <p:txBody>
-          <a:bodyPr wrap="square">
-            <a:spAutoFit/>
-          </a:bodyPr>
-          <a:lstStyle/>
-          <a:p>
-            <a:pPr>
-              <a:lnSpc>
-                <a:spcPct val="150000"/>
-              </a:lnSpc>
-            </a:pPr>
-            <a:r>
-              <a:rPr lang="ru-RU" sz="2200" dirty="0">
-                <a:solidFill>
-                  <a:srgbClr val="FFFF00"/>
-                </a:solidFill>
-                <a:latin typeface="Tahoma" panose="020B0604030504040204" pitchFamily="34" charset="0"/>
-                <a:ea typeface="Tahoma" panose="020B0604030504040204" pitchFamily="34" charset="0"/>
-                <a:cs typeface="Tahoma" panose="020B0604030504040204" pitchFamily="34" charset="0"/>
-              </a:rPr>
-              <a:t>Проект содержит:</a:t>
-            </a:r>
-          </a:p>
-          <a:p>
-            <a:pPr marL="285750" indent="-285750">
-              <a:lnSpc>
-                <a:spcPct val="150000"/>
-              </a:lnSpc>
-              <a:buFont typeface="Arial" panose="020B0604020202020204" pitchFamily="34" charset="0"/>
-              <a:buChar char="•"/>
-            </a:pPr>
-            <a:r>
-              <a:rPr lang="ru-RU" sz="2200" dirty="0">
-                <a:latin typeface="Times New Roman" panose="02020603050405020304" pitchFamily="18" charset="0"/>
-                <a:cs typeface="Times New Roman" panose="02020603050405020304" pitchFamily="18" charset="0"/>
-              </a:rPr>
-              <a:t>Более </a:t>
-            </a:r>
-            <a:r>
-              <a:rPr lang="en-US" sz="2200" dirty="0">
-                <a:latin typeface="Times New Roman" panose="02020603050405020304" pitchFamily="18" charset="0"/>
-                <a:cs typeface="Times New Roman" panose="02020603050405020304" pitchFamily="18" charset="0"/>
-              </a:rPr>
-              <a:t>30000</a:t>
-            </a:r>
-            <a:r>
-              <a:rPr lang="ru-RU" sz="2200" dirty="0">
-                <a:latin typeface="Times New Roman" panose="02020603050405020304" pitchFamily="18" charset="0"/>
-                <a:cs typeface="Times New Roman" panose="02020603050405020304" pitchFamily="18" charset="0"/>
-              </a:rPr>
-              <a:t> строк кода в проекте.</a:t>
-            </a:r>
-            <a:endParaRPr lang="en-US" sz="2200" dirty="0">
-              <a:latin typeface="Times New Roman" panose="02020603050405020304" pitchFamily="18" charset="0"/>
-              <a:cs typeface="Times New Roman" panose="02020603050405020304" pitchFamily="18" charset="0"/>
-            </a:endParaRPr>
-          </a:p>
-          <a:p>
-            <a:pPr marL="285750" indent="-285750">
-              <a:lnSpc>
-                <a:spcPct val="150000"/>
-              </a:lnSpc>
-              <a:buFont typeface="Arial" panose="020B0604020202020204" pitchFamily="34" charset="0"/>
-              <a:buChar char="•"/>
-            </a:pPr>
-            <a:r>
-              <a:rPr lang="ru-RU" sz="2200" dirty="0">
-                <a:latin typeface="Times New Roman" panose="02020603050405020304" pitchFamily="18" charset="0"/>
-                <a:cs typeface="Times New Roman" panose="02020603050405020304" pitchFamily="18" charset="0"/>
-              </a:rPr>
-              <a:t>63 таблиц базы данных.</a:t>
-            </a:r>
-          </a:p>
-          <a:p>
-            <a:pPr marL="285750" indent="-285750">
-              <a:lnSpc>
-                <a:spcPct val="150000"/>
-              </a:lnSpc>
-              <a:buFont typeface="Arial" panose="020B0604020202020204" pitchFamily="34" charset="0"/>
-              <a:buChar char="•"/>
-            </a:pPr>
-            <a:r>
-              <a:rPr lang="ru-RU" sz="2200" dirty="0">
-                <a:latin typeface="Times New Roman" panose="02020603050405020304" pitchFamily="18" charset="0"/>
-                <a:cs typeface="Times New Roman" panose="02020603050405020304" pitchFamily="18" charset="0"/>
-              </a:rPr>
-              <a:t>Более 200 классов содержат около 1000</a:t>
-            </a:r>
-            <a:r>
-              <a:rPr lang="en-US" sz="2200" dirty="0">
-                <a:latin typeface="Times New Roman" panose="02020603050405020304" pitchFamily="18" charset="0"/>
-                <a:cs typeface="Times New Roman" panose="02020603050405020304" pitchFamily="18" charset="0"/>
-              </a:rPr>
-              <a:t> </a:t>
-            </a:r>
-            <a:r>
-              <a:rPr lang="ru-RU" sz="2200" dirty="0">
-                <a:latin typeface="Times New Roman" panose="02020603050405020304" pitchFamily="18" charset="0"/>
-                <a:cs typeface="Times New Roman" panose="02020603050405020304" pitchFamily="18" charset="0"/>
-              </a:rPr>
-              <a:t>методов.</a:t>
-            </a:r>
-          </a:p>
-          <a:p>
-            <a:pPr marL="285750" indent="-285750">
-              <a:lnSpc>
-                <a:spcPct val="150000"/>
-              </a:lnSpc>
-              <a:buFont typeface="Arial" panose="020B0604020202020204" pitchFamily="34" charset="0"/>
-              <a:buChar char="•"/>
-            </a:pPr>
-            <a:r>
-              <a:rPr lang="ru-RU" sz="2200" dirty="0">
-                <a:latin typeface="Times New Roman" panose="02020603050405020304" pitchFamily="18" charset="0"/>
-                <a:cs typeface="Times New Roman" panose="02020603050405020304" pitchFamily="18" charset="0"/>
-              </a:rPr>
-              <a:t>Более 15 уникальных интерфейсов и форм.</a:t>
-            </a:r>
-          </a:p>
-        </p:txBody>
-      </p:sp>
-      <p:sp>
-        <p:nvSpPr>
-          <p:cNvPr id="8" name="Номер слайда 4">
-            <a:extLst>
-              <a:ext uri="{FF2B5EF4-FFF2-40B4-BE49-F238E27FC236}">
-                <a16:creationId xmlns:a16="http://schemas.microsoft.com/office/drawing/2014/main" id="{C5B64F97-D6A0-FC0D-8E50-8227B356EE18}"/>
+                <a16:creationId xmlns:a16="http://schemas.microsoft.com/office/drawing/2014/main" id="{B8AF4975-6D2C-6339-E96A-C69EE84DC457}"/>
               </a:ext>
             </a:extLst>
           </p:cNvPr>
@@ -19300,12 +18519,253 @@
           </a:p>
         </p:txBody>
       </p:sp>
+      <p:sp>
+        <p:nvSpPr>
+          <p:cNvPr id="8" name="Куб 7">
+            <a:extLst>
+              <a:ext uri="{FF2B5EF4-FFF2-40B4-BE49-F238E27FC236}">
+                <a16:creationId xmlns:a16="http://schemas.microsoft.com/office/drawing/2014/main" id="{B34DB2EF-69CC-C5E1-51AD-D1CF0E66DAAD}"/>
+              </a:ext>
+            </a:extLst>
+          </p:cNvPr>
+          <p:cNvSpPr/>
+          <p:nvPr/>
+        </p:nvSpPr>
+        <p:spPr>
+          <a:xfrm>
+            <a:off x="432147" y="815970"/>
+            <a:ext cx="4306515" cy="1332357"/>
+          </a:xfrm>
+          <a:prstGeom prst="cube">
+            <a:avLst>
+              <a:gd name="adj" fmla="val 2807"/>
+            </a:avLst>
+          </a:prstGeom>
+          <a:solidFill>
+            <a:srgbClr val="FFC000"/>
+          </a:solidFill>
+          <a:ln>
+            <a:solidFill>
+              <a:schemeClr val="bg1"/>
+            </a:solidFill>
+          </a:ln>
+        </p:spPr>
+        <p:style>
+          <a:lnRef idx="2">
+            <a:schemeClr val="accent1">
+              <a:shade val="15000"/>
+            </a:schemeClr>
+          </a:lnRef>
+          <a:fillRef idx="1">
+            <a:schemeClr val="accent1"/>
+          </a:fillRef>
+          <a:effectRef idx="0">
+            <a:schemeClr val="accent1"/>
+          </a:effectRef>
+          <a:fontRef idx="minor">
+            <a:schemeClr val="lt1"/>
+          </a:fontRef>
+        </p:style>
+        <p:txBody>
+          <a:bodyPr rtlCol="0" anchor="ctr"/>
+          <a:lstStyle/>
+          <a:p>
+            <a:pPr algn="ctr"/>
+            <a:endParaRPr lang="ru-RU"/>
+          </a:p>
+        </p:txBody>
+      </p:sp>
+      <p:sp>
+        <p:nvSpPr>
+          <p:cNvPr id="9" name="Куб 8">
+            <a:extLst>
+              <a:ext uri="{FF2B5EF4-FFF2-40B4-BE49-F238E27FC236}">
+                <a16:creationId xmlns:a16="http://schemas.microsoft.com/office/drawing/2014/main" id="{54CEE607-5FA7-7574-EA5F-273D4F7140CF}"/>
+              </a:ext>
+            </a:extLst>
+          </p:cNvPr>
+          <p:cNvSpPr/>
+          <p:nvPr/>
+        </p:nvSpPr>
+        <p:spPr>
+          <a:xfrm>
+            <a:off x="488852" y="3546647"/>
+            <a:ext cx="4502248" cy="2816054"/>
+          </a:xfrm>
+          <a:prstGeom prst="cube">
+            <a:avLst>
+              <a:gd name="adj" fmla="val 2807"/>
+            </a:avLst>
+          </a:prstGeom>
+          <a:solidFill>
+            <a:srgbClr val="FFC000"/>
+          </a:solidFill>
+          <a:ln>
+            <a:solidFill>
+              <a:schemeClr val="bg1"/>
+            </a:solidFill>
+          </a:ln>
+        </p:spPr>
+        <p:style>
+          <a:lnRef idx="2">
+            <a:schemeClr val="accent1">
+              <a:shade val="15000"/>
+            </a:schemeClr>
+          </a:lnRef>
+          <a:fillRef idx="1">
+            <a:schemeClr val="accent1"/>
+          </a:fillRef>
+          <a:effectRef idx="0">
+            <a:schemeClr val="accent1"/>
+          </a:effectRef>
+          <a:fontRef idx="minor">
+            <a:schemeClr val="lt1"/>
+          </a:fontRef>
+        </p:style>
+        <p:txBody>
+          <a:bodyPr rtlCol="0" anchor="ctr"/>
+          <a:lstStyle/>
+          <a:p>
+            <a:pPr algn="ctr"/>
+            <a:endParaRPr lang="ru-RU" dirty="0"/>
+          </a:p>
+        </p:txBody>
+      </p:sp>
+      <p:sp>
+        <p:nvSpPr>
+          <p:cNvPr id="7" name="TextBox 6">
+            <a:extLst>
+              <a:ext uri="{FF2B5EF4-FFF2-40B4-BE49-F238E27FC236}">
+                <a16:creationId xmlns:a16="http://schemas.microsoft.com/office/drawing/2014/main" id="{14B91432-27EC-1A16-D5C1-113313FCE3F0}"/>
+              </a:ext>
+            </a:extLst>
+          </p:cNvPr>
+          <p:cNvSpPr txBox="1"/>
+          <p:nvPr/>
+        </p:nvSpPr>
+        <p:spPr>
+          <a:xfrm>
+            <a:off x="455017" y="827728"/>
+            <a:ext cx="2241998" cy="369332"/>
+          </a:xfrm>
+          <a:prstGeom prst="rect">
+            <a:avLst/>
+          </a:prstGeom>
+          <a:noFill/>
+        </p:spPr>
+        <p:txBody>
+          <a:bodyPr wrap="square" rtlCol="0">
+            <a:spAutoFit/>
+          </a:bodyPr>
+          <a:lstStyle/>
+          <a:p>
+            <a:pPr algn="ctr"/>
+            <a:r>
+              <a:rPr lang="ru-RU" u="sng" dirty="0">
+                <a:solidFill>
+                  <a:schemeClr val="bg1"/>
+                </a:solidFill>
+              </a:rPr>
+              <a:t>Клиент(веб-браузер)</a:t>
+            </a:r>
+          </a:p>
+        </p:txBody>
+      </p:sp>
+      <p:sp>
+        <p:nvSpPr>
+          <p:cNvPr id="4" name="Прямоугольник 3">
+            <a:extLst>
+              <a:ext uri="{FF2B5EF4-FFF2-40B4-BE49-F238E27FC236}">
+                <a16:creationId xmlns:a16="http://schemas.microsoft.com/office/drawing/2014/main" id="{CB71FCB5-6651-32F9-87B8-F48A50EF83EC}"/>
+              </a:ext>
+            </a:extLst>
+          </p:cNvPr>
+          <p:cNvSpPr/>
+          <p:nvPr/>
+        </p:nvSpPr>
+        <p:spPr>
+          <a:xfrm>
+            <a:off x="862921" y="1317736"/>
+            <a:ext cx="3278279" cy="697280"/>
+          </a:xfrm>
+          <a:prstGeom prst="rect">
+            <a:avLst/>
+          </a:prstGeom>
+        </p:spPr>
+        <p:style>
+          <a:lnRef idx="2">
+            <a:schemeClr val="accent1">
+              <a:shade val="15000"/>
+            </a:schemeClr>
+          </a:lnRef>
+          <a:fillRef idx="1">
+            <a:schemeClr val="accent1"/>
+          </a:fillRef>
+          <a:effectRef idx="0">
+            <a:schemeClr val="accent1"/>
+          </a:effectRef>
+          <a:fontRef idx="minor">
+            <a:schemeClr val="lt1"/>
+          </a:fontRef>
+        </p:style>
+        <p:txBody>
+          <a:bodyPr rtlCol="0" anchor="ctr"/>
+          <a:lstStyle/>
+          <a:p>
+            <a:pPr algn="ctr"/>
+            <a:r>
+              <a:rPr lang="ru-RU" dirty="0"/>
+              <a:t>Веб-клиент</a:t>
+            </a:r>
+          </a:p>
+        </p:txBody>
+      </p:sp>
+      <p:sp>
+        <p:nvSpPr>
+          <p:cNvPr id="10" name="TextBox 9">
+            <a:extLst>
+              <a:ext uri="{FF2B5EF4-FFF2-40B4-BE49-F238E27FC236}">
+                <a16:creationId xmlns:a16="http://schemas.microsoft.com/office/drawing/2014/main" id="{9C984D68-F072-02A4-A997-F69D63FD9E51}"/>
+              </a:ext>
+            </a:extLst>
+          </p:cNvPr>
+          <p:cNvSpPr txBox="1"/>
+          <p:nvPr/>
+        </p:nvSpPr>
+        <p:spPr>
+          <a:xfrm>
+            <a:off x="388682" y="3591514"/>
+            <a:ext cx="1106773" cy="369332"/>
+          </a:xfrm>
+          <a:prstGeom prst="rect">
+            <a:avLst/>
+          </a:prstGeom>
+          <a:noFill/>
+        </p:spPr>
+        <p:txBody>
+          <a:bodyPr wrap="square" rtlCol="0">
+            <a:spAutoFit/>
+          </a:bodyPr>
+          <a:lstStyle/>
+          <a:p>
+            <a:pPr algn="ctr"/>
+            <a:r>
+              <a:rPr lang="ru-RU" u="sng" dirty="0">
+                <a:solidFill>
+                  <a:schemeClr val="bg1"/>
+                </a:solidFill>
+              </a:rPr>
+              <a:t>Сервер</a:t>
+            </a:r>
+          </a:p>
+        </p:txBody>
+      </p:sp>
       <p:pic>
         <p:nvPicPr>
-          <p:cNvPr id="1026" name="Picture 2" descr="PHP Hypertext Preprocessor - язык программирования - CNews">
+          <p:cNvPr id="1026" name="Picture 2" descr="База данных – Бесплатные иконки: технологии">
             <a:extLst>
               <a:ext uri="{FF2B5EF4-FFF2-40B4-BE49-F238E27FC236}">
-                <a16:creationId xmlns:a16="http://schemas.microsoft.com/office/drawing/2014/main" id="{E24E1A06-6E63-A42B-1BCD-F23EDAE5647D}"/>
+                <a16:creationId xmlns:a16="http://schemas.microsoft.com/office/drawing/2014/main" id="{968C74FB-0F65-64FF-D810-5DFD470CDA5E}"/>
               </a:ext>
             </a:extLst>
           </p:cNvPr>
@@ -19329,8 +18789,8 @@
         </p:blipFill>
         <p:spPr bwMode="auto">
           <a:xfrm>
-            <a:off x="4961952" y="1856901"/>
-            <a:ext cx="563879" cy="295302"/>
+            <a:off x="9480501" y="2631501"/>
+            <a:ext cx="1020148" cy="1020148"/>
           </a:xfrm>
           <a:prstGeom prst="rect">
             <a:avLst/>
@@ -19347,12 +18807,258 @@
           </a:extLst>
         </p:spPr>
       </p:pic>
+      <p:sp>
+        <p:nvSpPr>
+          <p:cNvPr id="11" name="Прямоугольник 10">
+            <a:extLst>
+              <a:ext uri="{FF2B5EF4-FFF2-40B4-BE49-F238E27FC236}">
+                <a16:creationId xmlns:a16="http://schemas.microsoft.com/office/drawing/2014/main" id="{B25282C0-7DAC-9CFC-3597-A0CA599D722F}"/>
+              </a:ext>
+            </a:extLst>
+          </p:cNvPr>
+          <p:cNvSpPr/>
+          <p:nvPr/>
+        </p:nvSpPr>
+        <p:spPr>
+          <a:xfrm>
+            <a:off x="1731037" y="3819778"/>
+            <a:ext cx="1542043" cy="369333"/>
+          </a:xfrm>
+          <a:prstGeom prst="rect">
+            <a:avLst/>
+          </a:prstGeom>
+        </p:spPr>
+        <p:style>
+          <a:lnRef idx="2">
+            <a:schemeClr val="accent1">
+              <a:shade val="15000"/>
+            </a:schemeClr>
+          </a:lnRef>
+          <a:fillRef idx="1">
+            <a:schemeClr val="accent1"/>
+          </a:fillRef>
+          <a:effectRef idx="0">
+            <a:schemeClr val="accent1"/>
+          </a:effectRef>
+          <a:fontRef idx="minor">
+            <a:schemeClr val="lt1"/>
+          </a:fontRef>
+        </p:style>
+        <p:txBody>
+          <a:bodyPr rtlCol="0" anchor="ctr"/>
+          <a:lstStyle/>
+          <a:p>
+            <a:pPr algn="ctr"/>
+            <a:r>
+              <a:rPr lang="ru-RU" dirty="0"/>
+              <a:t>Контроллеры</a:t>
+            </a:r>
+          </a:p>
+        </p:txBody>
+      </p:sp>
+      <p:sp>
+        <p:nvSpPr>
+          <p:cNvPr id="12" name="Прямоугольник 11">
+            <a:extLst>
+              <a:ext uri="{FF2B5EF4-FFF2-40B4-BE49-F238E27FC236}">
+                <a16:creationId xmlns:a16="http://schemas.microsoft.com/office/drawing/2014/main" id="{E98B94DF-91A5-AB33-DE23-5468293BDB06}"/>
+              </a:ext>
+            </a:extLst>
+          </p:cNvPr>
+          <p:cNvSpPr/>
+          <p:nvPr/>
+        </p:nvSpPr>
+        <p:spPr>
+          <a:xfrm>
+            <a:off x="608098" y="4649689"/>
+            <a:ext cx="2364337" cy="297152"/>
+          </a:xfrm>
+          <a:prstGeom prst="rect">
+            <a:avLst/>
+          </a:prstGeom>
+        </p:spPr>
+        <p:style>
+          <a:lnRef idx="2">
+            <a:schemeClr val="accent1">
+              <a:shade val="15000"/>
+            </a:schemeClr>
+          </a:lnRef>
+          <a:fillRef idx="1">
+            <a:schemeClr val="accent1"/>
+          </a:fillRef>
+          <a:effectRef idx="0">
+            <a:schemeClr val="accent1"/>
+          </a:effectRef>
+          <a:fontRef idx="minor">
+            <a:schemeClr val="lt1"/>
+          </a:fontRef>
+        </p:style>
+        <p:txBody>
+          <a:bodyPr rtlCol="0" anchor="ctr"/>
+          <a:lstStyle/>
+          <a:p>
+            <a:pPr algn="ctr"/>
+            <a:r>
+              <a:rPr lang="ru-RU" dirty="0"/>
+              <a:t>Репозитории данных</a:t>
+            </a:r>
+          </a:p>
+        </p:txBody>
+      </p:sp>
+      <p:sp>
+        <p:nvSpPr>
+          <p:cNvPr id="13" name="Облако 12">
+            <a:extLst>
+              <a:ext uri="{FF2B5EF4-FFF2-40B4-BE49-F238E27FC236}">
+                <a16:creationId xmlns:a16="http://schemas.microsoft.com/office/drawing/2014/main" id="{0F41254F-263F-9590-F416-20934E6E585E}"/>
+              </a:ext>
+            </a:extLst>
+          </p:cNvPr>
+          <p:cNvSpPr/>
+          <p:nvPr/>
+        </p:nvSpPr>
+        <p:spPr>
+          <a:xfrm>
+            <a:off x="8565593" y="4934185"/>
+            <a:ext cx="2772708" cy="1290391"/>
+          </a:xfrm>
+          <a:prstGeom prst="cloud">
+            <a:avLst/>
+          </a:prstGeom>
+        </p:spPr>
+        <p:style>
+          <a:lnRef idx="2">
+            <a:schemeClr val="accent1">
+              <a:shade val="15000"/>
+            </a:schemeClr>
+          </a:lnRef>
+          <a:fillRef idx="1">
+            <a:schemeClr val="accent1"/>
+          </a:fillRef>
+          <a:effectRef idx="0">
+            <a:schemeClr val="accent1"/>
+          </a:effectRef>
+          <a:fontRef idx="minor">
+            <a:schemeClr val="lt1"/>
+          </a:fontRef>
+        </p:style>
+        <p:txBody>
+          <a:bodyPr rtlCol="0" anchor="ctr"/>
+          <a:lstStyle/>
+          <a:p>
+            <a:pPr algn="ctr"/>
+            <a:r>
+              <a:rPr lang="en-US" dirty="0"/>
+              <a:t>API</a:t>
+            </a:r>
+            <a:endParaRPr lang="ru-RU" dirty="0"/>
+          </a:p>
+        </p:txBody>
+      </p:sp>
+      <p:sp>
+        <p:nvSpPr>
+          <p:cNvPr id="14" name="Прямоугольник 13">
+            <a:extLst>
+              <a:ext uri="{FF2B5EF4-FFF2-40B4-BE49-F238E27FC236}">
+                <a16:creationId xmlns:a16="http://schemas.microsoft.com/office/drawing/2014/main" id="{531614EA-99FA-F8B9-4134-581FB0115BC8}"/>
+              </a:ext>
+            </a:extLst>
+          </p:cNvPr>
+          <p:cNvSpPr/>
+          <p:nvPr/>
+        </p:nvSpPr>
+        <p:spPr>
+          <a:xfrm>
+            <a:off x="3224899" y="4654175"/>
+            <a:ext cx="1121774" cy="291626"/>
+          </a:xfrm>
+          <a:prstGeom prst="rect">
+            <a:avLst/>
+          </a:prstGeom>
+        </p:spPr>
+        <p:style>
+          <a:lnRef idx="2">
+            <a:schemeClr val="accent1">
+              <a:shade val="15000"/>
+            </a:schemeClr>
+          </a:lnRef>
+          <a:fillRef idx="1">
+            <a:schemeClr val="accent1"/>
+          </a:fillRef>
+          <a:effectRef idx="0">
+            <a:schemeClr val="accent1"/>
+          </a:effectRef>
+          <a:fontRef idx="minor">
+            <a:schemeClr val="lt1"/>
+          </a:fontRef>
+        </p:style>
+        <p:txBody>
+          <a:bodyPr rtlCol="0" anchor="ctr"/>
+          <a:lstStyle/>
+          <a:p>
+            <a:pPr algn="ctr"/>
+            <a:r>
+              <a:rPr lang="ru-RU" dirty="0"/>
+              <a:t>Сервисы</a:t>
+            </a:r>
+          </a:p>
+        </p:txBody>
+      </p:sp>
+      <p:sp>
+        <p:nvSpPr>
+          <p:cNvPr id="15" name="Прямоугольник 14">
+            <a:extLst>
+              <a:ext uri="{FF2B5EF4-FFF2-40B4-BE49-F238E27FC236}">
+                <a16:creationId xmlns:a16="http://schemas.microsoft.com/office/drawing/2014/main" id="{EDE195C1-B13D-0D16-E22D-E0436602A9BC}"/>
+              </a:ext>
+            </a:extLst>
+          </p:cNvPr>
+          <p:cNvSpPr/>
+          <p:nvPr/>
+        </p:nvSpPr>
+        <p:spPr>
+          <a:xfrm>
+            <a:off x="2836888" y="5592808"/>
+            <a:ext cx="1901774" cy="291626"/>
+          </a:xfrm>
+          <a:prstGeom prst="rect">
+            <a:avLst/>
+          </a:prstGeom>
+        </p:spPr>
+        <p:style>
+          <a:lnRef idx="2">
+            <a:schemeClr val="accent6">
+              <a:shade val="15000"/>
+            </a:schemeClr>
+          </a:lnRef>
+          <a:fillRef idx="1">
+            <a:schemeClr val="accent6"/>
+          </a:fillRef>
+          <a:effectRef idx="0">
+            <a:schemeClr val="accent6"/>
+          </a:effectRef>
+          <a:fontRef idx="minor">
+            <a:schemeClr val="lt1"/>
+          </a:fontRef>
+        </p:style>
+        <p:txBody>
+          <a:bodyPr rtlCol="0" anchor="ctr"/>
+          <a:lstStyle/>
+          <a:p>
+            <a:pPr algn="ctr"/>
+            <a:r>
+              <a:rPr lang="ru-RU" dirty="0"/>
+              <a:t>Сервис файлов</a:t>
+            </a:r>
+          </a:p>
+        </p:txBody>
+      </p:sp>
       <p:pic>
         <p:nvPicPr>
-          <p:cNvPr id="1028" name="Picture 4">
+          <p:cNvPr id="1030" name="Picture 6" descr="База данных – Бесплатные иконки: мультимедиа">
             <a:extLst>
               <a:ext uri="{FF2B5EF4-FFF2-40B4-BE49-F238E27FC236}">
-                <a16:creationId xmlns:a16="http://schemas.microsoft.com/office/drawing/2014/main" id="{B88F704B-DF6A-120E-5BC2-E992B1C9C338}"/>
+                <a16:creationId xmlns:a16="http://schemas.microsoft.com/office/drawing/2014/main" id="{F7CE779F-34A1-2595-9406-6D0F1B7DD744}"/>
               </a:ext>
             </a:extLst>
           </p:cNvPr>
@@ -19376,8 +19082,8 @@
         </p:blipFill>
         <p:spPr bwMode="auto">
           <a:xfrm>
-            <a:off x="2326484" y="2278095"/>
-            <a:ext cx="797067" cy="304214"/>
+            <a:off x="1139561" y="5487857"/>
+            <a:ext cx="514350" cy="514350"/>
           </a:xfrm>
           <a:prstGeom prst="rect">
             <a:avLst/>
@@ -19394,337 +19100,633 @@
           </a:extLst>
         </p:spPr>
       </p:pic>
-      <p:pic>
-        <p:nvPicPr>
-          <p:cNvPr id="1030" name="Picture 6" descr="Логотип программы Yii">
+      <p:sp>
+        <p:nvSpPr>
+          <p:cNvPr id="17" name="TextBox 16">
             <a:extLst>
               <a:ext uri="{FF2B5EF4-FFF2-40B4-BE49-F238E27FC236}">
-                <a16:creationId xmlns:a16="http://schemas.microsoft.com/office/drawing/2014/main" id="{0960D179-52C4-B4E8-9E2E-8B8BDDB42EC4}"/>
+                <a16:creationId xmlns:a16="http://schemas.microsoft.com/office/drawing/2014/main" id="{3D0D2E1B-81BF-56BA-64FC-595F13436141}"/>
               </a:ext>
             </a:extLst>
           </p:cNvPr>
-          <p:cNvPicPr>
-            <a:picLocks noChangeAspect="1" noChangeArrowheads="1"/>
-          </p:cNvPicPr>
+          <p:cNvSpPr txBox="1"/>
           <p:nvPr/>
-        </p:nvPicPr>
-        <p:blipFill>
-          <a:blip r:embed="rId5">
-            <a:extLst>
-              <a:ext uri="{28A0092B-C50C-407E-A947-70E740481C1C}">
-                <a14:useLocalDpi xmlns:a14="http://schemas.microsoft.com/office/drawing/2010/main" val="0"/>
-              </a:ext>
-            </a:extLst>
-          </a:blip>
-          <a:srcRect/>
-          <a:stretch>
-            <a:fillRect/>
-          </a:stretch>
-        </p:blipFill>
-        <p:spPr bwMode="auto">
+        </p:nvSpPr>
+        <p:spPr>
           <a:xfrm>
-            <a:off x="4098131" y="2725294"/>
-            <a:ext cx="1273874" cy="275787"/>
+            <a:off x="531852" y="5964671"/>
+            <a:ext cx="1694527" cy="369332"/>
           </a:xfrm>
           <a:prstGeom prst="rect">
             <a:avLst/>
           </a:prstGeom>
           <a:noFill/>
-          <a:extLst>
-            <a:ext uri="{909E8E84-426E-40DD-AFC4-6F175D3DCCD1}">
-              <a14:hiddenFill xmlns:a14="http://schemas.microsoft.com/office/drawing/2010/main">
-                <a:solidFill>
-                  <a:srgbClr val="FFFFFF"/>
-                </a:solidFill>
-              </a14:hiddenFill>
-            </a:ext>
-          </a:extLst>
-        </p:spPr>
-      </p:pic>
-      <p:pic>
-        <p:nvPicPr>
-          <p:cNvPr id="1032" name="Picture 8" descr="MariaDB · GitHub">
+        </p:spPr>
+        <p:txBody>
+          <a:bodyPr wrap="square" rtlCol="0">
+            <a:spAutoFit/>
+          </a:bodyPr>
+          <a:lstStyle/>
+          <a:p>
+            <a:pPr algn="ctr"/>
+            <a:r>
+              <a:rPr lang="ru-RU" u="sng" dirty="0">
+                <a:solidFill>
+                  <a:schemeClr val="bg1"/>
+                </a:solidFill>
+              </a:rPr>
+              <a:t>База данных</a:t>
+            </a:r>
+          </a:p>
+        </p:txBody>
+      </p:sp>
+      <p:cxnSp>
+        <p:nvCxnSpPr>
+          <p:cNvPr id="19" name="Соединитель: уступ 18">
             <a:extLst>
               <a:ext uri="{FF2B5EF4-FFF2-40B4-BE49-F238E27FC236}">
-                <a16:creationId xmlns:a16="http://schemas.microsoft.com/office/drawing/2014/main" id="{2EDD169B-9E03-CE13-9CFD-9870D58C9634}"/>
+                <a16:creationId xmlns:a16="http://schemas.microsoft.com/office/drawing/2014/main" id="{ACA65C98-BEE9-DBB6-6053-17A2B0E18CF2}"/>
               </a:ext>
             </a:extLst>
           </p:cNvPr>
-          <p:cNvPicPr>
-            <a:picLocks noChangeAspect="1" noChangeArrowheads="1"/>
-          </p:cNvPicPr>
+          <p:cNvCxnSpPr>
+            <a:stCxn id="4" idx="2"/>
+            <a:endCxn id="11" idx="0"/>
+          </p:cNvCxnSpPr>
           <p:nvPr/>
-        </p:nvPicPr>
-        <p:blipFill>
-          <a:blip r:embed="rId6">
-            <a:extLst>
-              <a:ext uri="{28A0092B-C50C-407E-A947-70E740481C1C}">
-                <a14:useLocalDpi xmlns:a14="http://schemas.microsoft.com/office/drawing/2010/main" val="0"/>
-              </a:ext>
-            </a:extLst>
-          </a:blip>
-          <a:srcRect/>
-          <a:stretch>
-            <a:fillRect/>
-          </a:stretch>
-        </p:blipFill>
-        <p:spPr bwMode="auto">
+        </p:nvCxnSpPr>
+        <p:spPr>
+          <a:xfrm rot="5400000">
+            <a:off x="1599679" y="2917396"/>
+            <a:ext cx="1804762" cy="2"/>
+          </a:xfrm>
+          <a:prstGeom prst="bentConnector3">
+            <a:avLst/>
+          </a:prstGeom>
+          <a:ln>
+            <a:headEnd type="triangle"/>
+            <a:tailEnd type="triangle"/>
+          </a:ln>
+        </p:spPr>
+        <p:style>
+          <a:lnRef idx="1">
+            <a:schemeClr val="accent6"/>
+          </a:lnRef>
+          <a:fillRef idx="0">
+            <a:schemeClr val="accent6"/>
+          </a:fillRef>
+          <a:effectRef idx="0">
+            <a:schemeClr val="accent6"/>
+          </a:effectRef>
+          <a:fontRef idx="minor">
+            <a:schemeClr val="tx1"/>
+          </a:fontRef>
+        </p:style>
+      </p:cxnSp>
+      <p:cxnSp>
+        <p:nvCxnSpPr>
+          <p:cNvPr id="22" name="Соединитель: уступ 21">
+            <a:extLst>
+              <a:ext uri="{FF2B5EF4-FFF2-40B4-BE49-F238E27FC236}">
+                <a16:creationId xmlns:a16="http://schemas.microsoft.com/office/drawing/2014/main" id="{C6840972-587C-DF23-7861-AD6D87A35405}"/>
+              </a:ext>
+            </a:extLst>
+          </p:cNvPr>
+          <p:cNvCxnSpPr>
+            <a:stCxn id="11" idx="2"/>
+            <a:endCxn id="12" idx="0"/>
+          </p:cNvCxnSpPr>
+          <p:nvPr/>
+        </p:nvCxnSpPr>
+        <p:spPr>
+          <a:xfrm rot="5400000">
+            <a:off x="1915874" y="4063504"/>
+            <a:ext cx="460578" cy="711792"/>
+          </a:xfrm>
+          <a:prstGeom prst="bentConnector3">
+            <a:avLst/>
+          </a:prstGeom>
+          <a:ln>
+            <a:headEnd type="triangle"/>
+            <a:tailEnd type="triangle"/>
+          </a:ln>
+        </p:spPr>
+        <p:style>
+          <a:lnRef idx="1">
+            <a:schemeClr val="accent6"/>
+          </a:lnRef>
+          <a:fillRef idx="0">
+            <a:schemeClr val="accent6"/>
+          </a:fillRef>
+          <a:effectRef idx="0">
+            <a:schemeClr val="accent6"/>
+          </a:effectRef>
+          <a:fontRef idx="minor">
+            <a:schemeClr val="tx1"/>
+          </a:fontRef>
+        </p:style>
+      </p:cxnSp>
+      <p:cxnSp>
+        <p:nvCxnSpPr>
+          <p:cNvPr id="25" name="Соединитель: уступ 24">
+            <a:extLst>
+              <a:ext uri="{FF2B5EF4-FFF2-40B4-BE49-F238E27FC236}">
+                <a16:creationId xmlns:a16="http://schemas.microsoft.com/office/drawing/2014/main" id="{062AA3F2-CD63-FE73-A3F7-E6C6A9BE3169}"/>
+              </a:ext>
+            </a:extLst>
+          </p:cNvPr>
+          <p:cNvCxnSpPr>
+            <a:endCxn id="1030" idx="0"/>
+          </p:cNvCxnSpPr>
+          <p:nvPr/>
+        </p:nvCxnSpPr>
+        <p:spPr>
+          <a:xfrm rot="5400000">
+            <a:off x="1375552" y="4998967"/>
+            <a:ext cx="510074" cy="467706"/>
+          </a:xfrm>
+          <a:prstGeom prst="bentConnector3">
+            <a:avLst/>
+          </a:prstGeom>
+          <a:ln>
+            <a:headEnd type="triangle"/>
+            <a:tailEnd type="triangle"/>
+          </a:ln>
+        </p:spPr>
+        <p:style>
+          <a:lnRef idx="1">
+            <a:schemeClr val="accent6"/>
+          </a:lnRef>
+          <a:fillRef idx="0">
+            <a:schemeClr val="accent6"/>
+          </a:fillRef>
+          <a:effectRef idx="0">
+            <a:schemeClr val="accent6"/>
+          </a:effectRef>
+          <a:fontRef idx="minor">
+            <a:schemeClr val="tx1"/>
+          </a:fontRef>
+        </p:style>
+      </p:cxnSp>
+      <p:cxnSp>
+        <p:nvCxnSpPr>
+          <p:cNvPr id="30" name="Соединитель: уступ 29">
+            <a:extLst>
+              <a:ext uri="{FF2B5EF4-FFF2-40B4-BE49-F238E27FC236}">
+                <a16:creationId xmlns:a16="http://schemas.microsoft.com/office/drawing/2014/main" id="{4953F34F-FB25-3CB8-AAAF-688028BDBAFB}"/>
+              </a:ext>
+            </a:extLst>
+          </p:cNvPr>
+          <p:cNvCxnSpPr>
+            <a:stCxn id="14" idx="2"/>
+            <a:endCxn id="15" idx="0"/>
+          </p:cNvCxnSpPr>
+          <p:nvPr/>
+        </p:nvCxnSpPr>
+        <p:spPr>
+          <a:xfrm rot="16200000" flipH="1">
+            <a:off x="3463277" y="5268309"/>
+            <a:ext cx="647007" cy="1989"/>
+          </a:xfrm>
+          <a:prstGeom prst="bentConnector3">
+            <a:avLst/>
+          </a:prstGeom>
+          <a:ln>
+            <a:headEnd type="triangle"/>
+            <a:tailEnd type="triangle"/>
+          </a:ln>
+        </p:spPr>
+        <p:style>
+          <a:lnRef idx="1">
+            <a:schemeClr val="accent6"/>
+          </a:lnRef>
+          <a:fillRef idx="0">
+            <a:schemeClr val="accent6"/>
+          </a:fillRef>
+          <a:effectRef idx="0">
+            <a:schemeClr val="accent6"/>
+          </a:effectRef>
+          <a:fontRef idx="minor">
+            <a:schemeClr val="tx1"/>
+          </a:fontRef>
+        </p:style>
+      </p:cxnSp>
+      <p:cxnSp>
+        <p:nvCxnSpPr>
+          <p:cNvPr id="32" name="Соединитель: уступ 31">
+            <a:extLst>
+              <a:ext uri="{FF2B5EF4-FFF2-40B4-BE49-F238E27FC236}">
+                <a16:creationId xmlns:a16="http://schemas.microsoft.com/office/drawing/2014/main" id="{84C15DA7-0510-6398-CFFD-06161E3DAFE9}"/>
+              </a:ext>
+            </a:extLst>
+          </p:cNvPr>
+          <p:cNvCxnSpPr>
+            <a:stCxn id="1030" idx="3"/>
+            <a:endCxn id="15" idx="1"/>
+          </p:cNvCxnSpPr>
+          <p:nvPr/>
+        </p:nvCxnSpPr>
+        <p:spPr>
+          <a:xfrm flipV="1">
+            <a:off x="1653911" y="5738621"/>
+            <a:ext cx="1182977" cy="6411"/>
+          </a:xfrm>
+          <a:prstGeom prst="bentConnector3">
+            <a:avLst/>
+          </a:prstGeom>
+          <a:ln>
+            <a:headEnd type="triangle"/>
+            <a:tailEnd type="triangle"/>
+          </a:ln>
+        </p:spPr>
+        <p:style>
+          <a:lnRef idx="1">
+            <a:schemeClr val="accent6"/>
+          </a:lnRef>
+          <a:fillRef idx="0">
+            <a:schemeClr val="accent6"/>
+          </a:fillRef>
+          <a:effectRef idx="0">
+            <a:schemeClr val="accent6"/>
+          </a:effectRef>
+          <a:fontRef idx="minor">
+            <a:schemeClr val="tx1"/>
+          </a:fontRef>
+        </p:style>
+      </p:cxnSp>
+      <p:sp>
+        <p:nvSpPr>
+          <p:cNvPr id="40" name="Куб 39">
+            <a:extLst>
+              <a:ext uri="{FF2B5EF4-FFF2-40B4-BE49-F238E27FC236}">
+                <a16:creationId xmlns:a16="http://schemas.microsoft.com/office/drawing/2014/main" id="{9089BD1E-9EEB-90A1-E6E5-A5225D10B7F1}"/>
+              </a:ext>
+            </a:extLst>
+          </p:cNvPr>
+          <p:cNvSpPr/>
+          <p:nvPr/>
+        </p:nvSpPr>
+        <p:spPr>
           <a:xfrm>
-            <a:off x="4250422" y="3032993"/>
-            <a:ext cx="451309" cy="451309"/>
+            <a:off x="5720287" y="5268195"/>
+            <a:ext cx="1879437" cy="778276"/>
+          </a:xfrm>
+          <a:prstGeom prst="cube">
+            <a:avLst>
+              <a:gd name="adj" fmla="val 21865"/>
+            </a:avLst>
+          </a:prstGeom>
+          <a:solidFill>
+            <a:srgbClr val="FFC000"/>
+          </a:solidFill>
+          <a:ln>
+            <a:solidFill>
+              <a:schemeClr val="bg1"/>
+            </a:solidFill>
+          </a:ln>
+        </p:spPr>
+        <p:style>
+          <a:lnRef idx="2">
+            <a:schemeClr val="accent1">
+              <a:shade val="15000"/>
+            </a:schemeClr>
+          </a:lnRef>
+          <a:fillRef idx="1">
+            <a:schemeClr val="accent1"/>
+          </a:fillRef>
+          <a:effectRef idx="0">
+            <a:schemeClr val="accent1"/>
+          </a:effectRef>
+          <a:fontRef idx="minor">
+            <a:schemeClr val="lt1"/>
+          </a:fontRef>
+        </p:style>
+        <p:txBody>
+          <a:bodyPr rtlCol="0" anchor="ctr"/>
+          <a:lstStyle/>
+          <a:p>
+            <a:pPr algn="ctr"/>
+            <a:endParaRPr lang="ru-RU"/>
+          </a:p>
+        </p:txBody>
+      </p:sp>
+      <p:sp>
+        <p:nvSpPr>
+          <p:cNvPr id="41" name="TextBox 40">
+            <a:extLst>
+              <a:ext uri="{FF2B5EF4-FFF2-40B4-BE49-F238E27FC236}">
+                <a16:creationId xmlns:a16="http://schemas.microsoft.com/office/drawing/2014/main" id="{8E684617-FDF7-CEC1-681F-3EE85396AFE2}"/>
+              </a:ext>
+            </a:extLst>
+          </p:cNvPr>
+          <p:cNvSpPr txBox="1"/>
+          <p:nvPr/>
+        </p:nvSpPr>
+        <p:spPr>
+          <a:xfrm>
+            <a:off x="5950182" y="5526919"/>
+            <a:ext cx="1873488" cy="369332"/>
           </a:xfrm>
           <a:prstGeom prst="rect">
             <a:avLst/>
           </a:prstGeom>
           <a:noFill/>
-          <a:extLst>
-            <a:ext uri="{909E8E84-426E-40DD-AFC4-6F175D3DCCD1}">
-              <a14:hiddenFill xmlns:a14="http://schemas.microsoft.com/office/drawing/2010/main">
-                <a:solidFill>
-                  <a:srgbClr val="FFFFFF"/>
-                </a:solidFill>
-              </a14:hiddenFill>
-            </a:ext>
-          </a:extLst>
-        </p:spPr>
-      </p:pic>
-      <p:pic>
-        <p:nvPicPr>
-          <p:cNvPr id="1034" name="Picture 10">
+        </p:spPr>
+        <p:txBody>
+          <a:bodyPr wrap="square" rtlCol="0">
+            <a:spAutoFit/>
+          </a:bodyPr>
+          <a:lstStyle/>
+          <a:p>
+            <a:r>
+              <a:rPr lang="en-US" u="sng" dirty="0">
+                <a:solidFill>
+                  <a:schemeClr val="bg1"/>
+                </a:solidFill>
+              </a:rPr>
+              <a:t>RabbitMQ</a:t>
+            </a:r>
+            <a:endParaRPr lang="ru-RU" u="sng" dirty="0">
+              <a:solidFill>
+                <a:schemeClr val="bg1"/>
+              </a:solidFill>
+            </a:endParaRPr>
+          </a:p>
+        </p:txBody>
+      </p:sp>
+      <p:cxnSp>
+        <p:nvCxnSpPr>
+          <p:cNvPr id="43" name="Соединитель: уступ 42">
             <a:extLst>
               <a:ext uri="{FF2B5EF4-FFF2-40B4-BE49-F238E27FC236}">
-                <a16:creationId xmlns:a16="http://schemas.microsoft.com/office/drawing/2014/main" id="{0666067C-31E3-02F4-E9CA-D04EED38370F}"/>
+                <a16:creationId xmlns:a16="http://schemas.microsoft.com/office/drawing/2014/main" id="{EDE13815-05A5-20EE-8014-DA40C2573A5B}"/>
               </a:ext>
             </a:extLst>
           </p:cNvPr>
-          <p:cNvPicPr>
-            <a:picLocks noChangeAspect="1" noChangeArrowheads="1"/>
-          </p:cNvPicPr>
+          <p:cNvCxnSpPr>
+            <a:stCxn id="14" idx="0"/>
+            <a:endCxn id="11" idx="2"/>
+          </p:cNvCxnSpPr>
           <p:nvPr/>
-        </p:nvPicPr>
-        <p:blipFill>
-          <a:blip r:embed="rId7">
-            <a:extLst>
-              <a:ext uri="{28A0092B-C50C-407E-A947-70E740481C1C}">
-                <a14:useLocalDpi xmlns:a14="http://schemas.microsoft.com/office/drawing/2010/main" val="0"/>
-              </a:ext>
-            </a:extLst>
-          </a:blip>
-          <a:srcRect/>
-          <a:stretch>
-            <a:fillRect/>
-          </a:stretch>
-        </p:blipFill>
-        <p:spPr bwMode="auto">
+        </p:nvCxnSpPr>
+        <p:spPr>
+          <a:xfrm rot="16200000" flipV="1">
+            <a:off x="2911391" y="3779779"/>
+            <a:ext cx="465064" cy="1283727"/>
+          </a:xfrm>
+          <a:prstGeom prst="bentConnector3">
+            <a:avLst/>
+          </a:prstGeom>
+          <a:ln>
+            <a:headEnd type="triangle"/>
+            <a:tailEnd type="triangle"/>
+          </a:ln>
+        </p:spPr>
+        <p:style>
+          <a:lnRef idx="1">
+            <a:schemeClr val="accent6"/>
+          </a:lnRef>
+          <a:fillRef idx="0">
+            <a:schemeClr val="accent6"/>
+          </a:fillRef>
+          <a:effectRef idx="0">
+            <a:schemeClr val="accent6"/>
+          </a:effectRef>
+          <a:fontRef idx="minor">
+            <a:schemeClr val="tx1"/>
+          </a:fontRef>
+        </p:style>
+      </p:cxnSp>
+      <p:sp>
+        <p:nvSpPr>
+          <p:cNvPr id="44" name="TextBox 43">
+            <a:extLst>
+              <a:ext uri="{FF2B5EF4-FFF2-40B4-BE49-F238E27FC236}">
+                <a16:creationId xmlns:a16="http://schemas.microsoft.com/office/drawing/2014/main" id="{52F2BCE6-2C18-D42B-DCF8-3F543FAC2586}"/>
+              </a:ext>
+            </a:extLst>
+          </p:cNvPr>
+          <p:cNvSpPr txBox="1"/>
+          <p:nvPr/>
+        </p:nvSpPr>
+        <p:spPr>
           <a:xfrm>
-            <a:off x="2119104" y="3549237"/>
-            <a:ext cx="769621" cy="246279"/>
+            <a:off x="2566744" y="2631267"/>
+            <a:ext cx="811381" cy="369332"/>
           </a:xfrm>
           <a:prstGeom prst="rect">
             <a:avLst/>
           </a:prstGeom>
           <a:noFill/>
-          <a:extLst>
-            <a:ext uri="{909E8E84-426E-40DD-AFC4-6F175D3DCCD1}">
-              <a14:hiddenFill xmlns:a14="http://schemas.microsoft.com/office/drawing/2010/main">
-                <a:solidFill>
-                  <a:srgbClr val="FFFFFF"/>
-                </a:solidFill>
-              </a14:hiddenFill>
-            </a:ext>
-          </a:extLst>
-        </p:spPr>
-      </p:pic>
-      <p:pic>
-        <p:nvPicPr>
-          <p:cNvPr id="3" name="Picture 2" descr="Файл:RabbitMQ logo.svg — Википедия">
+        </p:spPr>
+        <p:txBody>
+          <a:bodyPr wrap="square" rtlCol="0">
+            <a:spAutoFit/>
+          </a:bodyPr>
+          <a:lstStyle/>
+          <a:p>
+            <a:r>
+              <a:rPr lang="en-US" dirty="0"/>
+              <a:t>HTTPS</a:t>
+            </a:r>
+            <a:endParaRPr lang="ru-RU" dirty="0"/>
+          </a:p>
+        </p:txBody>
+      </p:sp>
+      <p:sp>
+        <p:nvSpPr>
+          <p:cNvPr id="46" name="Стрелка: влево-вправо 45">
             <a:extLst>
               <a:ext uri="{FF2B5EF4-FFF2-40B4-BE49-F238E27FC236}">
-                <a16:creationId xmlns:a16="http://schemas.microsoft.com/office/drawing/2014/main" id="{DA9F81A4-F7D5-4314-984D-F41BA5AB50F6}"/>
+                <a16:creationId xmlns:a16="http://schemas.microsoft.com/office/drawing/2014/main" id="{7BBB8E51-05C9-4F55-9078-BBD81A858E4F}"/>
               </a:ext>
             </a:extLst>
           </p:cNvPr>
-          <p:cNvPicPr>
-            <a:picLocks noChangeAspect="1" noChangeArrowheads="1"/>
-          </p:cNvPicPr>
+          <p:cNvSpPr/>
           <p:nvPr/>
-        </p:nvPicPr>
-        <p:blipFill>
-          <a:blip r:embed="rId8">
-            <a:extLst>
-              <a:ext uri="{28A0092B-C50C-407E-A947-70E740481C1C}">
-                <a14:useLocalDpi xmlns:a14="http://schemas.microsoft.com/office/drawing/2010/main" val="0"/>
-              </a:ext>
-            </a:extLst>
-          </a:blip>
-          <a:srcRect/>
-          <a:stretch>
-            <a:fillRect/>
-          </a:stretch>
-        </p:blipFill>
-        <p:spPr bwMode="auto">
+        </p:nvSpPr>
+        <p:spPr>
+          <a:xfrm rot="16200000">
+            <a:off x="9316063" y="4162842"/>
+            <a:ext cx="1349024" cy="356736"/>
+          </a:xfrm>
+          <a:prstGeom prst="leftRightArrow">
+            <a:avLst/>
+          </a:prstGeom>
+          <a:solidFill>
+            <a:srgbClr val="FFC000"/>
+          </a:solidFill>
+          <a:ln>
+            <a:solidFill>
+              <a:schemeClr val="bg1"/>
+            </a:solidFill>
+          </a:ln>
+        </p:spPr>
+        <p:style>
+          <a:lnRef idx="2">
+            <a:schemeClr val="accent1">
+              <a:shade val="15000"/>
+            </a:schemeClr>
+          </a:lnRef>
+          <a:fillRef idx="1">
+            <a:schemeClr val="accent1"/>
+          </a:fillRef>
+          <a:effectRef idx="0">
+            <a:schemeClr val="accent1"/>
+          </a:effectRef>
+          <a:fontRef idx="minor">
+            <a:schemeClr val="lt1"/>
+          </a:fontRef>
+        </p:style>
+        <p:txBody>
+          <a:bodyPr rtlCol="0" anchor="ctr"/>
+          <a:lstStyle/>
+          <a:p>
+            <a:pPr algn="ctr"/>
+            <a:endParaRPr lang="ru-RU"/>
+          </a:p>
+        </p:txBody>
+      </p:sp>
+      <p:cxnSp>
+        <p:nvCxnSpPr>
+          <p:cNvPr id="48" name="Соединитель: уступ 47">
+            <a:extLst>
+              <a:ext uri="{FF2B5EF4-FFF2-40B4-BE49-F238E27FC236}">
+                <a16:creationId xmlns:a16="http://schemas.microsoft.com/office/drawing/2014/main" id="{29CE21C6-D817-1552-3B14-A3A521C939F5}"/>
+              </a:ext>
+            </a:extLst>
+          </p:cNvPr>
+          <p:cNvCxnSpPr>
+            <a:cxnSpLocks/>
+            <a:endCxn id="40" idx="2"/>
+          </p:cNvCxnSpPr>
+          <p:nvPr/>
+        </p:nvCxnSpPr>
+        <p:spPr>
           <a:xfrm>
-            <a:off x="2888725" y="3971801"/>
-            <a:ext cx="1614685" cy="253556"/>
+            <a:off x="4732714" y="5742261"/>
+            <a:ext cx="987573" cy="157"/>
+          </a:xfrm>
+          <a:prstGeom prst="bentConnector3">
+            <a:avLst/>
+          </a:prstGeom>
+          <a:ln>
+            <a:solidFill>
+              <a:srgbClr val="FF0000"/>
+            </a:solidFill>
+            <a:headEnd type="triangle"/>
+            <a:tailEnd type="triangle"/>
+          </a:ln>
+        </p:spPr>
+        <p:style>
+          <a:lnRef idx="1">
+            <a:schemeClr val="accent1"/>
+          </a:lnRef>
+          <a:fillRef idx="0">
+            <a:schemeClr val="accent1"/>
+          </a:fillRef>
+          <a:effectRef idx="0">
+            <a:schemeClr val="accent1"/>
+          </a:effectRef>
+          <a:fontRef idx="minor">
+            <a:schemeClr val="tx1"/>
+          </a:fontRef>
+        </p:style>
+      </p:cxnSp>
+      <p:sp>
+        <p:nvSpPr>
+          <p:cNvPr id="53" name="Стрелка: влево-вправо 52">
+            <a:extLst>
+              <a:ext uri="{FF2B5EF4-FFF2-40B4-BE49-F238E27FC236}">
+                <a16:creationId xmlns:a16="http://schemas.microsoft.com/office/drawing/2014/main" id="{671EA1E0-D8DD-6C8F-D0D0-1A5D5C357A86}"/>
+              </a:ext>
+            </a:extLst>
+          </p:cNvPr>
+          <p:cNvSpPr/>
+          <p:nvPr/>
+        </p:nvSpPr>
+        <p:spPr>
+          <a:xfrm>
+            <a:off x="7562616" y="5496226"/>
+            <a:ext cx="1058490" cy="332720"/>
+          </a:xfrm>
+          <a:prstGeom prst="leftRightArrow">
+            <a:avLst/>
+          </a:prstGeom>
+          <a:solidFill>
+            <a:srgbClr val="FFC000"/>
+          </a:solidFill>
+          <a:ln>
+            <a:solidFill>
+              <a:schemeClr val="bg1"/>
+            </a:solidFill>
+          </a:ln>
+        </p:spPr>
+        <p:style>
+          <a:lnRef idx="2">
+            <a:schemeClr val="accent1">
+              <a:shade val="15000"/>
+            </a:schemeClr>
+          </a:lnRef>
+          <a:fillRef idx="1">
+            <a:schemeClr val="accent1"/>
+          </a:fillRef>
+          <a:effectRef idx="0">
+            <a:schemeClr val="accent1"/>
+          </a:effectRef>
+          <a:fontRef idx="minor">
+            <a:schemeClr val="lt1"/>
+          </a:fontRef>
+        </p:style>
+        <p:txBody>
+          <a:bodyPr rtlCol="0" anchor="ctr"/>
+          <a:lstStyle/>
+          <a:p>
+            <a:pPr algn="ctr"/>
+            <a:endParaRPr lang="ru-RU"/>
+          </a:p>
+        </p:txBody>
+      </p:sp>
+      <p:sp>
+        <p:nvSpPr>
+          <p:cNvPr id="54" name="TextBox 53">
+            <a:extLst>
+              <a:ext uri="{FF2B5EF4-FFF2-40B4-BE49-F238E27FC236}">
+                <a16:creationId xmlns:a16="http://schemas.microsoft.com/office/drawing/2014/main" id="{85A24E40-37E6-E854-D6B6-B33CF34BED94}"/>
+              </a:ext>
+            </a:extLst>
+          </p:cNvPr>
+          <p:cNvSpPr txBox="1"/>
+          <p:nvPr/>
+        </p:nvSpPr>
+        <p:spPr>
+          <a:xfrm>
+            <a:off x="8800678" y="2233134"/>
+            <a:ext cx="2379793" cy="369332"/>
           </a:xfrm>
           <a:prstGeom prst="rect">
             <a:avLst/>
           </a:prstGeom>
           <a:noFill/>
-          <a:extLst>
-            <a:ext uri="{909E8E84-426E-40DD-AFC4-6F175D3DCCD1}">
-              <a14:hiddenFill xmlns:a14="http://schemas.microsoft.com/office/drawing/2010/main">
-                <a:solidFill>
-                  <a:srgbClr val="FFFFFF"/>
-                </a:solidFill>
-              </a14:hiddenFill>
-            </a:ext>
-          </a:extLst>
-        </p:spPr>
-      </p:pic>
-      <p:pic>
-        <p:nvPicPr>
-          <p:cNvPr id="4" name="Picture 2" descr="jQuery · GitHub">
-            <a:extLst>
-              <a:ext uri="{FF2B5EF4-FFF2-40B4-BE49-F238E27FC236}">
-                <a16:creationId xmlns:a16="http://schemas.microsoft.com/office/drawing/2014/main" id="{6F43245B-D665-82AA-E6DC-3F2425B428D6}"/>
-              </a:ext>
-            </a:extLst>
-          </p:cNvPr>
-          <p:cNvPicPr>
-            <a:picLocks noChangeAspect="1" noChangeArrowheads="1"/>
-          </p:cNvPicPr>
-          <p:nvPr/>
-        </p:nvPicPr>
-        <p:blipFill>
-          <a:blip r:embed="rId9">
-            <a:extLst>
-              <a:ext uri="{28A0092B-C50C-407E-A947-70E740481C1C}">
-                <a14:useLocalDpi xmlns:a14="http://schemas.microsoft.com/office/drawing/2010/main" val="0"/>
-              </a:ext>
-            </a:extLst>
-          </a:blip>
-          <a:srcRect/>
-          <a:stretch>
-            <a:fillRect/>
-          </a:stretch>
-        </p:blipFill>
-        <p:spPr bwMode="auto">
-          <a:xfrm>
-            <a:off x="1906580" y="5614849"/>
-            <a:ext cx="425048" cy="425048"/>
-          </a:xfrm>
-          <a:prstGeom prst="rect">
-            <a:avLst/>
-          </a:prstGeom>
-          <a:noFill/>
-          <a:extLst>
-            <a:ext uri="{909E8E84-426E-40DD-AFC4-6F175D3DCCD1}">
-              <a14:hiddenFill xmlns:a14="http://schemas.microsoft.com/office/drawing/2010/main">
-                <a:solidFill>
-                  <a:srgbClr val="FFFFFF"/>
-                </a:solidFill>
-              </a14:hiddenFill>
-            </a:ext>
-          </a:extLst>
-        </p:spPr>
-      </p:pic>
-      <p:sp>
-        <p:nvSpPr>
-          <p:cNvPr id="6" name="AutoShape 4" descr="Html Js Css PNG - Html Js Css Веб разработка Программирование прозрачная  иллюстрация">
-            <a:extLst>
-              <a:ext uri="{FF2B5EF4-FFF2-40B4-BE49-F238E27FC236}">
-                <a16:creationId xmlns:a16="http://schemas.microsoft.com/office/drawing/2014/main" id="{2B707A11-A244-8FB2-3D36-6A6D6D327432}"/>
-              </a:ext>
-            </a:extLst>
-          </p:cNvPr>
-          <p:cNvSpPr>
-            <a:spLocks noChangeAspect="1" noChangeArrowheads="1"/>
-          </p:cNvSpPr>
-          <p:nvPr/>
-        </p:nvSpPr>
-        <p:spPr bwMode="auto">
-          <a:xfrm>
-            <a:off x="5943600" y="3276600"/>
-            <a:ext cx="304800" cy="304800"/>
-          </a:xfrm>
-          <a:prstGeom prst="rect">
-            <a:avLst/>
-          </a:prstGeom>
-          <a:noFill/>
-          <a:extLst>
-            <a:ext uri="{909E8E84-426E-40DD-AFC4-6F175D3DCCD1}">
-              <a14:hiddenFill xmlns:a14="http://schemas.microsoft.com/office/drawing/2010/main">
-                <a:solidFill>
-                  <a:srgbClr val="FFFFFF"/>
-                </a:solidFill>
-              </a14:hiddenFill>
-            </a:ext>
-          </a:extLst>
         </p:spPr>
         <p:txBody>
-          <a:bodyPr vert="horz" wrap="square" lIns="91440" tIns="45720" rIns="91440" bIns="45720" numCol="1" anchor="t" anchorCtr="0" compatLnSpc="1">
-            <a:prstTxWarp prst="textNoShape">
-              <a:avLst/>
-            </a:prstTxWarp>
+          <a:bodyPr wrap="square" rtlCol="0">
+            <a:spAutoFit/>
           </a:bodyPr>
           <a:lstStyle/>
           <a:p>
-            <a:endParaRPr lang="ru-RU"/>
+            <a:pPr algn="ctr"/>
+            <a:r>
+              <a:rPr lang="ru-RU" u="sng" dirty="0"/>
+              <a:t>Яндекс Диск</a:t>
+            </a:r>
           </a:p>
         </p:txBody>
       </p:sp>
-      <p:pic>
-        <p:nvPicPr>
-          <p:cNvPr id="1038" name="Picture 14" descr="Javascript Html5 And Css - Html Css Js Badge PNG Transparent With Clear  Background ID 191472 | TopPNG">
-            <a:extLst>
-              <a:ext uri="{FF2B5EF4-FFF2-40B4-BE49-F238E27FC236}">
-                <a16:creationId xmlns:a16="http://schemas.microsoft.com/office/drawing/2014/main" id="{85015783-37F7-BDD4-D06A-F5358E662D37}"/>
-              </a:ext>
-            </a:extLst>
-          </p:cNvPr>
-          <p:cNvPicPr>
-            <a:picLocks noChangeAspect="1" noChangeArrowheads="1"/>
-          </p:cNvPicPr>
-          <p:nvPr/>
-        </p:nvPicPr>
-        <p:blipFill>
-          <a:blip r:embed="rId10">
-            <a:extLst>
-              <a:ext uri="{28A0092B-C50C-407E-A947-70E740481C1C}">
-                <a14:useLocalDpi xmlns:a14="http://schemas.microsoft.com/office/drawing/2010/main" val="0"/>
-              </a:ext>
-            </a:extLst>
-          </a:blip>
-          <a:srcRect/>
-          <a:stretch>
-            <a:fillRect/>
-          </a:stretch>
-        </p:blipFill>
-        <p:spPr bwMode="auto">
-          <a:xfrm>
-            <a:off x="4250422" y="5017105"/>
-            <a:ext cx="1020149" cy="597744"/>
-          </a:xfrm>
-          <a:prstGeom prst="rect">
-            <a:avLst/>
-          </a:prstGeom>
-          <a:noFill/>
-          <a:extLst>
-            <a:ext uri="{909E8E84-426E-40DD-AFC4-6F175D3DCCD1}">
-              <a14:hiddenFill xmlns:a14="http://schemas.microsoft.com/office/drawing/2010/main">
-                <a:solidFill>
-                  <a:srgbClr val="FFFFFF"/>
-                </a:solidFill>
-              </a14:hiddenFill>
-            </a:ext>
-          </a:extLst>
-        </p:spPr>
-      </p:pic>
     </p:spTree>
     <p:extLst>
       <p:ext uri="{BB962C8B-B14F-4D97-AF65-F5344CB8AC3E}">
-        <p14:creationId xmlns:p14="http://schemas.microsoft.com/office/powerpoint/2010/main" val="3648442274"/>
+        <p14:creationId xmlns:p14="http://schemas.microsoft.com/office/powerpoint/2010/main" val="2761564169"/>
       </p:ext>
     </p:extLst>
   </p:cSld>
@@ -19795,7 +19797,7 @@
                 <a:latin typeface="Times New Roman" panose="02020603050405020304" pitchFamily="18" charset="0"/>
                 <a:cs typeface="Times New Roman" panose="02020603050405020304" pitchFamily="18" charset="0"/>
               </a:rPr>
-              <a:t>Системные требования</a:t>
+              <a:t>СВЕДЕНИЯ О проекте</a:t>
             </a:r>
             <a:endParaRPr lang="ru-RU" dirty="0"/>
           </a:p>
@@ -19815,8 +19817,8 @@
         </p:nvSpPr>
         <p:spPr>
           <a:xfrm>
-            <a:off x="366226" y="1000125"/>
-            <a:ext cx="11315700" cy="5966079"/>
+            <a:off x="562707" y="899690"/>
+            <a:ext cx="5978769" cy="5683486"/>
           </a:xfrm>
           <a:prstGeom prst="rect">
             <a:avLst/>
@@ -19831,7 +19833,7 @@
           <a:p>
             <a:pPr>
               <a:lnSpc>
-                <a:spcPct val="150000"/>
+                <a:spcPct val="125000"/>
               </a:lnSpc>
             </a:pPr>
             <a:r>
@@ -19843,11 +19845,270 @@
                 <a:ea typeface="Tahoma" panose="020B0604030504040204" pitchFamily="34" charset="0"/>
                 <a:cs typeface="Tahoma" panose="020B0604030504040204" pitchFamily="34" charset="0"/>
               </a:rPr>
-              <a:t>Требования к клиенту:</a:t>
-            </a:r>
-          </a:p>
-          <a:p>
-            <a:pPr marL="800100" lvl="1" indent="-342900">
+              <a:t>Средства разработки серверной части системы:</a:t>
+            </a:r>
+          </a:p>
+          <a:p>
+            <a:pPr marL="285750" indent="-285750">
+              <a:lnSpc>
+                <a:spcPct val="125000"/>
+              </a:lnSpc>
+              <a:buFont typeface="Arial" panose="020B0604020202020204" pitchFamily="34" charset="0"/>
+              <a:buChar char="•"/>
+            </a:pPr>
+            <a:r>
+              <a:rPr lang="ru-RU" sz="2200" dirty="0">
+                <a:latin typeface="Times New Roman" panose="02020603050405020304" pitchFamily="18" charset="0"/>
+                <a:cs typeface="Times New Roman" panose="02020603050405020304" pitchFamily="18" charset="0"/>
+              </a:rPr>
+              <a:t>Язык программирования </a:t>
+            </a:r>
+            <a:r>
+              <a:rPr lang="en-US" sz="2200" dirty="0">
+                <a:latin typeface="Times New Roman" panose="02020603050405020304" pitchFamily="18" charset="0"/>
+                <a:cs typeface="Times New Roman" panose="02020603050405020304" pitchFamily="18" charset="0"/>
+              </a:rPr>
+              <a:t>PHP </a:t>
+            </a:r>
+            <a:r>
+              <a:rPr lang="ru-RU" sz="2200" dirty="0">
+                <a:latin typeface="Times New Roman" panose="02020603050405020304" pitchFamily="18" charset="0"/>
+                <a:cs typeface="Times New Roman" panose="02020603050405020304" pitchFamily="18" charset="0"/>
+              </a:rPr>
+              <a:t>7.4</a:t>
+            </a:r>
+            <a:r>
+              <a:rPr lang="en-US" sz="2200" dirty="0">
+                <a:latin typeface="Times New Roman" panose="02020603050405020304" pitchFamily="18" charset="0"/>
+                <a:cs typeface="Times New Roman" panose="02020603050405020304" pitchFamily="18" charset="0"/>
+              </a:rPr>
+              <a:t>; </a:t>
+            </a:r>
+          </a:p>
+          <a:p>
+            <a:pPr marL="285750" indent="-285750">
+              <a:lnSpc>
+                <a:spcPct val="125000"/>
+              </a:lnSpc>
+              <a:buFont typeface="Arial" panose="020B0604020202020204" pitchFamily="34" charset="0"/>
+              <a:buChar char="•"/>
+            </a:pPr>
+            <a:r>
+              <a:rPr lang="en-US" sz="2200" dirty="0">
+                <a:latin typeface="Times New Roman" panose="02020603050405020304" pitchFamily="18" charset="0"/>
+                <a:cs typeface="Times New Roman" panose="02020603050405020304" pitchFamily="18" charset="0"/>
+              </a:rPr>
+              <a:t>Apache </a:t>
+            </a:r>
+            <a:r>
+              <a:rPr lang="ru-RU" sz="2200" dirty="0">
+                <a:latin typeface="Times New Roman" panose="02020603050405020304" pitchFamily="18" charset="0"/>
+                <a:cs typeface="Times New Roman" panose="02020603050405020304" pitchFamily="18" charset="0"/>
+              </a:rPr>
+              <a:t>2.4;</a:t>
+            </a:r>
+            <a:endParaRPr lang="en-US" sz="2200" dirty="0">
+              <a:latin typeface="Times New Roman" panose="02020603050405020304" pitchFamily="18" charset="0"/>
+              <a:cs typeface="Times New Roman" panose="02020603050405020304" pitchFamily="18" charset="0"/>
+            </a:endParaRPr>
+          </a:p>
+          <a:p>
+            <a:pPr marL="285750" indent="-285750">
+              <a:lnSpc>
+                <a:spcPct val="125000"/>
+              </a:lnSpc>
+              <a:buFont typeface="Arial" panose="020B0604020202020204" pitchFamily="34" charset="0"/>
+              <a:buChar char="•"/>
+            </a:pPr>
+            <a:r>
+              <a:rPr lang="en-US" sz="2200" dirty="0">
+                <a:latin typeface="Times New Roman" panose="02020603050405020304" pitchFamily="18" charset="0"/>
+                <a:cs typeface="Times New Roman" panose="02020603050405020304" pitchFamily="18" charset="0"/>
+              </a:rPr>
+              <a:t>Yii2 Advanced Framework;</a:t>
+            </a:r>
+          </a:p>
+          <a:p>
+            <a:pPr marL="285750" indent="-285750">
+              <a:lnSpc>
+                <a:spcPct val="125000"/>
+              </a:lnSpc>
+              <a:buFont typeface="Arial" panose="020B0604020202020204" pitchFamily="34" charset="0"/>
+              <a:buChar char="•"/>
+            </a:pPr>
+            <a:r>
+              <a:rPr lang="ru-RU" sz="2200" dirty="0">
+                <a:latin typeface="Times New Roman" panose="02020603050405020304" pitchFamily="18" charset="0"/>
+                <a:cs typeface="Times New Roman" panose="02020603050405020304" pitchFamily="18" charset="0"/>
+              </a:rPr>
+              <a:t>База данных </a:t>
+            </a:r>
+            <a:r>
+              <a:rPr lang="en-US" sz="2200" dirty="0">
+                <a:latin typeface="Times New Roman" panose="02020603050405020304" pitchFamily="18" charset="0"/>
+                <a:cs typeface="Times New Roman" panose="02020603050405020304" pitchFamily="18" charset="0"/>
+              </a:rPr>
+              <a:t>MariaDB 10.3;</a:t>
+            </a:r>
+          </a:p>
+          <a:p>
+            <a:pPr marL="285750" indent="-285750">
+              <a:lnSpc>
+                <a:spcPct val="125000"/>
+              </a:lnSpc>
+              <a:buFont typeface="Arial" panose="020B0604020202020204" pitchFamily="34" charset="0"/>
+              <a:buChar char="•"/>
+            </a:pPr>
+            <a:r>
+              <a:rPr lang="en-US" sz="2200" dirty="0">
+                <a:latin typeface="Times New Roman" panose="02020603050405020304" pitchFamily="18" charset="0"/>
+                <a:cs typeface="Times New Roman" panose="02020603050405020304" pitchFamily="18" charset="0"/>
+              </a:rPr>
+              <a:t>Redis 4.0;</a:t>
+            </a:r>
+            <a:endParaRPr lang="ru-RU" sz="2200" dirty="0">
+              <a:latin typeface="Times New Roman" panose="02020603050405020304" pitchFamily="18" charset="0"/>
+              <a:cs typeface="Times New Roman" panose="02020603050405020304" pitchFamily="18" charset="0"/>
+            </a:endParaRPr>
+          </a:p>
+          <a:p>
+            <a:pPr marL="285750" indent="-285750">
+              <a:lnSpc>
+                <a:spcPct val="125000"/>
+              </a:lnSpc>
+              <a:buFont typeface="Arial" panose="020B0604020202020204" pitchFamily="34" charset="0"/>
+              <a:buChar char="•"/>
+            </a:pPr>
+            <a:r>
+              <a:rPr lang="en-US" sz="2200" dirty="0">
+                <a:latin typeface="Times New Roman" panose="02020603050405020304" pitchFamily="18" charset="0"/>
+                <a:cs typeface="Times New Roman" panose="02020603050405020304" pitchFamily="18" charset="0"/>
+              </a:rPr>
+              <a:t>RabbitMQ 4.0.7. </a:t>
+            </a:r>
+            <a:endParaRPr lang="ru-RU" sz="2200" dirty="0">
+              <a:latin typeface="Times New Roman" panose="02020603050405020304" pitchFamily="18" charset="0"/>
+              <a:cs typeface="Times New Roman" panose="02020603050405020304" pitchFamily="18" charset="0"/>
+            </a:endParaRPr>
+          </a:p>
+          <a:p>
+            <a:pPr>
+              <a:lnSpc>
+                <a:spcPct val="125000"/>
+              </a:lnSpc>
+            </a:pPr>
+            <a:r>
+              <a:rPr lang="ru-RU" sz="2200" dirty="0">
+                <a:solidFill>
+                  <a:srgbClr val="FFFF00"/>
+                </a:solidFill>
+                <a:latin typeface="Tahoma" panose="020B0604030504040204" pitchFamily="34" charset="0"/>
+                <a:ea typeface="Tahoma" panose="020B0604030504040204" pitchFamily="34" charset="0"/>
+                <a:cs typeface="Tahoma" panose="020B0604030504040204" pitchFamily="34" charset="0"/>
+              </a:rPr>
+              <a:t>Средства разработки клиентской части системы:</a:t>
+            </a:r>
+          </a:p>
+          <a:p>
+            <a:pPr marL="342900" indent="-342900">
+              <a:lnSpc>
+                <a:spcPct val="125000"/>
+              </a:lnSpc>
+              <a:buFont typeface="Arial" panose="020B0604020202020204" pitchFamily="34" charset="0"/>
+              <a:buChar char="•"/>
+            </a:pPr>
+            <a:r>
+              <a:rPr lang="en-US" sz="2200" dirty="0">
+                <a:latin typeface="Times New Roman" panose="02020603050405020304" pitchFamily="18" charset="0"/>
+                <a:cs typeface="Times New Roman" panose="02020603050405020304" pitchFamily="18" charset="0"/>
+              </a:rPr>
+              <a:t>HTML 5, CSS 3, JavaScript; </a:t>
+            </a:r>
+          </a:p>
+          <a:p>
+            <a:pPr marL="342900" indent="-342900">
+              <a:lnSpc>
+                <a:spcPct val="125000"/>
+              </a:lnSpc>
+              <a:buFont typeface="Arial" panose="020B0604020202020204" pitchFamily="34" charset="0"/>
+              <a:buChar char="•"/>
+            </a:pPr>
+            <a:r>
+              <a:rPr lang="en-US" sz="2200" dirty="0">
+                <a:latin typeface="Times New Roman" panose="02020603050405020304" pitchFamily="18" charset="0"/>
+                <a:ea typeface="Tahoma" panose="020B0604030504040204" pitchFamily="34" charset="0"/>
+                <a:cs typeface="Times New Roman" panose="02020603050405020304" pitchFamily="18" charset="0"/>
+              </a:rPr>
+              <a:t>jQuery.</a:t>
+            </a:r>
+            <a:endParaRPr lang="ru-RU" sz="2200" dirty="0">
+              <a:latin typeface="Tahoma" panose="020B0604030504040204" pitchFamily="34" charset="0"/>
+              <a:ea typeface="Tahoma" panose="020B0604030504040204" pitchFamily="34" charset="0"/>
+              <a:cs typeface="Tahoma" panose="020B0604030504040204" pitchFamily="34" charset="0"/>
+            </a:endParaRPr>
+          </a:p>
+          <a:p>
+            <a:pPr marL="285750" indent="-285750">
+              <a:lnSpc>
+                <a:spcPct val="125000"/>
+              </a:lnSpc>
+              <a:buFont typeface="Arial" panose="020B0604020202020204" pitchFamily="34" charset="0"/>
+              <a:buChar char="•"/>
+            </a:pPr>
+            <a:endParaRPr lang="en-US" sz="2200" dirty="0">
+              <a:latin typeface="Times New Roman" panose="02020603050405020304" pitchFamily="18" charset="0"/>
+              <a:cs typeface="Times New Roman" panose="02020603050405020304" pitchFamily="18" charset="0"/>
+            </a:endParaRPr>
+          </a:p>
+        </p:txBody>
+      </p:sp>
+      <p:sp>
+        <p:nvSpPr>
+          <p:cNvPr id="7" name="TextBox 6">
+            <a:extLst>
+              <a:ext uri="{FF2B5EF4-FFF2-40B4-BE49-F238E27FC236}">
+                <a16:creationId xmlns:a16="http://schemas.microsoft.com/office/drawing/2014/main" id="{F1A3363C-C487-95C8-49A5-35BC64E08D03}"/>
+              </a:ext>
+            </a:extLst>
+          </p:cNvPr>
+          <p:cNvSpPr txBox="1"/>
+          <p:nvPr/>
+        </p:nvSpPr>
+        <p:spPr>
+          <a:xfrm>
+            <a:off x="5900784" y="3672376"/>
+            <a:ext cx="6362698" cy="2570704"/>
+          </a:xfrm>
+          <a:prstGeom prst="rect">
+            <a:avLst/>
+          </a:prstGeom>
+          <a:noFill/>
+        </p:spPr>
+        <p:txBody>
+          <a:bodyPr wrap="square">
+            <a:spAutoFit/>
+          </a:bodyPr>
+          <a:lstStyle/>
+          <a:p>
+            <a:pPr>
+              <a:lnSpc>
+                <a:spcPct val="150000"/>
+              </a:lnSpc>
+            </a:pPr>
+            <a:r>
+              <a:rPr lang="ru-RU" sz="2200" dirty="0">
+                <a:solidFill>
+                  <a:srgbClr val="FFFF00"/>
+                </a:solidFill>
+                <a:latin typeface="Tahoma" panose="020B0604030504040204" pitchFamily="34" charset="0"/>
+                <a:ea typeface="Tahoma" panose="020B0604030504040204" pitchFamily="34" charset="0"/>
+                <a:cs typeface="Tahoma" panose="020B0604030504040204" pitchFamily="34" charset="0"/>
+              </a:rPr>
+              <a:t>Проект содержит:</a:t>
+            </a:r>
+          </a:p>
+          <a:p>
+            <a:pPr marL="285750" indent="-285750">
               <a:lnSpc>
                 <a:spcPct val="150000"/>
               </a:lnSpc>
@@ -19859,22 +20120,29 @@
                 <a:latin typeface="Times New Roman" panose="02020603050405020304" pitchFamily="18" charset="0"/>
                 <a:cs typeface="Times New Roman" panose="02020603050405020304" pitchFamily="18" charset="0"/>
               </a:rPr>
-              <a:t>Браузер на основе </a:t>
+              <a:t>Более </a:t>
             </a:r>
             <a:r>
               <a:rPr lang="en-US" sz="2200" dirty="0">
                 <a:latin typeface="Times New Roman" panose="02020603050405020304" pitchFamily="18" charset="0"/>
                 <a:cs typeface="Times New Roman" panose="02020603050405020304" pitchFamily="18" charset="0"/>
               </a:rPr>
-              <a:t>chromium.</a:t>
-            </a:r>
-            <a:endParaRPr lang="ru-RU" sz="2200" dirty="0">
+              <a:t>30000</a:t>
+            </a:r>
+            <a:r>
+              <a:rPr lang="ru-RU" sz="2200" dirty="0">
+                <a:latin typeface="Times New Roman" panose="02020603050405020304" pitchFamily="18" charset="0"/>
+                <a:cs typeface="Times New Roman" panose="02020603050405020304" pitchFamily="18" charset="0"/>
+              </a:rPr>
+              <a:t> строк кода в проекте.</a:t>
+            </a:r>
+            <a:endParaRPr lang="en-US" sz="2200" dirty="0">
               <a:latin typeface="Times New Roman" panose="02020603050405020304" pitchFamily="18" charset="0"/>
               <a:cs typeface="Times New Roman" panose="02020603050405020304" pitchFamily="18" charset="0"/>
             </a:endParaRPr>
           </a:p>
           <a:p>
-            <a:pPr marL="800100" lvl="1" indent="-342900">
+            <a:pPr marL="285750" indent="-285750">
               <a:lnSpc>
                 <a:spcPct val="150000"/>
               </a:lnSpc>
@@ -19886,40 +20154,11 @@
                 <a:latin typeface="Times New Roman" panose="02020603050405020304" pitchFamily="18" charset="0"/>
                 <a:cs typeface="Times New Roman" panose="02020603050405020304" pitchFamily="18" charset="0"/>
               </a:rPr>
-              <a:t>Соответствие минимальным характеристикам браузера</a:t>
-            </a:r>
-            <a:r>
-              <a:rPr lang="en-US" sz="2200" dirty="0">
-                <a:latin typeface="Times New Roman" panose="02020603050405020304" pitchFamily="18" charset="0"/>
-                <a:cs typeface="Times New Roman" panose="02020603050405020304" pitchFamily="18" charset="0"/>
-              </a:rPr>
-              <a:t>.</a:t>
-            </a:r>
-            <a:endParaRPr lang="ru-RU" sz="2200" dirty="0">
-              <a:latin typeface="Times New Roman" panose="02020603050405020304" pitchFamily="18" charset="0"/>
-              <a:cs typeface="Times New Roman" panose="02020603050405020304" pitchFamily="18" charset="0"/>
-            </a:endParaRPr>
-          </a:p>
-          <a:p>
-            <a:pPr>
-              <a:lnSpc>
-                <a:spcPct val="150000"/>
-              </a:lnSpc>
-            </a:pPr>
-            <a:r>
-              <a:rPr lang="ru-RU" sz="2200" dirty="0">
-                <a:solidFill>
-                  <a:srgbClr val="FFFF00"/>
-                </a:solidFill>
-                <a:latin typeface="Tahoma" panose="020B0604030504040204" pitchFamily="34" charset="0"/>
-                <a:ea typeface="Tahoma" panose="020B0604030504040204" pitchFamily="34" charset="0"/>
-                <a:cs typeface="Tahoma" panose="020B0604030504040204" pitchFamily="34" charset="0"/>
-              </a:rPr>
-              <a:t>Требования к серверу:</a:t>
-            </a:r>
-          </a:p>
-          <a:p>
-            <a:pPr marL="800100" lvl="1" indent="-342900">
+              <a:t>63 таблиц базы данных.</a:t>
+            </a:r>
+          </a:p>
+          <a:p>
+            <a:pPr marL="285750" indent="-285750">
               <a:lnSpc>
                 <a:spcPct val="150000"/>
               </a:lnSpc>
@@ -19931,22 +20170,25 @@
                 <a:latin typeface="Times New Roman" panose="02020603050405020304" pitchFamily="18" charset="0"/>
                 <a:cs typeface="Times New Roman" panose="02020603050405020304" pitchFamily="18" charset="0"/>
               </a:rPr>
-              <a:t>ОС</a:t>
+              <a:t>Более 200 классов содержат около 1000</a:t>
             </a:r>
             <a:r>
               <a:rPr lang="en-US" sz="2200" dirty="0">
                 <a:latin typeface="Times New Roman" panose="02020603050405020304" pitchFamily="18" charset="0"/>
                 <a:cs typeface="Times New Roman" panose="02020603050405020304" pitchFamily="18" charset="0"/>
               </a:rPr>
-              <a:t> – Cent OS 7 / Linux Debian 11.</a:t>
-            </a:r>
-            <a:endParaRPr lang="ru-RU" sz="2200" dirty="0">
-              <a:latin typeface="Times New Roman" panose="02020603050405020304" pitchFamily="18" charset="0"/>
-              <a:cs typeface="Times New Roman" panose="02020603050405020304" pitchFamily="18" charset="0"/>
-            </a:endParaRPr>
-          </a:p>
-          <a:p>
-            <a:pPr marL="800100" lvl="1" indent="-342900">
+              <a:t> </a:t>
+            </a:r>
+            <a:r>
+              <a:rPr lang="ru-RU" sz="2200" dirty="0">
+                <a:latin typeface="Times New Roman" panose="02020603050405020304" pitchFamily="18" charset="0"/>
+                <a:cs typeface="Times New Roman" panose="02020603050405020304" pitchFamily="18" charset="0"/>
+              </a:rPr>
+              <a:t>методов.</a:t>
+            </a:r>
+          </a:p>
+          <a:p>
+            <a:pPr marL="285750" indent="-285750">
               <a:lnSpc>
                 <a:spcPct val="150000"/>
               </a:lnSpc>
@@ -19958,91 +20200,8 @@
                 <a:latin typeface="Times New Roman" panose="02020603050405020304" pitchFamily="18" charset="0"/>
                 <a:cs typeface="Times New Roman" panose="02020603050405020304" pitchFamily="18" charset="0"/>
               </a:rPr>
-              <a:t>Процессор не ниже 2,6 ГГц</a:t>
-            </a:r>
-            <a:r>
-              <a:rPr lang="en-US" sz="2200" dirty="0">
-                <a:latin typeface="Times New Roman" panose="02020603050405020304" pitchFamily="18" charset="0"/>
-                <a:cs typeface="Times New Roman" panose="02020603050405020304" pitchFamily="18" charset="0"/>
-              </a:rPr>
-              <a:t>.</a:t>
-            </a:r>
-            <a:endParaRPr lang="ru-RU" sz="2200" dirty="0">
-              <a:latin typeface="Times New Roman" panose="02020603050405020304" pitchFamily="18" charset="0"/>
-              <a:cs typeface="Times New Roman" panose="02020603050405020304" pitchFamily="18" charset="0"/>
-            </a:endParaRPr>
-          </a:p>
-          <a:p>
-            <a:pPr marL="800100" lvl="1" indent="-342900">
-              <a:lnSpc>
-                <a:spcPct val="150000"/>
-              </a:lnSpc>
-              <a:buFont typeface="Arial" panose="020B0604020202020204" pitchFamily="34" charset="0"/>
-              <a:buChar char="•"/>
-            </a:pPr>
-            <a:r>
-              <a:rPr lang="ru-RU" sz="2200" dirty="0">
-                <a:latin typeface="Times New Roman" panose="02020603050405020304" pitchFamily="18" charset="0"/>
-                <a:cs typeface="Times New Roman" panose="02020603050405020304" pitchFamily="18" charset="0"/>
-              </a:rPr>
-              <a:t>ОЗУ не меньше 8 Гб</a:t>
-            </a:r>
-            <a:r>
-              <a:rPr lang="en-US" sz="2200" dirty="0">
-                <a:latin typeface="Times New Roman" panose="02020603050405020304" pitchFamily="18" charset="0"/>
-                <a:cs typeface="Times New Roman" panose="02020603050405020304" pitchFamily="18" charset="0"/>
-              </a:rPr>
-              <a:t>.</a:t>
-            </a:r>
-            <a:endParaRPr lang="ru-RU" sz="2200" dirty="0">
-              <a:latin typeface="Times New Roman" panose="02020603050405020304" pitchFamily="18" charset="0"/>
-              <a:cs typeface="Times New Roman" panose="02020603050405020304" pitchFamily="18" charset="0"/>
-            </a:endParaRPr>
-          </a:p>
-          <a:p>
-            <a:pPr marL="800100" lvl="1" indent="-342900">
-              <a:lnSpc>
-                <a:spcPct val="150000"/>
-              </a:lnSpc>
-              <a:buFont typeface="Arial" panose="020B0604020202020204" pitchFamily="34" charset="0"/>
-              <a:buChar char="•"/>
-            </a:pPr>
-            <a:r>
-              <a:rPr lang="en-US" sz="2200" dirty="0">
-                <a:latin typeface="Times New Roman" panose="02020603050405020304" pitchFamily="18" charset="0"/>
-                <a:cs typeface="Times New Roman" panose="02020603050405020304" pitchFamily="18" charset="0"/>
-              </a:rPr>
-              <a:t>HDD  200</a:t>
-            </a:r>
-            <a:r>
-              <a:rPr lang="ru-RU" sz="2200" dirty="0">
-                <a:latin typeface="Times New Roman" panose="02020603050405020304" pitchFamily="18" charset="0"/>
-                <a:cs typeface="Times New Roman" panose="02020603050405020304" pitchFamily="18" charset="0"/>
-              </a:rPr>
-              <a:t> Гб</a:t>
-            </a:r>
-            <a:r>
-              <a:rPr lang="en-US" sz="2200" dirty="0">
-                <a:latin typeface="Times New Roman" panose="02020603050405020304" pitchFamily="18" charset="0"/>
-                <a:cs typeface="Times New Roman" panose="02020603050405020304" pitchFamily="18" charset="0"/>
-              </a:rPr>
-              <a:t>.</a:t>
-            </a:r>
-            <a:endParaRPr lang="ru-RU" sz="2200" dirty="0">
-              <a:latin typeface="Times New Roman" panose="02020603050405020304" pitchFamily="18" charset="0"/>
-              <a:cs typeface="Times New Roman" panose="02020603050405020304" pitchFamily="18" charset="0"/>
-            </a:endParaRPr>
-          </a:p>
-          <a:p>
-            <a:pPr>
-              <a:lnSpc>
-                <a:spcPct val="125000"/>
-              </a:lnSpc>
-            </a:pPr>
-            <a:endParaRPr lang="en-US" sz="2200" dirty="0">
-              <a:latin typeface="Times New Roman" panose="02020603050405020304" pitchFamily="18" charset="0"/>
-              <a:cs typeface="Times New Roman" panose="02020603050405020304" pitchFamily="18" charset="0"/>
-            </a:endParaRPr>
+              <a:t>Более 15 уникальных интерфейсов и форм.</a:t>
+            </a:r>
           </a:p>
         </p:txBody>
       </p:sp>
@@ -20186,10 +20345,734 @@
           </a:p>
         </p:txBody>
       </p:sp>
+      <p:pic>
+        <p:nvPicPr>
+          <p:cNvPr id="1026" name="Picture 2" descr="PHP Hypertext Preprocessor - язык программирования - CNews">
+            <a:extLst>
+              <a:ext uri="{FF2B5EF4-FFF2-40B4-BE49-F238E27FC236}">
+                <a16:creationId xmlns:a16="http://schemas.microsoft.com/office/drawing/2014/main" id="{E24E1A06-6E63-A42B-1BCD-F23EDAE5647D}"/>
+              </a:ext>
+            </a:extLst>
+          </p:cNvPr>
+          <p:cNvPicPr>
+            <a:picLocks noChangeAspect="1" noChangeArrowheads="1"/>
+          </p:cNvPicPr>
+          <p:nvPr/>
+        </p:nvPicPr>
+        <p:blipFill>
+          <a:blip r:embed="rId3">
+            <a:extLst>
+              <a:ext uri="{28A0092B-C50C-407E-A947-70E740481C1C}">
+                <a14:useLocalDpi xmlns:a14="http://schemas.microsoft.com/office/drawing/2010/main" val="0"/>
+              </a:ext>
+            </a:extLst>
+          </a:blip>
+          <a:srcRect/>
+          <a:stretch>
+            <a:fillRect/>
+          </a:stretch>
+        </p:blipFill>
+        <p:spPr bwMode="auto">
+          <a:xfrm>
+            <a:off x="4961952" y="1856901"/>
+            <a:ext cx="563879" cy="295302"/>
+          </a:xfrm>
+          <a:prstGeom prst="rect">
+            <a:avLst/>
+          </a:prstGeom>
+          <a:noFill/>
+          <a:extLst>
+            <a:ext uri="{909E8E84-426E-40DD-AFC4-6F175D3DCCD1}">
+              <a14:hiddenFill xmlns:a14="http://schemas.microsoft.com/office/drawing/2010/main">
+                <a:solidFill>
+                  <a:srgbClr val="FFFFFF"/>
+                </a:solidFill>
+              </a14:hiddenFill>
+            </a:ext>
+          </a:extLst>
+        </p:spPr>
+      </p:pic>
+      <p:pic>
+        <p:nvPicPr>
+          <p:cNvPr id="1028" name="Picture 4">
+            <a:extLst>
+              <a:ext uri="{FF2B5EF4-FFF2-40B4-BE49-F238E27FC236}">
+                <a16:creationId xmlns:a16="http://schemas.microsoft.com/office/drawing/2014/main" id="{B88F704B-DF6A-120E-5BC2-E992B1C9C338}"/>
+              </a:ext>
+            </a:extLst>
+          </p:cNvPr>
+          <p:cNvPicPr>
+            <a:picLocks noChangeAspect="1" noChangeArrowheads="1"/>
+          </p:cNvPicPr>
+          <p:nvPr/>
+        </p:nvPicPr>
+        <p:blipFill>
+          <a:blip r:embed="rId4">
+            <a:extLst>
+              <a:ext uri="{28A0092B-C50C-407E-A947-70E740481C1C}">
+                <a14:useLocalDpi xmlns:a14="http://schemas.microsoft.com/office/drawing/2010/main" val="0"/>
+              </a:ext>
+            </a:extLst>
+          </a:blip>
+          <a:srcRect/>
+          <a:stretch>
+            <a:fillRect/>
+          </a:stretch>
+        </p:blipFill>
+        <p:spPr bwMode="auto">
+          <a:xfrm>
+            <a:off x="2326484" y="2278095"/>
+            <a:ext cx="797067" cy="304214"/>
+          </a:xfrm>
+          <a:prstGeom prst="rect">
+            <a:avLst/>
+          </a:prstGeom>
+          <a:noFill/>
+          <a:extLst>
+            <a:ext uri="{909E8E84-426E-40DD-AFC4-6F175D3DCCD1}">
+              <a14:hiddenFill xmlns:a14="http://schemas.microsoft.com/office/drawing/2010/main">
+                <a:solidFill>
+                  <a:srgbClr val="FFFFFF"/>
+                </a:solidFill>
+              </a14:hiddenFill>
+            </a:ext>
+          </a:extLst>
+        </p:spPr>
+      </p:pic>
+      <p:pic>
+        <p:nvPicPr>
+          <p:cNvPr id="1030" name="Picture 6" descr="Логотип программы Yii">
+            <a:extLst>
+              <a:ext uri="{FF2B5EF4-FFF2-40B4-BE49-F238E27FC236}">
+                <a16:creationId xmlns:a16="http://schemas.microsoft.com/office/drawing/2014/main" id="{0960D179-52C4-B4E8-9E2E-8B8BDDB42EC4}"/>
+              </a:ext>
+            </a:extLst>
+          </p:cNvPr>
+          <p:cNvPicPr>
+            <a:picLocks noChangeAspect="1" noChangeArrowheads="1"/>
+          </p:cNvPicPr>
+          <p:nvPr/>
+        </p:nvPicPr>
+        <p:blipFill>
+          <a:blip r:embed="rId5">
+            <a:extLst>
+              <a:ext uri="{28A0092B-C50C-407E-A947-70E740481C1C}">
+                <a14:useLocalDpi xmlns:a14="http://schemas.microsoft.com/office/drawing/2010/main" val="0"/>
+              </a:ext>
+            </a:extLst>
+          </a:blip>
+          <a:srcRect/>
+          <a:stretch>
+            <a:fillRect/>
+          </a:stretch>
+        </p:blipFill>
+        <p:spPr bwMode="auto">
+          <a:xfrm>
+            <a:off x="4098131" y="2725294"/>
+            <a:ext cx="1273874" cy="275787"/>
+          </a:xfrm>
+          <a:prstGeom prst="rect">
+            <a:avLst/>
+          </a:prstGeom>
+          <a:noFill/>
+          <a:extLst>
+            <a:ext uri="{909E8E84-426E-40DD-AFC4-6F175D3DCCD1}">
+              <a14:hiddenFill xmlns:a14="http://schemas.microsoft.com/office/drawing/2010/main">
+                <a:solidFill>
+                  <a:srgbClr val="FFFFFF"/>
+                </a:solidFill>
+              </a14:hiddenFill>
+            </a:ext>
+          </a:extLst>
+        </p:spPr>
+      </p:pic>
+      <p:pic>
+        <p:nvPicPr>
+          <p:cNvPr id="1032" name="Picture 8" descr="MariaDB · GitHub">
+            <a:extLst>
+              <a:ext uri="{FF2B5EF4-FFF2-40B4-BE49-F238E27FC236}">
+                <a16:creationId xmlns:a16="http://schemas.microsoft.com/office/drawing/2014/main" id="{2EDD169B-9E03-CE13-9CFD-9870D58C9634}"/>
+              </a:ext>
+            </a:extLst>
+          </p:cNvPr>
+          <p:cNvPicPr>
+            <a:picLocks noChangeAspect="1" noChangeArrowheads="1"/>
+          </p:cNvPicPr>
+          <p:nvPr/>
+        </p:nvPicPr>
+        <p:blipFill>
+          <a:blip r:embed="rId6">
+            <a:extLst>
+              <a:ext uri="{28A0092B-C50C-407E-A947-70E740481C1C}">
+                <a14:useLocalDpi xmlns:a14="http://schemas.microsoft.com/office/drawing/2010/main" val="0"/>
+              </a:ext>
+            </a:extLst>
+          </a:blip>
+          <a:srcRect/>
+          <a:stretch>
+            <a:fillRect/>
+          </a:stretch>
+        </p:blipFill>
+        <p:spPr bwMode="auto">
+          <a:xfrm>
+            <a:off x="4250422" y="3032993"/>
+            <a:ext cx="451309" cy="451309"/>
+          </a:xfrm>
+          <a:prstGeom prst="rect">
+            <a:avLst/>
+          </a:prstGeom>
+          <a:noFill/>
+          <a:extLst>
+            <a:ext uri="{909E8E84-426E-40DD-AFC4-6F175D3DCCD1}">
+              <a14:hiddenFill xmlns:a14="http://schemas.microsoft.com/office/drawing/2010/main">
+                <a:solidFill>
+                  <a:srgbClr val="FFFFFF"/>
+                </a:solidFill>
+              </a14:hiddenFill>
+            </a:ext>
+          </a:extLst>
+        </p:spPr>
+      </p:pic>
+      <p:pic>
+        <p:nvPicPr>
+          <p:cNvPr id="1034" name="Picture 10">
+            <a:extLst>
+              <a:ext uri="{FF2B5EF4-FFF2-40B4-BE49-F238E27FC236}">
+                <a16:creationId xmlns:a16="http://schemas.microsoft.com/office/drawing/2014/main" id="{0666067C-31E3-02F4-E9CA-D04EED38370F}"/>
+              </a:ext>
+            </a:extLst>
+          </p:cNvPr>
+          <p:cNvPicPr>
+            <a:picLocks noChangeAspect="1" noChangeArrowheads="1"/>
+          </p:cNvPicPr>
+          <p:nvPr/>
+        </p:nvPicPr>
+        <p:blipFill>
+          <a:blip r:embed="rId7">
+            <a:extLst>
+              <a:ext uri="{28A0092B-C50C-407E-A947-70E740481C1C}">
+                <a14:useLocalDpi xmlns:a14="http://schemas.microsoft.com/office/drawing/2010/main" val="0"/>
+              </a:ext>
+            </a:extLst>
+          </a:blip>
+          <a:srcRect/>
+          <a:stretch>
+            <a:fillRect/>
+          </a:stretch>
+        </p:blipFill>
+        <p:spPr bwMode="auto">
+          <a:xfrm>
+            <a:off x="2119104" y="3549237"/>
+            <a:ext cx="769621" cy="246279"/>
+          </a:xfrm>
+          <a:prstGeom prst="rect">
+            <a:avLst/>
+          </a:prstGeom>
+          <a:noFill/>
+          <a:extLst>
+            <a:ext uri="{909E8E84-426E-40DD-AFC4-6F175D3DCCD1}">
+              <a14:hiddenFill xmlns:a14="http://schemas.microsoft.com/office/drawing/2010/main">
+                <a:solidFill>
+                  <a:srgbClr val="FFFFFF"/>
+                </a:solidFill>
+              </a14:hiddenFill>
+            </a:ext>
+          </a:extLst>
+        </p:spPr>
+      </p:pic>
+      <p:pic>
+        <p:nvPicPr>
+          <p:cNvPr id="3" name="Picture 2" descr="Файл:RabbitMQ logo.svg — Википедия">
+            <a:extLst>
+              <a:ext uri="{FF2B5EF4-FFF2-40B4-BE49-F238E27FC236}">
+                <a16:creationId xmlns:a16="http://schemas.microsoft.com/office/drawing/2014/main" id="{DA9F81A4-F7D5-4314-984D-F41BA5AB50F6}"/>
+              </a:ext>
+            </a:extLst>
+          </p:cNvPr>
+          <p:cNvPicPr>
+            <a:picLocks noChangeAspect="1" noChangeArrowheads="1"/>
+          </p:cNvPicPr>
+          <p:nvPr/>
+        </p:nvPicPr>
+        <p:blipFill>
+          <a:blip r:embed="rId8">
+            <a:extLst>
+              <a:ext uri="{28A0092B-C50C-407E-A947-70E740481C1C}">
+                <a14:useLocalDpi xmlns:a14="http://schemas.microsoft.com/office/drawing/2010/main" val="0"/>
+              </a:ext>
+            </a:extLst>
+          </a:blip>
+          <a:srcRect/>
+          <a:stretch>
+            <a:fillRect/>
+          </a:stretch>
+        </p:blipFill>
+        <p:spPr bwMode="auto">
+          <a:xfrm>
+            <a:off x="2888725" y="3971801"/>
+            <a:ext cx="1614685" cy="253556"/>
+          </a:xfrm>
+          <a:prstGeom prst="rect">
+            <a:avLst/>
+          </a:prstGeom>
+          <a:noFill/>
+          <a:extLst>
+            <a:ext uri="{909E8E84-426E-40DD-AFC4-6F175D3DCCD1}">
+              <a14:hiddenFill xmlns:a14="http://schemas.microsoft.com/office/drawing/2010/main">
+                <a:solidFill>
+                  <a:srgbClr val="FFFFFF"/>
+                </a:solidFill>
+              </a14:hiddenFill>
+            </a:ext>
+          </a:extLst>
+        </p:spPr>
+      </p:pic>
+      <p:pic>
+        <p:nvPicPr>
+          <p:cNvPr id="4" name="Picture 2" descr="jQuery · GitHub">
+            <a:extLst>
+              <a:ext uri="{FF2B5EF4-FFF2-40B4-BE49-F238E27FC236}">
+                <a16:creationId xmlns:a16="http://schemas.microsoft.com/office/drawing/2014/main" id="{6F43245B-D665-82AA-E6DC-3F2425B428D6}"/>
+              </a:ext>
+            </a:extLst>
+          </p:cNvPr>
+          <p:cNvPicPr>
+            <a:picLocks noChangeAspect="1" noChangeArrowheads="1"/>
+          </p:cNvPicPr>
+          <p:nvPr/>
+        </p:nvPicPr>
+        <p:blipFill>
+          <a:blip r:embed="rId9">
+            <a:extLst>
+              <a:ext uri="{28A0092B-C50C-407E-A947-70E740481C1C}">
+                <a14:useLocalDpi xmlns:a14="http://schemas.microsoft.com/office/drawing/2010/main" val="0"/>
+              </a:ext>
+            </a:extLst>
+          </a:blip>
+          <a:srcRect/>
+          <a:stretch>
+            <a:fillRect/>
+          </a:stretch>
+        </p:blipFill>
+        <p:spPr bwMode="auto">
+          <a:xfrm>
+            <a:off x="1906580" y="5614849"/>
+            <a:ext cx="425048" cy="425048"/>
+          </a:xfrm>
+          <a:prstGeom prst="rect">
+            <a:avLst/>
+          </a:prstGeom>
+          <a:noFill/>
+          <a:extLst>
+            <a:ext uri="{909E8E84-426E-40DD-AFC4-6F175D3DCCD1}">
+              <a14:hiddenFill xmlns:a14="http://schemas.microsoft.com/office/drawing/2010/main">
+                <a:solidFill>
+                  <a:srgbClr val="FFFFFF"/>
+                </a:solidFill>
+              </a14:hiddenFill>
+            </a:ext>
+          </a:extLst>
+        </p:spPr>
+      </p:pic>
+      <p:sp>
+        <p:nvSpPr>
+          <p:cNvPr id="6" name="AutoShape 4" descr="Html Js Css PNG - Html Js Css Веб разработка Программирование прозрачная  иллюстрация">
+            <a:extLst>
+              <a:ext uri="{FF2B5EF4-FFF2-40B4-BE49-F238E27FC236}">
+                <a16:creationId xmlns:a16="http://schemas.microsoft.com/office/drawing/2014/main" id="{2B707A11-A244-8FB2-3D36-6A6D6D327432}"/>
+              </a:ext>
+            </a:extLst>
+          </p:cNvPr>
+          <p:cNvSpPr>
+            <a:spLocks noChangeAspect="1" noChangeArrowheads="1"/>
+          </p:cNvSpPr>
+          <p:nvPr/>
+        </p:nvSpPr>
+        <p:spPr bwMode="auto">
+          <a:xfrm>
+            <a:off x="5943600" y="3276600"/>
+            <a:ext cx="304800" cy="304800"/>
+          </a:xfrm>
+          <a:prstGeom prst="rect">
+            <a:avLst/>
+          </a:prstGeom>
+          <a:noFill/>
+          <a:extLst>
+            <a:ext uri="{909E8E84-426E-40DD-AFC4-6F175D3DCCD1}">
+              <a14:hiddenFill xmlns:a14="http://schemas.microsoft.com/office/drawing/2010/main">
+                <a:solidFill>
+                  <a:srgbClr val="FFFFFF"/>
+                </a:solidFill>
+              </a14:hiddenFill>
+            </a:ext>
+          </a:extLst>
+        </p:spPr>
+        <p:txBody>
+          <a:bodyPr vert="horz" wrap="square" lIns="91440" tIns="45720" rIns="91440" bIns="45720" numCol="1" anchor="t" anchorCtr="0" compatLnSpc="1">
+            <a:prstTxWarp prst="textNoShape">
+              <a:avLst/>
+            </a:prstTxWarp>
+          </a:bodyPr>
+          <a:lstStyle/>
+          <a:p>
+            <a:endParaRPr lang="ru-RU"/>
+          </a:p>
+        </p:txBody>
+      </p:sp>
+      <p:pic>
+        <p:nvPicPr>
+          <p:cNvPr id="1038" name="Picture 14" descr="Javascript Html5 And Css - Html Css Js Badge PNG Transparent With Clear  Background ID 191472 | TopPNG">
+            <a:extLst>
+              <a:ext uri="{FF2B5EF4-FFF2-40B4-BE49-F238E27FC236}">
+                <a16:creationId xmlns:a16="http://schemas.microsoft.com/office/drawing/2014/main" id="{85015783-37F7-BDD4-D06A-F5358E662D37}"/>
+              </a:ext>
+            </a:extLst>
+          </p:cNvPr>
+          <p:cNvPicPr>
+            <a:picLocks noChangeAspect="1" noChangeArrowheads="1"/>
+          </p:cNvPicPr>
+          <p:nvPr/>
+        </p:nvPicPr>
+        <p:blipFill>
+          <a:blip r:embed="rId10">
+            <a:extLst>
+              <a:ext uri="{28A0092B-C50C-407E-A947-70E740481C1C}">
+                <a14:useLocalDpi xmlns:a14="http://schemas.microsoft.com/office/drawing/2010/main" val="0"/>
+              </a:ext>
+            </a:extLst>
+          </a:blip>
+          <a:srcRect/>
+          <a:stretch>
+            <a:fillRect/>
+          </a:stretch>
+        </p:blipFill>
+        <p:spPr bwMode="auto">
+          <a:xfrm>
+            <a:off x="4250422" y="5017105"/>
+            <a:ext cx="1020149" cy="597744"/>
+          </a:xfrm>
+          <a:prstGeom prst="rect">
+            <a:avLst/>
+          </a:prstGeom>
+          <a:noFill/>
+          <a:extLst>
+            <a:ext uri="{909E8E84-426E-40DD-AFC4-6F175D3DCCD1}">
+              <a14:hiddenFill xmlns:a14="http://schemas.microsoft.com/office/drawing/2010/main">
+                <a:solidFill>
+                  <a:srgbClr val="FFFFFF"/>
+                </a:solidFill>
+              </a14:hiddenFill>
+            </a:ext>
+          </a:extLst>
+        </p:spPr>
+      </p:pic>
+      <p:sp>
+        <p:nvSpPr>
+          <p:cNvPr id="9" name="TextBox 8">
+            <a:extLst>
+              <a:ext uri="{FF2B5EF4-FFF2-40B4-BE49-F238E27FC236}">
+                <a16:creationId xmlns:a16="http://schemas.microsoft.com/office/drawing/2014/main" id="{AD148D29-04A0-F407-B784-474CF76E8979}"/>
+              </a:ext>
+            </a:extLst>
+          </p:cNvPr>
+          <p:cNvSpPr txBox="1"/>
+          <p:nvPr/>
+        </p:nvSpPr>
+        <p:spPr>
+          <a:xfrm>
+            <a:off x="5878371" y="800629"/>
+            <a:ext cx="6362698" cy="2570704"/>
+          </a:xfrm>
+          <a:prstGeom prst="rect">
+            <a:avLst/>
+          </a:prstGeom>
+          <a:noFill/>
+        </p:spPr>
+        <p:txBody>
+          <a:bodyPr wrap="square">
+            <a:spAutoFit/>
+          </a:bodyPr>
+          <a:lstStyle/>
+          <a:p>
+            <a:pPr>
+              <a:lnSpc>
+                <a:spcPct val="150000"/>
+              </a:lnSpc>
+            </a:pPr>
+            <a:r>
+              <a:rPr lang="ru-RU" sz="2200" dirty="0">
+                <a:solidFill>
+                  <a:srgbClr val="FFFF00"/>
+                </a:solidFill>
+                <a:latin typeface="Tahoma" panose="020B0604030504040204" pitchFamily="34" charset="0"/>
+                <a:ea typeface="Tahoma" panose="020B0604030504040204" pitchFamily="34" charset="0"/>
+                <a:cs typeface="Tahoma" panose="020B0604030504040204" pitchFamily="34" charset="0"/>
+              </a:rPr>
+              <a:t>Средства разработки документации:</a:t>
+            </a:r>
+          </a:p>
+          <a:p>
+            <a:pPr marL="285750" indent="-285750">
+              <a:lnSpc>
+                <a:spcPct val="150000"/>
+              </a:lnSpc>
+              <a:buFont typeface="Arial" panose="020B0604020202020204" pitchFamily="34" charset="0"/>
+              <a:buChar char="•"/>
+            </a:pPr>
+            <a:r>
+              <a:rPr lang="en-US" sz="2200" dirty="0">
+                <a:latin typeface="Times New Roman" panose="02020603050405020304" pitchFamily="18" charset="0"/>
+                <a:cs typeface="Times New Roman" panose="02020603050405020304" pitchFamily="18" charset="0"/>
+              </a:rPr>
+              <a:t>Microsoft Word, PowerPoint;</a:t>
+            </a:r>
+          </a:p>
+          <a:p>
+            <a:pPr marL="285750" indent="-285750">
+              <a:lnSpc>
+                <a:spcPct val="150000"/>
+              </a:lnSpc>
+              <a:buFont typeface="Arial" panose="020B0604020202020204" pitchFamily="34" charset="0"/>
+              <a:buChar char="•"/>
+            </a:pPr>
+            <a:r>
+              <a:rPr lang="en-US" sz="2200" dirty="0" err="1">
+                <a:latin typeface="Times New Roman" panose="02020603050405020304" pitchFamily="18" charset="0"/>
+                <a:cs typeface="Times New Roman" panose="02020603050405020304" pitchFamily="18" charset="0"/>
+              </a:rPr>
+              <a:t>OnlineParadigm</a:t>
+            </a:r>
+            <a:r>
+              <a:rPr lang="en-US" sz="2200" dirty="0">
+                <a:latin typeface="Times New Roman" panose="02020603050405020304" pitchFamily="18" charset="0"/>
+                <a:cs typeface="Times New Roman" panose="02020603050405020304" pitchFamily="18" charset="0"/>
+              </a:rPr>
+              <a:t>;</a:t>
+            </a:r>
+          </a:p>
+          <a:p>
+            <a:pPr marL="285750" indent="-285750">
+              <a:lnSpc>
+                <a:spcPct val="150000"/>
+              </a:lnSpc>
+              <a:buFont typeface="Arial" panose="020B0604020202020204" pitchFamily="34" charset="0"/>
+              <a:buChar char="•"/>
+            </a:pPr>
+            <a:r>
+              <a:rPr lang="en-US" sz="2200" dirty="0">
+                <a:latin typeface="Times New Roman" panose="02020603050405020304" pitchFamily="18" charset="0"/>
+                <a:cs typeface="Times New Roman" panose="02020603050405020304" pitchFamily="18" charset="0"/>
+              </a:rPr>
+              <a:t>BPMN.io.</a:t>
+            </a:r>
+          </a:p>
+          <a:p>
+            <a:pPr marL="285750" indent="-285750">
+              <a:lnSpc>
+                <a:spcPct val="150000"/>
+              </a:lnSpc>
+              <a:buFont typeface="Arial" panose="020B0604020202020204" pitchFamily="34" charset="0"/>
+              <a:buChar char="•"/>
+            </a:pPr>
+            <a:endParaRPr lang="ru-RU" sz="2200" dirty="0">
+              <a:latin typeface="Times New Roman" panose="02020603050405020304" pitchFamily="18" charset="0"/>
+              <a:cs typeface="Times New Roman" panose="02020603050405020304" pitchFamily="18" charset="0"/>
+            </a:endParaRPr>
+          </a:p>
+        </p:txBody>
+      </p:sp>
+      <p:pic>
+        <p:nvPicPr>
+          <p:cNvPr id="10" name="Picture 2" descr="Visual Paradigm Онлайн Диаграммы Пресс-кит">
+            <a:extLst>
+              <a:ext uri="{FF2B5EF4-FFF2-40B4-BE49-F238E27FC236}">
+                <a16:creationId xmlns:a16="http://schemas.microsoft.com/office/drawing/2014/main" id="{BDE48AF4-E2D9-E4AF-F66E-7EE29BF907C1}"/>
+              </a:ext>
+            </a:extLst>
+          </p:cNvPr>
+          <p:cNvPicPr>
+            <a:picLocks noChangeAspect="1" noChangeArrowheads="1"/>
+          </p:cNvPicPr>
+          <p:nvPr/>
+        </p:nvPicPr>
+        <p:blipFill>
+          <a:blip r:embed="rId11">
+            <a:extLst>
+              <a:ext uri="{28A0092B-C50C-407E-A947-70E740481C1C}">
+                <a14:useLocalDpi xmlns:a14="http://schemas.microsoft.com/office/drawing/2010/main" val="0"/>
+              </a:ext>
+            </a:extLst>
+          </a:blip>
+          <a:srcRect/>
+          <a:stretch>
+            <a:fillRect/>
+          </a:stretch>
+        </p:blipFill>
+        <p:spPr bwMode="auto">
+          <a:xfrm>
+            <a:off x="8226757" y="1939745"/>
+            <a:ext cx="424915" cy="424915"/>
+          </a:xfrm>
+          <a:prstGeom prst="rect">
+            <a:avLst/>
+          </a:prstGeom>
+          <a:noFill/>
+          <a:extLst>
+            <a:ext uri="{909E8E84-426E-40DD-AFC4-6F175D3DCCD1}">
+              <a14:hiddenFill xmlns:a14="http://schemas.microsoft.com/office/drawing/2010/main">
+                <a:solidFill>
+                  <a:srgbClr val="FFFFFF"/>
+                </a:solidFill>
+              </a14:hiddenFill>
+            </a:ext>
+          </a:extLst>
+        </p:spPr>
+      </p:pic>
+      <p:pic>
+        <p:nvPicPr>
+          <p:cNvPr id="11" name="Picture 4" descr="Microsoft Word — Википедия">
+            <a:extLst>
+              <a:ext uri="{FF2B5EF4-FFF2-40B4-BE49-F238E27FC236}">
+                <a16:creationId xmlns:a16="http://schemas.microsoft.com/office/drawing/2014/main" id="{DE8D445E-4C5F-40E0-EA9B-64A0514A7472}"/>
+              </a:ext>
+            </a:extLst>
+          </p:cNvPr>
+          <p:cNvPicPr>
+            <a:picLocks noChangeAspect="1" noChangeArrowheads="1"/>
+          </p:cNvPicPr>
+          <p:nvPr/>
+        </p:nvPicPr>
+        <p:blipFill>
+          <a:blip r:embed="rId12">
+            <a:extLst>
+              <a:ext uri="{28A0092B-C50C-407E-A947-70E740481C1C}">
+                <a14:useLocalDpi xmlns:a14="http://schemas.microsoft.com/office/drawing/2010/main" val="0"/>
+              </a:ext>
+            </a:extLst>
+          </a:blip>
+          <a:srcRect/>
+          <a:stretch>
+            <a:fillRect/>
+          </a:stretch>
+        </p:blipFill>
+        <p:spPr bwMode="auto">
+          <a:xfrm>
+            <a:off x="9651197" y="1426497"/>
+            <a:ext cx="443429" cy="412937"/>
+          </a:xfrm>
+          <a:prstGeom prst="rect">
+            <a:avLst/>
+          </a:prstGeom>
+          <a:noFill/>
+          <a:extLst>
+            <a:ext uri="{909E8E84-426E-40DD-AFC4-6F175D3DCCD1}">
+              <a14:hiddenFill xmlns:a14="http://schemas.microsoft.com/office/drawing/2010/main">
+                <a:solidFill>
+                  <a:srgbClr val="FFFFFF"/>
+                </a:solidFill>
+              </a14:hiddenFill>
+            </a:ext>
+          </a:extLst>
+        </p:spPr>
+      </p:pic>
+      <p:pic>
+        <p:nvPicPr>
+          <p:cNvPr id="12" name="Picture 6" descr="Microsoft PowerPoint — Википедия">
+            <a:extLst>
+              <a:ext uri="{FF2B5EF4-FFF2-40B4-BE49-F238E27FC236}">
+                <a16:creationId xmlns:a16="http://schemas.microsoft.com/office/drawing/2014/main" id="{09D27354-978F-8D54-D112-3BDC7E757DC5}"/>
+              </a:ext>
+            </a:extLst>
+          </p:cNvPr>
+          <p:cNvPicPr>
+            <a:picLocks noChangeAspect="1" noChangeArrowheads="1"/>
+          </p:cNvPicPr>
+          <p:nvPr/>
+        </p:nvPicPr>
+        <p:blipFill>
+          <a:blip r:embed="rId13">
+            <a:extLst>
+              <a:ext uri="{28A0092B-C50C-407E-A947-70E740481C1C}">
+                <a14:useLocalDpi xmlns:a14="http://schemas.microsoft.com/office/drawing/2010/main" val="0"/>
+              </a:ext>
+            </a:extLst>
+          </a:blip>
+          <a:srcRect/>
+          <a:stretch>
+            <a:fillRect/>
+          </a:stretch>
+        </p:blipFill>
+        <p:spPr bwMode="auto">
+          <a:xfrm>
+            <a:off x="10255949" y="1454897"/>
+            <a:ext cx="382433" cy="356135"/>
+          </a:xfrm>
+          <a:prstGeom prst="rect">
+            <a:avLst/>
+          </a:prstGeom>
+          <a:noFill/>
+          <a:extLst>
+            <a:ext uri="{909E8E84-426E-40DD-AFC4-6F175D3DCCD1}">
+              <a14:hiddenFill xmlns:a14="http://schemas.microsoft.com/office/drawing/2010/main">
+                <a:solidFill>
+                  <a:srgbClr val="FFFFFF"/>
+                </a:solidFill>
+              </a14:hiddenFill>
+            </a:ext>
+          </a:extLst>
+        </p:spPr>
+      </p:pic>
+      <p:pic>
+        <p:nvPicPr>
+          <p:cNvPr id="14" name="Picture 10" descr="bpmn.io · GitHub">
+            <a:extLst>
+              <a:ext uri="{FF2B5EF4-FFF2-40B4-BE49-F238E27FC236}">
+                <a16:creationId xmlns:a16="http://schemas.microsoft.com/office/drawing/2014/main" id="{44C413AC-1320-A969-5241-402AD46BE015}"/>
+              </a:ext>
+            </a:extLst>
+          </p:cNvPr>
+          <p:cNvPicPr>
+            <a:picLocks noChangeAspect="1" noChangeArrowheads="1"/>
+          </p:cNvPicPr>
+          <p:nvPr/>
+        </p:nvPicPr>
+        <p:blipFill>
+          <a:blip r:embed="rId14">
+            <a:extLst>
+              <a:ext uri="{28A0092B-C50C-407E-A947-70E740481C1C}">
+                <a14:useLocalDpi xmlns:a14="http://schemas.microsoft.com/office/drawing/2010/main" val="0"/>
+              </a:ext>
+            </a:extLst>
+          </a:blip>
+          <a:srcRect/>
+          <a:stretch>
+            <a:fillRect/>
+          </a:stretch>
+        </p:blipFill>
+        <p:spPr bwMode="auto">
+          <a:xfrm>
+            <a:off x="7451129" y="2400006"/>
+            <a:ext cx="424915" cy="424915"/>
+          </a:xfrm>
+          <a:prstGeom prst="rect">
+            <a:avLst/>
+          </a:prstGeom>
+          <a:noFill/>
+          <a:extLst>
+            <a:ext uri="{909E8E84-426E-40DD-AFC4-6F175D3DCCD1}">
+              <a14:hiddenFill xmlns:a14="http://schemas.microsoft.com/office/drawing/2010/main">
+                <a:solidFill>
+                  <a:srgbClr val="FFFFFF"/>
+                </a:solidFill>
+              </a14:hiddenFill>
+            </a:ext>
+          </a:extLst>
+        </p:spPr>
+      </p:pic>
     </p:spTree>
     <p:extLst>
       <p:ext uri="{BB962C8B-B14F-4D97-AF65-F5344CB8AC3E}">
-        <p14:creationId xmlns:p14="http://schemas.microsoft.com/office/powerpoint/2010/main" val="3612000258"/>
+        <p14:creationId xmlns:p14="http://schemas.microsoft.com/office/powerpoint/2010/main" val="3648442274"/>
       </p:ext>
     </p:extLst>
   </p:cSld>
@@ -20233,6 +21116,471 @@
           <p:cNvPr id="2" name="Заголовок 1">
             <a:extLst>
               <a:ext uri="{FF2B5EF4-FFF2-40B4-BE49-F238E27FC236}">
+                <a16:creationId xmlns:a16="http://schemas.microsoft.com/office/drawing/2014/main" id="{6180C8AA-7561-F3BA-FC31-46C06530ED41}"/>
+              </a:ext>
+            </a:extLst>
+          </p:cNvPr>
+          <p:cNvSpPr>
+            <a:spLocks noGrp="1"/>
+          </p:cNvSpPr>
+          <p:nvPr>
+            <p:ph type="title"/>
+          </p:nvPr>
+        </p:nvSpPr>
+        <p:spPr>
+          <a:xfrm>
+            <a:off x="0" y="6096"/>
+            <a:ext cx="12191999" cy="688848"/>
+          </a:xfrm>
+        </p:spPr>
+        <p:txBody>
+          <a:bodyPr/>
+          <a:lstStyle/>
+          <a:p>
+            <a:pPr algn="ctr"/>
+            <a:r>
+              <a:rPr lang="ru-RU" dirty="0">
+                <a:latin typeface="Times New Roman" panose="02020603050405020304" pitchFamily="18" charset="0"/>
+                <a:cs typeface="Times New Roman" panose="02020603050405020304" pitchFamily="18" charset="0"/>
+              </a:rPr>
+              <a:t>Системные требования</a:t>
+            </a:r>
+            <a:endParaRPr lang="ru-RU" dirty="0"/>
+          </a:p>
+        </p:txBody>
+      </p:sp>
+      <p:sp>
+        <p:nvSpPr>
+          <p:cNvPr id="5" name="TextBox 4">
+            <a:extLst>
+              <a:ext uri="{FF2B5EF4-FFF2-40B4-BE49-F238E27FC236}">
+                <a16:creationId xmlns:a16="http://schemas.microsoft.com/office/drawing/2014/main" id="{7D1D1E67-62A4-5E00-9B5C-F74D0DA5F37E}"/>
+              </a:ext>
+            </a:extLst>
+          </p:cNvPr>
+          <p:cNvSpPr txBox="1"/>
+          <p:nvPr/>
+        </p:nvSpPr>
+        <p:spPr>
+          <a:xfrm>
+            <a:off x="366226" y="1000125"/>
+            <a:ext cx="11315700" cy="5966079"/>
+          </a:xfrm>
+          <a:prstGeom prst="rect">
+            <a:avLst/>
+          </a:prstGeom>
+          <a:noFill/>
+        </p:spPr>
+        <p:txBody>
+          <a:bodyPr wrap="square" rtlCol="0">
+            <a:noAutofit/>
+          </a:bodyPr>
+          <a:lstStyle/>
+          <a:p>
+            <a:pPr>
+              <a:lnSpc>
+                <a:spcPct val="150000"/>
+              </a:lnSpc>
+            </a:pPr>
+            <a:r>
+              <a:rPr lang="ru-RU" sz="2200" dirty="0">
+                <a:solidFill>
+                  <a:srgbClr val="FFFF00"/>
+                </a:solidFill>
+                <a:latin typeface="Tahoma" panose="020B0604030504040204" pitchFamily="34" charset="0"/>
+                <a:ea typeface="Tahoma" panose="020B0604030504040204" pitchFamily="34" charset="0"/>
+                <a:cs typeface="Tahoma" panose="020B0604030504040204" pitchFamily="34" charset="0"/>
+              </a:rPr>
+              <a:t>Требования к клиенту:</a:t>
+            </a:r>
+          </a:p>
+          <a:p>
+            <a:pPr marL="800100" lvl="1" indent="-342900">
+              <a:lnSpc>
+                <a:spcPct val="150000"/>
+              </a:lnSpc>
+              <a:buFont typeface="Arial" panose="020B0604020202020204" pitchFamily="34" charset="0"/>
+              <a:buChar char="•"/>
+            </a:pPr>
+            <a:r>
+              <a:rPr lang="ru-RU" sz="2200" dirty="0">
+                <a:latin typeface="Times New Roman" panose="02020603050405020304" pitchFamily="18" charset="0"/>
+                <a:cs typeface="Times New Roman" panose="02020603050405020304" pitchFamily="18" charset="0"/>
+              </a:rPr>
+              <a:t>Браузер на основе </a:t>
+            </a:r>
+            <a:r>
+              <a:rPr lang="en-US" sz="2200" dirty="0">
+                <a:latin typeface="Times New Roman" panose="02020603050405020304" pitchFamily="18" charset="0"/>
+                <a:cs typeface="Times New Roman" panose="02020603050405020304" pitchFamily="18" charset="0"/>
+              </a:rPr>
+              <a:t>chromium.</a:t>
+            </a:r>
+            <a:endParaRPr lang="ru-RU" sz="2200" dirty="0">
+              <a:latin typeface="Times New Roman" panose="02020603050405020304" pitchFamily="18" charset="0"/>
+              <a:cs typeface="Times New Roman" panose="02020603050405020304" pitchFamily="18" charset="0"/>
+            </a:endParaRPr>
+          </a:p>
+          <a:p>
+            <a:pPr marL="800100" lvl="1" indent="-342900">
+              <a:lnSpc>
+                <a:spcPct val="150000"/>
+              </a:lnSpc>
+              <a:buFont typeface="Arial" panose="020B0604020202020204" pitchFamily="34" charset="0"/>
+              <a:buChar char="•"/>
+            </a:pPr>
+            <a:r>
+              <a:rPr lang="ru-RU" sz="2200" dirty="0">
+                <a:latin typeface="Times New Roman" panose="02020603050405020304" pitchFamily="18" charset="0"/>
+                <a:cs typeface="Times New Roman" panose="02020603050405020304" pitchFamily="18" charset="0"/>
+              </a:rPr>
+              <a:t>Соответствие минимальным характеристикам браузера</a:t>
+            </a:r>
+            <a:r>
+              <a:rPr lang="en-US" sz="2200" dirty="0">
+                <a:latin typeface="Times New Roman" panose="02020603050405020304" pitchFamily="18" charset="0"/>
+                <a:cs typeface="Times New Roman" panose="02020603050405020304" pitchFamily="18" charset="0"/>
+              </a:rPr>
+              <a:t>.</a:t>
+            </a:r>
+            <a:endParaRPr lang="ru-RU" sz="2200" dirty="0">
+              <a:latin typeface="Times New Roman" panose="02020603050405020304" pitchFamily="18" charset="0"/>
+              <a:cs typeface="Times New Roman" panose="02020603050405020304" pitchFamily="18" charset="0"/>
+            </a:endParaRPr>
+          </a:p>
+          <a:p>
+            <a:pPr>
+              <a:lnSpc>
+                <a:spcPct val="150000"/>
+              </a:lnSpc>
+            </a:pPr>
+            <a:r>
+              <a:rPr lang="ru-RU" sz="2200" dirty="0">
+                <a:solidFill>
+                  <a:srgbClr val="FFFF00"/>
+                </a:solidFill>
+                <a:latin typeface="Tahoma" panose="020B0604030504040204" pitchFamily="34" charset="0"/>
+                <a:ea typeface="Tahoma" panose="020B0604030504040204" pitchFamily="34" charset="0"/>
+                <a:cs typeface="Tahoma" panose="020B0604030504040204" pitchFamily="34" charset="0"/>
+              </a:rPr>
+              <a:t>Требования к серверу:</a:t>
+            </a:r>
+          </a:p>
+          <a:p>
+            <a:pPr marL="800100" lvl="1" indent="-342900">
+              <a:lnSpc>
+                <a:spcPct val="150000"/>
+              </a:lnSpc>
+              <a:buFont typeface="Arial" panose="020B0604020202020204" pitchFamily="34" charset="0"/>
+              <a:buChar char="•"/>
+            </a:pPr>
+            <a:r>
+              <a:rPr lang="ru-RU" sz="2200" dirty="0">
+                <a:latin typeface="Times New Roman" panose="02020603050405020304" pitchFamily="18" charset="0"/>
+                <a:cs typeface="Times New Roman" panose="02020603050405020304" pitchFamily="18" charset="0"/>
+              </a:rPr>
+              <a:t>ОС</a:t>
+            </a:r>
+            <a:r>
+              <a:rPr lang="en-US" sz="2200" dirty="0">
+                <a:latin typeface="Times New Roman" panose="02020603050405020304" pitchFamily="18" charset="0"/>
+                <a:cs typeface="Times New Roman" panose="02020603050405020304" pitchFamily="18" charset="0"/>
+              </a:rPr>
+              <a:t> – Cent OS 7 / Linux Debian 11.</a:t>
+            </a:r>
+            <a:endParaRPr lang="ru-RU" sz="2200" dirty="0">
+              <a:latin typeface="Times New Roman" panose="02020603050405020304" pitchFamily="18" charset="0"/>
+              <a:cs typeface="Times New Roman" panose="02020603050405020304" pitchFamily="18" charset="0"/>
+            </a:endParaRPr>
+          </a:p>
+          <a:p>
+            <a:pPr marL="800100" lvl="1" indent="-342900">
+              <a:lnSpc>
+                <a:spcPct val="150000"/>
+              </a:lnSpc>
+              <a:buFont typeface="Arial" panose="020B0604020202020204" pitchFamily="34" charset="0"/>
+              <a:buChar char="•"/>
+            </a:pPr>
+            <a:r>
+              <a:rPr lang="ru-RU" sz="2200" dirty="0">
+                <a:latin typeface="Times New Roman" panose="02020603050405020304" pitchFamily="18" charset="0"/>
+                <a:cs typeface="Times New Roman" panose="02020603050405020304" pitchFamily="18" charset="0"/>
+              </a:rPr>
+              <a:t>Процессор не ниже 2,6 ГГц</a:t>
+            </a:r>
+            <a:r>
+              <a:rPr lang="en-US" sz="2200" dirty="0">
+                <a:latin typeface="Times New Roman" panose="02020603050405020304" pitchFamily="18" charset="0"/>
+                <a:cs typeface="Times New Roman" panose="02020603050405020304" pitchFamily="18" charset="0"/>
+              </a:rPr>
+              <a:t>.</a:t>
+            </a:r>
+            <a:endParaRPr lang="ru-RU" sz="2200" dirty="0">
+              <a:latin typeface="Times New Roman" panose="02020603050405020304" pitchFamily="18" charset="0"/>
+              <a:cs typeface="Times New Roman" panose="02020603050405020304" pitchFamily="18" charset="0"/>
+            </a:endParaRPr>
+          </a:p>
+          <a:p>
+            <a:pPr marL="800100" lvl="1" indent="-342900">
+              <a:lnSpc>
+                <a:spcPct val="150000"/>
+              </a:lnSpc>
+              <a:buFont typeface="Arial" panose="020B0604020202020204" pitchFamily="34" charset="0"/>
+              <a:buChar char="•"/>
+            </a:pPr>
+            <a:r>
+              <a:rPr lang="ru-RU" sz="2200" dirty="0">
+                <a:latin typeface="Times New Roman" panose="02020603050405020304" pitchFamily="18" charset="0"/>
+                <a:cs typeface="Times New Roman" panose="02020603050405020304" pitchFamily="18" charset="0"/>
+              </a:rPr>
+              <a:t>ОЗУ не меньше 8 Гб</a:t>
+            </a:r>
+            <a:r>
+              <a:rPr lang="en-US" sz="2200" dirty="0">
+                <a:latin typeface="Times New Roman" panose="02020603050405020304" pitchFamily="18" charset="0"/>
+                <a:cs typeface="Times New Roman" panose="02020603050405020304" pitchFamily="18" charset="0"/>
+              </a:rPr>
+              <a:t>.</a:t>
+            </a:r>
+            <a:endParaRPr lang="ru-RU" sz="2200" dirty="0">
+              <a:latin typeface="Times New Roman" panose="02020603050405020304" pitchFamily="18" charset="0"/>
+              <a:cs typeface="Times New Roman" panose="02020603050405020304" pitchFamily="18" charset="0"/>
+            </a:endParaRPr>
+          </a:p>
+          <a:p>
+            <a:pPr marL="800100" lvl="1" indent="-342900">
+              <a:lnSpc>
+                <a:spcPct val="150000"/>
+              </a:lnSpc>
+              <a:buFont typeface="Arial" panose="020B0604020202020204" pitchFamily="34" charset="0"/>
+              <a:buChar char="•"/>
+            </a:pPr>
+            <a:r>
+              <a:rPr lang="en-US" sz="2200" dirty="0">
+                <a:latin typeface="Times New Roman" panose="02020603050405020304" pitchFamily="18" charset="0"/>
+                <a:cs typeface="Times New Roman" panose="02020603050405020304" pitchFamily="18" charset="0"/>
+              </a:rPr>
+              <a:t>HDD  200</a:t>
+            </a:r>
+            <a:r>
+              <a:rPr lang="ru-RU" sz="2200" dirty="0">
+                <a:latin typeface="Times New Roman" panose="02020603050405020304" pitchFamily="18" charset="0"/>
+                <a:cs typeface="Times New Roman" panose="02020603050405020304" pitchFamily="18" charset="0"/>
+              </a:rPr>
+              <a:t> Гб</a:t>
+            </a:r>
+            <a:r>
+              <a:rPr lang="en-US" sz="2200" dirty="0">
+                <a:latin typeface="Times New Roman" panose="02020603050405020304" pitchFamily="18" charset="0"/>
+                <a:cs typeface="Times New Roman" panose="02020603050405020304" pitchFamily="18" charset="0"/>
+              </a:rPr>
+              <a:t>.</a:t>
+            </a:r>
+            <a:endParaRPr lang="ru-RU" sz="2200" dirty="0">
+              <a:latin typeface="Times New Roman" panose="02020603050405020304" pitchFamily="18" charset="0"/>
+              <a:cs typeface="Times New Roman" panose="02020603050405020304" pitchFamily="18" charset="0"/>
+            </a:endParaRPr>
+          </a:p>
+          <a:p>
+            <a:pPr>
+              <a:lnSpc>
+                <a:spcPct val="125000"/>
+              </a:lnSpc>
+            </a:pPr>
+            <a:endParaRPr lang="en-US" sz="2200" dirty="0">
+              <a:latin typeface="Times New Roman" panose="02020603050405020304" pitchFamily="18" charset="0"/>
+              <a:cs typeface="Times New Roman" panose="02020603050405020304" pitchFamily="18" charset="0"/>
+            </a:endParaRPr>
+          </a:p>
+        </p:txBody>
+      </p:sp>
+      <p:sp>
+        <p:nvSpPr>
+          <p:cNvPr id="8" name="Номер слайда 4">
+            <a:extLst>
+              <a:ext uri="{FF2B5EF4-FFF2-40B4-BE49-F238E27FC236}">
+                <a16:creationId xmlns:a16="http://schemas.microsoft.com/office/drawing/2014/main" id="{C5B64F97-D6A0-FC0D-8E50-8227B356EE18}"/>
+              </a:ext>
+            </a:extLst>
+          </p:cNvPr>
+          <p:cNvSpPr txBox="1">
+            <a:spLocks/>
+          </p:cNvSpPr>
+          <p:nvPr/>
+        </p:nvSpPr>
+        <p:spPr>
+          <a:xfrm>
+            <a:off x="11171852" y="0"/>
+            <a:ext cx="1020148" cy="658368"/>
+          </a:xfrm>
+          <a:prstGeom prst="rect">
+            <a:avLst/>
+          </a:prstGeom>
+        </p:spPr>
+        <p:txBody>
+          <a:bodyPr vert="horz" lIns="91440" tIns="45720" rIns="91440" bIns="45720" rtlCol="0" anchor="ctr"/>
+          <a:lstStyle>
+            <a:defPPr>
+              <a:defRPr lang="en-US"/>
+            </a:defPPr>
+            <a:lvl1pPr marL="0" algn="r" defTabSz="457200" rtl="0" eaLnBrk="1" latinLnBrk="0" hangingPunct="1">
+              <a:defRPr sz="1000" b="0" i="0" kern="1200">
+                <a:solidFill>
+                  <a:schemeClr val="tx1"/>
+                </a:solidFill>
+                <a:effectLst/>
+                <a:latin typeface="+mn-lt"/>
+                <a:ea typeface="+mn-ea"/>
+                <a:cs typeface="+mn-cs"/>
+              </a:defRPr>
+            </a:lvl1pPr>
+            <a:lvl2pPr marL="457200" algn="l" defTabSz="457200" rtl="0" eaLnBrk="1" latinLnBrk="0" hangingPunct="1">
+              <a:defRPr sz="1800" kern="1200">
+                <a:solidFill>
+                  <a:schemeClr val="tx1"/>
+                </a:solidFill>
+                <a:latin typeface="+mn-lt"/>
+                <a:ea typeface="+mn-ea"/>
+                <a:cs typeface="+mn-cs"/>
+              </a:defRPr>
+            </a:lvl2pPr>
+            <a:lvl3pPr marL="914400" algn="l" defTabSz="457200" rtl="0" eaLnBrk="1" latinLnBrk="0" hangingPunct="1">
+              <a:defRPr sz="1800" kern="1200">
+                <a:solidFill>
+                  <a:schemeClr val="tx1"/>
+                </a:solidFill>
+                <a:latin typeface="+mn-lt"/>
+                <a:ea typeface="+mn-ea"/>
+                <a:cs typeface="+mn-cs"/>
+              </a:defRPr>
+            </a:lvl3pPr>
+            <a:lvl4pPr marL="1371600" algn="l" defTabSz="457200" rtl="0" eaLnBrk="1" latinLnBrk="0" hangingPunct="1">
+              <a:defRPr sz="1800" kern="1200">
+                <a:solidFill>
+                  <a:schemeClr val="tx1"/>
+                </a:solidFill>
+                <a:latin typeface="+mn-lt"/>
+                <a:ea typeface="+mn-ea"/>
+                <a:cs typeface="+mn-cs"/>
+              </a:defRPr>
+            </a:lvl4pPr>
+            <a:lvl5pPr marL="1828800" algn="l" defTabSz="457200" rtl="0" eaLnBrk="1" latinLnBrk="0" hangingPunct="1">
+              <a:defRPr sz="1800" kern="1200">
+                <a:solidFill>
+                  <a:schemeClr val="tx1"/>
+                </a:solidFill>
+                <a:latin typeface="+mn-lt"/>
+                <a:ea typeface="+mn-ea"/>
+                <a:cs typeface="+mn-cs"/>
+              </a:defRPr>
+            </a:lvl5pPr>
+            <a:lvl6pPr marL="2286000" algn="l" defTabSz="457200" rtl="0" eaLnBrk="1" latinLnBrk="0" hangingPunct="1">
+              <a:defRPr sz="1800" kern="1200">
+                <a:solidFill>
+                  <a:schemeClr val="tx1"/>
+                </a:solidFill>
+                <a:latin typeface="+mn-lt"/>
+                <a:ea typeface="+mn-ea"/>
+                <a:cs typeface="+mn-cs"/>
+              </a:defRPr>
+            </a:lvl6pPr>
+            <a:lvl7pPr marL="2743200" algn="l" defTabSz="457200" rtl="0" eaLnBrk="1" latinLnBrk="0" hangingPunct="1">
+              <a:defRPr sz="1800" kern="1200">
+                <a:solidFill>
+                  <a:schemeClr val="tx1"/>
+                </a:solidFill>
+                <a:latin typeface="+mn-lt"/>
+                <a:ea typeface="+mn-ea"/>
+                <a:cs typeface="+mn-cs"/>
+              </a:defRPr>
+            </a:lvl7pPr>
+            <a:lvl8pPr marL="3200400" algn="l" defTabSz="457200" rtl="0" eaLnBrk="1" latinLnBrk="0" hangingPunct="1">
+              <a:defRPr sz="1800" kern="1200">
+                <a:solidFill>
+                  <a:schemeClr val="tx1"/>
+                </a:solidFill>
+                <a:latin typeface="+mn-lt"/>
+                <a:ea typeface="+mn-ea"/>
+                <a:cs typeface="+mn-cs"/>
+              </a:defRPr>
+            </a:lvl8pPr>
+            <a:lvl9pPr marL="3657600" algn="l" defTabSz="457200" rtl="0" eaLnBrk="1" latinLnBrk="0" hangingPunct="1">
+              <a:defRPr sz="1800" kern="1200">
+                <a:solidFill>
+                  <a:schemeClr val="tx1"/>
+                </a:solidFill>
+                <a:latin typeface="+mn-lt"/>
+                <a:ea typeface="+mn-ea"/>
+                <a:cs typeface="+mn-cs"/>
+              </a:defRPr>
+            </a:lvl9pPr>
+          </a:lstStyle>
+          <a:p>
+            <a:pPr algn="ctr"/>
+            <a:fld id="{E674C0A0-8DE9-4942-9F1B-2332F349D007}" type="slidenum">
+              <a:rPr lang="ru-RU" sz="2200" smtClean="0">
+                <a:latin typeface="Tahoma" panose="020B0604030504040204" pitchFamily="34" charset="0"/>
+                <a:ea typeface="Tahoma" panose="020B0604030504040204" pitchFamily="34" charset="0"/>
+                <a:cs typeface="Tahoma" panose="020B0604030504040204" pitchFamily="34" charset="0"/>
+              </a:rPr>
+              <a:pPr algn="ctr"/>
+              <a:t>17</a:t>
+            </a:fld>
+            <a:endParaRPr lang="ru-RU" sz="2200" dirty="0">
+              <a:latin typeface="Tahoma" panose="020B0604030504040204" pitchFamily="34" charset="0"/>
+              <a:ea typeface="Tahoma" panose="020B0604030504040204" pitchFamily="34" charset="0"/>
+              <a:cs typeface="Tahoma" panose="020B0604030504040204" pitchFamily="34" charset="0"/>
+            </a:endParaRPr>
+          </a:p>
+        </p:txBody>
+      </p:sp>
+    </p:spTree>
+    <p:extLst>
+      <p:ext uri="{BB962C8B-B14F-4D97-AF65-F5344CB8AC3E}">
+        <p14:creationId xmlns:p14="http://schemas.microsoft.com/office/powerpoint/2010/main" val="3612000258"/>
+      </p:ext>
+    </p:extLst>
+  </p:cSld>
+  <p:clrMapOvr>
+    <a:masterClrMapping/>
+  </p:clrMapOvr>
+  <mc:AlternateContent xmlns:mc="http://schemas.openxmlformats.org/markup-compatibility/2006" xmlns:p14="http://schemas.microsoft.com/office/powerpoint/2010/main">
+    <mc:Choice Requires="p14">
+      <p:transition spd="med" p14:dur="700">
+        <p:fade/>
+      </p:transition>
+    </mc:Choice>
+    <mc:Fallback xmlns="">
+      <p:transition spd="med">
+        <p:fade/>
+      </p:transition>
+    </mc:Fallback>
+  </mc:AlternateContent>
+</p:sld>
+</file>
+
+<file path=ppt/slides/slide18.xml><?xml version="1.0" encoding="utf-8"?>
+<p:sld xmlns:a="http://schemas.openxmlformats.org/drawingml/2006/main" xmlns:r="http://schemas.openxmlformats.org/officeDocument/2006/relationships" xmlns:p="http://schemas.openxmlformats.org/presentationml/2006/main">
+  <p:cSld>
+    <p:spTree>
+      <p:nvGrpSpPr>
+        <p:cNvPr id="1" name=""/>
+        <p:cNvGrpSpPr/>
+        <p:nvPr/>
+      </p:nvGrpSpPr>
+      <p:grpSpPr>
+        <a:xfrm>
+          <a:off x="0" y="0"/>
+          <a:ext cx="0" cy="0"/>
+          <a:chOff x="0" y="0"/>
+          <a:chExt cx="0" cy="0"/>
+        </a:xfrm>
+      </p:grpSpPr>
+      <p:sp>
+        <p:nvSpPr>
+          <p:cNvPr id="2" name="Заголовок 1">
+            <a:extLst>
+              <a:ext uri="{FF2B5EF4-FFF2-40B4-BE49-F238E27FC236}">
                 <a16:creationId xmlns:a16="http://schemas.microsoft.com/office/drawing/2014/main" id="{131AF62D-63AD-D33F-E646-0AF822E31EE6}"/>
               </a:ext>
             </a:extLst>
@@ -20338,18 +21686,10 @@
                 <a:ea typeface="Tahoma" panose="020B0604030504040204" pitchFamily="34" charset="0"/>
                 <a:cs typeface="Tahoma" panose="020B0604030504040204" pitchFamily="34" charset="0"/>
               </a:rPr>
-              <a:t>внедрения системы в эксплуатацию </a:t>
-            </a:r>
-            <a:r>
-              <a:rPr lang="ru-RU" sz="2200" dirty="0">
-                <a:latin typeface="Times New Roman" panose="02020603050405020304" pitchFamily="18" charset="0"/>
-                <a:ea typeface="Tahoma" panose="020B0604030504040204" pitchFamily="34" charset="0"/>
-                <a:cs typeface="Times New Roman" panose="02020603050405020304" pitchFamily="18" charset="0"/>
-              </a:rPr>
-              <a:t>удалось </a:t>
-            </a:r>
-            <a:r>
-              <a:rPr lang="ru-RU" sz="2200" dirty="0">
+              <a:t>внедрения системы в эксплуатацию</a:t>
+            </a:r>
+            <a:r>
+              <a:rPr lang="en-US" sz="2200" dirty="0">
                 <a:solidFill>
                   <a:srgbClr val="FFFF00"/>
                 </a:solidFill>
@@ -20357,7 +21697,18 @@
                 <a:ea typeface="Tahoma" panose="020B0604030504040204" pitchFamily="34" charset="0"/>
                 <a:cs typeface="Tahoma" panose="020B0604030504040204" pitchFamily="34" charset="0"/>
               </a:rPr>
-              <a:t>повысить</a:t>
+              <a:t> </a:t>
+            </a:r>
+            <a:r>
+              <a:rPr lang="ru-RU" sz="2200" dirty="0">
+                <a:solidFill>
+                  <a:srgbClr val="FFFF00"/>
+                </a:solidFill>
+                <a:latin typeface="Tahoma" panose="020B0604030504040204" pitchFamily="34" charset="0"/>
+                <a:ea typeface="Tahoma" panose="020B0604030504040204" pitchFamily="34" charset="0"/>
+                <a:cs typeface="Tahoma" panose="020B0604030504040204" pitchFamily="34" charset="0"/>
+              </a:rPr>
+              <a:t>повысилась</a:t>
             </a:r>
             <a:r>
               <a:rPr lang="ru-RU" sz="2200" dirty="0">
@@ -20549,7 +21900,7 @@
                 <a:cs typeface="Tahoma" panose="020B0604030504040204" pitchFamily="34" charset="0"/>
               </a:rPr>
               <a:pPr algn="ctr"/>
-              <a:t>17</a:t>
+              <a:t>18</a:t>
             </a:fld>
             <a:endParaRPr lang="ru-RU" sz="2200" dirty="0">
               <a:latin typeface="Tahoma" panose="020B0604030504040204" pitchFamily="34" charset="0"/>
@@ -20937,258 +22288,6 @@
 </p:sld>
 </file>
 
-<file path=ppt/slides/slide18.xml><?xml version="1.0" encoding="utf-8"?>
-<p:sld xmlns:a="http://schemas.openxmlformats.org/drawingml/2006/main" xmlns:r="http://schemas.openxmlformats.org/officeDocument/2006/relationships" xmlns:p="http://schemas.openxmlformats.org/presentationml/2006/main">
-  <p:cSld>
-    <p:spTree>
-      <p:nvGrpSpPr>
-        <p:cNvPr id="1" name=""/>
-        <p:cNvGrpSpPr/>
-        <p:nvPr/>
-      </p:nvGrpSpPr>
-      <p:grpSpPr>
-        <a:xfrm>
-          <a:off x="0" y="0"/>
-          <a:ext cx="0" cy="0"/>
-          <a:chOff x="0" y="0"/>
-          <a:chExt cx="0" cy="0"/>
-        </a:xfrm>
-      </p:grpSpPr>
-      <p:sp>
-        <p:nvSpPr>
-          <p:cNvPr id="2" name="Заголовок 1">
-            <a:extLst>
-              <a:ext uri="{FF2B5EF4-FFF2-40B4-BE49-F238E27FC236}">
-                <a16:creationId xmlns:a16="http://schemas.microsoft.com/office/drawing/2014/main" id="{23799081-69DC-E5FF-6C44-EE26B275098A}"/>
-              </a:ext>
-            </a:extLst>
-          </p:cNvPr>
-          <p:cNvSpPr>
-            <a:spLocks noGrp="1"/>
-          </p:cNvSpPr>
-          <p:nvPr>
-            <p:ph type="title"/>
-          </p:nvPr>
-        </p:nvSpPr>
-        <p:spPr>
-          <a:xfrm>
-            <a:off x="1" y="9144"/>
-            <a:ext cx="12191999" cy="731520"/>
-          </a:xfrm>
-        </p:spPr>
-        <p:txBody>
-          <a:bodyPr>
-            <a:noAutofit/>
-          </a:bodyPr>
-          <a:lstStyle/>
-          <a:p>
-            <a:pPr algn="ctr"/>
-            <a:r>
-              <a:rPr lang="ru-RU" dirty="0">
-                <a:latin typeface="Times New Roman" panose="02020603050405020304" pitchFamily="18" charset="0"/>
-                <a:cs typeface="Times New Roman" panose="02020603050405020304" pitchFamily="18" charset="0"/>
-              </a:rPr>
-              <a:t>акт внедрения</a:t>
-            </a:r>
-            <a:endParaRPr lang="ru-RU" dirty="0"/>
-          </a:p>
-        </p:txBody>
-      </p:sp>
-      <p:sp>
-        <p:nvSpPr>
-          <p:cNvPr id="5" name="Номер слайда 4">
-            <a:extLst>
-              <a:ext uri="{FF2B5EF4-FFF2-40B4-BE49-F238E27FC236}">
-                <a16:creationId xmlns:a16="http://schemas.microsoft.com/office/drawing/2014/main" id="{F9D77489-2275-14CA-926D-64F6E9FF9334}"/>
-              </a:ext>
-            </a:extLst>
-          </p:cNvPr>
-          <p:cNvSpPr txBox="1">
-            <a:spLocks/>
-          </p:cNvSpPr>
-          <p:nvPr/>
-        </p:nvSpPr>
-        <p:spPr>
-          <a:xfrm>
-            <a:off x="11171852" y="0"/>
-            <a:ext cx="1020148" cy="658368"/>
-          </a:xfrm>
-          <a:prstGeom prst="rect">
-            <a:avLst/>
-          </a:prstGeom>
-        </p:spPr>
-        <p:txBody>
-          <a:bodyPr vert="horz" lIns="91440" tIns="45720" rIns="91440" bIns="45720" rtlCol="0" anchor="ctr"/>
-          <a:lstStyle>
-            <a:defPPr>
-              <a:defRPr lang="en-US"/>
-            </a:defPPr>
-            <a:lvl1pPr marL="0" algn="r" defTabSz="457200" rtl="0" eaLnBrk="1" latinLnBrk="0" hangingPunct="1">
-              <a:defRPr sz="1000" b="0" i="0" kern="1200">
-                <a:solidFill>
-                  <a:schemeClr val="tx1"/>
-                </a:solidFill>
-                <a:effectLst/>
-                <a:latin typeface="+mn-lt"/>
-                <a:ea typeface="+mn-ea"/>
-                <a:cs typeface="+mn-cs"/>
-              </a:defRPr>
-            </a:lvl1pPr>
-            <a:lvl2pPr marL="457200" algn="l" defTabSz="457200" rtl="0" eaLnBrk="1" latinLnBrk="0" hangingPunct="1">
-              <a:defRPr sz="1800" kern="1200">
-                <a:solidFill>
-                  <a:schemeClr val="tx1"/>
-                </a:solidFill>
-                <a:latin typeface="+mn-lt"/>
-                <a:ea typeface="+mn-ea"/>
-                <a:cs typeface="+mn-cs"/>
-              </a:defRPr>
-            </a:lvl2pPr>
-            <a:lvl3pPr marL="914400" algn="l" defTabSz="457200" rtl="0" eaLnBrk="1" latinLnBrk="0" hangingPunct="1">
-              <a:defRPr sz="1800" kern="1200">
-                <a:solidFill>
-                  <a:schemeClr val="tx1"/>
-                </a:solidFill>
-                <a:latin typeface="+mn-lt"/>
-                <a:ea typeface="+mn-ea"/>
-                <a:cs typeface="+mn-cs"/>
-              </a:defRPr>
-            </a:lvl3pPr>
-            <a:lvl4pPr marL="1371600" algn="l" defTabSz="457200" rtl="0" eaLnBrk="1" latinLnBrk="0" hangingPunct="1">
-              <a:defRPr sz="1800" kern="1200">
-                <a:solidFill>
-                  <a:schemeClr val="tx1"/>
-                </a:solidFill>
-                <a:latin typeface="+mn-lt"/>
-                <a:ea typeface="+mn-ea"/>
-                <a:cs typeface="+mn-cs"/>
-              </a:defRPr>
-            </a:lvl4pPr>
-            <a:lvl5pPr marL="1828800" algn="l" defTabSz="457200" rtl="0" eaLnBrk="1" latinLnBrk="0" hangingPunct="1">
-              <a:defRPr sz="1800" kern="1200">
-                <a:solidFill>
-                  <a:schemeClr val="tx1"/>
-                </a:solidFill>
-                <a:latin typeface="+mn-lt"/>
-                <a:ea typeface="+mn-ea"/>
-                <a:cs typeface="+mn-cs"/>
-              </a:defRPr>
-            </a:lvl5pPr>
-            <a:lvl6pPr marL="2286000" algn="l" defTabSz="457200" rtl="0" eaLnBrk="1" latinLnBrk="0" hangingPunct="1">
-              <a:defRPr sz="1800" kern="1200">
-                <a:solidFill>
-                  <a:schemeClr val="tx1"/>
-                </a:solidFill>
-                <a:latin typeface="+mn-lt"/>
-                <a:ea typeface="+mn-ea"/>
-                <a:cs typeface="+mn-cs"/>
-              </a:defRPr>
-            </a:lvl6pPr>
-            <a:lvl7pPr marL="2743200" algn="l" defTabSz="457200" rtl="0" eaLnBrk="1" latinLnBrk="0" hangingPunct="1">
-              <a:defRPr sz="1800" kern="1200">
-                <a:solidFill>
-                  <a:schemeClr val="tx1"/>
-                </a:solidFill>
-                <a:latin typeface="+mn-lt"/>
-                <a:ea typeface="+mn-ea"/>
-                <a:cs typeface="+mn-cs"/>
-              </a:defRPr>
-            </a:lvl7pPr>
-            <a:lvl8pPr marL="3200400" algn="l" defTabSz="457200" rtl="0" eaLnBrk="1" latinLnBrk="0" hangingPunct="1">
-              <a:defRPr sz="1800" kern="1200">
-                <a:solidFill>
-                  <a:schemeClr val="tx1"/>
-                </a:solidFill>
-                <a:latin typeface="+mn-lt"/>
-                <a:ea typeface="+mn-ea"/>
-                <a:cs typeface="+mn-cs"/>
-              </a:defRPr>
-            </a:lvl8pPr>
-            <a:lvl9pPr marL="3657600" algn="l" defTabSz="457200" rtl="0" eaLnBrk="1" latinLnBrk="0" hangingPunct="1">
-              <a:defRPr sz="1800" kern="1200">
-                <a:solidFill>
-                  <a:schemeClr val="tx1"/>
-                </a:solidFill>
-                <a:latin typeface="+mn-lt"/>
-                <a:ea typeface="+mn-ea"/>
-                <a:cs typeface="+mn-cs"/>
-              </a:defRPr>
-            </a:lvl9pPr>
-          </a:lstStyle>
-          <a:p>
-            <a:pPr algn="ctr"/>
-            <a:fld id="{E674C0A0-8DE9-4942-9F1B-2332F349D007}" type="slidenum">
-              <a:rPr lang="ru-RU" sz="2200" smtClean="0">
-                <a:latin typeface="Tahoma" panose="020B0604030504040204" pitchFamily="34" charset="0"/>
-                <a:ea typeface="Tahoma" panose="020B0604030504040204" pitchFamily="34" charset="0"/>
-                <a:cs typeface="Tahoma" panose="020B0604030504040204" pitchFamily="34" charset="0"/>
-              </a:rPr>
-              <a:pPr algn="ctr"/>
-              <a:t>18</a:t>
-            </a:fld>
-            <a:endParaRPr lang="ru-RU" sz="2200" dirty="0">
-              <a:latin typeface="Tahoma" panose="020B0604030504040204" pitchFamily="34" charset="0"/>
-              <a:ea typeface="Tahoma" panose="020B0604030504040204" pitchFamily="34" charset="0"/>
-              <a:cs typeface="Tahoma" panose="020B0604030504040204" pitchFamily="34" charset="0"/>
-            </a:endParaRPr>
-          </a:p>
-        </p:txBody>
-      </p:sp>
-      <p:pic>
-        <p:nvPicPr>
-          <p:cNvPr id="6" name="Рисунок 5">
-            <a:extLst>
-              <a:ext uri="{FF2B5EF4-FFF2-40B4-BE49-F238E27FC236}">
-                <a16:creationId xmlns:a16="http://schemas.microsoft.com/office/drawing/2014/main" id="{EF39CDAC-48A7-0FBE-14E9-8BE96595EE5A}"/>
-              </a:ext>
-            </a:extLst>
-          </p:cNvPr>
-          <p:cNvPicPr>
-            <a:picLocks noChangeAspect="1"/>
-          </p:cNvPicPr>
-          <p:nvPr/>
-        </p:nvPicPr>
-        <p:blipFill>
-          <a:blip r:embed="rId3"/>
-          <a:stretch>
-            <a:fillRect/>
-          </a:stretch>
-        </p:blipFill>
-        <p:spPr>
-          <a:xfrm>
-            <a:off x="3441290" y="749808"/>
-            <a:ext cx="5260258" cy="6108192"/>
-          </a:xfrm>
-          <a:prstGeom prst="rect">
-            <a:avLst/>
-          </a:prstGeom>
-        </p:spPr>
-      </p:pic>
-    </p:spTree>
-    <p:extLst>
-      <p:ext uri="{BB962C8B-B14F-4D97-AF65-F5344CB8AC3E}">
-        <p14:creationId xmlns:p14="http://schemas.microsoft.com/office/powerpoint/2010/main" val="4189832676"/>
-      </p:ext>
-    </p:extLst>
-  </p:cSld>
-  <p:clrMapOvr>
-    <a:masterClrMapping/>
-  </p:clrMapOvr>
-  <mc:AlternateContent xmlns:mc="http://schemas.openxmlformats.org/markup-compatibility/2006" xmlns:p14="http://schemas.microsoft.com/office/powerpoint/2010/main">
-    <mc:Choice Requires="p14">
-      <p:transition spd="med" p14:dur="700">
-        <p:fade/>
-      </p:transition>
-    </mc:Choice>
-    <mc:Fallback xmlns="">
-      <p:transition spd="med">
-        <p:fade/>
-      </p:transition>
-    </mc:Fallback>
-  </mc:AlternateContent>
-</p:sld>
-</file>
-
 <file path=ppt/slides/slide19.xml><?xml version="1.0" encoding="utf-8"?>
 <p:sld xmlns:a="http://schemas.openxmlformats.org/drawingml/2006/main" xmlns:r="http://schemas.openxmlformats.org/officeDocument/2006/relationships" xmlns:p="http://schemas.openxmlformats.org/presentationml/2006/main">
   <p:cSld>
@@ -21211,7 +22310,7 @@
           <p:cNvPr id="2" name="Заголовок 1">
             <a:extLst>
               <a:ext uri="{FF2B5EF4-FFF2-40B4-BE49-F238E27FC236}">
-                <a16:creationId xmlns:a16="http://schemas.microsoft.com/office/drawing/2014/main" id="{DCDEF69C-C445-15ED-1AE7-519CE259E24E}"/>
+                <a16:creationId xmlns:a16="http://schemas.microsoft.com/office/drawing/2014/main" id="{23799081-69DC-E5FF-6C44-EE26B275098A}"/>
               </a:ext>
             </a:extLst>
           </p:cNvPr>
@@ -21224,8 +22323,8 @@
         </p:nvSpPr>
         <p:spPr>
           <a:xfrm>
-            <a:off x="1030287" y="2608411"/>
-            <a:ext cx="10131425" cy="1456267"/>
+            <a:off x="1" y="9144"/>
+            <a:ext cx="12191999" cy="731520"/>
           </a:xfrm>
         </p:spPr>
         <p:txBody>
@@ -21236,33 +22335,190 @@
           <a:p>
             <a:pPr algn="ctr"/>
             <a:r>
-              <a:rPr lang="ru-RU" cap="all" dirty="0">
+              <a:rPr lang="ru-RU" dirty="0">
                 <a:latin typeface="Times New Roman" panose="02020603050405020304" pitchFamily="18" charset="0"/>
                 <a:cs typeface="Times New Roman" panose="02020603050405020304" pitchFamily="18" charset="0"/>
               </a:rPr>
-              <a:t>СПАСИБО ЗА ВНИМАНИЕ.</a:t>
-            </a:r>
-            <a:br>
-              <a:rPr lang="ru-RU" cap="all" dirty="0">
-                <a:latin typeface="Times New Roman" panose="02020603050405020304" pitchFamily="18" charset="0"/>
-                <a:cs typeface="Times New Roman" panose="02020603050405020304" pitchFamily="18" charset="0"/>
-              </a:rPr>
-            </a:br>
-            <a:r>
-              <a:rPr lang="ru-RU" cap="all" dirty="0">
-                <a:latin typeface="Times New Roman" panose="02020603050405020304" pitchFamily="18" charset="0"/>
-                <a:cs typeface="Times New Roman" panose="02020603050405020304" pitchFamily="18" charset="0"/>
-              </a:rPr>
-              <a:t>ДОКЛАД ОКОНЧЕН!</a:t>
+              <a:t>акт внедрения</a:t>
             </a:r>
             <a:endParaRPr lang="ru-RU" dirty="0"/>
           </a:p>
         </p:txBody>
       </p:sp>
+      <p:sp>
+        <p:nvSpPr>
+          <p:cNvPr id="5" name="Номер слайда 4">
+            <a:extLst>
+              <a:ext uri="{FF2B5EF4-FFF2-40B4-BE49-F238E27FC236}">
+                <a16:creationId xmlns:a16="http://schemas.microsoft.com/office/drawing/2014/main" id="{F9D77489-2275-14CA-926D-64F6E9FF9334}"/>
+              </a:ext>
+            </a:extLst>
+          </p:cNvPr>
+          <p:cNvSpPr txBox="1">
+            <a:spLocks/>
+          </p:cNvSpPr>
+          <p:nvPr/>
+        </p:nvSpPr>
+        <p:spPr>
+          <a:xfrm>
+            <a:off x="11171852" y="0"/>
+            <a:ext cx="1020148" cy="658368"/>
+          </a:xfrm>
+          <a:prstGeom prst="rect">
+            <a:avLst/>
+          </a:prstGeom>
+        </p:spPr>
+        <p:txBody>
+          <a:bodyPr vert="horz" lIns="91440" tIns="45720" rIns="91440" bIns="45720" rtlCol="0" anchor="ctr"/>
+          <a:lstStyle>
+            <a:defPPr>
+              <a:defRPr lang="en-US"/>
+            </a:defPPr>
+            <a:lvl1pPr marL="0" algn="r" defTabSz="457200" rtl="0" eaLnBrk="1" latinLnBrk="0" hangingPunct="1">
+              <a:defRPr sz="1000" b="0" i="0" kern="1200">
+                <a:solidFill>
+                  <a:schemeClr val="tx1"/>
+                </a:solidFill>
+                <a:effectLst/>
+                <a:latin typeface="+mn-lt"/>
+                <a:ea typeface="+mn-ea"/>
+                <a:cs typeface="+mn-cs"/>
+              </a:defRPr>
+            </a:lvl1pPr>
+            <a:lvl2pPr marL="457200" algn="l" defTabSz="457200" rtl="0" eaLnBrk="1" latinLnBrk="0" hangingPunct="1">
+              <a:defRPr sz="1800" kern="1200">
+                <a:solidFill>
+                  <a:schemeClr val="tx1"/>
+                </a:solidFill>
+                <a:latin typeface="+mn-lt"/>
+                <a:ea typeface="+mn-ea"/>
+                <a:cs typeface="+mn-cs"/>
+              </a:defRPr>
+            </a:lvl2pPr>
+            <a:lvl3pPr marL="914400" algn="l" defTabSz="457200" rtl="0" eaLnBrk="1" latinLnBrk="0" hangingPunct="1">
+              <a:defRPr sz="1800" kern="1200">
+                <a:solidFill>
+                  <a:schemeClr val="tx1"/>
+                </a:solidFill>
+                <a:latin typeface="+mn-lt"/>
+                <a:ea typeface="+mn-ea"/>
+                <a:cs typeface="+mn-cs"/>
+              </a:defRPr>
+            </a:lvl3pPr>
+            <a:lvl4pPr marL="1371600" algn="l" defTabSz="457200" rtl="0" eaLnBrk="1" latinLnBrk="0" hangingPunct="1">
+              <a:defRPr sz="1800" kern="1200">
+                <a:solidFill>
+                  <a:schemeClr val="tx1"/>
+                </a:solidFill>
+                <a:latin typeface="+mn-lt"/>
+                <a:ea typeface="+mn-ea"/>
+                <a:cs typeface="+mn-cs"/>
+              </a:defRPr>
+            </a:lvl4pPr>
+            <a:lvl5pPr marL="1828800" algn="l" defTabSz="457200" rtl="0" eaLnBrk="1" latinLnBrk="0" hangingPunct="1">
+              <a:defRPr sz="1800" kern="1200">
+                <a:solidFill>
+                  <a:schemeClr val="tx1"/>
+                </a:solidFill>
+                <a:latin typeface="+mn-lt"/>
+                <a:ea typeface="+mn-ea"/>
+                <a:cs typeface="+mn-cs"/>
+              </a:defRPr>
+            </a:lvl5pPr>
+            <a:lvl6pPr marL="2286000" algn="l" defTabSz="457200" rtl="0" eaLnBrk="1" latinLnBrk="0" hangingPunct="1">
+              <a:defRPr sz="1800" kern="1200">
+                <a:solidFill>
+                  <a:schemeClr val="tx1"/>
+                </a:solidFill>
+                <a:latin typeface="+mn-lt"/>
+                <a:ea typeface="+mn-ea"/>
+                <a:cs typeface="+mn-cs"/>
+              </a:defRPr>
+            </a:lvl6pPr>
+            <a:lvl7pPr marL="2743200" algn="l" defTabSz="457200" rtl="0" eaLnBrk="1" latinLnBrk="0" hangingPunct="1">
+              <a:defRPr sz="1800" kern="1200">
+                <a:solidFill>
+                  <a:schemeClr val="tx1"/>
+                </a:solidFill>
+                <a:latin typeface="+mn-lt"/>
+                <a:ea typeface="+mn-ea"/>
+                <a:cs typeface="+mn-cs"/>
+              </a:defRPr>
+            </a:lvl7pPr>
+            <a:lvl8pPr marL="3200400" algn="l" defTabSz="457200" rtl="0" eaLnBrk="1" latinLnBrk="0" hangingPunct="1">
+              <a:defRPr sz="1800" kern="1200">
+                <a:solidFill>
+                  <a:schemeClr val="tx1"/>
+                </a:solidFill>
+                <a:latin typeface="+mn-lt"/>
+                <a:ea typeface="+mn-ea"/>
+                <a:cs typeface="+mn-cs"/>
+              </a:defRPr>
+            </a:lvl8pPr>
+            <a:lvl9pPr marL="3657600" algn="l" defTabSz="457200" rtl="0" eaLnBrk="1" latinLnBrk="0" hangingPunct="1">
+              <a:defRPr sz="1800" kern="1200">
+                <a:solidFill>
+                  <a:schemeClr val="tx1"/>
+                </a:solidFill>
+                <a:latin typeface="+mn-lt"/>
+                <a:ea typeface="+mn-ea"/>
+                <a:cs typeface="+mn-cs"/>
+              </a:defRPr>
+            </a:lvl9pPr>
+          </a:lstStyle>
+          <a:p>
+            <a:pPr algn="ctr"/>
+            <a:fld id="{E674C0A0-8DE9-4942-9F1B-2332F349D007}" type="slidenum">
+              <a:rPr lang="ru-RU" sz="2200" smtClean="0">
+                <a:latin typeface="Tahoma" panose="020B0604030504040204" pitchFamily="34" charset="0"/>
+                <a:ea typeface="Tahoma" panose="020B0604030504040204" pitchFamily="34" charset="0"/>
+                <a:cs typeface="Tahoma" panose="020B0604030504040204" pitchFamily="34" charset="0"/>
+              </a:rPr>
+              <a:pPr algn="ctr"/>
+              <a:t>19</a:t>
+            </a:fld>
+            <a:endParaRPr lang="ru-RU" sz="2200" dirty="0">
+              <a:latin typeface="Tahoma" panose="020B0604030504040204" pitchFamily="34" charset="0"/>
+              <a:ea typeface="Tahoma" panose="020B0604030504040204" pitchFamily="34" charset="0"/>
+              <a:cs typeface="Tahoma" panose="020B0604030504040204" pitchFamily="34" charset="0"/>
+            </a:endParaRPr>
+          </a:p>
+        </p:txBody>
+      </p:sp>
+      <p:pic>
+        <p:nvPicPr>
+          <p:cNvPr id="6" name="Рисунок 5">
+            <a:extLst>
+              <a:ext uri="{FF2B5EF4-FFF2-40B4-BE49-F238E27FC236}">
+                <a16:creationId xmlns:a16="http://schemas.microsoft.com/office/drawing/2014/main" id="{EF39CDAC-48A7-0FBE-14E9-8BE96595EE5A}"/>
+              </a:ext>
+            </a:extLst>
+          </p:cNvPr>
+          <p:cNvPicPr>
+            <a:picLocks noChangeAspect="1"/>
+          </p:cNvPicPr>
+          <p:nvPr/>
+        </p:nvPicPr>
+        <p:blipFill>
+          <a:blip r:embed="rId3"/>
+          <a:stretch>
+            <a:fillRect/>
+          </a:stretch>
+        </p:blipFill>
+        <p:spPr>
+          <a:xfrm>
+            <a:off x="3441290" y="749808"/>
+            <a:ext cx="5260258" cy="6108192"/>
+          </a:xfrm>
+          <a:prstGeom prst="rect">
+            <a:avLst/>
+          </a:prstGeom>
+        </p:spPr>
+      </p:pic>
     </p:spTree>
     <p:extLst>
       <p:ext uri="{BB962C8B-B14F-4D97-AF65-F5344CB8AC3E}">
-        <p14:creationId xmlns:p14="http://schemas.microsoft.com/office/powerpoint/2010/main" val="1250096644"/>
+        <p14:creationId xmlns:p14="http://schemas.microsoft.com/office/powerpoint/2010/main" val="4189832676"/>
       </p:ext>
     </p:extLst>
   </p:cSld>
@@ -21631,6 +22887,101 @@
     <p:extLst>
       <p:ext uri="{BB962C8B-B14F-4D97-AF65-F5344CB8AC3E}">
         <p14:creationId xmlns:p14="http://schemas.microsoft.com/office/powerpoint/2010/main" val="3308579488"/>
+      </p:ext>
+    </p:extLst>
+  </p:cSld>
+  <p:clrMapOvr>
+    <a:masterClrMapping/>
+  </p:clrMapOvr>
+  <mc:AlternateContent xmlns:mc="http://schemas.openxmlformats.org/markup-compatibility/2006" xmlns:p14="http://schemas.microsoft.com/office/powerpoint/2010/main">
+    <mc:Choice Requires="p14">
+      <p:transition spd="med" p14:dur="700">
+        <p:fade/>
+      </p:transition>
+    </mc:Choice>
+    <mc:Fallback xmlns="">
+      <p:transition spd="med">
+        <p:fade/>
+      </p:transition>
+    </mc:Fallback>
+  </mc:AlternateContent>
+</p:sld>
+</file>
+
+<file path=ppt/slides/slide20.xml><?xml version="1.0" encoding="utf-8"?>
+<p:sld xmlns:a="http://schemas.openxmlformats.org/drawingml/2006/main" xmlns:r="http://schemas.openxmlformats.org/officeDocument/2006/relationships" xmlns:p="http://schemas.openxmlformats.org/presentationml/2006/main">
+  <p:cSld>
+    <p:spTree>
+      <p:nvGrpSpPr>
+        <p:cNvPr id="1" name=""/>
+        <p:cNvGrpSpPr/>
+        <p:nvPr/>
+      </p:nvGrpSpPr>
+      <p:grpSpPr>
+        <a:xfrm>
+          <a:off x="0" y="0"/>
+          <a:ext cx="0" cy="0"/>
+          <a:chOff x="0" y="0"/>
+          <a:chExt cx="0" cy="0"/>
+        </a:xfrm>
+      </p:grpSpPr>
+      <p:sp>
+        <p:nvSpPr>
+          <p:cNvPr id="2" name="Заголовок 1">
+            <a:extLst>
+              <a:ext uri="{FF2B5EF4-FFF2-40B4-BE49-F238E27FC236}">
+                <a16:creationId xmlns:a16="http://schemas.microsoft.com/office/drawing/2014/main" id="{DCDEF69C-C445-15ED-1AE7-519CE259E24E}"/>
+              </a:ext>
+            </a:extLst>
+          </p:cNvPr>
+          <p:cNvSpPr>
+            <a:spLocks noGrp="1"/>
+          </p:cNvSpPr>
+          <p:nvPr>
+            <p:ph type="title"/>
+          </p:nvPr>
+        </p:nvSpPr>
+        <p:spPr>
+          <a:xfrm>
+            <a:off x="1030287" y="2608411"/>
+            <a:ext cx="10131425" cy="1456267"/>
+          </a:xfrm>
+        </p:spPr>
+        <p:txBody>
+          <a:bodyPr>
+            <a:noAutofit/>
+          </a:bodyPr>
+          <a:lstStyle/>
+          <a:p>
+            <a:pPr algn="ctr"/>
+            <a:r>
+              <a:rPr lang="ru-RU" cap="all" dirty="0">
+                <a:latin typeface="Times New Roman" panose="02020603050405020304" pitchFamily="18" charset="0"/>
+                <a:cs typeface="Times New Roman" panose="02020603050405020304" pitchFamily="18" charset="0"/>
+              </a:rPr>
+              <a:t>СПАСИБО ЗА ВНИМАНИЕ.</a:t>
+            </a:r>
+            <a:br>
+              <a:rPr lang="ru-RU" cap="all" dirty="0">
+                <a:latin typeface="Times New Roman" panose="02020603050405020304" pitchFamily="18" charset="0"/>
+                <a:cs typeface="Times New Roman" panose="02020603050405020304" pitchFamily="18" charset="0"/>
+              </a:rPr>
+            </a:br>
+            <a:r>
+              <a:rPr lang="ru-RU" cap="all" dirty="0">
+                <a:latin typeface="Times New Roman" panose="02020603050405020304" pitchFamily="18" charset="0"/>
+                <a:cs typeface="Times New Roman" panose="02020603050405020304" pitchFamily="18" charset="0"/>
+              </a:rPr>
+              <a:t>ДОКЛАД ОКОНЧЕН!</a:t>
+            </a:r>
+            <a:endParaRPr lang="ru-RU" dirty="0"/>
+          </a:p>
+        </p:txBody>
+      </p:sp>
+    </p:spTree>
+    <p:extLst>
+      <p:ext uri="{BB962C8B-B14F-4D97-AF65-F5344CB8AC3E}">
+        <p14:creationId xmlns:p14="http://schemas.microsoft.com/office/powerpoint/2010/main" val="1250096644"/>
       </p:ext>
     </p:extLst>
   </p:cSld>

--- a/Дипломная работа/Преддипломная Шуршев/Презентация преддипломная.pptx
+++ b/Дипломная работа/Преддипломная Шуршев/Презентация преддипломная.pptx
@@ -216,7 +216,7 @@
           <a:p>
             <a:fld id="{0752C715-6935-41AD-9984-2334D42D2383}" type="datetimeFigureOut">
               <a:rPr lang="ru-RU" smtClean="0"/>
-              <a:t>22.05.2025</a:t>
+              <a:t>25.05.2025</a:t>
             </a:fld>
             <a:endParaRPr lang="ru-RU"/>
           </a:p>
@@ -3152,7 +3152,7 @@
           <a:p>
             <a:fld id="{A592AB9E-B3E0-40A8-9D13-59617F3F8A64}" type="datetime1">
               <a:rPr lang="ru-RU" smtClean="0"/>
-              <a:t>22.05.2025</a:t>
+              <a:t>25.05.2025</a:t>
             </a:fld>
             <a:endParaRPr lang="ru-RU"/>
           </a:p>
@@ -3498,7 +3498,7 @@
           <a:p>
             <a:fld id="{5417B1CA-4C4F-4F8D-803D-8A6A8A906241}" type="datetime1">
               <a:rPr lang="ru-RU" smtClean="0"/>
-              <a:t>22.05.2025</a:t>
+              <a:t>25.05.2025</a:t>
             </a:fld>
             <a:endParaRPr lang="ru-RU"/>
           </a:p>
@@ -3776,7 +3776,7 @@
           <a:p>
             <a:fld id="{82CFFC90-8D51-4E14-AFBA-129AE5402BF2}" type="datetime1">
               <a:rPr lang="ru-RU" smtClean="0"/>
-              <a:t>22.05.2025</a:t>
+              <a:t>25.05.2025</a:t>
             </a:fld>
             <a:endParaRPr lang="ru-RU"/>
           </a:p>
@@ -4344,7 +4344,7 @@
           <a:p>
             <a:fld id="{EA467253-3793-4A20-98DF-36EA880F85F5}" type="datetime1">
               <a:rPr lang="ru-RU" smtClean="0"/>
-              <a:t>22.05.2025</a:t>
+              <a:t>25.05.2025</a:t>
             </a:fld>
             <a:endParaRPr lang="ru-RU"/>
           </a:p>
@@ -4622,7 +4622,7 @@
           <a:p>
             <a:fld id="{D83AF644-49BB-4732-B227-064E7E8E9B75}" type="datetime1">
               <a:rPr lang="ru-RU" smtClean="0"/>
-              <a:t>22.05.2025</a:t>
+              <a:t>25.05.2025</a:t>
             </a:fld>
             <a:endParaRPr lang="ru-RU"/>
           </a:p>
@@ -5184,7 +5184,7 @@
           <a:p>
             <a:fld id="{93741DF7-081A-43E1-AEC0-7A6A5EFC3E04}" type="datetime1">
               <a:rPr lang="ru-RU" smtClean="0"/>
-              <a:t>22.05.2025</a:t>
+              <a:t>25.05.2025</a:t>
             </a:fld>
             <a:endParaRPr lang="ru-RU"/>
           </a:p>
@@ -5511,7 +5511,7 @@
           <a:p>
             <a:fld id="{60804587-5AD3-4566-AED6-7C5642B16C64}" type="datetime1">
               <a:rPr lang="ru-RU" smtClean="0"/>
-              <a:t>22.05.2025</a:t>
+              <a:t>25.05.2025</a:t>
             </a:fld>
             <a:endParaRPr lang="ru-RU"/>
           </a:p>
@@ -5688,7 +5688,7 @@
           <a:p>
             <a:fld id="{AF148D8C-8A56-4364-A29B-FC848D70BD3E}" type="datetime1">
               <a:rPr lang="ru-RU" smtClean="0"/>
-              <a:t>22.05.2025</a:t>
+              <a:t>25.05.2025</a:t>
             </a:fld>
             <a:endParaRPr lang="ru-RU"/>
           </a:p>
@@ -5938,7 +5938,7 @@
           <a:p>
             <a:fld id="{1F560C62-4747-4C40-80B5-9506A6478873}" type="datetime1">
               <a:rPr lang="ru-RU" smtClean="0"/>
-              <a:t>22.05.2025</a:t>
+              <a:t>25.05.2025</a:t>
             </a:fld>
             <a:endParaRPr lang="ru-RU"/>
           </a:p>
@@ -6150,7 +6150,7 @@
           <a:p>
             <a:fld id="{655C5391-6D11-49BE-9D35-F1852430608C}" type="datetime1">
               <a:rPr lang="ru-RU" smtClean="0"/>
-              <a:t>22.05.2025</a:t>
+              <a:t>25.05.2025</a:t>
             </a:fld>
             <a:endParaRPr lang="ru-RU"/>
           </a:p>
@@ -6438,7 +6438,7 @@
           <a:p>
             <a:fld id="{D1B7E046-787A-42F0-988E-D94C46E094ED}" type="datetime1">
               <a:rPr lang="ru-RU" smtClean="0"/>
-              <a:t>22.05.2025</a:t>
+              <a:t>25.05.2025</a:t>
             </a:fld>
             <a:endParaRPr lang="ru-RU"/>
           </a:p>
@@ -6716,7 +6716,7 @@
           <a:p>
             <a:fld id="{1DEF2D25-E9E1-4E54-81F0-1D2FE8854B0E}" type="datetime1">
               <a:rPr lang="ru-RU" smtClean="0"/>
-              <a:t>22.05.2025</a:t>
+              <a:t>25.05.2025</a:t>
             </a:fld>
             <a:endParaRPr lang="ru-RU"/>
           </a:p>
@@ -7102,7 +7102,7 @@
           <a:p>
             <a:fld id="{2D559C09-903E-4473-BBE2-D44EED2E9BB9}" type="datetime1">
               <a:rPr lang="ru-RU" smtClean="0"/>
-              <a:t>22.05.2025</a:t>
+              <a:t>25.05.2025</a:t>
             </a:fld>
             <a:endParaRPr lang="ru-RU"/>
           </a:p>
@@ -7262,7 +7262,7 @@
           <a:p>
             <a:fld id="{5DEFB42A-193B-4E6D-9002-E4C3450AA4B1}" type="datetime1">
               <a:rPr lang="ru-RU" smtClean="0"/>
-              <a:t>22.05.2025</a:t>
+              <a:t>25.05.2025</a:t>
             </a:fld>
             <a:endParaRPr lang="ru-RU"/>
           </a:p>
@@ -7399,7 +7399,7 @@
           <a:p>
             <a:fld id="{B780A1C7-BCFA-4491-ABEA-F198E9E80238}" type="datetime1">
               <a:rPr lang="ru-RU" smtClean="0"/>
-              <a:t>22.05.2025</a:t>
+              <a:t>25.05.2025</a:t>
             </a:fld>
             <a:endParaRPr lang="ru-RU"/>
           </a:p>
@@ -7696,7 +7696,7 @@
           <a:p>
             <a:fld id="{6B7D87D1-A00E-4856-B035-ABE302A2367C}" type="datetime1">
               <a:rPr lang="ru-RU" smtClean="0"/>
-              <a:t>22.05.2025</a:t>
+              <a:t>25.05.2025</a:t>
             </a:fld>
             <a:endParaRPr lang="ru-RU"/>
           </a:p>
@@ -8032,7 +8032,7 @@
           <a:p>
             <a:fld id="{95982220-A412-481B-B026-9F63F21200E0}" type="datetime1">
               <a:rPr lang="ru-RU" smtClean="0"/>
-              <a:t>22.05.2025</a:t>
+              <a:t>25.05.2025</a:t>
             </a:fld>
             <a:endParaRPr lang="ru-RU"/>
           </a:p>
@@ -8258,7 +8258,7 @@
           <a:p>
             <a:fld id="{CBF3DBF7-CC75-4132-A774-E3960ACCECD6}" type="datetime1">
               <a:rPr lang="ru-RU" smtClean="0"/>
-              <a:t>22.05.2025</a:t>
+              <a:t>25.05.2025</a:t>
             </a:fld>
             <a:endParaRPr lang="ru-RU"/>
           </a:p>
@@ -32540,7 +32540,7 @@
               <a:t> </a:t>
             </a:r>
             <a:r>
-              <a:rPr lang="ru-RU" sz="2200" dirty="0">
+              <a:rPr lang="ru-RU" sz="2200">
                 <a:solidFill>
                   <a:srgbClr val="FFFF00"/>
                 </a:solidFill>
@@ -32551,11 +32551,18 @@
               <a:t>эффективность</a:t>
             </a:r>
             <a:r>
+              <a:rPr lang="ru-RU" sz="2200">
+                <a:latin typeface="Times New Roman" panose="02020603050405020304" pitchFamily="18" charset="0"/>
+                <a:cs typeface="Times New Roman" panose="02020603050405020304" pitchFamily="18" charset="0"/>
+              </a:rPr>
+              <a:t> документооборота</a:t>
+            </a:r>
+            <a:r>
               <a:rPr lang="ru-RU" sz="2200" dirty="0">
                 <a:latin typeface="Times New Roman" panose="02020603050405020304" pitchFamily="18" charset="0"/>
                 <a:cs typeface="Times New Roman" panose="02020603050405020304" pitchFamily="18" charset="0"/>
               </a:rPr>
-              <a:t> деятельности документооборота, обеспечивающего </a:t>
+              <a:t>, обеспечивающего </a:t>
             </a:r>
             <a:r>
               <a:rPr lang="ru-RU" sz="2200" dirty="0">
